--- a/obhajoba.pptx
+++ b/obhajoba.pptx
@@ -5,12 +5,28 @@
     <p:sldMasterId id="2147483674" r:id="rId4"/>
     <p:sldMasterId id="2147483676" r:id="rId5"/>
     <p:sldMasterId id="2147483662" r:id="rId6"/>
+    <p:sldMasterId id="2147483678" r:id="rId7"/>
   </p:sldMasterIdLst>
+  <p:notesMasterIdLst>
+    <p:notesMasterId r:id="rId24"/>
+  </p:notesMasterIdLst>
   <p:sldIdLst>
-    <p:sldId id="263" r:id="rId7"/>
-    <p:sldId id="284" r:id="rId8"/>
-    <p:sldId id="322" r:id="rId9"/>
-    <p:sldId id="323" r:id="rId10"/>
+    <p:sldId id="263" r:id="rId8"/>
+    <p:sldId id="284" r:id="rId9"/>
+    <p:sldId id="271" r:id="rId10"/>
+    <p:sldId id="322" r:id="rId11"/>
+    <p:sldId id="331" r:id="rId12"/>
+    <p:sldId id="286" r:id="rId13"/>
+    <p:sldId id="311" r:id="rId14"/>
+    <p:sldId id="334" r:id="rId15"/>
+    <p:sldId id="324" r:id="rId16"/>
+    <p:sldId id="328" r:id="rId17"/>
+    <p:sldId id="325" r:id="rId18"/>
+    <p:sldId id="326" r:id="rId19"/>
+    <p:sldId id="330" r:id="rId20"/>
+    <p:sldId id="327" r:id="rId21"/>
+    <p:sldId id="329" r:id="rId22"/>
+    <p:sldId id="270" r:id="rId23"/>
   </p:sldIdLst>
   <p:sldSz cx="9144000" cy="6858000" type="screen4x3"/>
   <p:notesSz cx="6858000" cy="9144000"/>
@@ -126,7 +142,7 @@
 <file path=ppt/revisionInfo.xml><?xml version="1.0" encoding="utf-8"?>
 <p1510:revInfo xmlns:a="http://schemas.openxmlformats.org/drawingml/2006/main" xmlns:r="http://schemas.openxmlformats.org/officeDocument/2006/relationships" xmlns:p1510="http://schemas.microsoft.com/office/powerpoint/2015/10/main">
   <p1510:revLst>
-    <p1510:client id="{3BC0A993-E482-0E47-ADF7-D120FE41891C}" v="3" dt="2026-01-28T20:59:03.234"/>
+    <p1510:client id="{3BC0A993-E482-0E47-ADF7-D120FE41891C}" v="77" dt="2026-01-30T12:08:42.500"/>
   </p1510:revLst>
 </p1510:revInfo>
 </file>
@@ -144,19 +160,19 @@
   </pc:docChgLst>
   <pc:docChgLst>
     <pc:chgData name="Hana Žahourová" userId="230038c9-a3ca-4475-b002-a1afd1b1f2d3" providerId="ADAL" clId="{0B286381-0C14-58E2-A012-C306F8E3D3E3}"/>
-    <pc:docChg chg="custSel addSld delSld modSld">
-      <pc:chgData name="Hana Žahourová" userId="230038c9-a3ca-4475-b002-a1afd1b1f2d3" providerId="ADAL" clId="{0B286381-0C14-58E2-A012-C306F8E3D3E3}" dt="2026-01-28T21:50:01.397" v="393" actId="20577"/>
+    <pc:docChg chg="undo custSel addSld delSld modSld sldOrd">
+      <pc:chgData name="Hana Žahourová" userId="230038c9-a3ca-4475-b002-a1afd1b1f2d3" providerId="ADAL" clId="{0B286381-0C14-58E2-A012-C306F8E3D3E3}" dt="2026-01-30T12:08:53.136" v="2188" actId="20577"/>
       <pc:docMkLst>
         <pc:docMk/>
       </pc:docMkLst>
       <pc:sldChg chg="modSp mod">
-        <pc:chgData name="Hana Žahourová" userId="230038c9-a3ca-4475-b002-a1afd1b1f2d3" providerId="ADAL" clId="{0B286381-0C14-58E2-A012-C306F8E3D3E3}" dt="2026-01-28T20:48:42.767" v="65" actId="20577"/>
+        <pc:chgData name="Hana Žahourová" userId="230038c9-a3ca-4475-b002-a1afd1b1f2d3" providerId="ADAL" clId="{0B286381-0C14-58E2-A012-C306F8E3D3E3}" dt="2026-01-30T11:57:45.494" v="2169" actId="20577"/>
         <pc:sldMkLst>
           <pc:docMk/>
           <pc:sldMk cId="3786549256" sldId="263"/>
         </pc:sldMkLst>
         <pc:spChg chg="mod">
-          <ac:chgData name="Hana Žahourová" userId="230038c9-a3ca-4475-b002-a1afd1b1f2d3" providerId="ADAL" clId="{0B286381-0C14-58E2-A012-C306F8E3D3E3}" dt="2026-01-28T20:48:42.767" v="65" actId="20577"/>
+          <ac:chgData name="Hana Žahourová" userId="230038c9-a3ca-4475-b002-a1afd1b1f2d3" providerId="ADAL" clId="{0B286381-0C14-58E2-A012-C306F8E3D3E3}" dt="2026-01-30T11:57:45.494" v="2169" actId="20577"/>
           <ac:spMkLst>
             <pc:docMk/>
             <pc:sldMk cId="3786549256" sldId="263"/>
@@ -164,523 +180,905 @@
           </ac:spMkLst>
         </pc:spChg>
       </pc:sldChg>
-      <pc:sldChg chg="del">
-        <pc:chgData name="Hana Žahourová" userId="230038c9-a3ca-4475-b002-a1afd1b1f2d3" providerId="ADAL" clId="{0B286381-0C14-58E2-A012-C306F8E3D3E3}" dt="2026-01-28T20:49:07.186" v="67" actId="2696"/>
+      <pc:sldChg chg="modSp add del mod">
+        <pc:chgData name="Hana Žahourová" userId="230038c9-a3ca-4475-b002-a1afd1b1f2d3" providerId="ADAL" clId="{0B286381-0C14-58E2-A012-C306F8E3D3E3}" dt="2026-01-29T22:38:49.199" v="1611" actId="20577"/>
         <pc:sldMkLst>
           <pc:docMk/>
-          <pc:sldMk cId="1386513677" sldId="280"/>
+          <pc:sldMk cId="3939120032" sldId="270"/>
         </pc:sldMkLst>
+        <pc:spChg chg="mod">
+          <ac:chgData name="Hana Žahourová" userId="230038c9-a3ca-4475-b002-a1afd1b1f2d3" providerId="ADAL" clId="{0B286381-0C14-58E2-A012-C306F8E3D3E3}" dt="2026-01-29T22:38:49.199" v="1611" actId="20577"/>
+          <ac:spMkLst>
+            <pc:docMk/>
+            <pc:sldMk cId="3939120032" sldId="270"/>
+            <ac:spMk id="4" creationId="{0189036C-68F1-2208-6922-3C37B8772AB4}"/>
+          </ac:spMkLst>
+        </pc:spChg>
       </pc:sldChg>
-      <pc:sldChg chg="del">
-        <pc:chgData name="Hana Žahourová" userId="230038c9-a3ca-4475-b002-a1afd1b1f2d3" providerId="ADAL" clId="{0B286381-0C14-58E2-A012-C306F8E3D3E3}" dt="2026-01-28T20:49:07.186" v="67" actId="2696"/>
+      <pc:sldChg chg="modSp add mod">
+        <pc:chgData name="Hana Žahourová" userId="230038c9-a3ca-4475-b002-a1afd1b1f2d3" providerId="ADAL" clId="{0B286381-0C14-58E2-A012-C306F8E3D3E3}" dt="2026-01-30T12:02:52.953" v="2182" actId="403"/>
         <pc:sldMkLst>
           <pc:docMk/>
-          <pc:sldMk cId="2729890747" sldId="281"/>
+          <pc:sldMk cId="2819717697" sldId="271"/>
         </pc:sldMkLst>
+        <pc:spChg chg="mod">
+          <ac:chgData name="Hana Žahourová" userId="230038c9-a3ca-4475-b002-a1afd1b1f2d3" providerId="ADAL" clId="{0B286381-0C14-58E2-A012-C306F8E3D3E3}" dt="2026-01-30T12:02:52.953" v="2182" actId="403"/>
+          <ac:spMkLst>
+            <pc:docMk/>
+            <pc:sldMk cId="2819717697" sldId="271"/>
+            <ac:spMk id="3" creationId="{EC210CE7-DD47-D932-2B13-1C4EB19804C9}"/>
+          </ac:spMkLst>
+        </pc:spChg>
       </pc:sldChg>
-      <pc:sldChg chg="del">
-        <pc:chgData name="Hana Žahourová" userId="230038c9-a3ca-4475-b002-a1afd1b1f2d3" providerId="ADAL" clId="{0B286381-0C14-58E2-A012-C306F8E3D3E3}" dt="2026-01-28T20:49:07.186" v="67" actId="2696"/>
+      <pc:sldChg chg="modSp add del mod">
+        <pc:chgData name="Hana Žahourová" userId="230038c9-a3ca-4475-b002-a1afd1b1f2d3" providerId="ADAL" clId="{0B286381-0C14-58E2-A012-C306F8E3D3E3}" dt="2026-01-30T09:43:19.708" v="1639" actId="1076"/>
         <pc:sldMkLst>
           <pc:docMk/>
           <pc:sldMk cId="2670353907" sldId="286"/>
         </pc:sldMkLst>
+        <pc:spChg chg="mod">
+          <ac:chgData name="Hana Žahourová" userId="230038c9-a3ca-4475-b002-a1afd1b1f2d3" providerId="ADAL" clId="{0B286381-0C14-58E2-A012-C306F8E3D3E3}" dt="2026-01-30T09:43:19.708" v="1639" actId="1076"/>
+          <ac:spMkLst>
+            <pc:docMk/>
+            <pc:sldMk cId="2670353907" sldId="286"/>
+            <ac:spMk id="4" creationId="{3186B88E-2C99-06E6-F2F5-22E47A67B329}"/>
+          </ac:spMkLst>
+        </pc:spChg>
       </pc:sldChg>
-      <pc:sldChg chg="del">
-        <pc:chgData name="Hana Žahourová" userId="230038c9-a3ca-4475-b002-a1afd1b1f2d3" providerId="ADAL" clId="{0B286381-0C14-58E2-A012-C306F8E3D3E3}" dt="2026-01-28T20:49:07.186" v="67" actId="2696"/>
-        <pc:sldMkLst>
-          <pc:docMk/>
-          <pc:sldMk cId="161895733" sldId="289"/>
-        </pc:sldMkLst>
-      </pc:sldChg>
-      <pc:sldChg chg="addSp delSp modSp del mod">
-        <pc:chgData name="Hana Žahourová" userId="230038c9-a3ca-4475-b002-a1afd1b1f2d3" providerId="ADAL" clId="{0B286381-0C14-58E2-A012-C306F8E3D3E3}" dt="2026-01-28T20:49:07.186" v="67" actId="2696"/>
-        <pc:sldMkLst>
-          <pc:docMk/>
-          <pc:sldMk cId="3208512476" sldId="290"/>
-        </pc:sldMkLst>
-      </pc:sldChg>
-      <pc:sldChg chg="del">
-        <pc:chgData name="Hana Žahourová" userId="230038c9-a3ca-4475-b002-a1afd1b1f2d3" providerId="ADAL" clId="{0B286381-0C14-58E2-A012-C306F8E3D3E3}" dt="2026-01-28T20:49:07.186" v="67" actId="2696"/>
-        <pc:sldMkLst>
-          <pc:docMk/>
-          <pc:sldMk cId="1704497468" sldId="291"/>
-        </pc:sldMkLst>
-      </pc:sldChg>
-      <pc:sldChg chg="del">
-        <pc:chgData name="Hana Žahourová" userId="230038c9-a3ca-4475-b002-a1afd1b1f2d3" providerId="ADAL" clId="{0B286381-0C14-58E2-A012-C306F8E3D3E3}" dt="2026-01-28T20:49:07.186" v="67" actId="2696"/>
-        <pc:sldMkLst>
-          <pc:docMk/>
-          <pc:sldMk cId="710634714" sldId="292"/>
-        </pc:sldMkLst>
-      </pc:sldChg>
-      <pc:sldChg chg="del">
-        <pc:chgData name="Hana Žahourová" userId="230038c9-a3ca-4475-b002-a1afd1b1f2d3" providerId="ADAL" clId="{0B286381-0C14-58E2-A012-C306F8E3D3E3}" dt="2026-01-28T20:49:07.186" v="67" actId="2696"/>
-        <pc:sldMkLst>
-          <pc:docMk/>
-          <pc:sldMk cId="1470217854" sldId="302"/>
-        </pc:sldMkLst>
-      </pc:sldChg>
-      <pc:sldChg chg="del">
-        <pc:chgData name="Hana Žahourová" userId="230038c9-a3ca-4475-b002-a1afd1b1f2d3" providerId="ADAL" clId="{0B286381-0C14-58E2-A012-C306F8E3D3E3}" dt="2026-01-28T20:49:07.186" v="67" actId="2696"/>
-        <pc:sldMkLst>
-          <pc:docMk/>
-          <pc:sldMk cId="2738862015" sldId="304"/>
-        </pc:sldMkLst>
-      </pc:sldChg>
-      <pc:sldChg chg="del">
-        <pc:chgData name="Hana Žahourová" userId="230038c9-a3ca-4475-b002-a1afd1b1f2d3" providerId="ADAL" clId="{0B286381-0C14-58E2-A012-C306F8E3D3E3}" dt="2026-01-28T20:49:07.186" v="67" actId="2696"/>
-        <pc:sldMkLst>
-          <pc:docMk/>
-          <pc:sldMk cId="2711665299" sldId="305"/>
-        </pc:sldMkLst>
-      </pc:sldChg>
-      <pc:sldChg chg="del">
-        <pc:chgData name="Hana Žahourová" userId="230038c9-a3ca-4475-b002-a1afd1b1f2d3" providerId="ADAL" clId="{0B286381-0C14-58E2-A012-C306F8E3D3E3}" dt="2026-01-28T20:49:07.186" v="67" actId="2696"/>
-        <pc:sldMkLst>
-          <pc:docMk/>
-          <pc:sldMk cId="427124657" sldId="306"/>
-        </pc:sldMkLst>
-      </pc:sldChg>
-      <pc:sldChg chg="del">
-        <pc:chgData name="Hana Žahourová" userId="230038c9-a3ca-4475-b002-a1afd1b1f2d3" providerId="ADAL" clId="{0B286381-0C14-58E2-A012-C306F8E3D3E3}" dt="2026-01-28T20:49:07.186" v="67" actId="2696"/>
-        <pc:sldMkLst>
-          <pc:docMk/>
-          <pc:sldMk cId="2186227856" sldId="310"/>
-        </pc:sldMkLst>
-      </pc:sldChg>
-      <pc:sldChg chg="del">
-        <pc:chgData name="Hana Žahourová" userId="230038c9-a3ca-4475-b002-a1afd1b1f2d3" providerId="ADAL" clId="{0B286381-0C14-58E2-A012-C306F8E3D3E3}" dt="2026-01-28T20:49:07.186" v="67" actId="2696"/>
+      <pc:sldChg chg="modSp add mod">
+        <pc:chgData name="Hana Žahourová" userId="230038c9-a3ca-4475-b002-a1afd1b1f2d3" providerId="ADAL" clId="{0B286381-0C14-58E2-A012-C306F8E3D3E3}" dt="2026-01-30T12:08:48.549" v="2187" actId="20577"/>
         <pc:sldMkLst>
           <pc:docMk/>
           <pc:sldMk cId="1127815583" sldId="311"/>
         </pc:sldMkLst>
+        <pc:spChg chg="mod">
+          <ac:chgData name="Hana Žahourová" userId="230038c9-a3ca-4475-b002-a1afd1b1f2d3" providerId="ADAL" clId="{0B286381-0C14-58E2-A012-C306F8E3D3E3}" dt="2026-01-30T12:08:48.549" v="2187" actId="20577"/>
+          <ac:spMkLst>
+            <pc:docMk/>
+            <pc:sldMk cId="1127815583" sldId="311"/>
+            <ac:spMk id="5" creationId="{17563395-3332-0B03-CDA8-8995C28B598B}"/>
+          </ac:spMkLst>
+        </pc:spChg>
       </pc:sldChg>
-      <pc:sldChg chg="del">
-        <pc:chgData name="Hana Žahourová" userId="230038c9-a3ca-4475-b002-a1afd1b1f2d3" providerId="ADAL" clId="{0B286381-0C14-58E2-A012-C306F8E3D3E3}" dt="2026-01-28T20:48:53.651" v="66" actId="2696"/>
+      <pc:sldChg chg="add">
+        <pc:chgData name="Hana Žahourová" userId="230038c9-a3ca-4475-b002-a1afd1b1f2d3" providerId="ADAL" clId="{0B286381-0C14-58E2-A012-C306F8E3D3E3}" dt="2026-01-30T12:04:24.412" v="2184"/>
         <pc:sldMkLst>
           <pc:docMk/>
-          <pc:sldMk cId="3607085892" sldId="321"/>
+          <pc:sldMk cId="838937498" sldId="322"/>
         </pc:sldMkLst>
       </pc:sldChg>
       <pc:sldChg chg="del">
-        <pc:chgData name="Hana Žahourová" userId="230038c9-a3ca-4475-b002-a1afd1b1f2d3" providerId="ADAL" clId="{0B286381-0C14-58E2-A012-C306F8E3D3E3}" dt="2026-01-28T20:49:07.186" v="67" actId="2696"/>
+        <pc:chgData name="Hana Žahourová" userId="230038c9-a3ca-4475-b002-a1afd1b1f2d3" providerId="ADAL" clId="{0B286381-0C14-58E2-A012-C306F8E3D3E3}" dt="2026-01-30T12:04:19.402" v="2183" actId="2696"/>
         <pc:sldMkLst>
           <pc:docMk/>
-          <pc:sldMk cId="1287521190" sldId="323"/>
+          <pc:sldMk cId="2088849679" sldId="322"/>
         </pc:sldMkLst>
       </pc:sldChg>
-      <pc:sldChg chg="addSp delSp modSp new mod modClrScheme chgLayout">
-        <pc:chgData name="Hana Žahourová" userId="230038c9-a3ca-4475-b002-a1afd1b1f2d3" providerId="ADAL" clId="{0B286381-0C14-58E2-A012-C306F8E3D3E3}" dt="2026-01-28T21:50:01.397" v="393" actId="20577"/>
+      <pc:sldChg chg="addSp delSp modSp new del mod modClrScheme chgLayout">
+        <pc:chgData name="Hana Žahourová" userId="230038c9-a3ca-4475-b002-a1afd1b1f2d3" providerId="ADAL" clId="{0B286381-0C14-58E2-A012-C306F8E3D3E3}" dt="2026-01-29T10:10:06.092" v="560" actId="2696"/>
         <pc:sldMkLst>
           <pc:docMk/>
           <pc:sldMk cId="2916071846" sldId="323"/>
         </pc:sldMkLst>
-        <pc:spChg chg="del">
-          <ac:chgData name="Hana Žahourová" userId="230038c9-a3ca-4475-b002-a1afd1b1f2d3" providerId="ADAL" clId="{0B286381-0C14-58E2-A012-C306F8E3D3E3}" dt="2026-01-28T20:50:58.687" v="69" actId="26606"/>
+      </pc:sldChg>
+      <pc:sldChg chg="addSp delSp modSp add mod">
+        <pc:chgData name="Hana Žahourová" userId="230038c9-a3ca-4475-b002-a1afd1b1f2d3" providerId="ADAL" clId="{0B286381-0C14-58E2-A012-C306F8E3D3E3}" dt="2026-01-30T11:58:27.631" v="2171"/>
+        <pc:sldMkLst>
+          <pc:docMk/>
+          <pc:sldMk cId="3507140480" sldId="324"/>
+        </pc:sldMkLst>
+        <pc:spChg chg="add mod">
+          <ac:chgData name="Hana Žahourová" userId="230038c9-a3ca-4475-b002-a1afd1b1f2d3" providerId="ADAL" clId="{0B286381-0C14-58E2-A012-C306F8E3D3E3}" dt="2026-01-30T11:58:27.631" v="2171"/>
           <ac:spMkLst>
             <pc:docMk/>
-            <pc:sldMk cId="2916071846" sldId="323"/>
-            <ac:spMk id="2" creationId="{2958FA8D-74B2-02E9-1B5D-136F671B4C6D}"/>
+            <pc:sldMk cId="3507140480" sldId="324"/>
+            <ac:spMk id="3" creationId="{9257BCD5-2C7F-CA14-9759-80E5C79D58B1}"/>
+          </ac:spMkLst>
+        </pc:spChg>
+        <pc:spChg chg="mod">
+          <ac:chgData name="Hana Žahourová" userId="230038c9-a3ca-4475-b002-a1afd1b1f2d3" providerId="ADAL" clId="{0B286381-0C14-58E2-A012-C306F8E3D3E3}" dt="2026-01-30T09:51:12.504" v="1667" actId="20577"/>
+          <ac:spMkLst>
+            <pc:docMk/>
+            <pc:sldMk cId="3507140480" sldId="324"/>
+            <ac:spMk id="5" creationId="{9C5377BA-454B-492C-EA5A-1B8AE748EC4C}"/>
+          </ac:spMkLst>
+        </pc:spChg>
+        <pc:spChg chg="mod">
+          <ac:chgData name="Hana Žahourová" userId="230038c9-a3ca-4475-b002-a1afd1b1f2d3" providerId="ADAL" clId="{0B286381-0C14-58E2-A012-C306F8E3D3E3}" dt="2026-01-30T09:52:12.332" v="1679" actId="20577"/>
+          <ac:spMkLst>
+            <pc:docMk/>
+            <pc:sldMk cId="3507140480" sldId="324"/>
+            <ac:spMk id="8" creationId="{341F95D9-E669-BCED-AD7B-65325E0A26C0}"/>
+          </ac:spMkLst>
+        </pc:spChg>
+        <pc:picChg chg="add del mod">
+          <ac:chgData name="Hana Žahourová" userId="230038c9-a3ca-4475-b002-a1afd1b1f2d3" providerId="ADAL" clId="{0B286381-0C14-58E2-A012-C306F8E3D3E3}" dt="2026-01-29T10:01:05.724" v="559" actId="478"/>
+          <ac:picMkLst>
+            <pc:docMk/>
+            <pc:sldMk cId="3507140480" sldId="324"/>
+            <ac:picMk id="2" creationId="{F77779FD-58A1-BF4E-8CF0-3E36537FE982}"/>
+          </ac:picMkLst>
+        </pc:picChg>
+        <pc:picChg chg="mod">
+          <ac:chgData name="Hana Žahourová" userId="230038c9-a3ca-4475-b002-a1afd1b1f2d3" providerId="ADAL" clId="{0B286381-0C14-58E2-A012-C306F8E3D3E3}" dt="2026-01-29T11:46:24.526" v="674" actId="1076"/>
+          <ac:picMkLst>
+            <pc:docMk/>
+            <pc:sldMk cId="3507140480" sldId="324"/>
+            <ac:picMk id="4" creationId="{A1439470-FF19-1166-4D20-BAAC870676DE}"/>
+          </ac:picMkLst>
+        </pc:picChg>
+        <pc:picChg chg="del mod">
+          <ac:chgData name="Hana Žahourová" userId="230038c9-a3ca-4475-b002-a1afd1b1f2d3" providerId="ADAL" clId="{0B286381-0C14-58E2-A012-C306F8E3D3E3}" dt="2026-01-29T11:45:53.166" v="665" actId="478"/>
+          <ac:picMkLst>
+            <pc:docMk/>
+            <pc:sldMk cId="3507140480" sldId="324"/>
+            <ac:picMk id="6" creationId="{607646C6-342C-0BE4-96D0-735B8EDC4172}"/>
+          </ac:picMkLst>
+        </pc:picChg>
+      </pc:sldChg>
+      <pc:sldChg chg="addSp delSp modSp new mod modClrScheme chgLayout">
+        <pc:chgData name="Hana Žahourová" userId="230038c9-a3ca-4475-b002-a1afd1b1f2d3" providerId="ADAL" clId="{0B286381-0C14-58E2-A012-C306F8E3D3E3}" dt="2026-01-30T11:59:26.406" v="2181" actId="14100"/>
+        <pc:sldMkLst>
+          <pc:docMk/>
+          <pc:sldMk cId="3359379582" sldId="325"/>
+        </pc:sldMkLst>
+        <pc:spChg chg="del">
+          <ac:chgData name="Hana Žahourová" userId="230038c9-a3ca-4475-b002-a1afd1b1f2d3" providerId="ADAL" clId="{0B286381-0C14-58E2-A012-C306F8E3D3E3}" dt="2026-01-29T09:40:34.199" v="505" actId="26606"/>
+          <ac:spMkLst>
+            <pc:docMk/>
+            <pc:sldMk cId="3359379582" sldId="325"/>
+            <ac:spMk id="2" creationId="{F7329BEA-F4AC-87A9-2920-E09038209DFB}"/>
           </ac:spMkLst>
         </pc:spChg>
         <pc:spChg chg="del">
-          <ac:chgData name="Hana Žahourová" userId="230038c9-a3ca-4475-b002-a1afd1b1f2d3" providerId="ADAL" clId="{0B286381-0C14-58E2-A012-C306F8E3D3E3}" dt="2026-01-28T20:50:58.687" v="69" actId="26606"/>
+          <ac:chgData name="Hana Žahourová" userId="230038c9-a3ca-4475-b002-a1afd1b1f2d3" providerId="ADAL" clId="{0B286381-0C14-58E2-A012-C306F8E3D3E3}" dt="2026-01-29T09:40:34.199" v="505" actId="26606"/>
           <ac:spMkLst>
             <pc:docMk/>
-            <pc:sldMk cId="2916071846" sldId="323"/>
-            <ac:spMk id="3" creationId="{E0201450-CD81-C3DE-322B-681672EC50B7}"/>
+            <pc:sldMk cId="3359379582" sldId="325"/>
+            <ac:spMk id="3" creationId="{CD8B6405-374B-4C53-A00C-D3EA40D717DD}"/>
           </ac:spMkLst>
         </pc:spChg>
         <pc:spChg chg="add mod">
-          <ac:chgData name="Hana Žahourová" userId="230038c9-a3ca-4475-b002-a1afd1b1f2d3" providerId="ADAL" clId="{0B286381-0C14-58E2-A012-C306F8E3D3E3}" dt="2026-01-28T21:50:01.397" v="393" actId="20577"/>
+          <ac:chgData name="Hana Žahourová" userId="230038c9-a3ca-4475-b002-a1afd1b1f2d3" providerId="ADAL" clId="{0B286381-0C14-58E2-A012-C306F8E3D3E3}" dt="2026-01-29T21:50:26.809" v="1061" actId="1076"/>
           <ac:spMkLst>
             <pc:docMk/>
-            <pc:sldMk cId="2916071846" sldId="323"/>
-            <ac:spMk id="5" creationId="{0F899852-8817-5F99-832D-703B42547DD0}"/>
+            <pc:sldMk cId="3359379582" sldId="325"/>
+            <ac:spMk id="5" creationId="{6450B92B-045A-5360-0501-6943C1D7A713}"/>
           </ac:spMkLst>
         </pc:spChg>
         <pc:spChg chg="add mod">
-          <ac:chgData name="Hana Žahourová" userId="230038c9-a3ca-4475-b002-a1afd1b1f2d3" providerId="ADAL" clId="{0B286381-0C14-58E2-A012-C306F8E3D3E3}" dt="2026-01-28T20:57:31.790" v="97" actId="26606"/>
+          <ac:chgData name="Hana Žahourová" userId="230038c9-a3ca-4475-b002-a1afd1b1f2d3" providerId="ADAL" clId="{0B286381-0C14-58E2-A012-C306F8E3D3E3}" dt="2026-01-30T11:58:33.236" v="2173"/>
           <ac:spMkLst>
             <pc:docMk/>
-            <pc:sldMk cId="2916071846" sldId="323"/>
-            <ac:spMk id="8" creationId="{FD0270CA-D725-1436-A689-0431B927442A}"/>
+            <pc:sldMk cId="3359379582" sldId="325"/>
+            <ac:spMk id="7" creationId="{86F85E0D-18DB-CE51-F996-E3324D862E5E}"/>
+          </ac:spMkLst>
+        </pc:spChg>
+        <pc:spChg chg="add mod">
+          <ac:chgData name="Hana Žahourová" userId="230038c9-a3ca-4475-b002-a1afd1b1f2d3" providerId="ADAL" clId="{0B286381-0C14-58E2-A012-C306F8E3D3E3}" dt="2026-01-29T21:50:23.924" v="1060" actId="1076"/>
+          <ac:spMkLst>
+            <pc:docMk/>
+            <pc:sldMk cId="3359379582" sldId="325"/>
+            <ac:spMk id="9" creationId="{E6360799-CD5E-20FA-C10A-B218DCCA4EA2}"/>
+          </ac:spMkLst>
+        </pc:spChg>
+        <pc:picChg chg="add del mod">
+          <ac:chgData name="Hana Žahourová" userId="230038c9-a3ca-4475-b002-a1afd1b1f2d3" providerId="ADAL" clId="{0B286381-0C14-58E2-A012-C306F8E3D3E3}" dt="2026-01-30T11:59:14.809" v="2176" actId="478"/>
+          <ac:picMkLst>
+            <pc:docMk/>
+            <pc:sldMk cId="3359379582" sldId="325"/>
+            <ac:picMk id="4" creationId="{E78C730D-4D45-C70A-DD5D-2184AD06E19E}"/>
+          </ac:picMkLst>
+        </pc:picChg>
+        <pc:picChg chg="add mod">
+          <ac:chgData name="Hana Žahourová" userId="230038c9-a3ca-4475-b002-a1afd1b1f2d3" providerId="ADAL" clId="{0B286381-0C14-58E2-A012-C306F8E3D3E3}" dt="2026-01-30T11:59:21.305" v="2179" actId="1076"/>
+          <ac:picMkLst>
+            <pc:docMk/>
+            <pc:sldMk cId="3359379582" sldId="325"/>
+            <ac:picMk id="6" creationId="{FC8AF39E-62C9-AF53-FBEB-57820D9A1189}"/>
+          </ac:picMkLst>
+        </pc:picChg>
+        <pc:picChg chg="add mod">
+          <ac:chgData name="Hana Žahourová" userId="230038c9-a3ca-4475-b002-a1afd1b1f2d3" providerId="ADAL" clId="{0B286381-0C14-58E2-A012-C306F8E3D3E3}" dt="2026-01-30T11:59:26.406" v="2181" actId="14100"/>
+          <ac:picMkLst>
+            <pc:docMk/>
+            <pc:sldMk cId="3359379582" sldId="325"/>
+            <ac:picMk id="8" creationId="{69327A8F-015F-76A6-B89F-AA732FB212D4}"/>
+          </ac:picMkLst>
+        </pc:picChg>
+      </pc:sldChg>
+      <pc:sldChg chg="addSp delSp modSp add mod ord modClrScheme chgLayout">
+        <pc:chgData name="Hana Žahourová" userId="230038c9-a3ca-4475-b002-a1afd1b1f2d3" providerId="ADAL" clId="{0B286381-0C14-58E2-A012-C306F8E3D3E3}" dt="2026-01-30T11:58:36.523" v="2174"/>
+        <pc:sldMkLst>
+          <pc:docMk/>
+          <pc:sldMk cId="3401549541" sldId="326"/>
+        </pc:sldMkLst>
+        <pc:spChg chg="mod">
+          <ac:chgData name="Hana Žahourová" userId="230038c9-a3ca-4475-b002-a1afd1b1f2d3" providerId="ADAL" clId="{0B286381-0C14-58E2-A012-C306F8E3D3E3}" dt="2026-01-30T10:05:39.393" v="2020" actId="14100"/>
+          <ac:spMkLst>
+            <pc:docMk/>
+            <pc:sldMk cId="3401549541" sldId="326"/>
+            <ac:spMk id="5" creationId="{5944372B-903C-A9D8-9176-B50537350913}"/>
+          </ac:spMkLst>
+        </pc:spChg>
+        <pc:spChg chg="add mod">
+          <ac:chgData name="Hana Žahourová" userId="230038c9-a3ca-4475-b002-a1afd1b1f2d3" providerId="ADAL" clId="{0B286381-0C14-58E2-A012-C306F8E3D3E3}" dt="2026-01-30T11:58:36.523" v="2174"/>
+          <ac:spMkLst>
+            <pc:docMk/>
+            <pc:sldMk cId="3401549541" sldId="326"/>
+            <ac:spMk id="8" creationId="{B743A6C2-EF13-17A6-BA5E-5E162C89ACB9}"/>
+          </ac:spMkLst>
+        </pc:spChg>
+        <pc:spChg chg="add del">
+          <ac:chgData name="Hana Žahourová" userId="230038c9-a3ca-4475-b002-a1afd1b1f2d3" providerId="ADAL" clId="{0B286381-0C14-58E2-A012-C306F8E3D3E3}" dt="2026-01-29T10:15:08.260" v="573" actId="26606"/>
+          <ac:spMkLst>
+            <pc:docMk/>
+            <pc:sldMk cId="3401549541" sldId="326"/>
+            <ac:spMk id="9" creationId="{9D0F227F-EED9-27E3-255A-D208C6CA7E10}"/>
           </ac:spMkLst>
         </pc:spChg>
         <pc:spChg chg="add del mod">
-          <ac:chgData name="Hana Žahourová" userId="230038c9-a3ca-4475-b002-a1afd1b1f2d3" providerId="ADAL" clId="{0B286381-0C14-58E2-A012-C306F8E3D3E3}" dt="2026-01-28T20:57:29.354" v="96"/>
+          <ac:chgData name="Hana Žahourová" userId="230038c9-a3ca-4475-b002-a1afd1b1f2d3" providerId="ADAL" clId="{0B286381-0C14-58E2-A012-C306F8E3D3E3}" dt="2026-01-29T10:15:07.058" v="570" actId="26606"/>
           <ac:spMkLst>
             <pc:docMk/>
-            <pc:sldMk cId="2916071846" sldId="323"/>
-            <ac:spMk id="10" creationId="{013BFEAF-836D-2BD8-1BA4-954598F50FCB}"/>
+            <pc:sldMk cId="3401549541" sldId="326"/>
+            <ac:spMk id="14" creationId="{EF8B8642-CB55-2260-B32F-10DBF8B1B117}"/>
+          </ac:spMkLst>
+        </pc:spChg>
+        <pc:spChg chg="add del mod">
+          <ac:chgData name="Hana Žahourová" userId="230038c9-a3ca-4475-b002-a1afd1b1f2d3" providerId="ADAL" clId="{0B286381-0C14-58E2-A012-C306F8E3D3E3}" dt="2026-01-29T10:15:08.253" v="572" actId="26606"/>
+          <ac:spMkLst>
+            <pc:docMk/>
+            <pc:sldMk cId="3401549541" sldId="326"/>
+            <ac:spMk id="16" creationId="{42ABE005-CB98-C477-2BB4-EA9025D0567D}"/>
+          </ac:spMkLst>
+        </pc:spChg>
+        <pc:spChg chg="add mod">
+          <ac:chgData name="Hana Žahourová" userId="230038c9-a3ca-4475-b002-a1afd1b1f2d3" providerId="ADAL" clId="{0B286381-0C14-58E2-A012-C306F8E3D3E3}" dt="2026-01-30T10:06:58.442" v="2061" actId="20577"/>
+          <ac:spMkLst>
+            <pc:docMk/>
+            <pc:sldMk cId="3401549541" sldId="326"/>
+            <ac:spMk id="18" creationId="{EF8B8642-CB55-2260-B32F-10DBF8B1B117}"/>
+          </ac:spMkLst>
+        </pc:spChg>
+        <pc:picChg chg="add del mod">
+          <ac:chgData name="Hana Žahourová" userId="230038c9-a3ca-4475-b002-a1afd1b1f2d3" providerId="ADAL" clId="{0B286381-0C14-58E2-A012-C306F8E3D3E3}" dt="2026-01-29T09:55:49.417" v="531" actId="478"/>
+          <ac:picMkLst>
+            <pc:docMk/>
+            <pc:sldMk cId="3401549541" sldId="326"/>
+            <ac:picMk id="2" creationId="{F74E462B-18BF-7709-EA3B-FC3DC9A4F6E9}"/>
+          </ac:picMkLst>
+        </pc:picChg>
+        <pc:picChg chg="add del mod">
+          <ac:chgData name="Hana Žahourová" userId="230038c9-a3ca-4475-b002-a1afd1b1f2d3" providerId="ADAL" clId="{0B286381-0C14-58E2-A012-C306F8E3D3E3}" dt="2026-01-30T10:05:45.606" v="2023" actId="478"/>
+          <ac:picMkLst>
+            <pc:docMk/>
+            <pc:sldMk cId="3401549541" sldId="326"/>
+            <ac:picMk id="3" creationId="{A00C4D0D-9083-93FA-BAB2-5FD4A20A7EAD}"/>
+          </ac:picMkLst>
+        </pc:picChg>
+        <pc:picChg chg="del">
+          <ac:chgData name="Hana Žahourová" userId="230038c9-a3ca-4475-b002-a1afd1b1f2d3" providerId="ADAL" clId="{0B286381-0C14-58E2-A012-C306F8E3D3E3}" dt="2026-01-29T09:52:54.461" v="520" actId="478"/>
+          <ac:picMkLst>
+            <pc:docMk/>
+            <pc:sldMk cId="3401549541" sldId="326"/>
+            <ac:picMk id="4" creationId="{BDE31E31-B52D-6BBA-14B2-54B5E80BD50C}"/>
+          </ac:picMkLst>
+        </pc:picChg>
+        <pc:picChg chg="add del mod">
+          <ac:chgData name="Hana Žahourová" userId="230038c9-a3ca-4475-b002-a1afd1b1f2d3" providerId="ADAL" clId="{0B286381-0C14-58E2-A012-C306F8E3D3E3}" dt="2026-01-30T10:05:59.801" v="2027" actId="478"/>
+          <ac:picMkLst>
+            <pc:docMk/>
+            <pc:sldMk cId="3401549541" sldId="326"/>
+            <ac:picMk id="6" creationId="{35203D96-F48A-2F31-5644-8150086F1A88}"/>
+          </ac:picMkLst>
+        </pc:picChg>
+        <pc:picChg chg="add mod">
+          <ac:chgData name="Hana Žahourová" userId="230038c9-a3ca-4475-b002-a1afd1b1f2d3" providerId="ADAL" clId="{0B286381-0C14-58E2-A012-C306F8E3D3E3}" dt="2026-01-30T10:06:19.929" v="2029" actId="1076"/>
+          <ac:picMkLst>
+            <pc:docMk/>
+            <pc:sldMk cId="3401549541" sldId="326"/>
+            <ac:picMk id="7" creationId="{9DE4AFDC-1EB3-10FC-D539-A26E5C8A5685}"/>
+          </ac:picMkLst>
+        </pc:picChg>
+      </pc:sldChg>
+      <pc:sldChg chg="modSp new mod modNotesTx">
+        <pc:chgData name="Hana Žahourová" userId="230038c9-a3ca-4475-b002-a1afd1b1f2d3" providerId="ADAL" clId="{0B286381-0C14-58E2-A012-C306F8E3D3E3}" dt="2026-01-30T11:39:25.009" v="2159" actId="20577"/>
+        <pc:sldMkLst>
+          <pc:docMk/>
+          <pc:sldMk cId="1683314401" sldId="327"/>
+        </pc:sldMkLst>
+        <pc:spChg chg="mod">
+          <ac:chgData name="Hana Žahourová" userId="230038c9-a3ca-4475-b002-a1afd1b1f2d3" providerId="ADAL" clId="{0B286381-0C14-58E2-A012-C306F8E3D3E3}" dt="2026-01-29T22:05:52.506" v="1156" actId="1076"/>
+          <ac:spMkLst>
+            <pc:docMk/>
+            <pc:sldMk cId="1683314401" sldId="327"/>
+            <ac:spMk id="2" creationId="{636D60BB-A5D6-111B-A475-AEF37D03DCB4}"/>
+          </ac:spMkLst>
+        </pc:spChg>
+        <pc:spChg chg="mod">
+          <ac:chgData name="Hana Žahourová" userId="230038c9-a3ca-4475-b002-a1afd1b1f2d3" providerId="ADAL" clId="{0B286381-0C14-58E2-A012-C306F8E3D3E3}" dt="2026-01-30T11:39:25.009" v="2159" actId="20577"/>
+          <ac:spMkLst>
+            <pc:docMk/>
+            <pc:sldMk cId="1683314401" sldId="327"/>
+            <ac:spMk id="3" creationId="{B5B106FE-5ED1-2878-CB0B-1849928FD04C}"/>
+          </ac:spMkLst>
+        </pc:spChg>
+      </pc:sldChg>
+      <pc:sldChg chg="addSp delSp modSp add mod modNotesTx">
+        <pc:chgData name="Hana Žahourová" userId="230038c9-a3ca-4475-b002-a1afd1b1f2d3" providerId="ADAL" clId="{0B286381-0C14-58E2-A012-C306F8E3D3E3}" dt="2026-01-30T11:58:30.194" v="2172"/>
+        <pc:sldMkLst>
+          <pc:docMk/>
+          <pc:sldMk cId="2057141320" sldId="328"/>
+        </pc:sldMkLst>
+        <pc:spChg chg="add del mod">
+          <ac:chgData name="Hana Žahourová" userId="230038c9-a3ca-4475-b002-a1afd1b1f2d3" providerId="ADAL" clId="{0B286381-0C14-58E2-A012-C306F8E3D3E3}" dt="2026-01-29T11:46:08.818" v="670" actId="478"/>
+          <ac:spMkLst>
+            <pc:docMk/>
+            <pc:sldMk cId="2057141320" sldId="328"/>
+            <ac:spMk id="3" creationId="{3CF7F911-8FE3-39A6-DE32-DECF9C4A2721}"/>
+          </ac:spMkLst>
+        </pc:spChg>
+        <pc:spChg chg="mod">
+          <ac:chgData name="Hana Žahourová" userId="230038c9-a3ca-4475-b002-a1afd1b1f2d3" providerId="ADAL" clId="{0B286381-0C14-58E2-A012-C306F8E3D3E3}" dt="2026-01-30T11:39:44.264" v="2165" actId="20577"/>
+          <ac:spMkLst>
+            <pc:docMk/>
+            <pc:sldMk cId="2057141320" sldId="328"/>
+            <ac:spMk id="5" creationId="{79ABA7E1-2F3D-796A-3AA6-7FDEAE6815E0}"/>
+          </ac:spMkLst>
+        </pc:spChg>
+        <pc:spChg chg="mod">
+          <ac:chgData name="Hana Žahourová" userId="230038c9-a3ca-4475-b002-a1afd1b1f2d3" providerId="ADAL" clId="{0B286381-0C14-58E2-A012-C306F8E3D3E3}" dt="2026-01-30T09:52:21.299" v="1710" actId="20577"/>
+          <ac:spMkLst>
+            <pc:docMk/>
+            <pc:sldMk cId="2057141320" sldId="328"/>
+            <ac:spMk id="8" creationId="{996CCDAB-1B50-41C7-CD49-11433D87D55F}"/>
+          </ac:spMkLst>
+        </pc:spChg>
+        <pc:spChg chg="add del">
+          <ac:chgData name="Hana Žahourová" userId="230038c9-a3ca-4475-b002-a1afd1b1f2d3" providerId="ADAL" clId="{0B286381-0C14-58E2-A012-C306F8E3D3E3}" dt="2026-01-30T09:54:02.836" v="1769" actId="34122"/>
+          <ac:spMkLst>
+            <pc:docMk/>
+            <pc:sldMk cId="2057141320" sldId="328"/>
+            <ac:spMk id="10" creationId="{5CD07AB1-0114-421A-AD8B-98C506FD1157}"/>
+          </ac:spMkLst>
+        </pc:spChg>
+        <pc:spChg chg="add mod">
+          <ac:chgData name="Hana Žahourová" userId="230038c9-a3ca-4475-b002-a1afd1b1f2d3" providerId="ADAL" clId="{0B286381-0C14-58E2-A012-C306F8E3D3E3}" dt="2026-01-30T10:00:00.937" v="1954" actId="404"/>
+          <ac:spMkLst>
+            <pc:docMk/>
+            <pc:sldMk cId="2057141320" sldId="328"/>
+            <ac:spMk id="13" creationId="{693D92CF-7795-DDB1-E35A-BEF0931FDD95}"/>
+          </ac:spMkLst>
+        </pc:spChg>
+        <pc:spChg chg="add mod">
+          <ac:chgData name="Hana Žahourová" userId="230038c9-a3ca-4475-b002-a1afd1b1f2d3" providerId="ADAL" clId="{0B286381-0C14-58E2-A012-C306F8E3D3E3}" dt="2026-01-30T09:59:54.172" v="1952" actId="404"/>
+          <ac:spMkLst>
+            <pc:docMk/>
+            <pc:sldMk cId="2057141320" sldId="328"/>
+            <ac:spMk id="18" creationId="{241F10FE-78B2-01F9-ABA7-C68D3343FEE8}"/>
+          </ac:spMkLst>
+        </pc:spChg>
+        <pc:spChg chg="add del">
+          <ac:chgData name="Hana Žahourová" userId="230038c9-a3ca-4475-b002-a1afd1b1f2d3" providerId="ADAL" clId="{0B286381-0C14-58E2-A012-C306F8E3D3E3}" dt="2026-01-30T09:54:02.836" v="1769" actId="34122"/>
+          <ac:spMkLst>
+            <pc:docMk/>
+            <pc:sldMk cId="2057141320" sldId="328"/>
+            <ac:spMk id="19" creationId="{11CB0BBD-3B80-4031-976B-0656645C045A}"/>
+          </ac:spMkLst>
+        </pc:spChg>
+        <pc:spChg chg="add mod">
+          <ac:chgData name="Hana Žahourová" userId="230038c9-a3ca-4475-b002-a1afd1b1f2d3" providerId="ADAL" clId="{0B286381-0C14-58E2-A012-C306F8E3D3E3}" dt="2026-01-30T09:55:20.087" v="1788" actId="1076"/>
+          <ac:spMkLst>
+            <pc:docMk/>
+            <pc:sldMk cId="2057141320" sldId="328"/>
+            <ac:spMk id="29" creationId="{89D09E1C-3236-B3B3-7E92-DEB9C62B3D5D}"/>
+          </ac:spMkLst>
+        </pc:spChg>
+        <pc:spChg chg="add mod">
+          <ac:chgData name="Hana Žahourová" userId="230038c9-a3ca-4475-b002-a1afd1b1f2d3" providerId="ADAL" clId="{0B286381-0C14-58E2-A012-C306F8E3D3E3}" dt="2026-01-30T09:55:43.981" v="1795" actId="1076"/>
+          <ac:spMkLst>
+            <pc:docMk/>
+            <pc:sldMk cId="2057141320" sldId="328"/>
+            <ac:spMk id="31" creationId="{B523DBA3-D3F0-4181-5A52-F535B9BC6B80}"/>
+          </ac:spMkLst>
+        </pc:spChg>
+        <pc:spChg chg="add mod">
+          <ac:chgData name="Hana Žahourová" userId="230038c9-a3ca-4475-b002-a1afd1b1f2d3" providerId="ADAL" clId="{0B286381-0C14-58E2-A012-C306F8E3D3E3}" dt="2026-01-30T09:56:07.849" v="1800" actId="1076"/>
+          <ac:spMkLst>
+            <pc:docMk/>
+            <pc:sldMk cId="2057141320" sldId="328"/>
+            <ac:spMk id="32" creationId="{F91A55CF-D39A-36B8-1035-88BF2A8C66E7}"/>
+          </ac:spMkLst>
+        </pc:spChg>
+        <pc:spChg chg="add mod">
+          <ac:chgData name="Hana Žahourová" userId="230038c9-a3ca-4475-b002-a1afd1b1f2d3" providerId="ADAL" clId="{0B286381-0C14-58E2-A012-C306F8E3D3E3}" dt="2026-01-30T09:56:35.660" v="1826" actId="1076"/>
+          <ac:spMkLst>
+            <pc:docMk/>
+            <pc:sldMk cId="2057141320" sldId="328"/>
+            <ac:spMk id="33" creationId="{6BE44AD5-35D7-65A2-7DF8-6F956C33FE20}"/>
+          </ac:spMkLst>
+        </pc:spChg>
+        <pc:spChg chg="add mod">
+          <ac:chgData name="Hana Žahourová" userId="230038c9-a3ca-4475-b002-a1afd1b1f2d3" providerId="ADAL" clId="{0B286381-0C14-58E2-A012-C306F8E3D3E3}" dt="2026-01-30T09:56:47.843" v="1828" actId="1076"/>
+          <ac:spMkLst>
+            <pc:docMk/>
+            <pc:sldMk cId="2057141320" sldId="328"/>
+            <ac:spMk id="34" creationId="{123E43A4-CADF-F38A-3797-38E25AE8A3BA}"/>
+          </ac:spMkLst>
+        </pc:spChg>
+        <pc:spChg chg="add mod">
+          <ac:chgData name="Hana Žahourová" userId="230038c9-a3ca-4475-b002-a1afd1b1f2d3" providerId="ADAL" clId="{0B286381-0C14-58E2-A012-C306F8E3D3E3}" dt="2026-01-30T09:59:56.486" v="1953" actId="404"/>
+          <ac:spMkLst>
+            <pc:docMk/>
+            <pc:sldMk cId="2057141320" sldId="328"/>
+            <ac:spMk id="35" creationId="{967BC774-9217-56B4-B30B-D2822A1AFB4E}"/>
+          </ac:spMkLst>
+        </pc:spChg>
+        <pc:spChg chg="add mod">
+          <ac:chgData name="Hana Žahourová" userId="230038c9-a3ca-4475-b002-a1afd1b1f2d3" providerId="ADAL" clId="{0B286381-0C14-58E2-A012-C306F8E3D3E3}" dt="2026-01-30T11:58:30.194" v="2172"/>
+          <ac:spMkLst>
+            <pc:docMk/>
+            <pc:sldMk cId="2057141320" sldId="328"/>
+            <ac:spMk id="36" creationId="{96925EC2-7DD6-6B03-9FA5-83E0D1B504D9}"/>
+          </ac:spMkLst>
+        </pc:spChg>
+        <pc:grpChg chg="add del mod">
+          <ac:chgData name="Hana Žahourová" userId="230038c9-a3ca-4475-b002-a1afd1b1f2d3" providerId="ADAL" clId="{0B286381-0C14-58E2-A012-C306F8E3D3E3}" dt="2026-01-30T09:52:41.049" v="1715"/>
+          <ac:grpSpMkLst>
+            <pc:docMk/>
+            <pc:sldMk cId="2057141320" sldId="328"/>
+            <ac:grpSpMk id="10" creationId="{71CC9DF6-FF63-C4D3-220B-5D358AB6E9B9}"/>
+          </ac:grpSpMkLst>
+        </pc:grpChg>
+        <pc:grpChg chg="mod">
+          <ac:chgData name="Hana Žahourová" userId="230038c9-a3ca-4475-b002-a1afd1b1f2d3" providerId="ADAL" clId="{0B286381-0C14-58E2-A012-C306F8E3D3E3}" dt="2026-01-30T09:52:41.049" v="1715"/>
+          <ac:grpSpMkLst>
+            <pc:docMk/>
+            <pc:sldMk cId="2057141320" sldId="328"/>
+            <ac:grpSpMk id="11" creationId="{990352A9-F971-B9DE-DEFB-EF473A7BDCDA}"/>
+          </ac:grpSpMkLst>
+        </pc:grpChg>
+        <pc:grpChg chg="del mod">
+          <ac:chgData name="Hana Žahourová" userId="230038c9-a3ca-4475-b002-a1afd1b1f2d3" providerId="ADAL" clId="{0B286381-0C14-58E2-A012-C306F8E3D3E3}" dt="2026-01-30T09:53:06.620" v="1741"/>
+          <ac:grpSpMkLst>
+            <pc:docMk/>
+            <pc:sldMk cId="2057141320" sldId="328"/>
+            <ac:grpSpMk id="16" creationId="{408C79E7-FE64-F9D4-F76D-D0E766366147}"/>
+          </ac:grpSpMkLst>
+        </pc:grpChg>
+        <pc:grpChg chg="del mod">
+          <ac:chgData name="Hana Žahourová" userId="230038c9-a3ca-4475-b002-a1afd1b1f2d3" providerId="ADAL" clId="{0B286381-0C14-58E2-A012-C306F8E3D3E3}" dt="2026-01-30T09:53:16.958" v="1753" actId="478"/>
+          <ac:grpSpMkLst>
+            <pc:docMk/>
+            <pc:sldMk cId="2057141320" sldId="328"/>
+            <ac:grpSpMk id="17" creationId="{707E841B-BA90-D3A9-7E77-76A7E2A939A2}"/>
+          </ac:grpSpMkLst>
+        </pc:grpChg>
+        <pc:grpChg chg="add del mod">
+          <ac:chgData name="Hana Žahourová" userId="230038c9-a3ca-4475-b002-a1afd1b1f2d3" providerId="ADAL" clId="{0B286381-0C14-58E2-A012-C306F8E3D3E3}" dt="2026-01-30T09:53:41.080" v="1764"/>
+          <ac:grpSpMkLst>
+            <pc:docMk/>
+            <pc:sldMk cId="2057141320" sldId="328"/>
+            <ac:grpSpMk id="23" creationId="{03C7EF73-A9DA-4780-342D-D82BBC6D67A1}"/>
+          </ac:grpSpMkLst>
+        </pc:grpChg>
+        <pc:grpChg chg="add del mod">
+          <ac:chgData name="Hana Žahourová" userId="230038c9-a3ca-4475-b002-a1afd1b1f2d3" providerId="ADAL" clId="{0B286381-0C14-58E2-A012-C306F8E3D3E3}" dt="2026-01-30T09:53:41.080" v="1764"/>
+          <ac:grpSpMkLst>
+            <pc:docMk/>
+            <pc:sldMk cId="2057141320" sldId="328"/>
+            <ac:grpSpMk id="24" creationId="{10E65658-4073-EB49-67F5-B801852403E0}"/>
+          </ac:grpSpMkLst>
+        </pc:grpChg>
+        <pc:grpChg chg="add del mod">
+          <ac:chgData name="Hana Žahourová" userId="230038c9-a3ca-4475-b002-a1afd1b1f2d3" providerId="ADAL" clId="{0B286381-0C14-58E2-A012-C306F8E3D3E3}" dt="2026-01-30T09:53:40.761" v="1762"/>
+          <ac:grpSpMkLst>
+            <pc:docMk/>
+            <pc:sldMk cId="2057141320" sldId="328"/>
+            <ac:grpSpMk id="26" creationId="{230E4CAC-6586-4F89-099E-E05D3C3442AE}"/>
+          </ac:grpSpMkLst>
+        </pc:grpChg>
+        <pc:grpChg chg="mod">
+          <ac:chgData name="Hana Žahourová" userId="230038c9-a3ca-4475-b002-a1afd1b1f2d3" providerId="ADAL" clId="{0B286381-0C14-58E2-A012-C306F8E3D3E3}" dt="2026-01-30T09:53:40.761" v="1762"/>
+          <ac:grpSpMkLst>
+            <pc:docMk/>
+            <pc:sldMk cId="2057141320" sldId="328"/>
+            <ac:grpSpMk id="27" creationId="{15FED6AB-D694-211E-6555-99363ABA1F77}"/>
+          </ac:grpSpMkLst>
+        </pc:grpChg>
+        <pc:picChg chg="del">
+          <ac:chgData name="Hana Žahourová" userId="230038c9-a3ca-4475-b002-a1afd1b1f2d3" providerId="ADAL" clId="{0B286381-0C14-58E2-A012-C306F8E3D3E3}" dt="2026-01-29T11:46:05.412" v="668" actId="478"/>
+          <ac:picMkLst>
+            <pc:docMk/>
+            <pc:sldMk cId="2057141320" sldId="328"/>
+            <ac:picMk id="4" creationId="{A4BE82AE-9D9E-107B-013B-CD55C22477A1}"/>
+          </ac:picMkLst>
+        </pc:picChg>
+        <pc:picChg chg="mod">
+          <ac:chgData name="Hana Žahourová" userId="230038c9-a3ca-4475-b002-a1afd1b1f2d3" providerId="ADAL" clId="{0B286381-0C14-58E2-A012-C306F8E3D3E3}" dt="2026-01-29T11:46:42.452" v="676" actId="1076"/>
+          <ac:picMkLst>
+            <pc:docMk/>
+            <pc:sldMk cId="2057141320" sldId="328"/>
+            <ac:picMk id="6" creationId="{DA4E2795-984C-580A-1DD1-FCE1C25C3AE2}"/>
+          </ac:picMkLst>
+        </pc:picChg>
+        <pc:picChg chg="add del">
+          <ac:chgData name="Hana Žahourová" userId="230038c9-a3ca-4475-b002-a1afd1b1f2d3" providerId="ADAL" clId="{0B286381-0C14-58E2-A012-C306F8E3D3E3}" dt="2026-01-30T09:54:24.394" v="1772" actId="478"/>
+          <ac:picMkLst>
+            <pc:docMk/>
+            <pc:sldMk cId="2057141320" sldId="328"/>
+            <ac:picMk id="28" creationId="{F54F4194-D08A-CCD4-6524-37BCE37B7B75}"/>
+          </ac:picMkLst>
+        </pc:picChg>
+        <pc:picChg chg="add del">
+          <ac:chgData name="Hana Žahourová" userId="230038c9-a3ca-4475-b002-a1afd1b1f2d3" providerId="ADAL" clId="{0B286381-0C14-58E2-A012-C306F8E3D3E3}" dt="2026-01-30T09:55:28.144" v="1791" actId="478"/>
+          <ac:picMkLst>
+            <pc:docMk/>
+            <pc:sldMk cId="2057141320" sldId="328"/>
+            <ac:picMk id="30" creationId="{3168301C-31C5-1AF6-10E5-56AB90295F0E}"/>
+          </ac:picMkLst>
+        </pc:picChg>
+        <pc:inkChg chg="add del mod">
+          <ac:chgData name="Hana Žahourová" userId="230038c9-a3ca-4475-b002-a1afd1b1f2d3" providerId="ADAL" clId="{0B286381-0C14-58E2-A012-C306F8E3D3E3}" dt="2026-01-30T09:55:03.621" v="1778" actId="478"/>
+          <ac:inkMkLst>
+            <pc:docMk/>
+            <pc:sldMk cId="2057141320" sldId="328"/>
+            <ac:inkMk id="7" creationId="{F09E4A9B-0F8E-A76F-D336-D071FC8EFD83}"/>
+          </ac:inkMkLst>
+        </pc:inkChg>
+        <pc:inkChg chg="add del mod">
+          <ac:chgData name="Hana Žahourová" userId="230038c9-a3ca-4475-b002-a1afd1b1f2d3" providerId="ADAL" clId="{0B286381-0C14-58E2-A012-C306F8E3D3E3}" dt="2026-01-30T09:52:41.049" v="1715"/>
+          <ac:inkMkLst>
+            <pc:docMk/>
+            <pc:sldMk cId="2057141320" sldId="328"/>
+            <ac:inkMk id="9" creationId="{7B31C434-1DA5-A415-9AC4-0FD55B9518C4}"/>
+          </ac:inkMkLst>
+        </pc:inkChg>
+        <pc:inkChg chg="add del">
+          <ac:chgData name="Hana Žahourová" userId="230038c9-a3ca-4475-b002-a1afd1b1f2d3" providerId="ADAL" clId="{0B286381-0C14-58E2-A012-C306F8E3D3E3}" dt="2026-01-30T09:54:05.814" v="1770" actId="478"/>
+          <ac:inkMkLst>
+            <pc:docMk/>
+            <pc:sldMk cId="2057141320" sldId="328"/>
+            <ac:inkMk id="12" creationId="{80EDCFC3-DF8F-08AF-091A-9319679E00B3}"/>
+          </ac:inkMkLst>
+        </pc:inkChg>
+        <pc:inkChg chg="add mod">
+          <ac:chgData name="Hana Žahourová" userId="230038c9-a3ca-4475-b002-a1afd1b1f2d3" providerId="ADAL" clId="{0B286381-0C14-58E2-A012-C306F8E3D3E3}" dt="2026-01-30T09:53:06.620" v="1741"/>
+          <ac:inkMkLst>
+            <pc:docMk/>
+            <pc:sldMk cId="2057141320" sldId="328"/>
+            <ac:inkMk id="14" creationId="{546C6AC4-5E9E-6FF2-21B6-6F6BED8FAA36}"/>
+          </ac:inkMkLst>
+        </pc:inkChg>
+        <pc:inkChg chg="add mod">
+          <ac:chgData name="Hana Žahourová" userId="230038c9-a3ca-4475-b002-a1afd1b1f2d3" providerId="ADAL" clId="{0B286381-0C14-58E2-A012-C306F8E3D3E3}" dt="2026-01-30T09:53:06.620" v="1741"/>
+          <ac:inkMkLst>
+            <pc:docMk/>
+            <pc:sldMk cId="2057141320" sldId="328"/>
+            <ac:inkMk id="15" creationId="{131C8425-3795-84C0-2D33-CFD549C7D209}"/>
+          </ac:inkMkLst>
+        </pc:inkChg>
+        <pc:inkChg chg="add del">
+          <ac:chgData name="Hana Žahourová" userId="230038c9-a3ca-4475-b002-a1afd1b1f2d3" providerId="ADAL" clId="{0B286381-0C14-58E2-A012-C306F8E3D3E3}" dt="2026-01-30T09:53:42.793" v="1767" actId="9405"/>
+          <ac:inkMkLst>
+            <pc:docMk/>
+            <pc:sldMk cId="2057141320" sldId="328"/>
+            <ac:inkMk id="19" creationId="{6E9CD28B-6467-7344-DAD5-D31FEF1AAB75}"/>
+          </ac:inkMkLst>
+        </pc:inkChg>
+        <pc:inkChg chg="add del">
+          <ac:chgData name="Hana Žahourová" userId="230038c9-a3ca-4475-b002-a1afd1b1f2d3" providerId="ADAL" clId="{0B286381-0C14-58E2-A012-C306F8E3D3E3}" dt="2026-01-30T09:53:42.062" v="1766" actId="9405"/>
+          <ac:inkMkLst>
+            <pc:docMk/>
+            <pc:sldMk cId="2057141320" sldId="328"/>
+            <ac:inkMk id="20" creationId="{453CB595-BFF2-68E3-B656-C335D34CCBA2}"/>
+          </ac:inkMkLst>
+        </pc:inkChg>
+        <pc:inkChg chg="add del mod">
+          <ac:chgData name="Hana Žahourová" userId="230038c9-a3ca-4475-b002-a1afd1b1f2d3" providerId="ADAL" clId="{0B286381-0C14-58E2-A012-C306F8E3D3E3}" dt="2026-01-30T09:53:41.434" v="1765" actId="9405"/>
+          <ac:inkMkLst>
+            <pc:docMk/>
+            <pc:sldMk cId="2057141320" sldId="328"/>
+            <ac:inkMk id="21" creationId="{CE14A8AA-4BFC-A418-F55F-178F1E75F70D}"/>
+          </ac:inkMkLst>
+        </pc:inkChg>
+        <pc:inkChg chg="add del mod">
+          <ac:chgData name="Hana Žahourová" userId="230038c9-a3ca-4475-b002-a1afd1b1f2d3" providerId="ADAL" clId="{0B286381-0C14-58E2-A012-C306F8E3D3E3}" dt="2026-01-30T09:53:41.080" v="1764"/>
+          <ac:inkMkLst>
+            <pc:docMk/>
+            <pc:sldMk cId="2057141320" sldId="328"/>
+            <ac:inkMk id="22" creationId="{25AA33CC-C4F8-5F31-3A76-392EB1EEADC5}"/>
+          </ac:inkMkLst>
+        </pc:inkChg>
+        <pc:inkChg chg="add del mod">
+          <ac:chgData name="Hana Žahourová" userId="230038c9-a3ca-4475-b002-a1afd1b1f2d3" providerId="ADAL" clId="{0B286381-0C14-58E2-A012-C306F8E3D3E3}" dt="2026-01-30T09:53:40.761" v="1762"/>
+          <ac:inkMkLst>
+            <pc:docMk/>
+            <pc:sldMk cId="2057141320" sldId="328"/>
+            <ac:inkMk id="25" creationId="{4D485EAE-6DA8-7D01-2956-6072B782087A}"/>
+          </ac:inkMkLst>
+        </pc:inkChg>
+      </pc:sldChg>
+      <pc:sldChg chg="addSp delSp modSp new mod modClrScheme chgLayout">
+        <pc:chgData name="Hana Žahourová" userId="230038c9-a3ca-4475-b002-a1afd1b1f2d3" providerId="ADAL" clId="{0B286381-0C14-58E2-A012-C306F8E3D3E3}" dt="2026-01-30T11:39:21.470" v="2157" actId="20577"/>
+        <pc:sldMkLst>
+          <pc:docMk/>
+          <pc:sldMk cId="3402989241" sldId="329"/>
+        </pc:sldMkLst>
+        <pc:spChg chg="del mod">
+          <ac:chgData name="Hana Žahourová" userId="230038c9-a3ca-4475-b002-a1afd1b1f2d3" providerId="ADAL" clId="{0B286381-0C14-58E2-A012-C306F8E3D3E3}" dt="2026-01-29T13:20:54.736" v="729" actId="26606"/>
+          <ac:spMkLst>
+            <pc:docMk/>
+            <pc:sldMk cId="3402989241" sldId="329"/>
+            <ac:spMk id="2" creationId="{363EE4DE-7912-B6CA-B162-C76813ED1E59}"/>
+          </ac:spMkLst>
+        </pc:spChg>
+        <pc:spChg chg="del">
+          <ac:chgData name="Hana Žahourová" userId="230038c9-a3ca-4475-b002-a1afd1b1f2d3" providerId="ADAL" clId="{0B286381-0C14-58E2-A012-C306F8E3D3E3}" dt="2026-01-29T13:20:54.736" v="729" actId="26606"/>
+          <ac:spMkLst>
+            <pc:docMk/>
+            <pc:sldMk cId="3402989241" sldId="329"/>
+            <ac:spMk id="3" creationId="{9F1657FB-B673-F8C8-1C52-CB5651DBF9FC}"/>
+          </ac:spMkLst>
+        </pc:spChg>
+        <pc:spChg chg="add mod">
+          <ac:chgData name="Hana Žahourová" userId="230038c9-a3ca-4475-b002-a1afd1b1f2d3" providerId="ADAL" clId="{0B286381-0C14-58E2-A012-C306F8E3D3E3}" dt="2026-01-29T13:37:49.922" v="780" actId="20577"/>
+          <ac:spMkLst>
+            <pc:docMk/>
+            <pc:sldMk cId="3402989241" sldId="329"/>
+            <ac:spMk id="8" creationId="{25AD9FF0-A687-4031-00D4-72EE3225A86D}"/>
+          </ac:spMkLst>
+        </pc:spChg>
+        <pc:spChg chg="add mod">
+          <ac:chgData name="Hana Žahourová" userId="230038c9-a3ca-4475-b002-a1afd1b1f2d3" providerId="ADAL" clId="{0B286381-0C14-58E2-A012-C306F8E3D3E3}" dt="2026-01-30T11:39:21.470" v="2157" actId="20577"/>
+          <ac:spMkLst>
+            <pc:docMk/>
+            <pc:sldMk cId="3402989241" sldId="329"/>
+            <ac:spMk id="10" creationId="{A9EA6865-1C84-628A-746B-DF37BD3DC3A7}"/>
+          </ac:spMkLst>
+        </pc:spChg>
+        <pc:picChg chg="add del mod">
+          <ac:chgData name="Hana Žahourová" userId="230038c9-a3ca-4475-b002-a1afd1b1f2d3" providerId="ADAL" clId="{0B286381-0C14-58E2-A012-C306F8E3D3E3}" dt="2026-01-29T22:36:35.431" v="1534" actId="478"/>
+          <ac:picMkLst>
+            <pc:docMk/>
+            <pc:sldMk cId="3402989241" sldId="329"/>
+            <ac:picMk id="4" creationId="{1CAB57CF-39B4-80ED-3397-9DE1D3986087}"/>
+          </ac:picMkLst>
+        </pc:picChg>
+        <pc:picChg chg="add mod">
+          <ac:chgData name="Hana Žahourová" userId="230038c9-a3ca-4475-b002-a1afd1b1f2d3" providerId="ADAL" clId="{0B286381-0C14-58E2-A012-C306F8E3D3E3}" dt="2026-01-29T22:36:45.302" v="1536"/>
+          <ac:picMkLst>
+            <pc:docMk/>
+            <pc:sldMk cId="3402989241" sldId="329"/>
+            <ac:picMk id="5" creationId="{7A2A6230-A606-C2A6-857A-13548113BE8A}"/>
+          </ac:picMkLst>
+        </pc:picChg>
+      </pc:sldChg>
+      <pc:sldChg chg="addSp delSp modSp new mod ord modClrScheme chgLayout modNotesTx">
+        <pc:chgData name="Hana Žahourová" userId="230038c9-a3ca-4475-b002-a1afd1b1f2d3" providerId="ADAL" clId="{0B286381-0C14-58E2-A012-C306F8E3D3E3}" dt="2026-01-30T11:58:39.063" v="2175"/>
+        <pc:sldMkLst>
+          <pc:docMk/>
+          <pc:sldMk cId="1814741000" sldId="330"/>
+        </pc:sldMkLst>
+        <pc:spChg chg="del">
+          <ac:chgData name="Hana Žahourová" userId="230038c9-a3ca-4475-b002-a1afd1b1f2d3" providerId="ADAL" clId="{0B286381-0C14-58E2-A012-C306F8E3D3E3}" dt="2026-01-29T21:53:57.620" v="1125" actId="26606"/>
+          <ac:spMkLst>
+            <pc:docMk/>
+            <pc:sldMk cId="1814741000" sldId="330"/>
+            <ac:spMk id="2" creationId="{820C1264-FA45-D71A-C63A-C3C522E10D0F}"/>
+          </ac:spMkLst>
+        </pc:spChg>
+        <pc:spChg chg="del">
+          <ac:chgData name="Hana Žahourová" userId="230038c9-a3ca-4475-b002-a1afd1b1f2d3" providerId="ADAL" clId="{0B286381-0C14-58E2-A012-C306F8E3D3E3}" dt="2026-01-29T21:53:57.620" v="1125" actId="26606"/>
+          <ac:spMkLst>
+            <pc:docMk/>
+            <pc:sldMk cId="1814741000" sldId="330"/>
+            <ac:spMk id="3" creationId="{1112EECC-ECA3-559A-15F4-A167DBBBDD1F}"/>
+          </ac:spMkLst>
+        </pc:spChg>
+        <pc:spChg chg="add mod">
+          <ac:chgData name="Hana Žahourová" userId="230038c9-a3ca-4475-b002-a1afd1b1f2d3" providerId="ADAL" clId="{0B286381-0C14-58E2-A012-C306F8E3D3E3}" dt="2026-01-30T11:58:39.063" v="2175"/>
+          <ac:spMkLst>
+            <pc:docMk/>
+            <pc:sldMk cId="1814741000" sldId="330"/>
+            <ac:spMk id="6" creationId="{6104A677-77A7-D511-91F8-B5F2870925B7}"/>
+          </ac:spMkLst>
+        </pc:spChg>
+        <pc:spChg chg="add mod">
+          <ac:chgData name="Hana Žahourová" userId="230038c9-a3ca-4475-b002-a1afd1b1f2d3" providerId="ADAL" clId="{0B286381-0C14-58E2-A012-C306F8E3D3E3}" dt="2026-01-30T10:07:03.292" v="2062" actId="1076"/>
+          <ac:spMkLst>
+            <pc:docMk/>
+            <pc:sldMk cId="1814741000" sldId="330"/>
+            <ac:spMk id="9" creationId="{DD60128F-61CD-9A87-6334-E67DD64282E2}"/>
+          </ac:spMkLst>
+        </pc:spChg>
+        <pc:picChg chg="add del mod">
+          <ac:chgData name="Hana Žahourová" userId="230038c9-a3ca-4475-b002-a1afd1b1f2d3" providerId="ADAL" clId="{0B286381-0C14-58E2-A012-C306F8E3D3E3}" dt="2026-01-29T22:01:41.031" v="1150" actId="478"/>
+          <ac:picMkLst>
+            <pc:docMk/>
+            <pc:sldMk cId="1814741000" sldId="330"/>
+            <ac:picMk id="4" creationId="{2FD60258-8C61-FC43-0C3B-9BCDCEE599C8}"/>
+          </ac:picMkLst>
+        </pc:picChg>
+        <pc:picChg chg="add mod">
+          <ac:chgData name="Hana Žahourová" userId="230038c9-a3ca-4475-b002-a1afd1b1f2d3" providerId="ADAL" clId="{0B286381-0C14-58E2-A012-C306F8E3D3E3}" dt="2026-01-30T10:07:06.628" v="2063" actId="14100"/>
+          <ac:picMkLst>
+            <pc:docMk/>
+            <pc:sldMk cId="1814741000" sldId="330"/>
+            <ac:picMk id="5" creationId="{46835DF8-6BC2-32DC-FF3B-894B09754246}"/>
+          </ac:picMkLst>
+        </pc:picChg>
+      </pc:sldChg>
+      <pc:sldChg chg="add del">
+        <pc:chgData name="Hana Žahourová" userId="230038c9-a3ca-4475-b002-a1afd1b1f2d3" providerId="ADAL" clId="{0B286381-0C14-58E2-A012-C306F8E3D3E3}" dt="2026-01-29T13:56:20.435" v="783" actId="2696"/>
+        <pc:sldMkLst>
+          <pc:docMk/>
+          <pc:sldMk cId="2442516763" sldId="330"/>
+        </pc:sldMkLst>
+      </pc:sldChg>
+      <pc:sldChg chg="addSp modSp add mod ord modClrScheme chgLayout">
+        <pc:chgData name="Hana Žahourová" userId="230038c9-a3ca-4475-b002-a1afd1b1f2d3" providerId="ADAL" clId="{0B286381-0C14-58E2-A012-C306F8E3D3E3}" dt="2026-01-30T11:58:23.907" v="2170"/>
+        <pc:sldMkLst>
+          <pc:docMk/>
+          <pc:sldMk cId="866728670" sldId="331"/>
+        </pc:sldMkLst>
+        <pc:spChg chg="add mod">
+          <ac:chgData name="Hana Žahourová" userId="230038c9-a3ca-4475-b002-a1afd1b1f2d3" providerId="ADAL" clId="{0B286381-0C14-58E2-A012-C306F8E3D3E3}" dt="2026-01-30T11:58:23.907" v="2170"/>
+          <ac:spMkLst>
+            <pc:docMk/>
+            <pc:sldMk cId="866728670" sldId="331"/>
+            <ac:spMk id="3" creationId="{33A809F0-F3AA-3249-AB45-A1D0249C945B}"/>
+          </ac:spMkLst>
+        </pc:spChg>
+        <pc:spChg chg="mod">
+          <ac:chgData name="Hana Žahourová" userId="230038c9-a3ca-4475-b002-a1afd1b1f2d3" providerId="ADAL" clId="{0B286381-0C14-58E2-A012-C306F8E3D3E3}" dt="2026-01-29T22:12:46.369" v="1476" actId="26606"/>
+          <ac:spMkLst>
+            <pc:docMk/>
+            <pc:sldMk cId="866728670" sldId="331"/>
+            <ac:spMk id="8" creationId="{3F0ACB25-D531-3F80-0648-04855C262F19}"/>
+          </ac:spMkLst>
+        </pc:spChg>
+        <pc:spChg chg="mod">
+          <ac:chgData name="Hana Žahourová" userId="230038c9-a3ca-4475-b002-a1afd1b1f2d3" providerId="ADAL" clId="{0B286381-0C14-58E2-A012-C306F8E3D3E3}" dt="2026-01-30T09:42:15.788" v="1638" actId="20577"/>
+          <ac:spMkLst>
+            <pc:docMk/>
+            <pc:sldMk cId="866728670" sldId="331"/>
+            <ac:spMk id="10" creationId="{9BE418EB-0D8A-B156-C654-0496AE0830B3}"/>
           </ac:spMkLst>
         </pc:spChg>
         <pc:picChg chg="add mod">
-          <ac:chgData name="Hana Žahourová" userId="230038c9-a3ca-4475-b002-a1afd1b1f2d3" providerId="ADAL" clId="{0B286381-0C14-58E2-A012-C306F8E3D3E3}" dt="2026-01-28T20:58:41.737" v="144" actId="14100"/>
+          <ac:chgData name="Hana Žahourová" userId="230038c9-a3ca-4475-b002-a1afd1b1f2d3" providerId="ADAL" clId="{0B286381-0C14-58E2-A012-C306F8E3D3E3}" dt="2026-01-29T22:12:46.369" v="1476" actId="26606"/>
           <ac:picMkLst>
             <pc:docMk/>
-            <pc:sldMk cId="2916071846" sldId="323"/>
-            <ac:picMk id="4" creationId="{282C7369-8420-9A7F-D76A-9104497F7DF7}"/>
-          </ac:picMkLst>
-        </pc:picChg>
-        <pc:picChg chg="add mod">
-          <ac:chgData name="Hana Žahourová" userId="230038c9-a3ca-4475-b002-a1afd1b1f2d3" providerId="ADAL" clId="{0B286381-0C14-58E2-A012-C306F8E3D3E3}" dt="2026-01-28T21:45:35.713" v="171" actId="1076"/>
-          <ac:picMkLst>
-            <pc:docMk/>
-            <pc:sldMk cId="2916071846" sldId="323"/>
-            <ac:picMk id="6" creationId="{84EA584B-AF16-FDC8-9A29-9F1C82A17BAA}"/>
+            <pc:sldMk cId="866728670" sldId="331"/>
+            <ac:picMk id="2" creationId="{D93B4B9C-CC4E-8FEF-C38F-E4A8A04FA5D4}"/>
           </ac:picMkLst>
         </pc:picChg>
       </pc:sldChg>
-      <pc:sldChg chg="modSp del mod">
-        <pc:chgData name="Hana Žahourová" userId="230038c9-a3ca-4475-b002-a1afd1b1f2d3" providerId="ADAL" clId="{0B286381-0C14-58E2-A012-C306F8E3D3E3}" dt="2026-01-28T20:49:07.186" v="67" actId="2696"/>
+      <pc:sldChg chg="addSp delSp modSp new del mod modClrScheme chgLayout">
+        <pc:chgData name="Hana Žahourová" userId="230038c9-a3ca-4475-b002-a1afd1b1f2d3" providerId="ADAL" clId="{0B286381-0C14-58E2-A012-C306F8E3D3E3}" dt="2026-01-29T22:11:08.048" v="1385" actId="2696"/>
         <pc:sldMkLst>
           <pc:docMk/>
-          <pc:sldMk cId="2181782325" sldId="324"/>
+          <pc:sldMk cId="1794920903" sldId="331"/>
         </pc:sldMkLst>
+        <pc:spChg chg="del">
+          <ac:chgData name="Hana Žahourová" userId="230038c9-a3ca-4475-b002-a1afd1b1f2d3" providerId="ADAL" clId="{0B286381-0C14-58E2-A012-C306F8E3D3E3}" dt="2026-01-29T22:07:12.931" v="1175" actId="26606"/>
+          <ac:spMkLst>
+            <pc:docMk/>
+            <pc:sldMk cId="1794920903" sldId="331"/>
+            <ac:spMk id="2" creationId="{7991BD04-3252-D6CD-CEF5-E10F1E7E6BBB}"/>
+          </ac:spMkLst>
+        </pc:spChg>
+        <pc:spChg chg="del">
+          <ac:chgData name="Hana Žahourová" userId="230038c9-a3ca-4475-b002-a1afd1b1f2d3" providerId="ADAL" clId="{0B286381-0C14-58E2-A012-C306F8E3D3E3}" dt="2026-01-29T22:07:12.931" v="1175" actId="26606"/>
+          <ac:spMkLst>
+            <pc:docMk/>
+            <pc:sldMk cId="1794920903" sldId="331"/>
+            <ac:spMk id="3" creationId="{4EBF01AA-6D37-C8D0-C0D2-EBA643793B10}"/>
+          </ac:spMkLst>
+        </pc:spChg>
+        <pc:spChg chg="add mod">
+          <ac:chgData name="Hana Žahourová" userId="230038c9-a3ca-4475-b002-a1afd1b1f2d3" providerId="ADAL" clId="{0B286381-0C14-58E2-A012-C306F8E3D3E3}" dt="2026-01-29T22:07:16.154" v="1190" actId="20577"/>
+          <ac:spMkLst>
+            <pc:docMk/>
+            <pc:sldMk cId="1794920903" sldId="331"/>
+            <ac:spMk id="8" creationId="{3F0ACB25-D531-3F80-0648-04855C262F19}"/>
+          </ac:spMkLst>
+        </pc:spChg>
+        <pc:spChg chg="add mod">
+          <ac:chgData name="Hana Žahourová" userId="230038c9-a3ca-4475-b002-a1afd1b1f2d3" providerId="ADAL" clId="{0B286381-0C14-58E2-A012-C306F8E3D3E3}" dt="2026-01-29T22:10:51.633" v="1384" actId="20577"/>
+          <ac:spMkLst>
+            <pc:docMk/>
+            <pc:sldMk cId="1794920903" sldId="331"/>
+            <ac:spMk id="10" creationId="{9BE418EB-0D8A-B156-C654-0496AE0830B3}"/>
+          </ac:spMkLst>
+        </pc:spChg>
       </pc:sldChg>
-      <pc:sldChg chg="del">
-        <pc:chgData name="Hana Žahourová" userId="230038c9-a3ca-4475-b002-a1afd1b1f2d3" providerId="ADAL" clId="{0B286381-0C14-58E2-A012-C306F8E3D3E3}" dt="2026-01-28T20:49:07.186" v="67" actId="2696"/>
+      <pc:sldChg chg="addSp delSp modSp new del mod">
+        <pc:chgData name="Hana Žahourová" userId="230038c9-a3ca-4475-b002-a1afd1b1f2d3" providerId="ADAL" clId="{0B286381-0C14-58E2-A012-C306F8E3D3E3}" dt="2026-01-29T22:36:25.672" v="1532" actId="2696"/>
         <pc:sldMkLst>
           <pc:docMk/>
-          <pc:sldMk cId="2431639856" sldId="325"/>
+          <pc:sldMk cId="816397541" sldId="332"/>
         </pc:sldMkLst>
+        <pc:picChg chg="add mod">
+          <ac:chgData name="Hana Žahourová" userId="230038c9-a3ca-4475-b002-a1afd1b1f2d3" providerId="ADAL" clId="{0B286381-0C14-58E2-A012-C306F8E3D3E3}" dt="2026-01-29T22:36:19.095" v="1528"/>
+          <ac:picMkLst>
+            <pc:docMk/>
+            <pc:sldMk cId="816397541" sldId="332"/>
+            <ac:picMk id="4" creationId="{3CCE7C87-C78E-546D-264B-661F35A7E422}"/>
+          </ac:picMkLst>
+        </pc:picChg>
+        <pc:picChg chg="add del mod">
+          <ac:chgData name="Hana Žahourová" userId="230038c9-a3ca-4475-b002-a1afd1b1f2d3" providerId="ADAL" clId="{0B286381-0C14-58E2-A012-C306F8E3D3E3}" dt="2026-01-29T22:36:22.812" v="1531" actId="478"/>
+          <ac:picMkLst>
+            <pc:docMk/>
+            <pc:sldMk cId="816397541" sldId="332"/>
+            <ac:picMk id="5" creationId="{D7BF209A-1A82-5450-15C3-98A12FB086EC}"/>
+          </ac:picMkLst>
+        </pc:picChg>
       </pc:sldChg>
-      <pc:sldChg chg="del">
-        <pc:chgData name="Hana Žahourová" userId="230038c9-a3ca-4475-b002-a1afd1b1f2d3" providerId="ADAL" clId="{0B286381-0C14-58E2-A012-C306F8E3D3E3}" dt="2026-01-28T20:49:07.186" v="67" actId="2696"/>
+      <pc:sldChg chg="addSp delSp modSp new del mod modClrScheme chgLayout">
+        <pc:chgData name="Hana Žahourová" userId="230038c9-a3ca-4475-b002-a1afd1b1f2d3" providerId="ADAL" clId="{0B286381-0C14-58E2-A012-C306F8E3D3E3}" dt="2026-01-29T22:12:21.124" v="1473" actId="2696"/>
         <pc:sldMkLst>
           <pc:docMk/>
-          <pc:sldMk cId="2948324356" sldId="326"/>
+          <pc:sldMk cId="3611354742" sldId="332"/>
         </pc:sldMkLst>
+        <pc:spChg chg="add del">
+          <ac:chgData name="Hana Žahourová" userId="230038c9-a3ca-4475-b002-a1afd1b1f2d3" providerId="ADAL" clId="{0B286381-0C14-58E2-A012-C306F8E3D3E3}" dt="2026-01-29T22:11:44.687" v="1455" actId="26606"/>
+          <ac:spMkLst>
+            <pc:docMk/>
+            <pc:sldMk cId="3611354742" sldId="332"/>
+            <ac:spMk id="2" creationId="{566B089C-0EFC-2E7E-72CA-E53318AD93C6}"/>
+          </ac:spMkLst>
+        </pc:spChg>
+        <pc:spChg chg="add del">
+          <ac:chgData name="Hana Žahourová" userId="230038c9-a3ca-4475-b002-a1afd1b1f2d3" providerId="ADAL" clId="{0B286381-0C14-58E2-A012-C306F8E3D3E3}" dt="2026-01-29T22:11:44.687" v="1455" actId="26606"/>
+          <ac:spMkLst>
+            <pc:docMk/>
+            <pc:sldMk cId="3611354742" sldId="332"/>
+            <ac:spMk id="3" creationId="{5C18B28E-4230-820C-38E4-94BA87E19A75}"/>
+          </ac:spMkLst>
+        </pc:spChg>
+        <pc:spChg chg="add del mod">
+          <ac:chgData name="Hana Žahourová" userId="230038c9-a3ca-4475-b002-a1afd1b1f2d3" providerId="ADAL" clId="{0B286381-0C14-58E2-A012-C306F8E3D3E3}" dt="2026-01-29T22:11:44.684" v="1454" actId="26606"/>
+          <ac:spMkLst>
+            <pc:docMk/>
+            <pc:sldMk cId="3611354742" sldId="332"/>
+            <ac:spMk id="8" creationId="{80C10870-74EE-4261-11E4-4F35AE481FD8}"/>
+          </ac:spMkLst>
+        </pc:spChg>
+        <pc:spChg chg="add mod">
+          <ac:chgData name="Hana Žahourová" userId="230038c9-a3ca-4475-b002-a1afd1b1f2d3" providerId="ADAL" clId="{0B286381-0C14-58E2-A012-C306F8E3D3E3}" dt="2026-01-29T22:11:44.687" v="1455" actId="26606"/>
+          <ac:spMkLst>
+            <pc:docMk/>
+            <pc:sldMk cId="3611354742" sldId="332"/>
+            <ac:spMk id="10" creationId="{4EF61E2D-8A31-F3C5-6248-ABD51E05679A}"/>
+          </ac:spMkLst>
+        </pc:spChg>
+        <pc:spChg chg="add mod">
+          <ac:chgData name="Hana Žahourová" userId="230038c9-a3ca-4475-b002-a1afd1b1f2d3" providerId="ADAL" clId="{0B286381-0C14-58E2-A012-C306F8E3D3E3}" dt="2026-01-29T22:11:47.422" v="1468" actId="20577"/>
+          <ac:spMkLst>
+            <pc:docMk/>
+            <pc:sldMk cId="3611354742" sldId="332"/>
+            <ac:spMk id="11" creationId="{61E92335-BE77-353B-312C-EF5CB2A4C033}"/>
+          </ac:spMkLst>
+        </pc:spChg>
       </pc:sldChg>
-      <pc:sldChg chg="del">
-        <pc:chgData name="Hana Žahourová" userId="230038c9-a3ca-4475-b002-a1afd1b1f2d3" providerId="ADAL" clId="{0B286381-0C14-58E2-A012-C306F8E3D3E3}" dt="2026-01-28T20:49:07.186" v="67" actId="2696"/>
-        <pc:sldMkLst>
-          <pc:docMk/>
-          <pc:sldMk cId="788286873" sldId="327"/>
-        </pc:sldMkLst>
-      </pc:sldChg>
-      <pc:sldChg chg="del">
-        <pc:chgData name="Hana Žahourová" userId="230038c9-a3ca-4475-b002-a1afd1b1f2d3" providerId="ADAL" clId="{0B286381-0C14-58E2-A012-C306F8E3D3E3}" dt="2026-01-28T20:49:07.186" v="67" actId="2696"/>
-        <pc:sldMkLst>
-          <pc:docMk/>
-          <pc:sldMk cId="2550549567" sldId="328"/>
-        </pc:sldMkLst>
-      </pc:sldChg>
-      <pc:sldChg chg="del">
-        <pc:chgData name="Hana Žahourová" userId="230038c9-a3ca-4475-b002-a1afd1b1f2d3" providerId="ADAL" clId="{0B286381-0C14-58E2-A012-C306F8E3D3E3}" dt="2026-01-28T20:49:07.186" v="67" actId="2696"/>
-        <pc:sldMkLst>
-          <pc:docMk/>
-          <pc:sldMk cId="2089948105" sldId="329"/>
-        </pc:sldMkLst>
-      </pc:sldChg>
-      <pc:sldChg chg="del">
-        <pc:chgData name="Hana Žahourová" userId="230038c9-a3ca-4475-b002-a1afd1b1f2d3" providerId="ADAL" clId="{0B286381-0C14-58E2-A012-C306F8E3D3E3}" dt="2026-01-28T20:49:07.186" v="67" actId="2696"/>
-        <pc:sldMkLst>
-          <pc:docMk/>
-          <pc:sldMk cId="78195039" sldId="330"/>
-        </pc:sldMkLst>
-      </pc:sldChg>
-      <pc:sldChg chg="del">
-        <pc:chgData name="Hana Žahourová" userId="230038c9-a3ca-4475-b002-a1afd1b1f2d3" providerId="ADAL" clId="{0B286381-0C14-58E2-A012-C306F8E3D3E3}" dt="2026-01-28T20:49:07.186" v="67" actId="2696"/>
-        <pc:sldMkLst>
-          <pc:docMk/>
-          <pc:sldMk cId="100086346" sldId="331"/>
-        </pc:sldMkLst>
-      </pc:sldChg>
-      <pc:sldChg chg="del">
-        <pc:chgData name="Hana Žahourová" userId="230038c9-a3ca-4475-b002-a1afd1b1f2d3" providerId="ADAL" clId="{0B286381-0C14-58E2-A012-C306F8E3D3E3}" dt="2026-01-28T20:49:07.186" v="67" actId="2696"/>
-        <pc:sldMkLst>
-          <pc:docMk/>
-          <pc:sldMk cId="2361564606" sldId="332"/>
-        </pc:sldMkLst>
-      </pc:sldChg>
-      <pc:sldChg chg="del">
-        <pc:chgData name="Hana Žahourová" userId="230038c9-a3ca-4475-b002-a1afd1b1f2d3" providerId="ADAL" clId="{0B286381-0C14-58E2-A012-C306F8E3D3E3}" dt="2026-01-28T20:49:07.186" v="67" actId="2696"/>
-        <pc:sldMkLst>
-          <pc:docMk/>
-          <pc:sldMk cId="2385404719" sldId="333"/>
-        </pc:sldMkLst>
-      </pc:sldChg>
-      <pc:sldChg chg="del">
-        <pc:chgData name="Hana Žahourová" userId="230038c9-a3ca-4475-b002-a1afd1b1f2d3" providerId="ADAL" clId="{0B286381-0C14-58E2-A012-C306F8E3D3E3}" dt="2026-01-28T20:49:07.186" v="67" actId="2696"/>
+      <pc:sldChg chg="modSp add mod">
+        <pc:chgData name="Hana Žahourová" userId="230038c9-a3ca-4475-b002-a1afd1b1f2d3" providerId="ADAL" clId="{0B286381-0C14-58E2-A012-C306F8E3D3E3}" dt="2026-01-30T12:08:53.136" v="2188" actId="20577"/>
         <pc:sldMkLst>
           <pc:docMk/>
           <pc:sldMk cId="1704218147" sldId="334"/>
         </pc:sldMkLst>
-      </pc:sldChg>
-      <pc:sldChg chg="modSp del mod">
-        <pc:chgData name="Hana Žahourová" userId="230038c9-a3ca-4475-b002-a1afd1b1f2d3" providerId="ADAL" clId="{0B286381-0C14-58E2-A012-C306F8E3D3E3}" dt="2026-01-28T20:49:07.186" v="67" actId="2696"/>
-        <pc:sldMkLst>
-          <pc:docMk/>
-          <pc:sldMk cId="3269870224" sldId="335"/>
-        </pc:sldMkLst>
-      </pc:sldChg>
-      <pc:sldChg chg="del">
-        <pc:chgData name="Hana Žahourová" userId="230038c9-a3ca-4475-b002-a1afd1b1f2d3" providerId="ADAL" clId="{0B286381-0C14-58E2-A012-C306F8E3D3E3}" dt="2026-01-28T20:49:07.186" v="67" actId="2696"/>
-        <pc:sldMkLst>
-          <pc:docMk/>
-          <pc:sldMk cId="3540915383" sldId="336"/>
-        </pc:sldMkLst>
-      </pc:sldChg>
-      <pc:sldChg chg="del">
-        <pc:chgData name="Hana Žahourová" userId="230038c9-a3ca-4475-b002-a1afd1b1f2d3" providerId="ADAL" clId="{0B286381-0C14-58E2-A012-C306F8E3D3E3}" dt="2026-01-28T20:49:07.186" v="67" actId="2696"/>
-        <pc:sldMkLst>
-          <pc:docMk/>
-          <pc:sldMk cId="3670582403" sldId="337"/>
-        </pc:sldMkLst>
-      </pc:sldChg>
-      <pc:sldChg chg="del">
-        <pc:chgData name="Hana Žahourová" userId="230038c9-a3ca-4475-b002-a1afd1b1f2d3" providerId="ADAL" clId="{0B286381-0C14-58E2-A012-C306F8E3D3E3}" dt="2026-01-28T20:49:07.186" v="67" actId="2696"/>
-        <pc:sldMkLst>
-          <pc:docMk/>
-          <pc:sldMk cId="2102711354" sldId="338"/>
-        </pc:sldMkLst>
-      </pc:sldChg>
-      <pc:sldChg chg="del">
-        <pc:chgData name="Hana Žahourová" userId="230038c9-a3ca-4475-b002-a1afd1b1f2d3" providerId="ADAL" clId="{0B286381-0C14-58E2-A012-C306F8E3D3E3}" dt="2026-01-28T20:49:07.186" v="67" actId="2696"/>
-        <pc:sldMkLst>
-          <pc:docMk/>
-          <pc:sldMk cId="1670347345" sldId="339"/>
-        </pc:sldMkLst>
-      </pc:sldChg>
-      <pc:sldChg chg="del">
-        <pc:chgData name="Hana Žahourová" userId="230038c9-a3ca-4475-b002-a1afd1b1f2d3" providerId="ADAL" clId="{0B286381-0C14-58E2-A012-C306F8E3D3E3}" dt="2026-01-28T20:49:07.186" v="67" actId="2696"/>
-        <pc:sldMkLst>
-          <pc:docMk/>
-          <pc:sldMk cId="3314046622" sldId="340"/>
-        </pc:sldMkLst>
-      </pc:sldChg>
-      <pc:sldChg chg="del">
-        <pc:chgData name="Hana Žahourová" userId="230038c9-a3ca-4475-b002-a1afd1b1f2d3" providerId="ADAL" clId="{0B286381-0C14-58E2-A012-C306F8E3D3E3}" dt="2026-01-28T20:49:07.186" v="67" actId="2696"/>
-        <pc:sldMkLst>
-          <pc:docMk/>
-          <pc:sldMk cId="2142085655" sldId="341"/>
-        </pc:sldMkLst>
-      </pc:sldChg>
-      <pc:sldChg chg="del">
-        <pc:chgData name="Hana Žahourová" userId="230038c9-a3ca-4475-b002-a1afd1b1f2d3" providerId="ADAL" clId="{0B286381-0C14-58E2-A012-C306F8E3D3E3}" dt="2026-01-28T20:49:07.186" v="67" actId="2696"/>
-        <pc:sldMkLst>
-          <pc:docMk/>
-          <pc:sldMk cId="1814695350" sldId="342"/>
-        </pc:sldMkLst>
-      </pc:sldChg>
-      <pc:sldChg chg="del">
-        <pc:chgData name="Hana Žahourová" userId="230038c9-a3ca-4475-b002-a1afd1b1f2d3" providerId="ADAL" clId="{0B286381-0C14-58E2-A012-C306F8E3D3E3}" dt="2026-01-28T20:49:07.186" v="67" actId="2696"/>
-        <pc:sldMkLst>
-          <pc:docMk/>
-          <pc:sldMk cId="2868263469" sldId="344"/>
-        </pc:sldMkLst>
-      </pc:sldChg>
-      <pc:sldChg chg="del">
-        <pc:chgData name="Hana Žahourová" userId="230038c9-a3ca-4475-b002-a1afd1b1f2d3" providerId="ADAL" clId="{0B286381-0C14-58E2-A012-C306F8E3D3E3}" dt="2026-01-28T20:49:07.186" v="67" actId="2696"/>
-        <pc:sldMkLst>
-          <pc:docMk/>
-          <pc:sldMk cId="3895519774" sldId="345"/>
-        </pc:sldMkLst>
-      </pc:sldChg>
-      <pc:sldChg chg="del">
-        <pc:chgData name="Hana Žahourová" userId="230038c9-a3ca-4475-b002-a1afd1b1f2d3" providerId="ADAL" clId="{0B286381-0C14-58E2-A012-C306F8E3D3E3}" dt="2026-01-28T20:49:07.186" v="67" actId="2696"/>
-        <pc:sldMkLst>
-          <pc:docMk/>
-          <pc:sldMk cId="425426141" sldId="347"/>
-        </pc:sldMkLst>
-      </pc:sldChg>
-      <pc:sldChg chg="del">
-        <pc:chgData name="Hana Žahourová" userId="230038c9-a3ca-4475-b002-a1afd1b1f2d3" providerId="ADAL" clId="{0B286381-0C14-58E2-A012-C306F8E3D3E3}" dt="2026-01-28T20:49:07.186" v="67" actId="2696"/>
-        <pc:sldMkLst>
-          <pc:docMk/>
-          <pc:sldMk cId="563576954" sldId="349"/>
-        </pc:sldMkLst>
-      </pc:sldChg>
-      <pc:sldChg chg="modSp del mod">
-        <pc:chgData name="Hana Žahourová" userId="230038c9-a3ca-4475-b002-a1afd1b1f2d3" providerId="ADAL" clId="{0B286381-0C14-58E2-A012-C306F8E3D3E3}" dt="2026-01-28T20:49:07.186" v="67" actId="2696"/>
-        <pc:sldMkLst>
-          <pc:docMk/>
-          <pc:sldMk cId="2518886386" sldId="350"/>
-        </pc:sldMkLst>
-      </pc:sldChg>
-      <pc:sldChg chg="del">
-        <pc:chgData name="Hana Žahourová" userId="230038c9-a3ca-4475-b002-a1afd1b1f2d3" providerId="ADAL" clId="{0B286381-0C14-58E2-A012-C306F8E3D3E3}" dt="2026-01-28T20:49:07.186" v="67" actId="2696"/>
-        <pc:sldMkLst>
-          <pc:docMk/>
-          <pc:sldMk cId="2213511835" sldId="351"/>
-        </pc:sldMkLst>
-      </pc:sldChg>
-      <pc:sldChg chg="del">
-        <pc:chgData name="Hana Žahourová" userId="230038c9-a3ca-4475-b002-a1afd1b1f2d3" providerId="ADAL" clId="{0B286381-0C14-58E2-A012-C306F8E3D3E3}" dt="2026-01-28T20:49:07.186" v="67" actId="2696"/>
-        <pc:sldMkLst>
-          <pc:docMk/>
-          <pc:sldMk cId="830809174" sldId="352"/>
-        </pc:sldMkLst>
-      </pc:sldChg>
-      <pc:sldChg chg="del">
-        <pc:chgData name="Hana Žahourová" userId="230038c9-a3ca-4475-b002-a1afd1b1f2d3" providerId="ADAL" clId="{0B286381-0C14-58E2-A012-C306F8E3D3E3}" dt="2026-01-28T20:49:07.186" v="67" actId="2696"/>
-        <pc:sldMkLst>
-          <pc:docMk/>
-          <pc:sldMk cId="570907566" sldId="353"/>
-        </pc:sldMkLst>
-      </pc:sldChg>
-      <pc:sldChg chg="del">
-        <pc:chgData name="Hana Žahourová" userId="230038c9-a3ca-4475-b002-a1afd1b1f2d3" providerId="ADAL" clId="{0B286381-0C14-58E2-A012-C306F8E3D3E3}" dt="2026-01-28T20:49:07.186" v="67" actId="2696"/>
-        <pc:sldMkLst>
-          <pc:docMk/>
-          <pc:sldMk cId="3830157413" sldId="354"/>
-        </pc:sldMkLst>
-      </pc:sldChg>
-      <pc:sldChg chg="del">
-        <pc:chgData name="Hana Žahourová" userId="230038c9-a3ca-4475-b002-a1afd1b1f2d3" providerId="ADAL" clId="{0B286381-0C14-58E2-A012-C306F8E3D3E3}" dt="2026-01-28T20:49:07.186" v="67" actId="2696"/>
-        <pc:sldMkLst>
-          <pc:docMk/>
-          <pc:sldMk cId="3665668072" sldId="355"/>
-        </pc:sldMkLst>
-      </pc:sldChg>
-      <pc:sldChg chg="del">
-        <pc:chgData name="Hana Žahourová" userId="230038c9-a3ca-4475-b002-a1afd1b1f2d3" providerId="ADAL" clId="{0B286381-0C14-58E2-A012-C306F8E3D3E3}" dt="2026-01-28T20:49:07.186" v="67" actId="2696"/>
-        <pc:sldMkLst>
-          <pc:docMk/>
-          <pc:sldMk cId="739733199" sldId="356"/>
-        </pc:sldMkLst>
-      </pc:sldChg>
-      <pc:sldChg chg="del">
-        <pc:chgData name="Hana Žahourová" userId="230038c9-a3ca-4475-b002-a1afd1b1f2d3" providerId="ADAL" clId="{0B286381-0C14-58E2-A012-C306F8E3D3E3}" dt="2026-01-28T20:49:07.186" v="67" actId="2696"/>
-        <pc:sldMkLst>
-          <pc:docMk/>
-          <pc:sldMk cId="458744735" sldId="357"/>
-        </pc:sldMkLst>
-      </pc:sldChg>
-      <pc:sldChg chg="del">
-        <pc:chgData name="Hana Žahourová" userId="230038c9-a3ca-4475-b002-a1afd1b1f2d3" providerId="ADAL" clId="{0B286381-0C14-58E2-A012-C306F8E3D3E3}" dt="2026-01-28T20:49:07.186" v="67" actId="2696"/>
-        <pc:sldMkLst>
-          <pc:docMk/>
-          <pc:sldMk cId="3081617026" sldId="358"/>
-        </pc:sldMkLst>
-      </pc:sldChg>
-      <pc:sldChg chg="del">
-        <pc:chgData name="Hana Žahourová" userId="230038c9-a3ca-4475-b002-a1afd1b1f2d3" providerId="ADAL" clId="{0B286381-0C14-58E2-A012-C306F8E3D3E3}" dt="2026-01-28T20:49:07.186" v="67" actId="2696"/>
-        <pc:sldMkLst>
-          <pc:docMk/>
-          <pc:sldMk cId="2825966986" sldId="359"/>
-        </pc:sldMkLst>
-      </pc:sldChg>
-      <pc:sldChg chg="del">
-        <pc:chgData name="Hana Žahourová" userId="230038c9-a3ca-4475-b002-a1afd1b1f2d3" providerId="ADAL" clId="{0B286381-0C14-58E2-A012-C306F8E3D3E3}" dt="2026-01-28T20:49:07.186" v="67" actId="2696"/>
-        <pc:sldMkLst>
-          <pc:docMk/>
-          <pc:sldMk cId="2912544292" sldId="360"/>
-        </pc:sldMkLst>
-      </pc:sldChg>
-      <pc:sldChg chg="del">
-        <pc:chgData name="Hana Žahourová" userId="230038c9-a3ca-4475-b002-a1afd1b1f2d3" providerId="ADAL" clId="{0B286381-0C14-58E2-A012-C306F8E3D3E3}" dt="2026-01-28T20:49:07.186" v="67" actId="2696"/>
-        <pc:sldMkLst>
-          <pc:docMk/>
-          <pc:sldMk cId="4224591809" sldId="361"/>
-        </pc:sldMkLst>
-      </pc:sldChg>
-      <pc:sldChg chg="del">
-        <pc:chgData name="Hana Žahourová" userId="230038c9-a3ca-4475-b002-a1afd1b1f2d3" providerId="ADAL" clId="{0B286381-0C14-58E2-A012-C306F8E3D3E3}" dt="2026-01-28T20:49:07.186" v="67" actId="2696"/>
-        <pc:sldMkLst>
-          <pc:docMk/>
-          <pc:sldMk cId="624456413" sldId="362"/>
-        </pc:sldMkLst>
-      </pc:sldChg>
-      <pc:sldChg chg="del">
-        <pc:chgData name="Hana Žahourová" userId="230038c9-a3ca-4475-b002-a1afd1b1f2d3" providerId="ADAL" clId="{0B286381-0C14-58E2-A012-C306F8E3D3E3}" dt="2026-01-28T20:49:07.186" v="67" actId="2696"/>
-        <pc:sldMkLst>
-          <pc:docMk/>
-          <pc:sldMk cId="2184639739" sldId="364"/>
-        </pc:sldMkLst>
-      </pc:sldChg>
-      <pc:sldChg chg="del">
-        <pc:chgData name="Hana Žahourová" userId="230038c9-a3ca-4475-b002-a1afd1b1f2d3" providerId="ADAL" clId="{0B286381-0C14-58E2-A012-C306F8E3D3E3}" dt="2026-01-28T20:49:07.186" v="67" actId="2696"/>
-        <pc:sldMkLst>
-          <pc:docMk/>
-          <pc:sldMk cId="289636332" sldId="365"/>
-        </pc:sldMkLst>
-      </pc:sldChg>
-      <pc:sldChg chg="del">
-        <pc:chgData name="Hana Žahourová" userId="230038c9-a3ca-4475-b002-a1afd1b1f2d3" providerId="ADAL" clId="{0B286381-0C14-58E2-A012-C306F8E3D3E3}" dt="2026-01-28T20:49:07.186" v="67" actId="2696"/>
-        <pc:sldMkLst>
-          <pc:docMk/>
-          <pc:sldMk cId="2466254813" sldId="366"/>
-        </pc:sldMkLst>
-      </pc:sldChg>
-      <pc:sldChg chg="del">
-        <pc:chgData name="Hana Žahourová" userId="230038c9-a3ca-4475-b002-a1afd1b1f2d3" providerId="ADAL" clId="{0B286381-0C14-58E2-A012-C306F8E3D3E3}" dt="2026-01-28T20:49:07.186" v="67" actId="2696"/>
-        <pc:sldMkLst>
-          <pc:docMk/>
-          <pc:sldMk cId="1840390962" sldId="367"/>
-        </pc:sldMkLst>
-      </pc:sldChg>
-      <pc:sldChg chg="del">
-        <pc:chgData name="Hana Žahourová" userId="230038c9-a3ca-4475-b002-a1afd1b1f2d3" providerId="ADAL" clId="{0B286381-0C14-58E2-A012-C306F8E3D3E3}" dt="2026-01-28T20:49:07.186" v="67" actId="2696"/>
-        <pc:sldMkLst>
-          <pc:docMk/>
-          <pc:sldMk cId="571263290" sldId="368"/>
-        </pc:sldMkLst>
-      </pc:sldChg>
-      <pc:sldChg chg="del">
-        <pc:chgData name="Hana Žahourová" userId="230038c9-a3ca-4475-b002-a1afd1b1f2d3" providerId="ADAL" clId="{0B286381-0C14-58E2-A012-C306F8E3D3E3}" dt="2026-01-28T20:49:07.186" v="67" actId="2696"/>
-        <pc:sldMkLst>
-          <pc:docMk/>
-          <pc:sldMk cId="227905754" sldId="369"/>
-        </pc:sldMkLst>
-      </pc:sldChg>
-      <pc:sldChg chg="del">
-        <pc:chgData name="Hana Žahourová" userId="230038c9-a3ca-4475-b002-a1afd1b1f2d3" providerId="ADAL" clId="{0B286381-0C14-58E2-A012-C306F8E3D3E3}" dt="2026-01-28T20:49:07.186" v="67" actId="2696"/>
-        <pc:sldMkLst>
-          <pc:docMk/>
-          <pc:sldMk cId="3750637437" sldId="370"/>
-        </pc:sldMkLst>
-      </pc:sldChg>
-      <pc:sldChg chg="del">
-        <pc:chgData name="Hana Žahourová" userId="230038c9-a3ca-4475-b002-a1afd1b1f2d3" providerId="ADAL" clId="{0B286381-0C14-58E2-A012-C306F8E3D3E3}" dt="2026-01-28T20:49:07.186" v="67" actId="2696"/>
-        <pc:sldMkLst>
-          <pc:docMk/>
-          <pc:sldMk cId="324833896" sldId="371"/>
-        </pc:sldMkLst>
-      </pc:sldChg>
-      <pc:sldChg chg="del">
-        <pc:chgData name="Hana Žahourová" userId="230038c9-a3ca-4475-b002-a1afd1b1f2d3" providerId="ADAL" clId="{0B286381-0C14-58E2-A012-C306F8E3D3E3}" dt="2026-01-28T20:49:07.186" v="67" actId="2696"/>
-        <pc:sldMkLst>
-          <pc:docMk/>
-          <pc:sldMk cId="32295574" sldId="372"/>
-        </pc:sldMkLst>
-      </pc:sldChg>
-      <pc:sldChg chg="del">
-        <pc:chgData name="Hana Žahourová" userId="230038c9-a3ca-4475-b002-a1afd1b1f2d3" providerId="ADAL" clId="{0B286381-0C14-58E2-A012-C306F8E3D3E3}" dt="2026-01-28T20:49:07.186" v="67" actId="2696"/>
-        <pc:sldMkLst>
-          <pc:docMk/>
-          <pc:sldMk cId="1368372402" sldId="373"/>
-        </pc:sldMkLst>
-      </pc:sldChg>
-      <pc:sldChg chg="modSp del mod">
-        <pc:chgData name="Hana Žahourová" userId="230038c9-a3ca-4475-b002-a1afd1b1f2d3" providerId="ADAL" clId="{0B286381-0C14-58E2-A012-C306F8E3D3E3}" dt="2026-01-28T20:49:07.186" v="67" actId="2696"/>
-        <pc:sldMkLst>
-          <pc:docMk/>
-          <pc:sldMk cId="1582384601" sldId="374"/>
-        </pc:sldMkLst>
-      </pc:sldChg>
-      <pc:sldChg chg="del">
-        <pc:chgData name="Hana Žahourová" userId="230038c9-a3ca-4475-b002-a1afd1b1f2d3" providerId="ADAL" clId="{0B286381-0C14-58E2-A012-C306F8E3D3E3}" dt="2026-01-28T20:49:07.186" v="67" actId="2696"/>
-        <pc:sldMkLst>
-          <pc:docMk/>
-          <pc:sldMk cId="561071349" sldId="375"/>
-        </pc:sldMkLst>
-      </pc:sldChg>
-      <pc:sldChg chg="modSp del mod">
-        <pc:chgData name="Hana Žahourová" userId="230038c9-a3ca-4475-b002-a1afd1b1f2d3" providerId="ADAL" clId="{0B286381-0C14-58E2-A012-C306F8E3D3E3}" dt="2026-01-28T20:49:07.186" v="67" actId="2696"/>
-        <pc:sldMkLst>
-          <pc:docMk/>
-          <pc:sldMk cId="1288999651" sldId="376"/>
-        </pc:sldMkLst>
-      </pc:sldChg>
-      <pc:sldChg chg="modSp del mod">
-        <pc:chgData name="Hana Žahourová" userId="230038c9-a3ca-4475-b002-a1afd1b1f2d3" providerId="ADAL" clId="{0B286381-0C14-58E2-A012-C306F8E3D3E3}" dt="2026-01-28T20:49:07.186" v="67" actId="2696"/>
-        <pc:sldMkLst>
-          <pc:docMk/>
-          <pc:sldMk cId="4134783077" sldId="378"/>
-        </pc:sldMkLst>
+        <pc:spChg chg="mod">
+          <ac:chgData name="Hana Žahourová" userId="230038c9-a3ca-4475-b002-a1afd1b1f2d3" providerId="ADAL" clId="{0B286381-0C14-58E2-A012-C306F8E3D3E3}" dt="2026-01-30T12:08:53.136" v="2188" actId="20577"/>
+          <ac:spMkLst>
+            <pc:docMk/>
+            <pc:sldMk cId="1704218147" sldId="334"/>
+            <ac:spMk id="5" creationId="{A7A7414C-9949-5028-D2B2-3B45DB49DC06}"/>
+          </ac:spMkLst>
+        </pc:spChg>
       </pc:sldChg>
     </pc:docChg>
   </pc:docChgLst>
@@ -1977,6 +2375,1958 @@
     </cs:spPr>
   </cs:wall>
 </cs:chartStyle>
+</file>
+
+<file path=ppt/notesMasters/notesMaster1.xml><?xml version="1.0" encoding="utf-8"?>
+<p:notesMaster xmlns:a="http://schemas.openxmlformats.org/drawingml/2006/main" xmlns:r="http://schemas.openxmlformats.org/officeDocument/2006/relationships" xmlns:p="http://schemas.openxmlformats.org/presentationml/2006/main">
+  <p:cSld>
+    <p:bg>
+      <p:bgRef idx="1001">
+        <a:schemeClr val="bg1"/>
+      </p:bgRef>
+    </p:bg>
+    <p:spTree>
+      <p:nvGrpSpPr>
+        <p:cNvPr id="1" name=""/>
+        <p:cNvGrpSpPr/>
+        <p:nvPr/>
+      </p:nvGrpSpPr>
+      <p:grpSpPr>
+        <a:xfrm>
+          <a:off x="0" y="0"/>
+          <a:ext cx="0" cy="0"/>
+          <a:chOff x="0" y="0"/>
+          <a:chExt cx="0" cy="0"/>
+        </a:xfrm>
+      </p:grpSpPr>
+      <p:sp>
+        <p:nvSpPr>
+          <p:cNvPr id="2" name="Header Placeholder 1"/>
+          <p:cNvSpPr>
+            <a:spLocks noGrp="1"/>
+          </p:cNvSpPr>
+          <p:nvPr>
+            <p:ph type="hdr" sz="quarter"/>
+          </p:nvPr>
+        </p:nvSpPr>
+        <p:spPr>
+          <a:xfrm>
+            <a:off x="0" y="0"/>
+            <a:ext cx="2971800" cy="458788"/>
+          </a:xfrm>
+          <a:prstGeom prst="rect">
+            <a:avLst/>
+          </a:prstGeom>
+        </p:spPr>
+        <p:txBody>
+          <a:bodyPr vert="horz" lIns="91440" tIns="45720" rIns="91440" bIns="45720" rtlCol="0"/>
+          <a:lstStyle>
+            <a:lvl1pPr algn="l">
+              <a:defRPr sz="1200"/>
+            </a:lvl1pPr>
+          </a:lstStyle>
+          <a:p>
+            <a:endParaRPr lang="en-CZ"/>
+          </a:p>
+        </p:txBody>
+      </p:sp>
+      <p:sp>
+        <p:nvSpPr>
+          <p:cNvPr id="3" name="Date Placeholder 2"/>
+          <p:cNvSpPr>
+            <a:spLocks noGrp="1"/>
+          </p:cNvSpPr>
+          <p:nvPr>
+            <p:ph type="dt" idx="1"/>
+          </p:nvPr>
+        </p:nvSpPr>
+        <p:spPr>
+          <a:xfrm>
+            <a:off x="3884613" y="0"/>
+            <a:ext cx="2971800" cy="458788"/>
+          </a:xfrm>
+          <a:prstGeom prst="rect">
+            <a:avLst/>
+          </a:prstGeom>
+        </p:spPr>
+        <p:txBody>
+          <a:bodyPr vert="horz" lIns="91440" tIns="45720" rIns="91440" bIns="45720" rtlCol="0"/>
+          <a:lstStyle>
+            <a:lvl1pPr algn="r">
+              <a:defRPr sz="1200"/>
+            </a:lvl1pPr>
+          </a:lstStyle>
+          <a:p>
+            <a:fld id="{47FB9E7E-9CA0-F645-9E73-60AEAD0C732F}" type="datetimeFigureOut">
+              <a:rPr lang="en-CZ" smtClean="0"/>
+              <a:t>29.01.2026</a:t>
+            </a:fld>
+            <a:endParaRPr lang="en-CZ"/>
+          </a:p>
+        </p:txBody>
+      </p:sp>
+      <p:sp>
+        <p:nvSpPr>
+          <p:cNvPr id="4" name="Slide Image Placeholder 3"/>
+          <p:cNvSpPr>
+            <a:spLocks noGrp="1" noRot="1" noChangeAspect="1"/>
+          </p:cNvSpPr>
+          <p:nvPr>
+            <p:ph type="sldImg" idx="2"/>
+          </p:nvPr>
+        </p:nvSpPr>
+        <p:spPr>
+          <a:xfrm>
+            <a:off x="1371600" y="1143000"/>
+            <a:ext cx="4114800" cy="3086100"/>
+          </a:xfrm>
+          <a:prstGeom prst="rect">
+            <a:avLst/>
+          </a:prstGeom>
+          <a:noFill/>
+          <a:ln w="12700">
+            <a:solidFill>
+              <a:prstClr val="black"/>
+            </a:solidFill>
+          </a:ln>
+        </p:spPr>
+        <p:txBody>
+          <a:bodyPr vert="horz" lIns="91440" tIns="45720" rIns="91440" bIns="45720" rtlCol="0" anchor="ctr"/>
+          <a:lstStyle/>
+          <a:p>
+            <a:endParaRPr lang="en-CZ"/>
+          </a:p>
+        </p:txBody>
+      </p:sp>
+      <p:sp>
+        <p:nvSpPr>
+          <p:cNvPr id="5" name="Notes Placeholder 4"/>
+          <p:cNvSpPr>
+            <a:spLocks noGrp="1"/>
+          </p:cNvSpPr>
+          <p:nvPr>
+            <p:ph type="body" sz="quarter" idx="3"/>
+          </p:nvPr>
+        </p:nvSpPr>
+        <p:spPr>
+          <a:xfrm>
+            <a:off x="685800" y="4400550"/>
+            <a:ext cx="5486400" cy="3600450"/>
+          </a:xfrm>
+          <a:prstGeom prst="rect">
+            <a:avLst/>
+          </a:prstGeom>
+        </p:spPr>
+        <p:txBody>
+          <a:bodyPr vert="horz" lIns="91440" tIns="45720" rIns="91440" bIns="45720" rtlCol="0"/>
+          <a:lstStyle/>
+          <a:p>
+            <a:pPr lvl="0"/>
+            <a:r>
+              <a:rPr lang="en-GB"/>
+              <a:t>Click to edit Master text styles</a:t>
+            </a:r>
+          </a:p>
+          <a:p>
+            <a:pPr lvl="1"/>
+            <a:r>
+              <a:rPr lang="en-GB"/>
+              <a:t>Second level</a:t>
+            </a:r>
+          </a:p>
+          <a:p>
+            <a:pPr lvl="2"/>
+            <a:r>
+              <a:rPr lang="en-GB"/>
+              <a:t>Third level</a:t>
+            </a:r>
+          </a:p>
+          <a:p>
+            <a:pPr lvl="3"/>
+            <a:r>
+              <a:rPr lang="en-GB"/>
+              <a:t>Fourth level</a:t>
+            </a:r>
+          </a:p>
+          <a:p>
+            <a:pPr lvl="4"/>
+            <a:r>
+              <a:rPr lang="en-GB"/>
+              <a:t>Fifth level</a:t>
+            </a:r>
+            <a:endParaRPr lang="en-CZ"/>
+          </a:p>
+        </p:txBody>
+      </p:sp>
+      <p:sp>
+        <p:nvSpPr>
+          <p:cNvPr id="6" name="Footer Placeholder 5"/>
+          <p:cNvSpPr>
+            <a:spLocks noGrp="1"/>
+          </p:cNvSpPr>
+          <p:nvPr>
+            <p:ph type="ftr" sz="quarter" idx="4"/>
+          </p:nvPr>
+        </p:nvSpPr>
+        <p:spPr>
+          <a:xfrm>
+            <a:off x="0" y="8685213"/>
+            <a:ext cx="2971800" cy="458787"/>
+          </a:xfrm>
+          <a:prstGeom prst="rect">
+            <a:avLst/>
+          </a:prstGeom>
+        </p:spPr>
+        <p:txBody>
+          <a:bodyPr vert="horz" lIns="91440" tIns="45720" rIns="91440" bIns="45720" rtlCol="0" anchor="b"/>
+          <a:lstStyle>
+            <a:lvl1pPr algn="l">
+              <a:defRPr sz="1200"/>
+            </a:lvl1pPr>
+          </a:lstStyle>
+          <a:p>
+            <a:endParaRPr lang="en-CZ"/>
+          </a:p>
+        </p:txBody>
+      </p:sp>
+      <p:sp>
+        <p:nvSpPr>
+          <p:cNvPr id="7" name="Slide Number Placeholder 6"/>
+          <p:cNvSpPr>
+            <a:spLocks noGrp="1"/>
+          </p:cNvSpPr>
+          <p:nvPr>
+            <p:ph type="sldNum" sz="quarter" idx="5"/>
+          </p:nvPr>
+        </p:nvSpPr>
+        <p:spPr>
+          <a:xfrm>
+            <a:off x="3884613" y="8685213"/>
+            <a:ext cx="2971800" cy="458787"/>
+          </a:xfrm>
+          <a:prstGeom prst="rect">
+            <a:avLst/>
+          </a:prstGeom>
+        </p:spPr>
+        <p:txBody>
+          <a:bodyPr vert="horz" lIns="91440" tIns="45720" rIns="91440" bIns="45720" rtlCol="0" anchor="b"/>
+          <a:lstStyle>
+            <a:lvl1pPr algn="r">
+              <a:defRPr sz="1200"/>
+            </a:lvl1pPr>
+          </a:lstStyle>
+          <a:p>
+            <a:fld id="{AA72BDC2-2F26-604F-9284-C6FE150BB215}" type="slidenum">
+              <a:rPr lang="en-CZ" smtClean="0"/>
+              <a:t>‹#›</a:t>
+            </a:fld>
+            <a:endParaRPr lang="en-CZ"/>
+          </a:p>
+        </p:txBody>
+      </p:sp>
+    </p:spTree>
+    <p:extLst>
+      <p:ext uri="{BB962C8B-B14F-4D97-AF65-F5344CB8AC3E}">
+        <p14:creationId xmlns:p14="http://schemas.microsoft.com/office/powerpoint/2010/main" val="3493051696"/>
+      </p:ext>
+    </p:extLst>
+  </p:cSld>
+  <p:clrMap bg1="lt1" tx1="dk1" bg2="lt2" tx2="dk2" accent1="accent1" accent2="accent2" accent3="accent3" accent4="accent4" accent5="accent5" accent6="accent6" hlink="hlink" folHlink="folHlink"/>
+  <p:notesStyle>
+    <a:lvl1pPr marL="0" algn="l" defTabSz="914400" rtl="0" eaLnBrk="1" latinLnBrk="0" hangingPunct="1">
+      <a:defRPr sz="1200" kern="1200">
+        <a:solidFill>
+          <a:schemeClr val="tx1"/>
+        </a:solidFill>
+        <a:latin typeface="+mn-lt"/>
+        <a:ea typeface="+mn-ea"/>
+        <a:cs typeface="+mn-cs"/>
+      </a:defRPr>
+    </a:lvl1pPr>
+    <a:lvl2pPr marL="457200" algn="l" defTabSz="914400" rtl="0" eaLnBrk="1" latinLnBrk="0" hangingPunct="1">
+      <a:defRPr sz="1200" kern="1200">
+        <a:solidFill>
+          <a:schemeClr val="tx1"/>
+        </a:solidFill>
+        <a:latin typeface="+mn-lt"/>
+        <a:ea typeface="+mn-ea"/>
+        <a:cs typeface="+mn-cs"/>
+      </a:defRPr>
+    </a:lvl2pPr>
+    <a:lvl3pPr marL="914400" algn="l" defTabSz="914400" rtl="0" eaLnBrk="1" latinLnBrk="0" hangingPunct="1">
+      <a:defRPr sz="1200" kern="1200">
+        <a:solidFill>
+          <a:schemeClr val="tx1"/>
+        </a:solidFill>
+        <a:latin typeface="+mn-lt"/>
+        <a:ea typeface="+mn-ea"/>
+        <a:cs typeface="+mn-cs"/>
+      </a:defRPr>
+    </a:lvl3pPr>
+    <a:lvl4pPr marL="1371600" algn="l" defTabSz="914400" rtl="0" eaLnBrk="1" latinLnBrk="0" hangingPunct="1">
+      <a:defRPr sz="1200" kern="1200">
+        <a:solidFill>
+          <a:schemeClr val="tx1"/>
+        </a:solidFill>
+        <a:latin typeface="+mn-lt"/>
+        <a:ea typeface="+mn-ea"/>
+        <a:cs typeface="+mn-cs"/>
+      </a:defRPr>
+    </a:lvl4pPr>
+    <a:lvl5pPr marL="1828800" algn="l" defTabSz="914400" rtl="0" eaLnBrk="1" latinLnBrk="0" hangingPunct="1">
+      <a:defRPr sz="1200" kern="1200">
+        <a:solidFill>
+          <a:schemeClr val="tx1"/>
+        </a:solidFill>
+        <a:latin typeface="+mn-lt"/>
+        <a:ea typeface="+mn-ea"/>
+        <a:cs typeface="+mn-cs"/>
+      </a:defRPr>
+    </a:lvl5pPr>
+    <a:lvl6pPr marL="2286000" algn="l" defTabSz="914400" rtl="0" eaLnBrk="1" latinLnBrk="0" hangingPunct="1">
+      <a:defRPr sz="1200" kern="1200">
+        <a:solidFill>
+          <a:schemeClr val="tx1"/>
+        </a:solidFill>
+        <a:latin typeface="+mn-lt"/>
+        <a:ea typeface="+mn-ea"/>
+        <a:cs typeface="+mn-cs"/>
+      </a:defRPr>
+    </a:lvl6pPr>
+    <a:lvl7pPr marL="2743200" algn="l" defTabSz="914400" rtl="0" eaLnBrk="1" latinLnBrk="0" hangingPunct="1">
+      <a:defRPr sz="1200" kern="1200">
+        <a:solidFill>
+          <a:schemeClr val="tx1"/>
+        </a:solidFill>
+        <a:latin typeface="+mn-lt"/>
+        <a:ea typeface="+mn-ea"/>
+        <a:cs typeface="+mn-cs"/>
+      </a:defRPr>
+    </a:lvl7pPr>
+    <a:lvl8pPr marL="3200400" algn="l" defTabSz="914400" rtl="0" eaLnBrk="1" latinLnBrk="0" hangingPunct="1">
+      <a:defRPr sz="1200" kern="1200">
+        <a:solidFill>
+          <a:schemeClr val="tx1"/>
+        </a:solidFill>
+        <a:latin typeface="+mn-lt"/>
+        <a:ea typeface="+mn-ea"/>
+        <a:cs typeface="+mn-cs"/>
+      </a:defRPr>
+    </a:lvl8pPr>
+    <a:lvl9pPr marL="3657600" algn="l" defTabSz="914400" rtl="0" eaLnBrk="1" latinLnBrk="0" hangingPunct="1">
+      <a:defRPr sz="1200" kern="1200">
+        <a:solidFill>
+          <a:schemeClr val="tx1"/>
+        </a:solidFill>
+        <a:latin typeface="+mn-lt"/>
+        <a:ea typeface="+mn-ea"/>
+        <a:cs typeface="+mn-cs"/>
+      </a:defRPr>
+    </a:lvl9pPr>
+  </p:notesStyle>
+</p:notesMaster>
+</file>
+
+<file path=ppt/notesSlides/notesSlide1.xml><?xml version="1.0" encoding="utf-8"?>
+<p:notes xmlns:a="http://schemas.openxmlformats.org/drawingml/2006/main" xmlns:r="http://schemas.openxmlformats.org/officeDocument/2006/relationships" xmlns:p="http://schemas.openxmlformats.org/presentationml/2006/main">
+  <p:cSld>
+    <p:spTree>
+      <p:nvGrpSpPr>
+        <p:cNvPr id="1" name=""/>
+        <p:cNvGrpSpPr/>
+        <p:nvPr/>
+      </p:nvGrpSpPr>
+      <p:grpSpPr>
+        <a:xfrm>
+          <a:off x="0" y="0"/>
+          <a:ext cx="0" cy="0"/>
+          <a:chOff x="0" y="0"/>
+          <a:chExt cx="0" cy="0"/>
+        </a:xfrm>
+      </p:grpSpPr>
+      <p:sp>
+        <p:nvSpPr>
+          <p:cNvPr id="2" name="Slide Image Placeholder 1"/>
+          <p:cNvSpPr>
+            <a:spLocks noGrp="1" noRot="1" noChangeAspect="1"/>
+          </p:cNvSpPr>
+          <p:nvPr>
+            <p:ph type="sldImg"/>
+          </p:nvPr>
+        </p:nvSpPr>
+        <p:spPr/>
+      </p:sp>
+      <p:sp>
+        <p:nvSpPr>
+          <p:cNvPr id="3" name="Notes Placeholder 2"/>
+          <p:cNvSpPr>
+            <a:spLocks noGrp="1"/>
+          </p:cNvSpPr>
+          <p:nvPr>
+            <p:ph type="body" idx="1"/>
+          </p:nvPr>
+        </p:nvSpPr>
+        <p:spPr/>
+        <p:txBody>
+          <a:bodyPr/>
+          <a:lstStyle/>
+          <a:p>
+            <a:pPr marL="285750" marR="0" lvl="0" indent="-285750" algn="l" defTabSz="914400" rtl="0" eaLnBrk="1" fontAlgn="auto" latinLnBrk="0" hangingPunct="1">
+              <a:lnSpc>
+                <a:spcPct val="100000"/>
+              </a:lnSpc>
+              <a:spcBef>
+                <a:spcPts val="0"/>
+              </a:spcBef>
+              <a:spcAft>
+                <a:spcPts val="0"/>
+              </a:spcAft>
+              <a:buClrTx/>
+              <a:buSzTx/>
+              <a:buFont typeface="Arial" panose="020B0604020202020204" pitchFamily="34" charset="0"/>
+              <a:buChar char="•"/>
+              <a:tabLst/>
+              <a:defRPr/>
+            </a:pPr>
+            <a:r>
+              <a:rPr kumimoji="0" lang="cs-CZ" sz="1200" i="0" u="none" strike="noStrike" kern="1200" cap="none" spc="0" normalizeH="0" baseline="0" noProof="0" dirty="0">
+                <a:ln>
+                  <a:noFill/>
+                </a:ln>
+                <a:solidFill>
+                  <a:prstClr val="black"/>
+                </a:solidFill>
+                <a:effectLst/>
+                <a:uLnTx/>
+                <a:uFillTx/>
+                <a:latin typeface="Calibri" panose="020F0502020204030204"/>
+                <a:ea typeface="+mn-ea"/>
+                <a:cs typeface="+mn-cs"/>
+              </a:rPr>
+              <a:t>Nejvyšší smrtnost (CFR % - vlevo nahoře): Státy na severovýchodě USA, jako jsou New Jersey, Massachusetts a Connecticut, měly nejvyšší procento úmrtí na počet nakažených (CFR se blíží 5 %). To je pravděpodobně dáno tím, že byly zasaženy v první vlně, kdy nebyla dostupná efektivní léčba a nemocnice byly </a:t>
+            </a:r>
+            <a:r>
+              <a:rPr kumimoji="0" lang="cs-CZ" sz="1200" i="0" u="none" strike="noStrike" kern="1200" cap="none" spc="0" normalizeH="0" baseline="0" noProof="0" dirty="0" err="1">
+                <a:ln>
+                  <a:noFill/>
+                </a:ln>
+                <a:solidFill>
+                  <a:prstClr val="black"/>
+                </a:solidFill>
+                <a:effectLst/>
+                <a:uLnTx/>
+                <a:uFillTx/>
+                <a:latin typeface="Calibri" panose="020F0502020204030204"/>
+                <a:ea typeface="+mn-ea"/>
+                <a:cs typeface="+mn-cs"/>
+              </a:rPr>
+              <a:t>přetížené.Nejvíce</a:t>
+            </a:r>
+            <a:r>
+              <a:rPr kumimoji="0" lang="cs-CZ" sz="1200" i="0" u="none" strike="noStrike" kern="1200" cap="none" spc="0" normalizeH="0" baseline="0" noProof="0" dirty="0">
+                <a:ln>
+                  <a:noFill/>
+                </a:ln>
+                <a:solidFill>
+                  <a:prstClr val="black"/>
+                </a:solidFill>
+                <a:effectLst/>
+                <a:uLnTx/>
+                <a:uFillTx/>
+                <a:latin typeface="Calibri" panose="020F0502020204030204"/>
+                <a:ea typeface="+mn-ea"/>
+                <a:cs typeface="+mn-cs"/>
+              </a:rPr>
+              <a:t> mrtvých celkem (</a:t>
+            </a:r>
+            <a:r>
+              <a:rPr kumimoji="0" lang="cs-CZ" sz="1200" i="0" u="none" strike="noStrike" kern="1200" cap="none" spc="0" normalizeH="0" baseline="0" noProof="0" dirty="0" err="1">
+                <a:ln>
+                  <a:noFill/>
+                </a:ln>
+                <a:solidFill>
+                  <a:prstClr val="black"/>
+                </a:solidFill>
+                <a:effectLst/>
+                <a:uLnTx/>
+                <a:uFillTx/>
+                <a:latin typeface="Calibri" panose="020F0502020204030204"/>
+                <a:ea typeface="+mn-ea"/>
+                <a:cs typeface="+mn-cs"/>
+              </a:rPr>
+              <a:t>Total</a:t>
+            </a:r>
+            <a:r>
+              <a:rPr kumimoji="0" lang="cs-CZ" sz="1200" i="0" u="none" strike="noStrike" kern="1200" cap="none" spc="0" normalizeH="0" baseline="0" noProof="0" dirty="0">
+                <a:ln>
+                  <a:noFill/>
+                </a:ln>
+                <a:solidFill>
+                  <a:prstClr val="black"/>
+                </a:solidFill>
+                <a:effectLst/>
+                <a:uLnTx/>
+                <a:uFillTx/>
+                <a:latin typeface="Calibri" panose="020F0502020204030204"/>
+                <a:ea typeface="+mn-ea"/>
+                <a:cs typeface="+mn-cs"/>
+              </a:rPr>
+              <a:t> </a:t>
+            </a:r>
+            <a:r>
+              <a:rPr kumimoji="0" lang="cs-CZ" sz="1200" i="0" u="none" strike="noStrike" kern="1200" cap="none" spc="0" normalizeH="0" baseline="0" noProof="0" dirty="0" err="1">
+                <a:ln>
+                  <a:noFill/>
+                </a:ln>
+                <a:solidFill>
+                  <a:prstClr val="black"/>
+                </a:solidFill>
+                <a:effectLst/>
+                <a:uLnTx/>
+                <a:uFillTx/>
+                <a:latin typeface="Calibri" panose="020F0502020204030204"/>
+                <a:ea typeface="+mn-ea"/>
+                <a:cs typeface="+mn-cs"/>
+              </a:rPr>
+              <a:t>Deaths</a:t>
+            </a:r>
+            <a:r>
+              <a:rPr kumimoji="0" lang="cs-CZ" sz="1200" i="0" u="none" strike="noStrike" kern="1200" cap="none" spc="0" normalizeH="0" baseline="0" noProof="0" dirty="0">
+                <a:ln>
+                  <a:noFill/>
+                </a:ln>
+                <a:solidFill>
+                  <a:prstClr val="black"/>
+                </a:solidFill>
+                <a:effectLst/>
+                <a:uLnTx/>
+                <a:uFillTx/>
+                <a:latin typeface="Calibri" panose="020F0502020204030204"/>
+                <a:ea typeface="+mn-ea"/>
+                <a:cs typeface="+mn-cs"/>
+              </a:rPr>
+              <a:t> - vlevo dole): V absolutních číslech vedou lidnaté státy jako Texas, Kalifornie a Florida. Zde hrála roli prostá velikost populace, i když procentuální šance na přežití zde byla vyšší než v New Jersey.</a:t>
+            </a:r>
+          </a:p>
+          <a:p>
+            <a:pPr marL="285750" marR="0" lvl="0" indent="-285750" algn="l" defTabSz="914400" rtl="0" eaLnBrk="1" fontAlgn="auto" latinLnBrk="0" hangingPunct="1">
+              <a:lnSpc>
+                <a:spcPct val="100000"/>
+              </a:lnSpc>
+              <a:spcBef>
+                <a:spcPts val="0"/>
+              </a:spcBef>
+              <a:spcAft>
+                <a:spcPts val="0"/>
+              </a:spcAft>
+              <a:buClrTx/>
+              <a:buSzTx/>
+              <a:buFont typeface="Arial" panose="020B0604020202020204" pitchFamily="34" charset="0"/>
+              <a:buChar char="•"/>
+              <a:tabLst/>
+              <a:defRPr/>
+            </a:pPr>
+            <a:r>
+              <a:rPr kumimoji="0" lang="cs-CZ" sz="1200" i="0" u="none" strike="noStrike" kern="1200" cap="none" spc="0" normalizeH="0" baseline="0" noProof="0" dirty="0">
+                <a:ln>
+                  <a:noFill/>
+                </a:ln>
+                <a:solidFill>
+                  <a:prstClr val="black"/>
+                </a:solidFill>
+                <a:effectLst/>
+                <a:uLnTx/>
+                <a:uFillTx/>
+                <a:latin typeface="Calibri" panose="020F0502020204030204"/>
+                <a:ea typeface="+mn-ea"/>
+                <a:cs typeface="+mn-cs"/>
+              </a:rPr>
+              <a:t>Černá křivka (případy) ukazuje, že po klidnějším létě přišel extrémní nárůst případů v listopadu a </a:t>
+            </a:r>
+            <a:r>
+              <a:rPr kumimoji="0" lang="cs-CZ" sz="1200" i="0" u="none" strike="noStrike" kern="1200" cap="none" spc="0" normalizeH="0" baseline="0" noProof="0" dirty="0" err="1">
+                <a:ln>
+                  <a:noFill/>
+                </a:ln>
+                <a:solidFill>
+                  <a:prstClr val="black"/>
+                </a:solidFill>
+                <a:effectLst/>
+                <a:uLnTx/>
+                <a:uFillTx/>
+                <a:latin typeface="Calibri" panose="020F0502020204030204"/>
+                <a:ea typeface="+mn-ea"/>
+                <a:cs typeface="+mn-cs"/>
+              </a:rPr>
+              <a:t>prosinci.Tato</a:t>
+            </a:r>
+            <a:r>
+              <a:rPr kumimoji="0" lang="cs-CZ" sz="1200" i="0" u="none" strike="noStrike" kern="1200" cap="none" spc="0" normalizeH="0" baseline="0" noProof="0" dirty="0">
+                <a:ln>
+                  <a:noFill/>
+                </a:ln>
+                <a:solidFill>
+                  <a:prstClr val="black"/>
+                </a:solidFill>
+                <a:effectLst/>
+                <a:uLnTx/>
+                <a:uFillTx/>
+                <a:latin typeface="Calibri" panose="020F0502020204030204"/>
+                <a:ea typeface="+mn-ea"/>
+                <a:cs typeface="+mn-cs"/>
+              </a:rPr>
+              <a:t> "zimní vlna" koreluje s grafem z předchozího dashboardu a potvrzuje, že konec roku 2020 byl z hlediska šíření viru nejkritičtějším obdobím.</a:t>
+            </a:r>
+          </a:p>
+          <a:p>
+            <a:endParaRPr lang="en-CZ" dirty="0"/>
+          </a:p>
+        </p:txBody>
+      </p:sp>
+      <p:sp>
+        <p:nvSpPr>
+          <p:cNvPr id="4" name="Slide Number Placeholder 3"/>
+          <p:cNvSpPr>
+            <a:spLocks noGrp="1"/>
+          </p:cNvSpPr>
+          <p:nvPr>
+            <p:ph type="sldNum" sz="quarter" idx="5"/>
+          </p:nvPr>
+        </p:nvSpPr>
+        <p:spPr/>
+        <p:txBody>
+          <a:bodyPr/>
+          <a:lstStyle/>
+          <a:p>
+            <a:fld id="{AA72BDC2-2F26-604F-9284-C6FE150BB215}" type="slidenum">
+              <a:rPr lang="en-CZ" smtClean="0"/>
+              <a:t>9</a:t>
+            </a:fld>
+            <a:endParaRPr lang="en-CZ"/>
+          </a:p>
+        </p:txBody>
+      </p:sp>
+    </p:spTree>
+    <p:extLst>
+      <p:ext uri="{BB962C8B-B14F-4D97-AF65-F5344CB8AC3E}">
+        <p14:creationId xmlns:p14="http://schemas.microsoft.com/office/powerpoint/2010/main" val="479498795"/>
+      </p:ext>
+    </p:extLst>
+  </p:cSld>
+  <p:clrMapOvr>
+    <a:masterClrMapping/>
+  </p:clrMapOvr>
+</p:notes>
+</file>
+
+<file path=ppt/notesSlides/notesSlide2.xml><?xml version="1.0" encoding="utf-8"?>
+<p:notes xmlns:a="http://schemas.openxmlformats.org/drawingml/2006/main" xmlns:r="http://schemas.openxmlformats.org/officeDocument/2006/relationships" xmlns:p="http://schemas.openxmlformats.org/presentationml/2006/main">
+  <p:cSld>
+    <p:spTree>
+      <p:nvGrpSpPr>
+        <p:cNvPr id="1" name="">
+          <a:extLst>
+            <a:ext uri="{FF2B5EF4-FFF2-40B4-BE49-F238E27FC236}">
+              <a16:creationId xmlns:a16="http://schemas.microsoft.com/office/drawing/2014/main" id="{6B6D4131-21E0-EE24-4369-8DDA09943CF9}"/>
+            </a:ext>
+          </a:extLst>
+        </p:cNvPr>
+        <p:cNvGrpSpPr/>
+        <p:nvPr/>
+      </p:nvGrpSpPr>
+      <p:grpSpPr>
+        <a:xfrm>
+          <a:off x="0" y="0"/>
+          <a:ext cx="0" cy="0"/>
+          <a:chOff x="0" y="0"/>
+          <a:chExt cx="0" cy="0"/>
+        </a:xfrm>
+      </p:grpSpPr>
+      <p:sp>
+        <p:nvSpPr>
+          <p:cNvPr id="2" name="Slide Image Placeholder 1">
+            <a:extLst>
+              <a:ext uri="{FF2B5EF4-FFF2-40B4-BE49-F238E27FC236}">
+                <a16:creationId xmlns:a16="http://schemas.microsoft.com/office/drawing/2014/main" id="{DA2C7896-5E70-C0F4-6204-12FEA8559659}"/>
+              </a:ext>
+            </a:extLst>
+          </p:cNvPr>
+          <p:cNvSpPr>
+            <a:spLocks noGrp="1" noRot="1" noChangeAspect="1"/>
+          </p:cNvSpPr>
+          <p:nvPr>
+            <p:ph type="sldImg"/>
+          </p:nvPr>
+        </p:nvSpPr>
+        <p:spPr/>
+      </p:sp>
+      <p:sp>
+        <p:nvSpPr>
+          <p:cNvPr id="3" name="Notes Placeholder 2">
+            <a:extLst>
+              <a:ext uri="{FF2B5EF4-FFF2-40B4-BE49-F238E27FC236}">
+                <a16:creationId xmlns:a16="http://schemas.microsoft.com/office/drawing/2014/main" id="{28CC3197-B2C5-31F2-27AA-63E5C7B06117}"/>
+              </a:ext>
+            </a:extLst>
+          </p:cNvPr>
+          <p:cNvSpPr>
+            <a:spLocks noGrp="1"/>
+          </p:cNvSpPr>
+          <p:nvPr>
+            <p:ph type="body" idx="1"/>
+          </p:nvPr>
+        </p:nvSpPr>
+        <p:spPr/>
+        <p:txBody>
+          <a:bodyPr/>
+          <a:lstStyle/>
+          <a:p>
+            <a:pPr marL="285750" marR="0" lvl="0" indent="-285750" algn="l" defTabSz="914400" rtl="0" eaLnBrk="1" fontAlgn="auto" latinLnBrk="0" hangingPunct="1">
+              <a:lnSpc>
+                <a:spcPct val="100000"/>
+              </a:lnSpc>
+              <a:spcBef>
+                <a:spcPts val="0"/>
+              </a:spcBef>
+              <a:spcAft>
+                <a:spcPts val="0"/>
+              </a:spcAft>
+              <a:buClrTx/>
+              <a:buSzTx/>
+              <a:buFont typeface="Arial" panose="020B0604020202020204" pitchFamily="34" charset="0"/>
+              <a:buChar char="•"/>
+              <a:tabLst/>
+              <a:defRPr/>
+            </a:pPr>
+            <a:r>
+              <a:rPr kumimoji="0" lang="cs-CZ" sz="1200" i="0" u="none" strike="noStrike" kern="1200" cap="none" spc="0" normalizeH="0" baseline="0" noProof="0" dirty="0">
+                <a:ln>
+                  <a:noFill/>
+                </a:ln>
+                <a:solidFill>
+                  <a:prstClr val="black"/>
+                </a:solidFill>
+                <a:effectLst/>
+                <a:uLnTx/>
+                <a:uFillTx/>
+                <a:latin typeface="Calibri" panose="020F0502020204030204"/>
+                <a:ea typeface="+mn-ea"/>
+                <a:cs typeface="+mn-cs"/>
+              </a:rPr>
+              <a:t>Nejvyšší smrtnost (CFR % - vlevo nahoře): Státy na severovýchodě USA, jako jsou New Jersey, Massachusetts a Connecticut, měly nejvyšší procento úmrtí na počet nakažených (CFR se blíží 5 %). To je pravděpodobně dáno tím, že byly zasaženy v první vlně, kdy nebyla dostupná efektivní léčba a nemocnice byly </a:t>
+            </a:r>
+            <a:r>
+              <a:rPr kumimoji="0" lang="cs-CZ" sz="1200" i="0" u="none" strike="noStrike" kern="1200" cap="none" spc="0" normalizeH="0" baseline="0" noProof="0" dirty="0" err="1">
+                <a:ln>
+                  <a:noFill/>
+                </a:ln>
+                <a:solidFill>
+                  <a:prstClr val="black"/>
+                </a:solidFill>
+                <a:effectLst/>
+                <a:uLnTx/>
+                <a:uFillTx/>
+                <a:latin typeface="Calibri" panose="020F0502020204030204"/>
+                <a:ea typeface="+mn-ea"/>
+                <a:cs typeface="+mn-cs"/>
+              </a:rPr>
+              <a:t>přetížené.Nejvíce</a:t>
+            </a:r>
+            <a:r>
+              <a:rPr kumimoji="0" lang="cs-CZ" sz="1200" i="0" u="none" strike="noStrike" kern="1200" cap="none" spc="0" normalizeH="0" baseline="0" noProof="0" dirty="0">
+                <a:ln>
+                  <a:noFill/>
+                </a:ln>
+                <a:solidFill>
+                  <a:prstClr val="black"/>
+                </a:solidFill>
+                <a:effectLst/>
+                <a:uLnTx/>
+                <a:uFillTx/>
+                <a:latin typeface="Calibri" panose="020F0502020204030204"/>
+                <a:ea typeface="+mn-ea"/>
+                <a:cs typeface="+mn-cs"/>
+              </a:rPr>
+              <a:t> mrtvých celkem (</a:t>
+            </a:r>
+            <a:r>
+              <a:rPr kumimoji="0" lang="cs-CZ" sz="1200" i="0" u="none" strike="noStrike" kern="1200" cap="none" spc="0" normalizeH="0" baseline="0" noProof="0" dirty="0" err="1">
+                <a:ln>
+                  <a:noFill/>
+                </a:ln>
+                <a:solidFill>
+                  <a:prstClr val="black"/>
+                </a:solidFill>
+                <a:effectLst/>
+                <a:uLnTx/>
+                <a:uFillTx/>
+                <a:latin typeface="Calibri" panose="020F0502020204030204"/>
+                <a:ea typeface="+mn-ea"/>
+                <a:cs typeface="+mn-cs"/>
+              </a:rPr>
+              <a:t>Total</a:t>
+            </a:r>
+            <a:r>
+              <a:rPr kumimoji="0" lang="cs-CZ" sz="1200" i="0" u="none" strike="noStrike" kern="1200" cap="none" spc="0" normalizeH="0" baseline="0" noProof="0" dirty="0">
+                <a:ln>
+                  <a:noFill/>
+                </a:ln>
+                <a:solidFill>
+                  <a:prstClr val="black"/>
+                </a:solidFill>
+                <a:effectLst/>
+                <a:uLnTx/>
+                <a:uFillTx/>
+                <a:latin typeface="Calibri" panose="020F0502020204030204"/>
+                <a:ea typeface="+mn-ea"/>
+                <a:cs typeface="+mn-cs"/>
+              </a:rPr>
+              <a:t> </a:t>
+            </a:r>
+            <a:r>
+              <a:rPr kumimoji="0" lang="cs-CZ" sz="1200" i="0" u="none" strike="noStrike" kern="1200" cap="none" spc="0" normalizeH="0" baseline="0" noProof="0" dirty="0" err="1">
+                <a:ln>
+                  <a:noFill/>
+                </a:ln>
+                <a:solidFill>
+                  <a:prstClr val="black"/>
+                </a:solidFill>
+                <a:effectLst/>
+                <a:uLnTx/>
+                <a:uFillTx/>
+                <a:latin typeface="Calibri" panose="020F0502020204030204"/>
+                <a:ea typeface="+mn-ea"/>
+                <a:cs typeface="+mn-cs"/>
+              </a:rPr>
+              <a:t>Deaths</a:t>
+            </a:r>
+            <a:r>
+              <a:rPr kumimoji="0" lang="cs-CZ" sz="1200" i="0" u="none" strike="noStrike" kern="1200" cap="none" spc="0" normalizeH="0" baseline="0" noProof="0" dirty="0">
+                <a:ln>
+                  <a:noFill/>
+                </a:ln>
+                <a:solidFill>
+                  <a:prstClr val="black"/>
+                </a:solidFill>
+                <a:effectLst/>
+                <a:uLnTx/>
+                <a:uFillTx/>
+                <a:latin typeface="Calibri" panose="020F0502020204030204"/>
+                <a:ea typeface="+mn-ea"/>
+                <a:cs typeface="+mn-cs"/>
+              </a:rPr>
+              <a:t> - vlevo dole): V absolutních číslech vedou lidnaté státy jako Texas, Kalifornie a Florida. Zde hrála roli prostá velikost populace, i když procentuální šance na přežití zde byla vyšší než v New Jersey.</a:t>
+            </a:r>
+          </a:p>
+          <a:p>
+            <a:pPr marL="285750" marR="0" lvl="0" indent="-285750" algn="l" defTabSz="914400" rtl="0" eaLnBrk="1" fontAlgn="auto" latinLnBrk="0" hangingPunct="1">
+              <a:lnSpc>
+                <a:spcPct val="100000"/>
+              </a:lnSpc>
+              <a:spcBef>
+                <a:spcPts val="0"/>
+              </a:spcBef>
+              <a:spcAft>
+                <a:spcPts val="0"/>
+              </a:spcAft>
+              <a:buClrTx/>
+              <a:buSzTx/>
+              <a:buFont typeface="Arial" panose="020B0604020202020204" pitchFamily="34" charset="0"/>
+              <a:buChar char="•"/>
+              <a:tabLst/>
+              <a:defRPr/>
+            </a:pPr>
+            <a:r>
+              <a:rPr kumimoji="0" lang="cs-CZ" sz="1200" i="0" u="none" strike="noStrike" kern="1200" cap="none" spc="0" normalizeH="0" baseline="0" noProof="0" dirty="0">
+                <a:ln>
+                  <a:noFill/>
+                </a:ln>
+                <a:solidFill>
+                  <a:prstClr val="black"/>
+                </a:solidFill>
+                <a:effectLst/>
+                <a:uLnTx/>
+                <a:uFillTx/>
+                <a:latin typeface="Calibri" panose="020F0502020204030204"/>
+                <a:ea typeface="+mn-ea"/>
+                <a:cs typeface="+mn-cs"/>
+              </a:rPr>
+              <a:t>Černá křivka (případy) ukazuje, že po klidnějším létě přišel extrémní nárůst případů v listopadu a </a:t>
+            </a:r>
+            <a:r>
+              <a:rPr kumimoji="0" lang="cs-CZ" sz="1200" i="0" u="none" strike="noStrike" kern="1200" cap="none" spc="0" normalizeH="0" baseline="0" noProof="0" dirty="0" err="1">
+                <a:ln>
+                  <a:noFill/>
+                </a:ln>
+                <a:solidFill>
+                  <a:prstClr val="black"/>
+                </a:solidFill>
+                <a:effectLst/>
+                <a:uLnTx/>
+                <a:uFillTx/>
+                <a:latin typeface="Calibri" panose="020F0502020204030204"/>
+                <a:ea typeface="+mn-ea"/>
+                <a:cs typeface="+mn-cs"/>
+              </a:rPr>
+              <a:t>prosinci.Tato</a:t>
+            </a:r>
+            <a:r>
+              <a:rPr kumimoji="0" lang="cs-CZ" sz="1200" i="0" u="none" strike="noStrike" kern="1200" cap="none" spc="0" normalizeH="0" baseline="0" noProof="0" dirty="0">
+                <a:ln>
+                  <a:noFill/>
+                </a:ln>
+                <a:solidFill>
+                  <a:prstClr val="black"/>
+                </a:solidFill>
+                <a:effectLst/>
+                <a:uLnTx/>
+                <a:uFillTx/>
+                <a:latin typeface="Calibri" panose="020F0502020204030204"/>
+                <a:ea typeface="+mn-ea"/>
+                <a:cs typeface="+mn-cs"/>
+              </a:rPr>
+              <a:t> "zimní vlna" koreluje s grafem z předchozího dashboardu a potvrzuje, že konec roku 2020 byl z hlediska šíření viru nejkritičtějším obdobím.</a:t>
+            </a:r>
+          </a:p>
+          <a:p>
+            <a:pPr marL="285750" marR="0" lvl="0" indent="-285750" algn="l" defTabSz="914400" rtl="0" eaLnBrk="1" fontAlgn="auto" latinLnBrk="0" hangingPunct="1">
+              <a:lnSpc>
+                <a:spcPct val="100000"/>
+              </a:lnSpc>
+              <a:spcBef>
+                <a:spcPts val="0"/>
+              </a:spcBef>
+              <a:spcAft>
+                <a:spcPts val="0"/>
+              </a:spcAft>
+              <a:buClrTx/>
+              <a:buSzTx/>
+              <a:buFont typeface="Arial" panose="020B0604020202020204" pitchFamily="34" charset="0"/>
+              <a:buChar char="•"/>
+              <a:tabLst/>
+              <a:defRPr/>
+            </a:pPr>
+            <a:r>
+              <a:rPr kumimoji="0" lang="cs-CZ" sz="1200" i="0" u="none" strike="noStrike" kern="1200" cap="none" spc="0" normalizeH="0" baseline="0" noProof="0" dirty="0">
+                <a:ln>
+                  <a:noFill/>
+                </a:ln>
+                <a:solidFill>
+                  <a:prstClr val="black"/>
+                </a:solidFill>
+                <a:effectLst/>
+                <a:uLnTx/>
+                <a:uFillTx/>
+                <a:latin typeface="Calibri" panose="020F0502020204030204"/>
+                <a:ea typeface="+mn-ea"/>
+                <a:cs typeface="+mn-cs"/>
+              </a:rPr>
+              <a:t>Kalifornie celkem skoro 26k, </a:t>
+            </a:r>
+            <a:r>
+              <a:rPr kumimoji="0" lang="cs-CZ" sz="1200" i="0" u="none" strike="noStrike" kern="1200" cap="none" spc="0" normalizeH="0" baseline="0" noProof="0" dirty="0" err="1">
+                <a:ln>
+                  <a:noFill/>
+                </a:ln>
+                <a:solidFill>
+                  <a:prstClr val="black"/>
+                </a:solidFill>
+                <a:effectLst/>
+                <a:uLnTx/>
+                <a:uFillTx/>
+                <a:latin typeface="Calibri" panose="020F0502020204030204"/>
+                <a:ea typeface="+mn-ea"/>
+                <a:cs typeface="+mn-cs"/>
+              </a:rPr>
+              <a:t>texas</a:t>
+            </a:r>
+            <a:r>
+              <a:rPr kumimoji="0" lang="cs-CZ" sz="1200" i="0" u="none" strike="noStrike" kern="1200" cap="none" spc="0" normalizeH="0" baseline="0" noProof="0" dirty="0">
+                <a:ln>
+                  <a:noFill/>
+                </a:ln>
+                <a:solidFill>
+                  <a:prstClr val="black"/>
+                </a:solidFill>
+                <a:effectLst/>
+                <a:uLnTx/>
+                <a:uFillTx/>
+                <a:latin typeface="Calibri" panose="020F0502020204030204"/>
+                <a:ea typeface="+mn-ea"/>
+                <a:cs typeface="+mn-cs"/>
+              </a:rPr>
+              <a:t> 28k</a:t>
+            </a:r>
+          </a:p>
+          <a:p>
+            <a:endParaRPr lang="en-CZ" dirty="0"/>
+          </a:p>
+        </p:txBody>
+      </p:sp>
+      <p:sp>
+        <p:nvSpPr>
+          <p:cNvPr id="4" name="Slide Number Placeholder 3">
+            <a:extLst>
+              <a:ext uri="{FF2B5EF4-FFF2-40B4-BE49-F238E27FC236}">
+                <a16:creationId xmlns:a16="http://schemas.microsoft.com/office/drawing/2014/main" id="{680735A2-1A26-C599-6705-9F0162A22D05}"/>
+              </a:ext>
+            </a:extLst>
+          </p:cNvPr>
+          <p:cNvSpPr>
+            <a:spLocks noGrp="1"/>
+          </p:cNvSpPr>
+          <p:nvPr>
+            <p:ph type="sldNum" sz="quarter" idx="5"/>
+          </p:nvPr>
+        </p:nvSpPr>
+        <p:spPr/>
+        <p:txBody>
+          <a:bodyPr/>
+          <a:lstStyle/>
+          <a:p>
+            <a:fld id="{AA72BDC2-2F26-604F-9284-C6FE150BB215}" type="slidenum">
+              <a:rPr lang="en-CZ" smtClean="0"/>
+              <a:t>10</a:t>
+            </a:fld>
+            <a:endParaRPr lang="en-CZ"/>
+          </a:p>
+        </p:txBody>
+      </p:sp>
+    </p:spTree>
+    <p:extLst>
+      <p:ext uri="{BB962C8B-B14F-4D97-AF65-F5344CB8AC3E}">
+        <p14:creationId xmlns:p14="http://schemas.microsoft.com/office/powerpoint/2010/main" val="1702180993"/>
+      </p:ext>
+    </p:extLst>
+  </p:cSld>
+  <p:clrMapOvr>
+    <a:masterClrMapping/>
+  </p:clrMapOvr>
+</p:notes>
+</file>
+
+<file path=ppt/notesSlides/notesSlide3.xml><?xml version="1.0" encoding="utf-8"?>
+<p:notes xmlns:a="http://schemas.openxmlformats.org/drawingml/2006/main" xmlns:r="http://schemas.openxmlformats.org/officeDocument/2006/relationships" xmlns:p="http://schemas.openxmlformats.org/presentationml/2006/main">
+  <p:cSld>
+    <p:spTree>
+      <p:nvGrpSpPr>
+        <p:cNvPr id="1" name=""/>
+        <p:cNvGrpSpPr/>
+        <p:nvPr/>
+      </p:nvGrpSpPr>
+      <p:grpSpPr>
+        <a:xfrm>
+          <a:off x="0" y="0"/>
+          <a:ext cx="0" cy="0"/>
+          <a:chOff x="0" y="0"/>
+          <a:chExt cx="0" cy="0"/>
+        </a:xfrm>
+      </p:grpSpPr>
+      <p:sp>
+        <p:nvSpPr>
+          <p:cNvPr id="2" name="Slide Image Placeholder 1"/>
+          <p:cNvSpPr>
+            <a:spLocks noGrp="1" noRot="1" noChangeAspect="1"/>
+          </p:cNvSpPr>
+          <p:nvPr>
+            <p:ph type="sldImg"/>
+          </p:nvPr>
+        </p:nvSpPr>
+        <p:spPr/>
+      </p:sp>
+      <p:sp>
+        <p:nvSpPr>
+          <p:cNvPr id="3" name="Notes Placeholder 2"/>
+          <p:cNvSpPr>
+            <a:spLocks noGrp="1"/>
+          </p:cNvSpPr>
+          <p:nvPr>
+            <p:ph type="body" idx="1"/>
+          </p:nvPr>
+        </p:nvSpPr>
+        <p:spPr/>
+        <p:txBody>
+          <a:bodyPr/>
+          <a:lstStyle/>
+          <a:p>
+            <a:r>
+              <a:rPr lang="en-GB" dirty="0" err="1"/>
+              <a:t>Nejdůležitějším</a:t>
+            </a:r>
+            <a:r>
+              <a:rPr lang="en-GB" dirty="0"/>
+              <a:t> </a:t>
+            </a:r>
+            <a:r>
+              <a:rPr lang="en-GB" dirty="0" err="1"/>
+              <a:t>faktorem</a:t>
+            </a:r>
+            <a:r>
+              <a:rPr lang="en-GB" dirty="0"/>
+              <a:t> pro </a:t>
+            </a:r>
+            <a:r>
+              <a:rPr lang="en-GB" dirty="0" err="1"/>
+              <a:t>prvotní</a:t>
+            </a:r>
+            <a:r>
+              <a:rPr lang="en-GB" dirty="0"/>
+              <a:t> </a:t>
+            </a:r>
+            <a:r>
+              <a:rPr lang="en-GB" dirty="0" err="1"/>
+              <a:t>rozdělení</a:t>
+            </a:r>
+            <a:r>
+              <a:rPr lang="en-GB" dirty="0"/>
+              <a:t> </a:t>
+            </a:r>
+            <a:r>
+              <a:rPr lang="en-GB" dirty="0" err="1"/>
+              <a:t>dat</a:t>
+            </a:r>
+            <a:r>
+              <a:rPr lang="en-GB" dirty="0"/>
+              <a:t> je </a:t>
+            </a:r>
+            <a:r>
+              <a:rPr lang="en-GB" b="1" dirty="0" err="1"/>
+              <a:t>podíl</a:t>
+            </a:r>
+            <a:r>
+              <a:rPr lang="en-GB" b="1" dirty="0"/>
+              <a:t> </a:t>
+            </a:r>
+            <a:r>
+              <a:rPr lang="en-GB" b="1" dirty="0" err="1"/>
+              <a:t>černošského</a:t>
+            </a:r>
+            <a:r>
+              <a:rPr lang="en-GB" b="1" dirty="0"/>
+              <a:t> </a:t>
+            </a:r>
+            <a:r>
+              <a:rPr lang="en-GB" b="1" dirty="0" err="1"/>
+              <a:t>obyvatelstva</a:t>
+            </a:r>
+            <a:r>
+              <a:rPr lang="en-GB" b="1" dirty="0"/>
+              <a:t> . </a:t>
+            </a:r>
+            <a:r>
+              <a:rPr lang="en-GB" dirty="0" err="1"/>
+              <a:t>Oblasti</a:t>
+            </a:r>
+            <a:r>
+              <a:rPr lang="en-GB" dirty="0"/>
+              <a:t> s </a:t>
+            </a:r>
+            <a:r>
+              <a:rPr lang="en-GB" dirty="0" err="1"/>
+              <a:t>vysokým</a:t>
+            </a:r>
+            <a:r>
+              <a:rPr lang="en-GB" dirty="0"/>
+              <a:t> </a:t>
+            </a:r>
+            <a:r>
+              <a:rPr lang="en-GB" dirty="0" err="1"/>
+              <a:t>podílem</a:t>
+            </a:r>
+            <a:r>
+              <a:rPr lang="en-GB" dirty="0"/>
+              <a:t> </a:t>
+            </a:r>
+            <a:r>
+              <a:rPr lang="en-GB" dirty="0" err="1"/>
+              <a:t>černošského</a:t>
+            </a:r>
+            <a:r>
+              <a:rPr lang="en-GB" dirty="0"/>
+              <a:t> </a:t>
+            </a:r>
+            <a:r>
+              <a:rPr lang="en-GB" dirty="0" err="1"/>
+              <a:t>obyvatelstva</a:t>
+            </a:r>
+            <a:r>
+              <a:rPr lang="en-GB" dirty="0"/>
+              <a:t> a </a:t>
+            </a:r>
+            <a:r>
+              <a:rPr lang="en-GB" dirty="0" err="1"/>
+              <a:t>vyšší</a:t>
+            </a:r>
+            <a:r>
+              <a:rPr lang="en-GB" dirty="0"/>
+              <a:t> </a:t>
+            </a:r>
+            <a:r>
+              <a:rPr lang="en-GB" dirty="0" err="1"/>
+              <a:t>mírou</a:t>
+            </a:r>
+            <a:r>
+              <a:rPr lang="en-GB" dirty="0"/>
+              <a:t> </a:t>
+            </a:r>
+            <a:r>
+              <a:rPr lang="en-GB" dirty="0" err="1"/>
+              <a:t>chudoby</a:t>
+            </a:r>
+            <a:r>
+              <a:rPr lang="en-GB" dirty="0"/>
+              <a:t> </a:t>
+            </a:r>
+            <a:r>
+              <a:rPr lang="en-GB" dirty="0" err="1"/>
+              <a:t>byly</a:t>
+            </a:r>
+            <a:r>
+              <a:rPr lang="en-GB" dirty="0"/>
+              <a:t> </a:t>
+            </a:r>
+            <a:r>
+              <a:rPr lang="en-GB" dirty="0" err="1"/>
+              <a:t>modelem</a:t>
+            </a:r>
+            <a:r>
+              <a:rPr lang="en-GB" dirty="0"/>
+              <a:t> </a:t>
+            </a:r>
+            <a:r>
+              <a:rPr lang="en-GB" dirty="0" err="1"/>
+              <a:t>klasifikovány</a:t>
+            </a:r>
+            <a:r>
+              <a:rPr lang="en-GB" dirty="0"/>
+              <a:t> </a:t>
+            </a:r>
+            <a:r>
+              <a:rPr lang="en-GB" dirty="0" err="1"/>
+              <a:t>jako</a:t>
+            </a:r>
+            <a:r>
+              <a:rPr lang="en-GB" dirty="0"/>
+              <a:t> </a:t>
+            </a:r>
+            <a:r>
+              <a:rPr lang="en-GB" dirty="0" err="1"/>
+              <a:t>vysoce</a:t>
+            </a:r>
+            <a:r>
+              <a:rPr lang="en-GB" dirty="0"/>
+              <a:t> </a:t>
+            </a:r>
+            <a:r>
+              <a:rPr lang="en-GB" dirty="0" err="1"/>
+              <a:t>rizikové</a:t>
+            </a:r>
+            <a:r>
+              <a:rPr lang="en-GB" dirty="0"/>
+              <a:t>.</a:t>
+            </a:r>
+          </a:p>
+          <a:p>
+            <a:pPr marL="0" marR="0" lvl="0" indent="0" algn="l" defTabSz="914400" rtl="0" eaLnBrk="1" fontAlgn="auto" latinLnBrk="0" hangingPunct="1">
+              <a:lnSpc>
+                <a:spcPct val="100000"/>
+              </a:lnSpc>
+              <a:spcBef>
+                <a:spcPts val="0"/>
+              </a:spcBef>
+              <a:spcAft>
+                <a:spcPts val="0"/>
+              </a:spcAft>
+              <a:buClrTx/>
+              <a:buSzTx/>
+              <a:buFontTx/>
+              <a:buNone/>
+              <a:tabLst/>
+              <a:defRPr/>
+            </a:pPr>
+            <a:r>
+              <a:rPr lang="cs-CZ" sz="1200" dirty="0">
+                <a:latin typeface="Arial" panose="020B0604020202020204" pitchFamily="34" charset="0"/>
+                <a:cs typeface="Arial" panose="020B0604020202020204" pitchFamily="34" charset="0"/>
+              </a:rPr>
+              <a:t>Prvním uzlem stromu byl podíl černošského obyvatelstva (</a:t>
+            </a:r>
+            <a:r>
+              <a:rPr lang="cs-CZ" sz="1200" dirty="0" err="1">
+                <a:latin typeface="Arial" panose="020B0604020202020204" pitchFamily="34" charset="0"/>
+                <a:cs typeface="Arial" panose="020B0604020202020204" pitchFamily="34" charset="0"/>
+              </a:rPr>
+              <a:t>pct_black</a:t>
+            </a:r>
+            <a:r>
+              <a:rPr lang="cs-CZ" sz="1200" dirty="0">
+                <a:latin typeface="Arial" panose="020B0604020202020204" pitchFamily="34" charset="0"/>
+                <a:cs typeface="Arial" panose="020B0604020202020204" pitchFamily="34" charset="0"/>
+              </a:rPr>
+              <a:t>). Pokud byl vyšší než 28,5 %, okres téměř automaticky spadal do rizikové skupiny </a:t>
+            </a:r>
+          </a:p>
+          <a:p>
+            <a:endParaRPr lang="en-CZ" dirty="0"/>
+          </a:p>
+        </p:txBody>
+      </p:sp>
+      <p:sp>
+        <p:nvSpPr>
+          <p:cNvPr id="4" name="Slide Number Placeholder 3"/>
+          <p:cNvSpPr>
+            <a:spLocks noGrp="1"/>
+          </p:cNvSpPr>
+          <p:nvPr>
+            <p:ph type="sldNum" sz="quarter" idx="5"/>
+          </p:nvPr>
+        </p:nvSpPr>
+        <p:spPr/>
+        <p:txBody>
+          <a:bodyPr/>
+          <a:lstStyle/>
+          <a:p>
+            <a:fld id="{AA72BDC2-2F26-604F-9284-C6FE150BB215}" type="slidenum">
+              <a:rPr lang="en-CZ" smtClean="0"/>
+              <a:t>13</a:t>
+            </a:fld>
+            <a:endParaRPr lang="en-CZ"/>
+          </a:p>
+        </p:txBody>
+      </p:sp>
+    </p:spTree>
+    <p:extLst>
+      <p:ext uri="{BB962C8B-B14F-4D97-AF65-F5344CB8AC3E}">
+        <p14:creationId xmlns:p14="http://schemas.microsoft.com/office/powerpoint/2010/main" val="1800914631"/>
+      </p:ext>
+    </p:extLst>
+  </p:cSld>
+  <p:clrMapOvr>
+    <a:masterClrMapping/>
+  </p:clrMapOvr>
+</p:notes>
+</file>
+
+<file path=ppt/notesSlides/notesSlide4.xml><?xml version="1.0" encoding="utf-8"?>
+<p:notes xmlns:a="http://schemas.openxmlformats.org/drawingml/2006/main" xmlns:r="http://schemas.openxmlformats.org/officeDocument/2006/relationships" xmlns:p="http://schemas.openxmlformats.org/presentationml/2006/main">
+  <p:cSld>
+    <p:spTree>
+      <p:nvGrpSpPr>
+        <p:cNvPr id="1" name=""/>
+        <p:cNvGrpSpPr/>
+        <p:nvPr/>
+      </p:nvGrpSpPr>
+      <p:grpSpPr>
+        <a:xfrm>
+          <a:off x="0" y="0"/>
+          <a:ext cx="0" cy="0"/>
+          <a:chOff x="0" y="0"/>
+          <a:chExt cx="0" cy="0"/>
+        </a:xfrm>
+      </p:grpSpPr>
+      <p:sp>
+        <p:nvSpPr>
+          <p:cNvPr id="2" name="Slide Image Placeholder 1"/>
+          <p:cNvSpPr>
+            <a:spLocks noGrp="1" noRot="1" noChangeAspect="1"/>
+          </p:cNvSpPr>
+          <p:nvPr>
+            <p:ph type="sldImg"/>
+          </p:nvPr>
+        </p:nvSpPr>
+        <p:spPr/>
+      </p:sp>
+      <p:sp>
+        <p:nvSpPr>
+          <p:cNvPr id="3" name="Notes Placeholder 2"/>
+          <p:cNvSpPr>
+            <a:spLocks noGrp="1"/>
+          </p:cNvSpPr>
+          <p:nvPr>
+            <p:ph type="body" idx="1"/>
+          </p:nvPr>
+        </p:nvSpPr>
+        <p:spPr/>
+        <p:txBody>
+          <a:bodyPr/>
+          <a:lstStyle/>
+          <a:p>
+            <a:pPr marL="0" marR="0" lvl="0" indent="0" algn="l" defTabSz="914400" rtl="0" eaLnBrk="1" fontAlgn="auto" latinLnBrk="0" hangingPunct="1">
+              <a:lnSpc>
+                <a:spcPct val="100000"/>
+              </a:lnSpc>
+              <a:spcBef>
+                <a:spcPts val="0"/>
+              </a:spcBef>
+              <a:spcAft>
+                <a:spcPts val="0"/>
+              </a:spcAft>
+              <a:buClrTx/>
+              <a:buSzTx/>
+              <a:buFontTx/>
+              <a:buNone/>
+              <a:tabLst/>
+              <a:defRPr/>
+            </a:pPr>
+            <a:r>
+              <a:rPr lang="cs-CZ" b="1" dirty="0"/>
+              <a:t>Interpretace:</a:t>
+            </a:r>
+            <a:r>
+              <a:rPr lang="cs-CZ" dirty="0"/>
+              <a:t> V bohatších okresech je trend úmrtnosti strmě klesající.</a:t>
+            </a:r>
+            <a:endParaRPr lang="cs-CZ" b="1" dirty="0"/>
+          </a:p>
+          <a:p>
+            <a:r>
+              <a:rPr lang="cs-CZ" b="1" dirty="0"/>
+              <a:t>Interpretace</a:t>
+            </a:r>
+            <a:r>
+              <a:rPr lang="cs-CZ" dirty="0"/>
+              <a:t>: I ve velkých okresech (kde je lepší zdravotnictví) platí, že pokud má populace vyšší podíl žen (a tedy pravděpodobně vyšší průměrný věk), riziko vysoké úmrtnosti výrazně stoupá.</a:t>
+            </a:r>
+            <a:br>
+              <a:rPr lang="cs-CZ" dirty="0"/>
+            </a:br>
+            <a:r>
+              <a:rPr lang="en-GB" b="1" dirty="0"/>
+              <a:t>Ve </a:t>
+            </a:r>
+            <a:r>
+              <a:rPr lang="en-GB" b="1" dirty="0" err="1"/>
+              <a:t>skupině</a:t>
+            </a:r>
+            <a:r>
+              <a:rPr lang="en-GB" b="1" dirty="0"/>
+              <a:t> "Higher Female %" je </a:t>
+            </a:r>
+            <a:r>
+              <a:rPr lang="en-GB" b="1" dirty="0" err="1"/>
+              <a:t>spolehlivost</a:t>
+            </a:r>
+            <a:r>
+              <a:rPr lang="en-GB" b="1" dirty="0"/>
+              <a:t> 50,5 %:</a:t>
+            </a:r>
+            <a:r>
+              <a:rPr lang="en-GB" dirty="0"/>
+              <a:t> To </a:t>
+            </a:r>
+            <a:r>
+              <a:rPr lang="en-GB" dirty="0" err="1"/>
+              <a:t>znamená</a:t>
+            </a:r>
+            <a:r>
+              <a:rPr lang="en-GB" dirty="0"/>
+              <a:t>, </a:t>
+            </a:r>
+            <a:r>
+              <a:rPr lang="en-GB" dirty="0" err="1"/>
+              <a:t>že</a:t>
+            </a:r>
+            <a:r>
+              <a:rPr lang="en-GB" dirty="0"/>
+              <a:t> </a:t>
+            </a:r>
+            <a:r>
+              <a:rPr lang="en-GB" dirty="0" err="1"/>
+              <a:t>pokud</a:t>
+            </a:r>
+            <a:r>
+              <a:rPr lang="en-GB" dirty="0"/>
+              <a:t> je </a:t>
+            </a:r>
+            <a:r>
+              <a:rPr lang="en-GB" dirty="0" err="1"/>
+              <a:t>okres</a:t>
+            </a:r>
+            <a:r>
+              <a:rPr lang="en-GB" dirty="0"/>
+              <a:t> </a:t>
+            </a:r>
+            <a:r>
+              <a:rPr lang="en-GB" b="1" dirty="0" err="1"/>
+              <a:t>velký</a:t>
+            </a:r>
+            <a:r>
+              <a:rPr lang="en-GB" dirty="0"/>
+              <a:t> a </a:t>
+            </a:r>
+            <a:r>
+              <a:rPr lang="en-GB" dirty="0" err="1"/>
+              <a:t>zároveň</a:t>
+            </a:r>
+            <a:r>
+              <a:rPr lang="en-GB" dirty="0"/>
+              <a:t> </a:t>
+            </a:r>
+            <a:r>
+              <a:rPr lang="en-GB" dirty="0" err="1"/>
+              <a:t>má</a:t>
+            </a:r>
+            <a:r>
+              <a:rPr lang="en-GB" dirty="0"/>
+              <a:t> </a:t>
+            </a:r>
+            <a:r>
+              <a:rPr lang="en-GB" b="1" dirty="0" err="1"/>
+              <a:t>vyšší</a:t>
+            </a:r>
+            <a:r>
+              <a:rPr lang="en-GB" b="1" dirty="0"/>
+              <a:t> </a:t>
+            </a:r>
+            <a:r>
+              <a:rPr lang="en-GB" b="1" dirty="0" err="1"/>
+              <a:t>podíl</a:t>
+            </a:r>
+            <a:r>
+              <a:rPr lang="en-GB" b="1" dirty="0"/>
+              <a:t> </a:t>
+            </a:r>
+            <a:r>
+              <a:rPr lang="en-GB" b="1" dirty="0" err="1"/>
+              <a:t>žen</a:t>
+            </a:r>
+            <a:r>
+              <a:rPr lang="en-GB" dirty="0"/>
+              <a:t>, </a:t>
+            </a:r>
+            <a:r>
+              <a:rPr lang="en-GB" dirty="0" err="1"/>
+              <a:t>tak</a:t>
+            </a:r>
+            <a:r>
+              <a:rPr lang="en-GB" dirty="0"/>
+              <a:t> v </a:t>
+            </a:r>
+            <a:r>
+              <a:rPr lang="en-GB" b="1" dirty="0"/>
+              <a:t>50,5 % </a:t>
+            </a:r>
+            <a:r>
+              <a:rPr lang="en-GB" b="1" dirty="0" err="1"/>
+              <a:t>případů</a:t>
+            </a:r>
+            <a:r>
+              <a:rPr lang="en-GB" dirty="0"/>
+              <a:t> </a:t>
+            </a:r>
+            <a:r>
+              <a:rPr lang="en-GB" dirty="0" err="1"/>
+              <a:t>má</a:t>
+            </a:r>
+            <a:r>
+              <a:rPr lang="en-GB" dirty="0"/>
+              <a:t> </a:t>
+            </a:r>
+            <a:r>
+              <a:rPr lang="en-GB" dirty="0" err="1"/>
+              <a:t>tento</a:t>
+            </a:r>
+            <a:r>
+              <a:rPr lang="en-GB" dirty="0"/>
+              <a:t> </a:t>
+            </a:r>
+            <a:r>
+              <a:rPr lang="en-GB" dirty="0" err="1"/>
+              <a:t>okres</a:t>
+            </a:r>
+            <a:r>
+              <a:rPr lang="en-GB" dirty="0"/>
+              <a:t> </a:t>
+            </a:r>
+            <a:r>
+              <a:rPr lang="en-GB" dirty="0" err="1"/>
+              <a:t>zároveň</a:t>
+            </a:r>
+            <a:r>
+              <a:rPr lang="en-GB" dirty="0"/>
+              <a:t> </a:t>
+            </a:r>
+            <a:r>
+              <a:rPr lang="en-GB" dirty="0" err="1"/>
+              <a:t>vysokou</a:t>
+            </a:r>
+            <a:r>
+              <a:rPr lang="en-GB" dirty="0"/>
+              <a:t> </a:t>
+            </a:r>
+            <a:r>
+              <a:rPr lang="en-GB" dirty="0" err="1"/>
+              <a:t>smrtnost</a:t>
+            </a:r>
+            <a:r>
+              <a:rPr lang="en-GB" dirty="0"/>
+              <a:t> (High CFR). Je to </a:t>
+            </a:r>
+            <a:r>
+              <a:rPr lang="en-GB" dirty="0" err="1"/>
+              <a:t>skoro</a:t>
+            </a:r>
+            <a:r>
+              <a:rPr lang="en-GB" dirty="0"/>
+              <a:t> </a:t>
+            </a:r>
+            <a:r>
+              <a:rPr lang="en-GB" dirty="0" err="1"/>
+              <a:t>jako</a:t>
+            </a:r>
+            <a:r>
+              <a:rPr lang="en-GB" dirty="0"/>
+              <a:t> hod </a:t>
+            </a:r>
+            <a:r>
+              <a:rPr lang="en-GB" dirty="0" err="1"/>
+              <a:t>mincí</a:t>
+            </a:r>
+            <a:r>
+              <a:rPr lang="en-GB" dirty="0"/>
+              <a:t>.</a:t>
+            </a:r>
+          </a:p>
+          <a:p>
+            <a:r>
+              <a:rPr lang="en-GB" b="1" dirty="0"/>
+              <a:t>Ve </a:t>
+            </a:r>
+            <a:r>
+              <a:rPr lang="en-GB" b="1" dirty="0" err="1"/>
+              <a:t>skupině</a:t>
+            </a:r>
+            <a:r>
+              <a:rPr lang="en-GB" b="1" dirty="0"/>
+              <a:t> "Lower Female %" je </a:t>
+            </a:r>
+            <a:r>
+              <a:rPr lang="en-GB" b="1" dirty="0" err="1"/>
+              <a:t>spolehlivost</a:t>
+            </a:r>
+            <a:r>
+              <a:rPr lang="en-GB" b="1" dirty="0"/>
+              <a:t> 37,6 %:</a:t>
+            </a:r>
+            <a:r>
+              <a:rPr lang="en-GB" dirty="0"/>
+              <a:t> Pokud je </a:t>
+            </a:r>
+            <a:r>
+              <a:rPr lang="en-GB" dirty="0" err="1"/>
+              <a:t>okres</a:t>
+            </a:r>
+            <a:r>
+              <a:rPr lang="en-GB" dirty="0"/>
+              <a:t> </a:t>
+            </a:r>
+            <a:r>
+              <a:rPr lang="en-GB" b="1" dirty="0" err="1"/>
+              <a:t>velký</a:t>
+            </a:r>
+            <a:r>
+              <a:rPr lang="en-GB" dirty="0"/>
+              <a:t>, ale </a:t>
+            </a:r>
+            <a:r>
+              <a:rPr lang="en-GB" dirty="0" err="1"/>
+              <a:t>má</a:t>
+            </a:r>
+            <a:r>
+              <a:rPr lang="en-GB" dirty="0"/>
+              <a:t> </a:t>
+            </a:r>
+            <a:r>
+              <a:rPr lang="en-GB" b="1" dirty="0" err="1"/>
+              <a:t>nižší</a:t>
+            </a:r>
+            <a:r>
+              <a:rPr lang="en-GB" b="1" dirty="0"/>
+              <a:t> </a:t>
+            </a:r>
+            <a:r>
+              <a:rPr lang="en-GB" b="1" dirty="0" err="1"/>
+              <a:t>podíl</a:t>
+            </a:r>
+            <a:r>
+              <a:rPr lang="en-GB" b="1" dirty="0"/>
+              <a:t> </a:t>
+            </a:r>
+            <a:r>
+              <a:rPr lang="en-GB" b="1" dirty="0" err="1"/>
+              <a:t>žen</a:t>
+            </a:r>
+            <a:r>
+              <a:rPr lang="en-GB" dirty="0"/>
+              <a:t>, </a:t>
+            </a:r>
+            <a:r>
+              <a:rPr lang="en-GB" dirty="0" err="1"/>
+              <a:t>šance</a:t>
+            </a:r>
+            <a:r>
+              <a:rPr lang="en-GB" dirty="0"/>
+              <a:t> </a:t>
+            </a:r>
+            <a:r>
+              <a:rPr lang="en-GB" dirty="0" err="1"/>
+              <a:t>na</a:t>
+            </a:r>
+            <a:r>
+              <a:rPr lang="en-GB" dirty="0"/>
+              <a:t> </a:t>
+            </a:r>
+            <a:r>
+              <a:rPr lang="en-GB" dirty="0" err="1"/>
+              <a:t>vysokou</a:t>
+            </a:r>
+            <a:r>
+              <a:rPr lang="en-GB" dirty="0"/>
+              <a:t> </a:t>
+            </a:r>
+            <a:r>
+              <a:rPr lang="en-GB" dirty="0" err="1"/>
+              <a:t>smrtnost</a:t>
+            </a:r>
+            <a:r>
+              <a:rPr lang="en-GB" dirty="0"/>
+              <a:t> </a:t>
+            </a:r>
+            <a:r>
+              <a:rPr lang="en-GB" dirty="0" err="1"/>
+              <a:t>klesá</a:t>
+            </a:r>
+            <a:r>
+              <a:rPr lang="en-GB" dirty="0"/>
+              <a:t> </a:t>
+            </a:r>
+            <a:r>
+              <a:rPr lang="en-GB" dirty="0" err="1"/>
+              <a:t>na</a:t>
+            </a:r>
+            <a:r>
+              <a:rPr lang="en-GB" dirty="0"/>
+              <a:t> </a:t>
+            </a:r>
+            <a:r>
+              <a:rPr lang="en-GB" b="1" dirty="0"/>
+              <a:t>37,6 %</a:t>
+            </a:r>
+            <a:r>
+              <a:rPr lang="en-GB" dirty="0"/>
+              <a:t>.</a:t>
+            </a:r>
+          </a:p>
+          <a:p>
+            <a:pPr marL="0" marR="0" lvl="0" indent="0" algn="l" defTabSz="914400" rtl="0" eaLnBrk="1" fontAlgn="auto" latinLnBrk="0" hangingPunct="1">
+              <a:lnSpc>
+                <a:spcPct val="100000"/>
+              </a:lnSpc>
+              <a:spcBef>
+                <a:spcPts val="0"/>
+              </a:spcBef>
+              <a:spcAft>
+                <a:spcPts val="0"/>
+              </a:spcAft>
+              <a:buClrTx/>
+              <a:buSzTx/>
+              <a:buFontTx/>
+              <a:buNone/>
+              <a:tabLst/>
+              <a:defRPr/>
+            </a:pPr>
+            <a:endParaRPr lang="cs-CZ" dirty="0"/>
+          </a:p>
+          <a:p>
+            <a:endParaRPr lang="en-CZ" dirty="0"/>
+          </a:p>
+        </p:txBody>
+      </p:sp>
+      <p:sp>
+        <p:nvSpPr>
+          <p:cNvPr id="4" name="Slide Number Placeholder 3"/>
+          <p:cNvSpPr>
+            <a:spLocks noGrp="1"/>
+          </p:cNvSpPr>
+          <p:nvPr>
+            <p:ph type="sldNum" sz="quarter" idx="5"/>
+          </p:nvPr>
+        </p:nvSpPr>
+        <p:spPr/>
+        <p:txBody>
+          <a:bodyPr/>
+          <a:lstStyle/>
+          <a:p>
+            <a:fld id="{AA72BDC2-2F26-604F-9284-C6FE150BB215}" type="slidenum">
+              <a:rPr lang="en-CZ" smtClean="0"/>
+              <a:t>14</a:t>
+            </a:fld>
+            <a:endParaRPr lang="en-CZ"/>
+          </a:p>
+        </p:txBody>
+      </p:sp>
+    </p:spTree>
+    <p:extLst>
+      <p:ext uri="{BB962C8B-B14F-4D97-AF65-F5344CB8AC3E}">
+        <p14:creationId xmlns:p14="http://schemas.microsoft.com/office/powerpoint/2010/main" val="3562689091"/>
+      </p:ext>
+    </p:extLst>
+  </p:cSld>
+  <p:clrMapOvr>
+    <a:masterClrMapping/>
+  </p:clrMapOvr>
+</p:notes>
+</file>
+
+<file path=ppt/notesSlides/notesSlide5.xml><?xml version="1.0" encoding="utf-8"?>
+<p:notes xmlns:a="http://schemas.openxmlformats.org/drawingml/2006/main" xmlns:r="http://schemas.openxmlformats.org/officeDocument/2006/relationships" xmlns:p="http://schemas.openxmlformats.org/presentationml/2006/main">
+  <p:cSld>
+    <p:spTree>
+      <p:nvGrpSpPr>
+        <p:cNvPr id="1" name=""/>
+        <p:cNvGrpSpPr/>
+        <p:nvPr/>
+      </p:nvGrpSpPr>
+      <p:grpSpPr>
+        <a:xfrm>
+          <a:off x="0" y="0"/>
+          <a:ext cx="0" cy="0"/>
+          <a:chOff x="0" y="0"/>
+          <a:chExt cx="0" cy="0"/>
+        </a:xfrm>
+      </p:grpSpPr>
+      <p:sp>
+        <p:nvSpPr>
+          <p:cNvPr id="2" name="Zástupný symbol pro obrázek snímku 1"/>
+          <p:cNvSpPr>
+            <a:spLocks noGrp="1" noRot="1" noChangeAspect="1"/>
+          </p:cNvSpPr>
+          <p:nvPr>
+            <p:ph type="sldImg"/>
+          </p:nvPr>
+        </p:nvSpPr>
+        <p:spPr/>
+      </p:sp>
+      <p:sp>
+        <p:nvSpPr>
+          <p:cNvPr id="3" name="Zástupný symbol pro poznámky 2"/>
+          <p:cNvSpPr>
+            <a:spLocks noGrp="1"/>
+          </p:cNvSpPr>
+          <p:nvPr>
+            <p:ph type="body" idx="1"/>
+          </p:nvPr>
+        </p:nvSpPr>
+        <p:spPr/>
+        <p:txBody>
+          <a:bodyPr/>
+          <a:lstStyle/>
+          <a:p>
+            <a:pPr marL="170815" indent="-170815"/>
+            <a:endParaRPr lang="cs-CZ" sz="2400" dirty="0">
+              <a:solidFill>
+                <a:srgbClr val="000000"/>
+              </a:solidFill>
+              <a:latin typeface="Arial"/>
+              <a:cs typeface="Arial"/>
+            </a:endParaRPr>
+          </a:p>
+        </p:txBody>
+      </p:sp>
+      <p:sp>
+        <p:nvSpPr>
+          <p:cNvPr id="4" name="Zástupný symbol pro číslo snímku 3"/>
+          <p:cNvSpPr>
+            <a:spLocks noGrp="1"/>
+          </p:cNvSpPr>
+          <p:nvPr>
+            <p:ph type="sldNum" sz="quarter" idx="5"/>
+          </p:nvPr>
+        </p:nvSpPr>
+        <p:spPr/>
+        <p:txBody>
+          <a:bodyPr/>
+          <a:lstStyle/>
+          <a:p>
+            <a:pPr marL="0" marR="0" lvl="0" indent="0" algn="r" defTabSz="914400" rtl="0" eaLnBrk="1" fontAlgn="auto" latinLnBrk="0" hangingPunct="1">
+              <a:lnSpc>
+                <a:spcPct val="100000"/>
+              </a:lnSpc>
+              <a:spcBef>
+                <a:spcPts val="0"/>
+              </a:spcBef>
+              <a:spcAft>
+                <a:spcPts val="0"/>
+              </a:spcAft>
+              <a:buClrTx/>
+              <a:buSzTx/>
+              <a:buFontTx/>
+              <a:buNone/>
+              <a:tabLst/>
+              <a:defRPr/>
+            </a:pPr>
+            <a:fld id="{8B1601C6-9A0C-4A2F-9361-88D10206EF23}" type="slidenum">
+              <a:rPr kumimoji="0" lang="cs-CZ" sz="1200" b="0" i="0" u="none" strike="noStrike" kern="1200" cap="none" spc="0" normalizeH="0" baseline="0" noProof="0" smtClean="0">
+                <a:ln>
+                  <a:noFill/>
+                </a:ln>
+                <a:solidFill>
+                  <a:prstClr val="black"/>
+                </a:solidFill>
+                <a:effectLst/>
+                <a:uLnTx/>
+                <a:uFillTx/>
+                <a:latin typeface="Calibri" panose="020F0502020204030204"/>
+                <a:ea typeface="+mn-ea"/>
+                <a:cs typeface="+mn-cs"/>
+              </a:rPr>
+              <a:pPr marL="0" marR="0" lvl="0" indent="0" algn="r" defTabSz="914400" rtl="0" eaLnBrk="1" fontAlgn="auto" latinLnBrk="0" hangingPunct="1">
+                <a:lnSpc>
+                  <a:spcPct val="100000"/>
+                </a:lnSpc>
+                <a:spcBef>
+                  <a:spcPts val="0"/>
+                </a:spcBef>
+                <a:spcAft>
+                  <a:spcPts val="0"/>
+                </a:spcAft>
+                <a:buClrTx/>
+                <a:buSzTx/>
+                <a:buFontTx/>
+                <a:buNone/>
+                <a:tabLst/>
+                <a:defRPr/>
+              </a:pPr>
+              <a:t>16</a:t>
+            </a:fld>
+            <a:endParaRPr kumimoji="0" lang="cs-CZ" sz="1200" b="0" i="0" u="none" strike="noStrike" kern="1200" cap="none" spc="0" normalizeH="0" baseline="0" noProof="0">
+              <a:ln>
+                <a:noFill/>
+              </a:ln>
+              <a:solidFill>
+                <a:prstClr val="black"/>
+              </a:solidFill>
+              <a:effectLst/>
+              <a:uLnTx/>
+              <a:uFillTx/>
+              <a:latin typeface="Calibri" panose="020F0502020204030204"/>
+              <a:ea typeface="+mn-ea"/>
+              <a:cs typeface="+mn-cs"/>
+            </a:endParaRPr>
+          </a:p>
+        </p:txBody>
+      </p:sp>
+    </p:spTree>
+    <p:extLst>
+      <p:ext uri="{BB962C8B-B14F-4D97-AF65-F5344CB8AC3E}">
+        <p14:creationId xmlns:p14="http://schemas.microsoft.com/office/powerpoint/2010/main" val="2459930771"/>
+      </p:ext>
+    </p:extLst>
+  </p:cSld>
+  <p:clrMapOvr>
+    <a:masterClrMapping/>
+  </p:clrMapOvr>
+</p:notes>
 </file>
 
 <file path=ppt/slideLayouts/slideLayout1.xml><?xml version="1.0" encoding="utf-8"?>
@@ -4709,6 +7059,429 @@
 </p:sldLayout>
 </file>
 
+<file path=ppt/slideLayouts/slideLayout14.xml><?xml version="1.0" encoding="utf-8"?>
+<p:sldLayout xmlns:a="http://schemas.openxmlformats.org/drawingml/2006/main" xmlns:r="http://schemas.openxmlformats.org/officeDocument/2006/relationships" xmlns:p="http://schemas.openxmlformats.org/presentationml/2006/main" preserve="1" userDrawn="1">
+  <p:cSld name="Úvodní snímek">
+    <p:spTree>
+      <p:nvGrpSpPr>
+        <p:cNvPr id="1" name=""/>
+        <p:cNvGrpSpPr/>
+        <p:nvPr/>
+      </p:nvGrpSpPr>
+      <p:grpSpPr>
+        <a:xfrm>
+          <a:off x="0" y="0"/>
+          <a:ext cx="0" cy="0"/>
+          <a:chOff x="0" y="0"/>
+          <a:chExt cx="0" cy="0"/>
+        </a:xfrm>
+      </p:grpSpPr>
+      <p:sp>
+        <p:nvSpPr>
+          <p:cNvPr id="6" name="Zástupný text 2">
+            <a:extLst>
+              <a:ext uri="{FF2B5EF4-FFF2-40B4-BE49-F238E27FC236}">
+                <a16:creationId xmlns:a16="http://schemas.microsoft.com/office/drawing/2014/main" id="{9235DDD2-26F3-4A0D-93F4-FB32B5B241DA}"/>
+              </a:ext>
+            </a:extLst>
+          </p:cNvPr>
+          <p:cNvSpPr>
+            <a:spLocks noGrp="1"/>
+          </p:cNvSpPr>
+          <p:nvPr>
+            <p:ph type="body" idx="15" hasCustomPrompt="1"/>
+          </p:nvPr>
+        </p:nvSpPr>
+        <p:spPr>
+          <a:xfrm>
+            <a:off x="4838009" y="870423"/>
+            <a:ext cx="3718906" cy="311628"/>
+          </a:xfrm>
+          <a:prstGeom prst="rect">
+            <a:avLst/>
+          </a:prstGeom>
+        </p:spPr>
+        <p:txBody>
+          <a:bodyPr>
+            <a:normAutofit/>
+          </a:bodyPr>
+          <a:lstStyle>
+            <a:lvl1pPr marL="0" indent="0" algn="r">
+              <a:buNone/>
+              <a:defRPr sz="1500" b="1">
+                <a:solidFill>
+                  <a:srgbClr val="89F7E2"/>
+                </a:solidFill>
+              </a:defRPr>
+            </a:lvl1pPr>
+            <a:lvl2pPr marL="342892" indent="0">
+              <a:buNone/>
+              <a:defRPr sz="1500">
+                <a:solidFill>
+                  <a:schemeClr val="tx1">
+                    <a:tint val="75000"/>
+                  </a:schemeClr>
+                </a:solidFill>
+              </a:defRPr>
+            </a:lvl2pPr>
+            <a:lvl3pPr marL="685783" indent="0">
+              <a:buNone/>
+              <a:defRPr sz="1350">
+                <a:solidFill>
+                  <a:schemeClr val="tx1">
+                    <a:tint val="75000"/>
+                  </a:schemeClr>
+                </a:solidFill>
+              </a:defRPr>
+            </a:lvl3pPr>
+            <a:lvl4pPr marL="1028675" indent="0">
+              <a:buNone/>
+              <a:defRPr sz="1200">
+                <a:solidFill>
+                  <a:schemeClr val="tx1">
+                    <a:tint val="75000"/>
+                  </a:schemeClr>
+                </a:solidFill>
+              </a:defRPr>
+            </a:lvl4pPr>
+            <a:lvl5pPr marL="1371566" indent="0">
+              <a:buNone/>
+              <a:defRPr sz="1200">
+                <a:solidFill>
+                  <a:schemeClr val="tx1">
+                    <a:tint val="75000"/>
+                  </a:schemeClr>
+                </a:solidFill>
+              </a:defRPr>
+            </a:lvl5pPr>
+            <a:lvl6pPr marL="1714457" indent="0">
+              <a:buNone/>
+              <a:defRPr sz="1200">
+                <a:solidFill>
+                  <a:schemeClr val="tx1">
+                    <a:tint val="75000"/>
+                  </a:schemeClr>
+                </a:solidFill>
+              </a:defRPr>
+            </a:lvl6pPr>
+            <a:lvl7pPr marL="2057348" indent="0">
+              <a:buNone/>
+              <a:defRPr sz="1200">
+                <a:solidFill>
+                  <a:schemeClr val="tx1">
+                    <a:tint val="75000"/>
+                  </a:schemeClr>
+                </a:solidFill>
+              </a:defRPr>
+            </a:lvl7pPr>
+            <a:lvl8pPr marL="2400240" indent="0">
+              <a:buNone/>
+              <a:defRPr sz="1200">
+                <a:solidFill>
+                  <a:schemeClr val="tx1">
+                    <a:tint val="75000"/>
+                  </a:schemeClr>
+                </a:solidFill>
+              </a:defRPr>
+            </a:lvl8pPr>
+            <a:lvl9pPr marL="2743132" indent="0">
+              <a:buNone/>
+              <a:defRPr sz="1200">
+                <a:solidFill>
+                  <a:schemeClr val="tx1">
+                    <a:tint val="75000"/>
+                  </a:schemeClr>
+                </a:solidFill>
+              </a:defRPr>
+            </a:lvl9pPr>
+          </a:lstStyle>
+          <a:p>
+            <a:pPr lvl="0"/>
+            <a:r>
+              <a:rPr lang="cs-CZ"/>
+              <a:t>Jméno a příjmení autora</a:t>
+            </a:r>
+          </a:p>
+        </p:txBody>
+      </p:sp>
+      <p:sp>
+        <p:nvSpPr>
+          <p:cNvPr id="11" name="Zástupný text 2">
+            <a:extLst>
+              <a:ext uri="{FF2B5EF4-FFF2-40B4-BE49-F238E27FC236}">
+                <a16:creationId xmlns:a16="http://schemas.microsoft.com/office/drawing/2014/main" id="{D7300AA5-064D-49EA-BBBE-873363EE3286}"/>
+              </a:ext>
+            </a:extLst>
+          </p:cNvPr>
+          <p:cNvSpPr>
+            <a:spLocks noGrp="1"/>
+          </p:cNvSpPr>
+          <p:nvPr>
+            <p:ph type="body" idx="16" hasCustomPrompt="1"/>
+          </p:nvPr>
+        </p:nvSpPr>
+        <p:spPr>
+          <a:xfrm>
+            <a:off x="4838009" y="1182051"/>
+            <a:ext cx="3718906" cy="311628"/>
+          </a:xfrm>
+          <a:prstGeom prst="rect">
+            <a:avLst/>
+          </a:prstGeom>
+        </p:spPr>
+        <p:txBody>
+          <a:bodyPr>
+            <a:normAutofit/>
+          </a:bodyPr>
+          <a:lstStyle>
+            <a:lvl1pPr marL="0" indent="0" algn="r">
+              <a:buNone/>
+              <a:defRPr sz="1400">
+                <a:solidFill>
+                  <a:schemeClr val="bg1"/>
+                </a:solidFill>
+              </a:defRPr>
+            </a:lvl1pPr>
+            <a:lvl2pPr marL="342892" indent="0">
+              <a:buNone/>
+              <a:defRPr sz="1500">
+                <a:solidFill>
+                  <a:schemeClr val="tx1">
+                    <a:tint val="75000"/>
+                  </a:schemeClr>
+                </a:solidFill>
+              </a:defRPr>
+            </a:lvl2pPr>
+            <a:lvl3pPr marL="685783" indent="0">
+              <a:buNone/>
+              <a:defRPr sz="1350">
+                <a:solidFill>
+                  <a:schemeClr val="tx1">
+                    <a:tint val="75000"/>
+                  </a:schemeClr>
+                </a:solidFill>
+              </a:defRPr>
+            </a:lvl3pPr>
+            <a:lvl4pPr marL="1028675" indent="0">
+              <a:buNone/>
+              <a:defRPr sz="1200">
+                <a:solidFill>
+                  <a:schemeClr val="tx1">
+                    <a:tint val="75000"/>
+                  </a:schemeClr>
+                </a:solidFill>
+              </a:defRPr>
+            </a:lvl4pPr>
+            <a:lvl5pPr marL="1371566" indent="0">
+              <a:buNone/>
+              <a:defRPr sz="1200">
+                <a:solidFill>
+                  <a:schemeClr val="tx1">
+                    <a:tint val="75000"/>
+                  </a:schemeClr>
+                </a:solidFill>
+              </a:defRPr>
+            </a:lvl5pPr>
+            <a:lvl6pPr marL="1714457" indent="0">
+              <a:buNone/>
+              <a:defRPr sz="1200">
+                <a:solidFill>
+                  <a:schemeClr val="tx1">
+                    <a:tint val="75000"/>
+                  </a:schemeClr>
+                </a:solidFill>
+              </a:defRPr>
+            </a:lvl6pPr>
+            <a:lvl7pPr marL="2057348" indent="0">
+              <a:buNone/>
+              <a:defRPr sz="1200">
+                <a:solidFill>
+                  <a:schemeClr val="tx1">
+                    <a:tint val="75000"/>
+                  </a:schemeClr>
+                </a:solidFill>
+              </a:defRPr>
+            </a:lvl7pPr>
+            <a:lvl8pPr marL="2400240" indent="0">
+              <a:buNone/>
+              <a:defRPr sz="1200">
+                <a:solidFill>
+                  <a:schemeClr val="tx1">
+                    <a:tint val="75000"/>
+                  </a:schemeClr>
+                </a:solidFill>
+              </a:defRPr>
+            </a:lvl8pPr>
+            <a:lvl9pPr marL="2743132" indent="0">
+              <a:buNone/>
+              <a:defRPr sz="1200">
+                <a:solidFill>
+                  <a:schemeClr val="tx1">
+                    <a:tint val="75000"/>
+                  </a:schemeClr>
+                </a:solidFill>
+              </a:defRPr>
+            </a:lvl9pPr>
+          </a:lstStyle>
+          <a:p>
+            <a:pPr lvl="0"/>
+            <a:r>
+              <a:rPr lang="cs-CZ"/>
+              <a:t>Jmeno.prijmeni@vse.cz</a:t>
+            </a:r>
+          </a:p>
+        </p:txBody>
+      </p:sp>
+      <p:sp>
+        <p:nvSpPr>
+          <p:cNvPr id="12" name="Nadpis 1">
+            <a:extLst>
+              <a:ext uri="{FF2B5EF4-FFF2-40B4-BE49-F238E27FC236}">
+                <a16:creationId xmlns:a16="http://schemas.microsoft.com/office/drawing/2014/main" id="{2206462F-D376-411D-9D76-52EE5EED75D7}"/>
+              </a:ext>
+            </a:extLst>
+          </p:cNvPr>
+          <p:cNvSpPr>
+            <a:spLocks noGrp="1"/>
+          </p:cNvSpPr>
+          <p:nvPr>
+            <p:ph type="ctrTitle" hasCustomPrompt="1"/>
+          </p:nvPr>
+        </p:nvSpPr>
+        <p:spPr>
+          <a:xfrm>
+            <a:off x="653591" y="2591091"/>
+            <a:ext cx="7886701" cy="1782150"/>
+          </a:xfrm>
+          <a:prstGeom prst="rect">
+            <a:avLst/>
+          </a:prstGeom>
+        </p:spPr>
+        <p:txBody>
+          <a:bodyPr anchor="t"/>
+          <a:lstStyle>
+            <a:lvl1pPr algn="l">
+              <a:defRPr sz="4500">
+                <a:solidFill>
+                  <a:schemeClr val="bg1"/>
+                </a:solidFill>
+                <a:latin typeface="Arial" panose="020B0604020202020204" pitchFamily="34" charset="0"/>
+                <a:cs typeface="Arial" panose="020B0604020202020204" pitchFamily="34" charset="0"/>
+              </a:defRPr>
+            </a:lvl1pPr>
+          </a:lstStyle>
+          <a:p>
+            <a:r>
+              <a:rPr lang="cs-CZ"/>
+              <a:t>Název prezentace</a:t>
+            </a:r>
+          </a:p>
+        </p:txBody>
+      </p:sp>
+      <p:sp>
+        <p:nvSpPr>
+          <p:cNvPr id="13" name="Podnadpis 2">
+            <a:extLst>
+              <a:ext uri="{FF2B5EF4-FFF2-40B4-BE49-F238E27FC236}">
+                <a16:creationId xmlns:a16="http://schemas.microsoft.com/office/drawing/2014/main" id="{A3092441-B532-4881-997F-6A08EF5187C6}"/>
+              </a:ext>
+            </a:extLst>
+          </p:cNvPr>
+          <p:cNvSpPr>
+            <a:spLocks noGrp="1"/>
+          </p:cNvSpPr>
+          <p:nvPr>
+            <p:ph type="subTitle" idx="1"/>
+          </p:nvPr>
+        </p:nvSpPr>
+        <p:spPr>
+          <a:xfrm>
+            <a:off x="668831" y="4487541"/>
+            <a:ext cx="7871461" cy="813654"/>
+          </a:xfrm>
+          <a:prstGeom prst="rect">
+            <a:avLst/>
+          </a:prstGeom>
+        </p:spPr>
+        <p:txBody>
+          <a:bodyPr/>
+          <a:lstStyle>
+            <a:lvl1pPr marL="0" indent="0" algn="l">
+              <a:buNone/>
+              <a:defRPr sz="1800" b="0">
+                <a:solidFill>
+                  <a:schemeClr val="bg1"/>
+                </a:solidFill>
+                <a:latin typeface="Arial" panose="020B0604020202020204" pitchFamily="34" charset="0"/>
+                <a:cs typeface="Arial" panose="020B0604020202020204" pitchFamily="34" charset="0"/>
+              </a:defRPr>
+            </a:lvl1pPr>
+            <a:lvl2pPr marL="342892" indent="0" algn="ctr">
+              <a:buNone/>
+              <a:defRPr sz="1500"/>
+            </a:lvl2pPr>
+            <a:lvl3pPr marL="685783" indent="0" algn="ctr">
+              <a:buNone/>
+              <a:defRPr sz="1350"/>
+            </a:lvl3pPr>
+            <a:lvl4pPr marL="1028675" indent="0" algn="ctr">
+              <a:buNone/>
+              <a:defRPr sz="1200"/>
+            </a:lvl4pPr>
+            <a:lvl5pPr marL="1371566" indent="0" algn="ctr">
+              <a:buNone/>
+              <a:defRPr sz="1200"/>
+            </a:lvl5pPr>
+            <a:lvl6pPr marL="1714457" indent="0" algn="ctr">
+              <a:buNone/>
+              <a:defRPr sz="1200"/>
+            </a:lvl6pPr>
+            <a:lvl7pPr marL="2057348" indent="0" algn="ctr">
+              <a:buNone/>
+              <a:defRPr sz="1200"/>
+            </a:lvl7pPr>
+            <a:lvl8pPr marL="2400240" indent="0" algn="ctr">
+              <a:buNone/>
+              <a:defRPr sz="1200"/>
+            </a:lvl8pPr>
+            <a:lvl9pPr marL="2743132" indent="0" algn="ctr">
+              <a:buNone/>
+              <a:defRPr sz="1200"/>
+            </a:lvl9pPr>
+          </a:lstStyle>
+          <a:p>
+            <a:r>
+              <a:rPr lang="cs-CZ"/>
+              <a:t>Kliknutím můžete upravit styl předlohy.</a:t>
+            </a:r>
+          </a:p>
+        </p:txBody>
+      </p:sp>
+    </p:spTree>
+    <p:extLst>
+      <p:ext uri="{BB962C8B-B14F-4D97-AF65-F5344CB8AC3E}">
+        <p14:creationId xmlns:p14="http://schemas.microsoft.com/office/powerpoint/2010/main" val="3442068515"/>
+      </p:ext>
+    </p:extLst>
+  </p:cSld>
+  <p:clrMapOvr>
+    <a:masterClrMapping/>
+  </p:clrMapOvr>
+  <mc:AlternateContent xmlns:mc="http://schemas.openxmlformats.org/markup-compatibility/2006" xmlns:p14="http://schemas.microsoft.com/office/powerpoint/2010/main">
+    <mc:Choice Requires="p14">
+      <p:transition spd="med" p14:dur="700">
+        <p:fade/>
+      </p:transition>
+    </mc:Choice>
+    <mc:Fallback xmlns="">
+      <p:transition spd="med">
+        <p:fade/>
+      </p:transition>
+    </mc:Fallback>
+  </mc:AlternateContent>
+</p:sldLayout>
+</file>
+
 <file path=ppt/slideLayouts/slideLayout2.xml><?xml version="1.0" encoding="utf-8"?>
 <p:sldLayout xmlns:a="http://schemas.openxmlformats.org/drawingml/2006/main" xmlns:r="http://schemas.openxmlformats.org/officeDocument/2006/relationships" xmlns:p="http://schemas.openxmlformats.org/presentationml/2006/main" preserve="1" userDrawn="1">
   <p:cSld name="Úvodní snímek">
@@ -9019,6 +11792,627 @@
 </p:sldMaster>
 </file>
 
+<file path=ppt/slideMasters/slideMaster4.xml><?xml version="1.0" encoding="utf-8"?>
+<p:sldMaster xmlns:a="http://schemas.openxmlformats.org/drawingml/2006/main" xmlns:r="http://schemas.openxmlformats.org/officeDocument/2006/relationships" xmlns:p="http://schemas.openxmlformats.org/presentationml/2006/main">
+  <p:cSld>
+    <p:bg>
+      <p:bgRef idx="1001">
+        <a:schemeClr val="bg1"/>
+      </p:bgRef>
+    </p:bg>
+    <p:spTree>
+      <p:nvGrpSpPr>
+        <p:cNvPr id="1" name=""/>
+        <p:cNvGrpSpPr/>
+        <p:nvPr/>
+      </p:nvGrpSpPr>
+      <p:grpSpPr>
+        <a:xfrm>
+          <a:off x="0" y="0"/>
+          <a:ext cx="0" cy="0"/>
+          <a:chOff x="0" y="0"/>
+          <a:chExt cx="0" cy="0"/>
+        </a:xfrm>
+      </p:grpSpPr>
+      <p:pic>
+        <p:nvPicPr>
+          <p:cNvPr id="7" name="Grafický objekt 6">
+            <a:extLst>
+              <a:ext uri="{FF2B5EF4-FFF2-40B4-BE49-F238E27FC236}">
+                <a16:creationId xmlns:a16="http://schemas.microsoft.com/office/drawing/2014/main" id="{D3D61E27-7486-4CBD-80A0-7CDBAF7D7AF2}"/>
+              </a:ext>
+            </a:extLst>
+          </p:cNvPr>
+          <p:cNvPicPr>
+            <a:picLocks noChangeAspect="1"/>
+          </p:cNvPicPr>
+          <p:nvPr userDrawn="1"/>
+        </p:nvPicPr>
+        <p:blipFill>
+          <a:blip r:embed="rId3">
+            <a:extLst>
+              <a:ext uri="{96DAC541-7B7A-43D3-8B79-37D633B846F1}">
+                <asvg:svgBlip xmlns:asvg="http://schemas.microsoft.com/office/drawing/2016/SVG/main" r:embed="rId4"/>
+              </a:ext>
+            </a:extLst>
+          </a:blip>
+          <a:stretch>
+            <a:fillRect/>
+          </a:stretch>
+        </p:blipFill>
+        <p:spPr>
+          <a:xfrm>
+            <a:off x="0" y="-3085"/>
+            <a:ext cx="9144000" cy="6861085"/>
+          </a:xfrm>
+          <a:prstGeom prst="rect">
+            <a:avLst/>
+          </a:prstGeom>
+        </p:spPr>
+      </p:pic>
+      <p:sp>
+        <p:nvSpPr>
+          <p:cNvPr id="2" name="Zástupný nadpis 1">
+            <a:extLst>
+              <a:ext uri="{FF2B5EF4-FFF2-40B4-BE49-F238E27FC236}">
+                <a16:creationId xmlns:a16="http://schemas.microsoft.com/office/drawing/2014/main" id="{6144A193-2443-4336-B8E6-567C50C42C32}"/>
+              </a:ext>
+            </a:extLst>
+          </p:cNvPr>
+          <p:cNvSpPr>
+            <a:spLocks noGrp="1"/>
+          </p:cNvSpPr>
+          <p:nvPr>
+            <p:ph type="title"/>
+          </p:nvPr>
+        </p:nvSpPr>
+        <p:spPr>
+          <a:xfrm>
+            <a:off x="628650" y="365129"/>
+            <a:ext cx="7886700" cy="1325563"/>
+          </a:xfrm>
+          <a:prstGeom prst="rect">
+            <a:avLst/>
+          </a:prstGeom>
+        </p:spPr>
+        <p:txBody>
+          <a:bodyPr vert="horz" lIns="91440" tIns="45720" rIns="91440" bIns="45720" rtlCol="0" anchor="ctr">
+            <a:normAutofit/>
+          </a:bodyPr>
+          <a:lstStyle/>
+          <a:p>
+            <a:r>
+              <a:rPr lang="cs-CZ"/>
+              <a:t>Kliknutím lze upravit styl.</a:t>
+            </a:r>
+          </a:p>
+        </p:txBody>
+      </p:sp>
+      <p:sp>
+        <p:nvSpPr>
+          <p:cNvPr id="3" name="Zástupný text 2">
+            <a:extLst>
+              <a:ext uri="{FF2B5EF4-FFF2-40B4-BE49-F238E27FC236}">
+                <a16:creationId xmlns:a16="http://schemas.microsoft.com/office/drawing/2014/main" id="{6B62FE8A-B6A8-4920-9B7E-768DE3DF4B4F}"/>
+              </a:ext>
+            </a:extLst>
+          </p:cNvPr>
+          <p:cNvSpPr>
+            <a:spLocks noGrp="1"/>
+          </p:cNvSpPr>
+          <p:nvPr>
+            <p:ph type="body" idx="1"/>
+          </p:nvPr>
+        </p:nvSpPr>
+        <p:spPr>
+          <a:xfrm>
+            <a:off x="628650" y="1825625"/>
+            <a:ext cx="7886700" cy="4351338"/>
+          </a:xfrm>
+          <a:prstGeom prst="rect">
+            <a:avLst/>
+          </a:prstGeom>
+        </p:spPr>
+        <p:txBody>
+          <a:bodyPr vert="horz" lIns="91440" tIns="45720" rIns="91440" bIns="45720" rtlCol="0">
+            <a:normAutofit/>
+          </a:bodyPr>
+          <a:lstStyle/>
+          <a:p>
+            <a:pPr lvl="0"/>
+            <a:r>
+              <a:rPr lang="cs-CZ"/>
+              <a:t>Po kliknutí můžete upravovat styly textu v předloze.</a:t>
+            </a:r>
+          </a:p>
+          <a:p>
+            <a:pPr lvl="1"/>
+            <a:r>
+              <a:rPr lang="cs-CZ"/>
+              <a:t>Druhá úroveň</a:t>
+            </a:r>
+          </a:p>
+          <a:p>
+            <a:pPr lvl="2"/>
+            <a:r>
+              <a:rPr lang="cs-CZ"/>
+              <a:t>Třetí úroveň</a:t>
+            </a:r>
+          </a:p>
+          <a:p>
+            <a:pPr lvl="3"/>
+            <a:r>
+              <a:rPr lang="cs-CZ"/>
+              <a:t>Čtvrtá úroveň</a:t>
+            </a:r>
+          </a:p>
+          <a:p>
+            <a:pPr lvl="4"/>
+            <a:r>
+              <a:rPr lang="cs-CZ"/>
+              <a:t>Pátá úroveň</a:t>
+            </a:r>
+          </a:p>
+        </p:txBody>
+      </p:sp>
+      <p:sp>
+        <p:nvSpPr>
+          <p:cNvPr id="4" name="Zástupný symbol pro datum 3">
+            <a:extLst>
+              <a:ext uri="{FF2B5EF4-FFF2-40B4-BE49-F238E27FC236}">
+                <a16:creationId xmlns:a16="http://schemas.microsoft.com/office/drawing/2014/main" id="{8712BF67-B920-4B8E-84CF-AAC489B8ABDB}"/>
+              </a:ext>
+            </a:extLst>
+          </p:cNvPr>
+          <p:cNvSpPr>
+            <a:spLocks noGrp="1"/>
+          </p:cNvSpPr>
+          <p:nvPr>
+            <p:ph type="dt" sz="half" idx="2"/>
+          </p:nvPr>
+        </p:nvSpPr>
+        <p:spPr>
+          <a:xfrm>
+            <a:off x="628650" y="6356355"/>
+            <a:ext cx="2057400" cy="365125"/>
+          </a:xfrm>
+          <a:prstGeom prst="rect">
+            <a:avLst/>
+          </a:prstGeom>
+        </p:spPr>
+        <p:txBody>
+          <a:bodyPr vert="horz" lIns="91440" tIns="45720" rIns="91440" bIns="45720" rtlCol="0" anchor="ctr"/>
+          <a:lstStyle>
+            <a:lvl1pPr algn="l">
+              <a:defRPr sz="900">
+                <a:solidFill>
+                  <a:schemeClr val="tx1">
+                    <a:tint val="75000"/>
+                  </a:schemeClr>
+                </a:solidFill>
+              </a:defRPr>
+            </a:lvl1pPr>
+          </a:lstStyle>
+          <a:p>
+            <a:fld id="{CD529CD2-0146-4F3B-A4AA-75EB0CF2F752}" type="datetimeFigureOut">
+              <a:rPr lang="cs-CZ" smtClean="0"/>
+              <a:t>29.01.2026</a:t>
+            </a:fld>
+            <a:endParaRPr lang="cs-CZ"/>
+          </a:p>
+        </p:txBody>
+      </p:sp>
+      <p:sp>
+        <p:nvSpPr>
+          <p:cNvPr id="5" name="Zástupný symbol pro zápatí 4">
+            <a:extLst>
+              <a:ext uri="{FF2B5EF4-FFF2-40B4-BE49-F238E27FC236}">
+                <a16:creationId xmlns:a16="http://schemas.microsoft.com/office/drawing/2014/main" id="{985ED088-792C-4229-99A4-13C382DAC64D}"/>
+              </a:ext>
+            </a:extLst>
+          </p:cNvPr>
+          <p:cNvSpPr>
+            <a:spLocks noGrp="1"/>
+          </p:cNvSpPr>
+          <p:nvPr>
+            <p:ph type="ftr" sz="quarter" idx="3"/>
+          </p:nvPr>
+        </p:nvSpPr>
+        <p:spPr>
+          <a:xfrm>
+            <a:off x="3028950" y="6356355"/>
+            <a:ext cx="3086100" cy="365125"/>
+          </a:xfrm>
+          <a:prstGeom prst="rect">
+            <a:avLst/>
+          </a:prstGeom>
+        </p:spPr>
+        <p:txBody>
+          <a:bodyPr vert="horz" lIns="91440" tIns="45720" rIns="91440" bIns="45720" rtlCol="0" anchor="ctr"/>
+          <a:lstStyle>
+            <a:lvl1pPr algn="ctr">
+              <a:defRPr sz="900">
+                <a:solidFill>
+                  <a:schemeClr val="tx1">
+                    <a:tint val="75000"/>
+                  </a:schemeClr>
+                </a:solidFill>
+              </a:defRPr>
+            </a:lvl1pPr>
+          </a:lstStyle>
+          <a:p>
+            <a:endParaRPr lang="cs-CZ"/>
+          </a:p>
+        </p:txBody>
+      </p:sp>
+      <p:sp>
+        <p:nvSpPr>
+          <p:cNvPr id="6" name="Zástupný symbol pro číslo snímku 5">
+            <a:extLst>
+              <a:ext uri="{FF2B5EF4-FFF2-40B4-BE49-F238E27FC236}">
+                <a16:creationId xmlns:a16="http://schemas.microsoft.com/office/drawing/2014/main" id="{8FF2DEB4-37E5-4BE0-984C-F6914BD2CAC6}"/>
+              </a:ext>
+            </a:extLst>
+          </p:cNvPr>
+          <p:cNvSpPr>
+            <a:spLocks noGrp="1"/>
+          </p:cNvSpPr>
+          <p:nvPr>
+            <p:ph type="sldNum" sz="quarter" idx="4"/>
+          </p:nvPr>
+        </p:nvSpPr>
+        <p:spPr>
+          <a:xfrm>
+            <a:off x="6457950" y="6356355"/>
+            <a:ext cx="2057400" cy="365125"/>
+          </a:xfrm>
+          <a:prstGeom prst="rect">
+            <a:avLst/>
+          </a:prstGeom>
+        </p:spPr>
+        <p:txBody>
+          <a:bodyPr vert="horz" lIns="91440" tIns="45720" rIns="91440" bIns="45720" rtlCol="0" anchor="ctr"/>
+          <a:lstStyle>
+            <a:lvl1pPr algn="r">
+              <a:defRPr sz="900">
+                <a:solidFill>
+                  <a:schemeClr val="tx1">
+                    <a:tint val="75000"/>
+                  </a:schemeClr>
+                </a:solidFill>
+              </a:defRPr>
+            </a:lvl1pPr>
+          </a:lstStyle>
+          <a:p>
+            <a:fld id="{1249FAB3-BFA5-4172-A475-10F9ABCB38BA}" type="slidenum">
+              <a:rPr lang="cs-CZ" smtClean="0"/>
+              <a:t>‹#›</a:t>
+            </a:fld>
+            <a:endParaRPr lang="cs-CZ"/>
+          </a:p>
+        </p:txBody>
+      </p:sp>
+    </p:spTree>
+    <p:extLst>
+      <p:ext uri="{BB962C8B-B14F-4D97-AF65-F5344CB8AC3E}">
+        <p14:creationId xmlns:p14="http://schemas.microsoft.com/office/powerpoint/2010/main" val="906600130"/>
+      </p:ext>
+    </p:extLst>
+  </p:cSld>
+  <p:clrMap bg1="lt1" tx1="dk1" bg2="lt2" tx2="dk2" accent1="accent1" accent2="accent2" accent3="accent3" accent4="accent4" accent5="accent5" accent6="accent6" hlink="hlink" folHlink="folHlink"/>
+  <p:sldLayoutIdLst>
+    <p:sldLayoutId id="2147483679" r:id="rId1"/>
+  </p:sldLayoutIdLst>
+  <mc:AlternateContent xmlns:mc="http://schemas.openxmlformats.org/markup-compatibility/2006" xmlns:p14="http://schemas.microsoft.com/office/powerpoint/2010/main">
+    <mc:Choice Requires="p14">
+      <p:transition spd="med" p14:dur="700">
+        <p:fade/>
+      </p:transition>
+    </mc:Choice>
+    <mc:Fallback xmlns="">
+      <p:transition spd="med">
+        <p:fade/>
+      </p:transition>
+    </mc:Fallback>
+  </mc:AlternateContent>
+  <p:txStyles>
+    <p:titleStyle>
+      <a:lvl1pPr algn="l" defTabSz="685783" rtl="0" eaLnBrk="1" latinLnBrk="0" hangingPunct="1">
+        <a:lnSpc>
+          <a:spcPct val="90000"/>
+        </a:lnSpc>
+        <a:spcBef>
+          <a:spcPct val="0"/>
+        </a:spcBef>
+        <a:buNone/>
+        <a:defRPr sz="3300" kern="1200">
+          <a:solidFill>
+            <a:schemeClr val="bg1"/>
+          </a:solidFill>
+          <a:latin typeface="Arial" panose="020B0604020202020204" pitchFamily="34" charset="0"/>
+          <a:ea typeface="+mj-ea"/>
+          <a:cs typeface="Arial" panose="020B0604020202020204" pitchFamily="34" charset="0"/>
+        </a:defRPr>
+      </a:lvl1pPr>
+    </p:titleStyle>
+    <p:bodyStyle>
+      <a:lvl1pPr marL="171446" indent="-171446" algn="l" defTabSz="685783" rtl="0" eaLnBrk="1" latinLnBrk="0" hangingPunct="1">
+        <a:lnSpc>
+          <a:spcPct val="90000"/>
+        </a:lnSpc>
+        <a:spcBef>
+          <a:spcPts val="750"/>
+        </a:spcBef>
+        <a:buClr>
+          <a:srgbClr val="89F7E2"/>
+        </a:buClr>
+        <a:buFont typeface="Arial" panose="020B0604020202020204" pitchFamily="34" charset="0"/>
+        <a:buChar char="•"/>
+        <a:defRPr sz="2100" kern="1200">
+          <a:solidFill>
+            <a:schemeClr val="bg1"/>
+          </a:solidFill>
+          <a:latin typeface="Arial" panose="020B0604020202020204" pitchFamily="34" charset="0"/>
+          <a:ea typeface="+mn-ea"/>
+          <a:cs typeface="Arial" panose="020B0604020202020204" pitchFamily="34" charset="0"/>
+        </a:defRPr>
+      </a:lvl1pPr>
+      <a:lvl2pPr marL="514337" indent="-171446" algn="l" defTabSz="685783" rtl="0" eaLnBrk="1" latinLnBrk="0" hangingPunct="1">
+        <a:lnSpc>
+          <a:spcPct val="90000"/>
+        </a:lnSpc>
+        <a:spcBef>
+          <a:spcPts val="375"/>
+        </a:spcBef>
+        <a:buClr>
+          <a:srgbClr val="89F7E2"/>
+        </a:buClr>
+        <a:buFont typeface="Arial" panose="020B0604020202020204" pitchFamily="34" charset="0"/>
+        <a:buChar char="•"/>
+        <a:defRPr sz="1800" kern="1200">
+          <a:solidFill>
+            <a:schemeClr val="bg1"/>
+          </a:solidFill>
+          <a:latin typeface="Arial" panose="020B0604020202020204" pitchFamily="34" charset="0"/>
+          <a:ea typeface="+mn-ea"/>
+          <a:cs typeface="Arial" panose="020B0604020202020204" pitchFamily="34" charset="0"/>
+        </a:defRPr>
+      </a:lvl2pPr>
+      <a:lvl3pPr marL="857228" indent="-171446" algn="l" defTabSz="685783" rtl="0" eaLnBrk="1" latinLnBrk="0" hangingPunct="1">
+        <a:lnSpc>
+          <a:spcPct val="90000"/>
+        </a:lnSpc>
+        <a:spcBef>
+          <a:spcPts val="375"/>
+        </a:spcBef>
+        <a:buClr>
+          <a:srgbClr val="89F7E2"/>
+        </a:buClr>
+        <a:buFont typeface="Arial" panose="020B0604020202020204" pitchFamily="34" charset="0"/>
+        <a:buChar char="•"/>
+        <a:defRPr sz="1500" kern="1200">
+          <a:solidFill>
+            <a:schemeClr val="bg1"/>
+          </a:solidFill>
+          <a:latin typeface="Arial" panose="020B0604020202020204" pitchFamily="34" charset="0"/>
+          <a:ea typeface="+mn-ea"/>
+          <a:cs typeface="Arial" panose="020B0604020202020204" pitchFamily="34" charset="0"/>
+        </a:defRPr>
+      </a:lvl3pPr>
+      <a:lvl4pPr marL="1200120" indent="-171446" algn="l" defTabSz="685783" rtl="0" eaLnBrk="1" latinLnBrk="0" hangingPunct="1">
+        <a:lnSpc>
+          <a:spcPct val="90000"/>
+        </a:lnSpc>
+        <a:spcBef>
+          <a:spcPts val="375"/>
+        </a:spcBef>
+        <a:buClr>
+          <a:srgbClr val="89F7E2"/>
+        </a:buClr>
+        <a:buFont typeface="Arial" panose="020B0604020202020204" pitchFamily="34" charset="0"/>
+        <a:buChar char="•"/>
+        <a:defRPr sz="1350" kern="1200">
+          <a:solidFill>
+            <a:schemeClr val="bg1"/>
+          </a:solidFill>
+          <a:latin typeface="Arial" panose="020B0604020202020204" pitchFamily="34" charset="0"/>
+          <a:ea typeface="+mn-ea"/>
+          <a:cs typeface="Arial" panose="020B0604020202020204" pitchFamily="34" charset="0"/>
+        </a:defRPr>
+      </a:lvl4pPr>
+      <a:lvl5pPr marL="1543012" indent="-171446" algn="l" defTabSz="685783" rtl="0" eaLnBrk="1" latinLnBrk="0" hangingPunct="1">
+        <a:lnSpc>
+          <a:spcPct val="90000"/>
+        </a:lnSpc>
+        <a:spcBef>
+          <a:spcPts val="375"/>
+        </a:spcBef>
+        <a:buClr>
+          <a:srgbClr val="89F7E2"/>
+        </a:buClr>
+        <a:buFont typeface="Arial" panose="020B0604020202020204" pitchFamily="34" charset="0"/>
+        <a:buChar char="•"/>
+        <a:defRPr sz="1350" kern="1200">
+          <a:solidFill>
+            <a:schemeClr val="bg1"/>
+          </a:solidFill>
+          <a:latin typeface="Arial" panose="020B0604020202020204" pitchFamily="34" charset="0"/>
+          <a:ea typeface="+mn-ea"/>
+          <a:cs typeface="Arial" panose="020B0604020202020204" pitchFamily="34" charset="0"/>
+        </a:defRPr>
+      </a:lvl5pPr>
+      <a:lvl6pPr marL="1885903" indent="-171446" algn="l" defTabSz="685783" rtl="0" eaLnBrk="1" latinLnBrk="0" hangingPunct="1">
+        <a:lnSpc>
+          <a:spcPct val="90000"/>
+        </a:lnSpc>
+        <a:spcBef>
+          <a:spcPts val="375"/>
+        </a:spcBef>
+        <a:buFont typeface="Arial" panose="020B0604020202020204" pitchFamily="34" charset="0"/>
+        <a:buChar char="•"/>
+        <a:defRPr sz="1350" kern="1200">
+          <a:solidFill>
+            <a:schemeClr val="tx1"/>
+          </a:solidFill>
+          <a:latin typeface="+mn-lt"/>
+          <a:ea typeface="+mn-ea"/>
+          <a:cs typeface="+mn-cs"/>
+        </a:defRPr>
+      </a:lvl6pPr>
+      <a:lvl7pPr marL="2228795" indent="-171446" algn="l" defTabSz="685783" rtl="0" eaLnBrk="1" latinLnBrk="0" hangingPunct="1">
+        <a:lnSpc>
+          <a:spcPct val="90000"/>
+        </a:lnSpc>
+        <a:spcBef>
+          <a:spcPts val="375"/>
+        </a:spcBef>
+        <a:buFont typeface="Arial" panose="020B0604020202020204" pitchFamily="34" charset="0"/>
+        <a:buChar char="•"/>
+        <a:defRPr sz="1350" kern="1200">
+          <a:solidFill>
+            <a:schemeClr val="tx1"/>
+          </a:solidFill>
+          <a:latin typeface="+mn-lt"/>
+          <a:ea typeface="+mn-ea"/>
+          <a:cs typeface="+mn-cs"/>
+        </a:defRPr>
+      </a:lvl7pPr>
+      <a:lvl8pPr marL="2571686" indent="-171446" algn="l" defTabSz="685783" rtl="0" eaLnBrk="1" latinLnBrk="0" hangingPunct="1">
+        <a:lnSpc>
+          <a:spcPct val="90000"/>
+        </a:lnSpc>
+        <a:spcBef>
+          <a:spcPts val="375"/>
+        </a:spcBef>
+        <a:buFont typeface="Arial" panose="020B0604020202020204" pitchFamily="34" charset="0"/>
+        <a:buChar char="•"/>
+        <a:defRPr sz="1350" kern="1200">
+          <a:solidFill>
+            <a:schemeClr val="tx1"/>
+          </a:solidFill>
+          <a:latin typeface="+mn-lt"/>
+          <a:ea typeface="+mn-ea"/>
+          <a:cs typeface="+mn-cs"/>
+        </a:defRPr>
+      </a:lvl8pPr>
+      <a:lvl9pPr marL="2914577" indent="-171446" algn="l" defTabSz="685783" rtl="0" eaLnBrk="1" latinLnBrk="0" hangingPunct="1">
+        <a:lnSpc>
+          <a:spcPct val="90000"/>
+        </a:lnSpc>
+        <a:spcBef>
+          <a:spcPts val="375"/>
+        </a:spcBef>
+        <a:buFont typeface="Arial" panose="020B0604020202020204" pitchFamily="34" charset="0"/>
+        <a:buChar char="•"/>
+        <a:defRPr sz="1350" kern="1200">
+          <a:solidFill>
+            <a:schemeClr val="tx1"/>
+          </a:solidFill>
+          <a:latin typeface="+mn-lt"/>
+          <a:ea typeface="+mn-ea"/>
+          <a:cs typeface="+mn-cs"/>
+        </a:defRPr>
+      </a:lvl9pPr>
+    </p:bodyStyle>
+    <p:otherStyle>
+      <a:defPPr>
+        <a:defRPr lang="cs-CZ"/>
+      </a:defPPr>
+      <a:lvl1pPr marL="0" algn="l" defTabSz="685783" rtl="0" eaLnBrk="1" latinLnBrk="0" hangingPunct="1">
+        <a:defRPr sz="1350" kern="1200">
+          <a:solidFill>
+            <a:schemeClr val="tx1"/>
+          </a:solidFill>
+          <a:latin typeface="+mn-lt"/>
+          <a:ea typeface="+mn-ea"/>
+          <a:cs typeface="+mn-cs"/>
+        </a:defRPr>
+      </a:lvl1pPr>
+      <a:lvl2pPr marL="342892" algn="l" defTabSz="685783" rtl="0" eaLnBrk="1" latinLnBrk="0" hangingPunct="1">
+        <a:defRPr sz="1350" kern="1200">
+          <a:solidFill>
+            <a:schemeClr val="tx1"/>
+          </a:solidFill>
+          <a:latin typeface="+mn-lt"/>
+          <a:ea typeface="+mn-ea"/>
+          <a:cs typeface="+mn-cs"/>
+        </a:defRPr>
+      </a:lvl2pPr>
+      <a:lvl3pPr marL="685783" algn="l" defTabSz="685783" rtl="0" eaLnBrk="1" latinLnBrk="0" hangingPunct="1">
+        <a:defRPr sz="1350" kern="1200">
+          <a:solidFill>
+            <a:schemeClr val="tx1"/>
+          </a:solidFill>
+          <a:latin typeface="+mn-lt"/>
+          <a:ea typeface="+mn-ea"/>
+          <a:cs typeface="+mn-cs"/>
+        </a:defRPr>
+      </a:lvl3pPr>
+      <a:lvl4pPr marL="1028675" algn="l" defTabSz="685783" rtl="0" eaLnBrk="1" latinLnBrk="0" hangingPunct="1">
+        <a:defRPr sz="1350" kern="1200">
+          <a:solidFill>
+            <a:schemeClr val="tx1"/>
+          </a:solidFill>
+          <a:latin typeface="+mn-lt"/>
+          <a:ea typeface="+mn-ea"/>
+          <a:cs typeface="+mn-cs"/>
+        </a:defRPr>
+      </a:lvl4pPr>
+      <a:lvl5pPr marL="1371566" algn="l" defTabSz="685783" rtl="0" eaLnBrk="1" latinLnBrk="0" hangingPunct="1">
+        <a:defRPr sz="1350" kern="1200">
+          <a:solidFill>
+            <a:schemeClr val="tx1"/>
+          </a:solidFill>
+          <a:latin typeface="+mn-lt"/>
+          <a:ea typeface="+mn-ea"/>
+          <a:cs typeface="+mn-cs"/>
+        </a:defRPr>
+      </a:lvl5pPr>
+      <a:lvl6pPr marL="1714457" algn="l" defTabSz="685783" rtl="0" eaLnBrk="1" latinLnBrk="0" hangingPunct="1">
+        <a:defRPr sz="1350" kern="1200">
+          <a:solidFill>
+            <a:schemeClr val="tx1"/>
+          </a:solidFill>
+          <a:latin typeface="+mn-lt"/>
+          <a:ea typeface="+mn-ea"/>
+          <a:cs typeface="+mn-cs"/>
+        </a:defRPr>
+      </a:lvl6pPr>
+      <a:lvl7pPr marL="2057348" algn="l" defTabSz="685783" rtl="0" eaLnBrk="1" latinLnBrk="0" hangingPunct="1">
+        <a:defRPr sz="1350" kern="1200">
+          <a:solidFill>
+            <a:schemeClr val="tx1"/>
+          </a:solidFill>
+          <a:latin typeface="+mn-lt"/>
+          <a:ea typeface="+mn-ea"/>
+          <a:cs typeface="+mn-cs"/>
+        </a:defRPr>
+      </a:lvl7pPr>
+      <a:lvl8pPr marL="2400240" algn="l" defTabSz="685783" rtl="0" eaLnBrk="1" latinLnBrk="0" hangingPunct="1">
+        <a:defRPr sz="1350" kern="1200">
+          <a:solidFill>
+            <a:schemeClr val="tx1"/>
+          </a:solidFill>
+          <a:latin typeface="+mn-lt"/>
+          <a:ea typeface="+mn-ea"/>
+          <a:cs typeface="+mn-cs"/>
+        </a:defRPr>
+      </a:lvl8pPr>
+      <a:lvl9pPr marL="2743132" algn="l" defTabSz="685783" rtl="0" eaLnBrk="1" latinLnBrk="0" hangingPunct="1">
+        <a:defRPr sz="1350" kern="1200">
+          <a:solidFill>
+            <a:schemeClr val="tx1"/>
+          </a:solidFill>
+          <a:latin typeface="+mn-lt"/>
+          <a:ea typeface="+mn-ea"/>
+          <a:cs typeface="+mn-cs"/>
+        </a:defRPr>
+      </a:lvl9pPr>
+    </p:otherStyle>
+  </p:txStyles>
+</p:sldMaster>
+</file>
+
 <file path=ppt/slides/slide1.xml><?xml version="1.0" encoding="utf-8"?>
 <p:sld xmlns:a="http://schemas.openxmlformats.org/drawingml/2006/main" xmlns:r="http://schemas.openxmlformats.org/officeDocument/2006/relationships" xmlns:p="http://schemas.openxmlformats.org/presentationml/2006/main">
   <p:cSld>
@@ -9378,7 +12772,7 @@
                 <a:latin typeface="Arial"/>
                 <a:cs typeface="Arial"/>
               </a:rPr>
-              <a:t>Datum: 25.1.2026</a:t>
+              <a:t>Datum: 30.1.2026</a:t>
             </a:r>
           </a:p>
         </p:txBody>
@@ -9387,6 +12781,2003 @@
     <p:extLst>
       <p:ext uri="{BB962C8B-B14F-4D97-AF65-F5344CB8AC3E}">
         <p14:creationId xmlns:p14="http://schemas.microsoft.com/office/powerpoint/2010/main" val="3786549256"/>
+      </p:ext>
+    </p:extLst>
+  </p:cSld>
+  <p:clrMapOvr>
+    <a:masterClrMapping/>
+  </p:clrMapOvr>
+  <mc:AlternateContent xmlns:mc="http://schemas.openxmlformats.org/markup-compatibility/2006" xmlns:p14="http://schemas.microsoft.com/office/powerpoint/2010/main">
+    <mc:Choice Requires="p14">
+      <p:transition spd="med" p14:dur="700">
+        <p:fade/>
+      </p:transition>
+    </mc:Choice>
+    <mc:Fallback xmlns="">
+      <p:transition spd="med">
+        <p:fade/>
+      </p:transition>
+    </mc:Fallback>
+  </mc:AlternateContent>
+</p:sld>
+</file>
+
+<file path=ppt/slides/slide10.xml><?xml version="1.0" encoding="utf-8"?>
+<p:sld xmlns:a="http://schemas.openxmlformats.org/drawingml/2006/main" xmlns:r="http://schemas.openxmlformats.org/officeDocument/2006/relationships" xmlns:p="http://schemas.openxmlformats.org/presentationml/2006/main">
+  <p:cSld>
+    <p:spTree>
+      <p:nvGrpSpPr>
+        <p:cNvPr id="1" name="">
+          <a:extLst>
+            <a:ext uri="{FF2B5EF4-FFF2-40B4-BE49-F238E27FC236}">
+              <a16:creationId xmlns:a16="http://schemas.microsoft.com/office/drawing/2014/main" id="{9036CDA9-5189-7FE0-892A-E7FE5ADFAED7}"/>
+            </a:ext>
+          </a:extLst>
+        </p:cNvPr>
+        <p:cNvGrpSpPr/>
+        <p:nvPr/>
+      </p:nvGrpSpPr>
+      <p:grpSpPr>
+        <a:xfrm>
+          <a:off x="0" y="0"/>
+          <a:ext cx="0" cy="0"/>
+          <a:chOff x="0" y="0"/>
+          <a:chExt cx="0" cy="0"/>
+        </a:xfrm>
+      </p:grpSpPr>
+      <p:sp>
+        <p:nvSpPr>
+          <p:cNvPr id="8" name="Title 1">
+            <a:extLst>
+              <a:ext uri="{FF2B5EF4-FFF2-40B4-BE49-F238E27FC236}">
+                <a16:creationId xmlns:a16="http://schemas.microsoft.com/office/drawing/2014/main" id="{996CCDAB-1B50-41C7-CD49-11433D87D55F}"/>
+              </a:ext>
+            </a:extLst>
+          </p:cNvPr>
+          <p:cNvSpPr>
+            <a:spLocks noGrp="1"/>
+          </p:cNvSpPr>
+          <p:nvPr>
+            <p:ph type="title"/>
+          </p:nvPr>
+        </p:nvSpPr>
+        <p:spPr>
+          <a:xfrm>
+            <a:off x="628650" y="1100016"/>
+            <a:ext cx="7779544" cy="689952"/>
+          </a:xfrm>
+        </p:spPr>
+        <p:txBody>
+          <a:bodyPr anchor="t">
+            <a:normAutofit/>
+          </a:bodyPr>
+          <a:lstStyle/>
+          <a:p>
+            <a:r>
+              <a:rPr lang="en-US" dirty="0" err="1"/>
+              <a:t>Regionální</a:t>
+            </a:r>
+            <a:r>
+              <a:rPr lang="en-US" dirty="0"/>
+              <a:t> </a:t>
+            </a:r>
+            <a:r>
+              <a:rPr lang="en-US" dirty="0" err="1"/>
+              <a:t>rozdíly</a:t>
+            </a:r>
+            <a:r>
+              <a:rPr lang="en-US" dirty="0"/>
+              <a:t> - </a:t>
+            </a:r>
+            <a:r>
+              <a:rPr lang="en-US" dirty="0" err="1"/>
+              <a:t>úmrtnost</a:t>
+            </a:r>
+            <a:endParaRPr lang="en-US" dirty="0"/>
+          </a:p>
+        </p:txBody>
+      </p:sp>
+      <p:sp>
+        <p:nvSpPr>
+          <p:cNvPr id="5" name="TextBox 4">
+            <a:extLst>
+              <a:ext uri="{FF2B5EF4-FFF2-40B4-BE49-F238E27FC236}">
+                <a16:creationId xmlns:a16="http://schemas.microsoft.com/office/drawing/2014/main" id="{79ABA7E1-2F3D-796A-3AA6-7FDEAE6815E0}"/>
+              </a:ext>
+            </a:extLst>
+          </p:cNvPr>
+          <p:cNvSpPr txBox="1"/>
+          <p:nvPr/>
+        </p:nvSpPr>
+        <p:spPr>
+          <a:xfrm>
+            <a:off x="628650" y="1726144"/>
+            <a:ext cx="7755038" cy="1477328"/>
+          </a:xfrm>
+          <a:prstGeom prst="rect">
+            <a:avLst/>
+          </a:prstGeom>
+          <a:noFill/>
+        </p:spPr>
+        <p:txBody>
+          <a:bodyPr wrap="square" rtlCol="0">
+            <a:spAutoFit/>
+          </a:bodyPr>
+          <a:lstStyle/>
+          <a:p>
+            <a:pPr marL="285750" indent="-285750">
+              <a:buFont typeface="Arial" panose="020B0604020202020204" pitchFamily="34" charset="0"/>
+              <a:buChar char="•"/>
+            </a:pPr>
+            <a:r>
+              <a:rPr lang="en-CZ" dirty="0"/>
+              <a:t>Nejvyšší úmrtnost na 100 tisíc obyvatel New Jersey - 205 na 100k a Massachusetts – 177 na 100k</a:t>
+            </a:r>
+          </a:p>
+          <a:p>
+            <a:pPr marL="285750" indent="-285750">
+              <a:buFont typeface="Arial" panose="020B0604020202020204" pitchFamily="34" charset="0"/>
+              <a:buChar char="•"/>
+            </a:pPr>
+            <a:r>
+              <a:rPr lang="en-GB" dirty="0" err="1"/>
+              <a:t>Nejvíce</a:t>
+            </a:r>
+            <a:r>
+              <a:rPr lang="en-GB" dirty="0"/>
+              <a:t> </a:t>
+            </a:r>
+            <a:r>
+              <a:rPr lang="en-GB" dirty="0" err="1"/>
+              <a:t>mrtvých</a:t>
+            </a:r>
+            <a:r>
+              <a:rPr lang="en-GB" dirty="0"/>
+              <a:t> v </a:t>
+            </a:r>
+            <a:r>
+              <a:rPr lang="en-GB" dirty="0" err="1"/>
+              <a:t>absolutních</a:t>
+            </a:r>
+            <a:r>
+              <a:rPr lang="en-GB" dirty="0"/>
+              <a:t> </a:t>
+            </a:r>
+            <a:r>
+              <a:rPr lang="en-GB" dirty="0" err="1"/>
+              <a:t>číslech</a:t>
+            </a:r>
+            <a:r>
+              <a:rPr lang="en-GB" dirty="0"/>
+              <a:t> </a:t>
+            </a:r>
+            <a:r>
+              <a:rPr lang="en-GB" dirty="0" err="1"/>
+              <a:t>měly</a:t>
+            </a:r>
+            <a:r>
+              <a:rPr lang="en-GB" dirty="0"/>
+              <a:t> </a:t>
+            </a:r>
+            <a:r>
+              <a:rPr lang="en-GB" dirty="0" err="1"/>
+              <a:t>lidnaté</a:t>
+            </a:r>
+            <a:r>
+              <a:rPr lang="en-GB" dirty="0"/>
+              <a:t> </a:t>
+            </a:r>
+            <a:r>
+              <a:rPr lang="en-GB" dirty="0" err="1"/>
+              <a:t>státy</a:t>
+            </a:r>
+            <a:r>
+              <a:rPr lang="en-GB" dirty="0"/>
+              <a:t> </a:t>
+            </a:r>
+            <a:r>
+              <a:rPr lang="en-GB" dirty="0" err="1"/>
+              <a:t>jako</a:t>
+            </a:r>
+            <a:r>
+              <a:rPr lang="en-GB" dirty="0"/>
+              <a:t> Texas a </a:t>
+            </a:r>
+            <a:r>
+              <a:rPr lang="en-GB" dirty="0" err="1"/>
+              <a:t>Kalifornie</a:t>
+            </a:r>
+            <a:endParaRPr lang="en-CZ" dirty="0"/>
+          </a:p>
+          <a:p>
+            <a:pPr marL="285750" indent="-285750">
+              <a:buFont typeface="Arial" panose="020B0604020202020204" pitchFamily="34" charset="0"/>
+              <a:buChar char="•"/>
+            </a:pPr>
+            <a:r>
+              <a:rPr lang="en-CZ" dirty="0"/>
+              <a:t>Je vidět, že </a:t>
+            </a:r>
+            <a:r>
+              <a:rPr lang="en-GB" dirty="0" err="1"/>
+              <a:t>i</a:t>
+            </a:r>
+            <a:r>
+              <a:rPr lang="en-GB" dirty="0"/>
+              <a:t> </a:t>
+            </a:r>
+            <a:r>
+              <a:rPr lang="en-GB" dirty="0" err="1"/>
+              <a:t>když</a:t>
+            </a:r>
+            <a:r>
+              <a:rPr lang="en-GB" dirty="0"/>
+              <a:t> </a:t>
+            </a:r>
+            <a:r>
+              <a:rPr lang="en-GB" dirty="0" err="1"/>
+              <a:t>má</a:t>
+            </a:r>
+            <a:r>
+              <a:rPr lang="en-GB" dirty="0"/>
+              <a:t> California </a:t>
+            </a:r>
+            <a:r>
+              <a:rPr lang="en-GB" dirty="0" err="1"/>
+              <a:t>nejvíce</a:t>
+            </a:r>
+            <a:r>
+              <a:rPr lang="en-GB" dirty="0"/>
+              <a:t> </a:t>
+            </a:r>
+            <a:r>
+              <a:rPr lang="en-GB" dirty="0" err="1"/>
+              <a:t>obyvatel</a:t>
+            </a:r>
+            <a:r>
+              <a:rPr lang="en-GB" dirty="0"/>
+              <a:t>, </a:t>
+            </a:r>
+            <a:r>
+              <a:rPr lang="en-GB" dirty="0" err="1"/>
+              <a:t>nemá</a:t>
+            </a:r>
+            <a:r>
+              <a:rPr lang="en-GB" dirty="0"/>
+              <a:t> </a:t>
+            </a:r>
+            <a:r>
+              <a:rPr lang="en-GB" dirty="0" err="1"/>
+              <a:t>nejvyšší</a:t>
+            </a:r>
+            <a:r>
+              <a:rPr lang="en-GB" dirty="0"/>
+              <a:t> </a:t>
+            </a:r>
+            <a:r>
+              <a:rPr lang="en-GB" dirty="0" err="1"/>
+              <a:t>úmrtnost</a:t>
+            </a:r>
+            <a:r>
+              <a:rPr lang="en-GB" dirty="0"/>
+              <a:t> – 66 </a:t>
+            </a:r>
+            <a:r>
+              <a:rPr lang="en-GB" dirty="0" err="1"/>
+              <a:t>na</a:t>
+            </a:r>
+            <a:r>
+              <a:rPr lang="en-GB" dirty="0"/>
+              <a:t> 100k, Texas </a:t>
+            </a:r>
+            <a:r>
+              <a:rPr lang="en-GB" dirty="0" err="1"/>
+              <a:t>má</a:t>
+            </a:r>
+            <a:r>
+              <a:rPr lang="en-GB" dirty="0"/>
+              <a:t> 96 </a:t>
+            </a:r>
+            <a:r>
+              <a:rPr lang="en-GB" dirty="0" err="1"/>
+              <a:t>na</a:t>
+            </a:r>
+            <a:r>
+              <a:rPr lang="en-GB" dirty="0"/>
+              <a:t> 100k</a:t>
+            </a:r>
+          </a:p>
+        </p:txBody>
+      </p:sp>
+      <p:pic>
+        <p:nvPicPr>
+          <p:cNvPr id="6" name="Picture 5">
+            <a:extLst>
+              <a:ext uri="{FF2B5EF4-FFF2-40B4-BE49-F238E27FC236}">
+                <a16:creationId xmlns:a16="http://schemas.microsoft.com/office/drawing/2014/main" id="{DA4E2795-984C-580A-1DD1-FCE1C25C3AE2}"/>
+              </a:ext>
+            </a:extLst>
+          </p:cNvPr>
+          <p:cNvPicPr>
+            <a:picLocks noChangeAspect="1"/>
+          </p:cNvPicPr>
+          <p:nvPr/>
+        </p:nvPicPr>
+        <p:blipFill>
+          <a:blip r:embed="rId3"/>
+          <a:stretch>
+            <a:fillRect/>
+          </a:stretch>
+        </p:blipFill>
+        <p:spPr>
+          <a:xfrm>
+            <a:off x="1450848" y="3235264"/>
+            <a:ext cx="5852160" cy="3240911"/>
+          </a:xfrm>
+          <a:prstGeom prst="rect">
+            <a:avLst/>
+          </a:prstGeom>
+        </p:spPr>
+      </p:pic>
+      <p:sp>
+        <p:nvSpPr>
+          <p:cNvPr id="13" name="TextBox 12">
+            <a:extLst>
+              <a:ext uri="{FF2B5EF4-FFF2-40B4-BE49-F238E27FC236}">
+                <a16:creationId xmlns:a16="http://schemas.microsoft.com/office/drawing/2014/main" id="{693D92CF-7795-DDB1-E35A-BEF0931FDD95}"/>
+              </a:ext>
+            </a:extLst>
+          </p:cNvPr>
+          <p:cNvSpPr txBox="1"/>
+          <p:nvPr/>
+        </p:nvSpPr>
+        <p:spPr>
+          <a:xfrm>
+            <a:off x="7184826" y="4651656"/>
+            <a:ext cx="1369731" cy="338554"/>
+          </a:xfrm>
+          <a:prstGeom prst="rect">
+            <a:avLst/>
+          </a:prstGeom>
+          <a:noFill/>
+        </p:spPr>
+        <p:txBody>
+          <a:bodyPr wrap="square" rtlCol="0">
+            <a:spAutoFit/>
+          </a:bodyPr>
+          <a:lstStyle/>
+          <a:p>
+            <a:r>
+              <a:rPr lang="en-CZ" sz="1600" dirty="0"/>
+              <a:t>Kalifornie</a:t>
+            </a:r>
+          </a:p>
+        </p:txBody>
+      </p:sp>
+      <p:sp>
+        <p:nvSpPr>
+          <p:cNvPr id="18" name="TextBox 17">
+            <a:extLst>
+              <a:ext uri="{FF2B5EF4-FFF2-40B4-BE49-F238E27FC236}">
+                <a16:creationId xmlns:a16="http://schemas.microsoft.com/office/drawing/2014/main" id="{241F10FE-78B2-01F9-ABA7-C68D3343FEE8}"/>
+              </a:ext>
+            </a:extLst>
+          </p:cNvPr>
+          <p:cNvSpPr txBox="1"/>
+          <p:nvPr/>
+        </p:nvSpPr>
+        <p:spPr>
+          <a:xfrm>
+            <a:off x="3752640" y="3677612"/>
+            <a:ext cx="2378469" cy="338554"/>
+          </a:xfrm>
+          <a:prstGeom prst="rect">
+            <a:avLst/>
+          </a:prstGeom>
+          <a:noFill/>
+        </p:spPr>
+        <p:txBody>
+          <a:bodyPr wrap="square" rtlCol="0">
+            <a:spAutoFit/>
+          </a:bodyPr>
+          <a:lstStyle/>
+          <a:p>
+            <a:r>
+              <a:rPr lang="en-CZ" sz="1600" dirty="0"/>
+              <a:t>New Jersey</a:t>
+            </a:r>
+          </a:p>
+        </p:txBody>
+      </p:sp>
+      <p:sp>
+        <p:nvSpPr>
+          <p:cNvPr id="29" name="TextBox 28">
+            <a:extLst>
+              <a:ext uri="{FF2B5EF4-FFF2-40B4-BE49-F238E27FC236}">
+                <a16:creationId xmlns:a16="http://schemas.microsoft.com/office/drawing/2014/main" id="{89D09E1C-3236-B3B3-7E92-DEB9C62B3D5D}"/>
+              </a:ext>
+            </a:extLst>
+          </p:cNvPr>
+          <p:cNvSpPr txBox="1"/>
+          <p:nvPr/>
+        </p:nvSpPr>
+        <p:spPr>
+          <a:xfrm rot="19004585">
+            <a:off x="6887371" y="4667045"/>
+            <a:ext cx="982822" cy="707886"/>
+          </a:xfrm>
+          <a:prstGeom prst="rect">
+            <a:avLst/>
+          </a:prstGeom>
+          <a:noFill/>
+        </p:spPr>
+        <p:txBody>
+          <a:bodyPr wrap="square" rtlCol="0">
+            <a:spAutoFit/>
+          </a:bodyPr>
+          <a:lstStyle/>
+          <a:p>
+            <a:r>
+              <a:rPr lang="en-CZ" sz="4000" dirty="0"/>
+              <a:t>←</a:t>
+            </a:r>
+          </a:p>
+        </p:txBody>
+      </p:sp>
+      <p:sp>
+        <p:nvSpPr>
+          <p:cNvPr id="31" name="TextBox 30">
+            <a:extLst>
+              <a:ext uri="{FF2B5EF4-FFF2-40B4-BE49-F238E27FC236}">
+                <a16:creationId xmlns:a16="http://schemas.microsoft.com/office/drawing/2014/main" id="{B523DBA3-D3F0-4181-5A52-F535B9BC6B80}"/>
+              </a:ext>
+            </a:extLst>
+          </p:cNvPr>
+          <p:cNvSpPr txBox="1"/>
+          <p:nvPr/>
+        </p:nvSpPr>
+        <p:spPr>
+          <a:xfrm rot="20709010">
+            <a:off x="3129924" y="3540874"/>
+            <a:ext cx="982822" cy="707886"/>
+          </a:xfrm>
+          <a:prstGeom prst="rect">
+            <a:avLst/>
+          </a:prstGeom>
+          <a:noFill/>
+        </p:spPr>
+        <p:txBody>
+          <a:bodyPr wrap="square" rtlCol="0">
+            <a:spAutoFit/>
+          </a:bodyPr>
+          <a:lstStyle/>
+          <a:p>
+            <a:r>
+              <a:rPr lang="en-CZ" sz="4000" dirty="0"/>
+              <a:t>←</a:t>
+            </a:r>
+          </a:p>
+        </p:txBody>
+      </p:sp>
+      <p:sp>
+        <p:nvSpPr>
+          <p:cNvPr id="32" name="TextBox 31">
+            <a:extLst>
+              <a:ext uri="{FF2B5EF4-FFF2-40B4-BE49-F238E27FC236}">
+                <a16:creationId xmlns:a16="http://schemas.microsoft.com/office/drawing/2014/main" id="{F91A55CF-D39A-36B8-1035-88BF2A8C66E7}"/>
+              </a:ext>
+            </a:extLst>
+          </p:cNvPr>
+          <p:cNvSpPr txBox="1"/>
+          <p:nvPr/>
+        </p:nvSpPr>
+        <p:spPr>
+          <a:xfrm rot="20961226">
+            <a:off x="2789147" y="3919013"/>
+            <a:ext cx="982822" cy="707886"/>
+          </a:xfrm>
+          <a:prstGeom prst="rect">
+            <a:avLst/>
+          </a:prstGeom>
+          <a:noFill/>
+        </p:spPr>
+        <p:txBody>
+          <a:bodyPr wrap="square" rtlCol="0">
+            <a:spAutoFit/>
+          </a:bodyPr>
+          <a:lstStyle/>
+          <a:p>
+            <a:r>
+              <a:rPr lang="en-CZ" sz="4000" dirty="0"/>
+              <a:t>←</a:t>
+            </a:r>
+          </a:p>
+        </p:txBody>
+      </p:sp>
+      <p:sp>
+        <p:nvSpPr>
+          <p:cNvPr id="33" name="TextBox 32">
+            <a:extLst>
+              <a:ext uri="{FF2B5EF4-FFF2-40B4-BE49-F238E27FC236}">
+                <a16:creationId xmlns:a16="http://schemas.microsoft.com/office/drawing/2014/main" id="{6BE44AD5-35D7-65A2-7DF8-6F956C33FE20}"/>
+              </a:ext>
+            </a:extLst>
+          </p:cNvPr>
+          <p:cNvSpPr txBox="1"/>
+          <p:nvPr/>
+        </p:nvSpPr>
+        <p:spPr>
+          <a:xfrm>
+            <a:off x="3408959" y="4122634"/>
+            <a:ext cx="1411276" cy="338554"/>
+          </a:xfrm>
+          <a:prstGeom prst="rect">
+            <a:avLst/>
+          </a:prstGeom>
+          <a:noFill/>
+        </p:spPr>
+        <p:txBody>
+          <a:bodyPr wrap="square" rtlCol="0">
+            <a:spAutoFit/>
+          </a:bodyPr>
+          <a:lstStyle/>
+          <a:p>
+            <a:r>
+              <a:rPr lang="en-CZ" sz="1600" dirty="0"/>
+              <a:t>Massachusetts</a:t>
+            </a:r>
+          </a:p>
+        </p:txBody>
+      </p:sp>
+      <p:sp>
+        <p:nvSpPr>
+          <p:cNvPr id="34" name="TextBox 33">
+            <a:extLst>
+              <a:ext uri="{FF2B5EF4-FFF2-40B4-BE49-F238E27FC236}">
+                <a16:creationId xmlns:a16="http://schemas.microsoft.com/office/drawing/2014/main" id="{123E43A4-CADF-F38A-3797-38E25AE8A3BA}"/>
+              </a:ext>
+            </a:extLst>
+          </p:cNvPr>
+          <p:cNvSpPr txBox="1"/>
+          <p:nvPr/>
+        </p:nvSpPr>
+        <p:spPr>
+          <a:xfrm rot="19004585">
+            <a:off x="5610724" y="4363214"/>
+            <a:ext cx="982822" cy="707886"/>
+          </a:xfrm>
+          <a:prstGeom prst="rect">
+            <a:avLst/>
+          </a:prstGeom>
+          <a:noFill/>
+        </p:spPr>
+        <p:txBody>
+          <a:bodyPr wrap="square" rtlCol="0">
+            <a:spAutoFit/>
+          </a:bodyPr>
+          <a:lstStyle/>
+          <a:p>
+            <a:r>
+              <a:rPr lang="en-CZ" sz="4000" dirty="0"/>
+              <a:t>←</a:t>
+            </a:r>
+          </a:p>
+        </p:txBody>
+      </p:sp>
+      <p:sp>
+        <p:nvSpPr>
+          <p:cNvPr id="35" name="TextBox 34">
+            <a:extLst>
+              <a:ext uri="{FF2B5EF4-FFF2-40B4-BE49-F238E27FC236}">
+                <a16:creationId xmlns:a16="http://schemas.microsoft.com/office/drawing/2014/main" id="{967BC774-9217-56B4-B30B-D2822A1AFB4E}"/>
+              </a:ext>
+            </a:extLst>
+          </p:cNvPr>
+          <p:cNvSpPr txBox="1"/>
+          <p:nvPr/>
+        </p:nvSpPr>
+        <p:spPr>
+          <a:xfrm>
+            <a:off x="6131109" y="4362881"/>
+            <a:ext cx="1369731" cy="338554"/>
+          </a:xfrm>
+          <a:prstGeom prst="rect">
+            <a:avLst/>
+          </a:prstGeom>
+          <a:noFill/>
+        </p:spPr>
+        <p:txBody>
+          <a:bodyPr wrap="square" rtlCol="0">
+            <a:spAutoFit/>
+          </a:bodyPr>
+          <a:lstStyle/>
+          <a:p>
+            <a:r>
+              <a:rPr lang="en-CZ" sz="1600" dirty="0"/>
+              <a:t>Texas</a:t>
+            </a:r>
+          </a:p>
+        </p:txBody>
+      </p:sp>
+      <p:sp>
+        <p:nvSpPr>
+          <p:cNvPr id="36" name="TextovéPole 3">
+            <a:extLst>
+              <a:ext uri="{FF2B5EF4-FFF2-40B4-BE49-F238E27FC236}">
+                <a16:creationId xmlns:a16="http://schemas.microsoft.com/office/drawing/2014/main" id="{96925EC2-7DD6-6B03-9FA5-83E0D1B504D9}"/>
+              </a:ext>
+            </a:extLst>
+          </p:cNvPr>
+          <p:cNvSpPr txBox="1"/>
+          <p:nvPr/>
+        </p:nvSpPr>
+        <p:spPr>
+          <a:xfrm>
+            <a:off x="6897482" y="6422257"/>
+            <a:ext cx="2743200" cy="365760"/>
+          </a:xfrm>
+          <a:prstGeom prst="rect">
+            <a:avLst/>
+          </a:prstGeom>
+          <a:noFill/>
+        </p:spPr>
+        <p:txBody>
+          <a:bodyPr rot="0" spcFirstLastPara="0" vertOverflow="overflow" horzOverflow="overflow" vert="horz" wrap="square" lIns="91440" tIns="45720" rIns="91440" bIns="45720" numCol="1" spcCol="0" rtlCol="0" fromWordArt="0" anchor="t" anchorCtr="0" forceAA="0" compatLnSpc="1">
+            <a:prstTxWarp prst="textNoShape">
+              <a:avLst/>
+            </a:prstTxWarp>
+            <a:spAutoFit/>
+          </a:bodyPr>
+          <a:lstStyle/>
+          <a:p>
+            <a:r>
+              <a:rPr lang="cs-CZ" dirty="0">
+                <a:ea typeface="Calibri"/>
+                <a:cs typeface="Calibri"/>
+              </a:rPr>
+              <a:t>Zdroj: Autor, 2026</a:t>
+            </a:r>
+            <a:endParaRPr lang="cs-CZ" dirty="0"/>
+          </a:p>
+        </p:txBody>
+      </p:sp>
+    </p:spTree>
+    <p:extLst>
+      <p:ext uri="{BB962C8B-B14F-4D97-AF65-F5344CB8AC3E}">
+        <p14:creationId xmlns:p14="http://schemas.microsoft.com/office/powerpoint/2010/main" val="2057141320"/>
+      </p:ext>
+    </p:extLst>
+  </p:cSld>
+  <p:clrMapOvr>
+    <a:masterClrMapping/>
+  </p:clrMapOvr>
+  <mc:AlternateContent xmlns:mc="http://schemas.openxmlformats.org/markup-compatibility/2006">
+    <mc:Choice xmlns:p14="http://schemas.microsoft.com/office/powerpoint/2010/main" Requires="p14">
+      <p:transition spd="med" p14:dur="700">
+        <p:fade/>
+      </p:transition>
+    </mc:Choice>
+    <mc:Fallback>
+      <p:transition spd="med">
+        <p:fade/>
+      </p:transition>
+    </mc:Fallback>
+  </mc:AlternateContent>
+</p:sld>
+</file>
+
+<file path=ppt/slides/slide11.xml><?xml version="1.0" encoding="utf-8"?>
+<p:sld xmlns:a="http://schemas.openxmlformats.org/drawingml/2006/main" xmlns:r="http://schemas.openxmlformats.org/officeDocument/2006/relationships" xmlns:p="http://schemas.openxmlformats.org/presentationml/2006/main">
+  <p:cSld>
+    <p:spTree>
+      <p:nvGrpSpPr>
+        <p:cNvPr id="1" name=""/>
+        <p:cNvGrpSpPr/>
+        <p:nvPr/>
+      </p:nvGrpSpPr>
+      <p:grpSpPr>
+        <a:xfrm>
+          <a:off x="0" y="0"/>
+          <a:ext cx="0" cy="0"/>
+          <a:chOff x="0" y="0"/>
+          <a:chExt cx="0" cy="0"/>
+        </a:xfrm>
+      </p:grpSpPr>
+      <p:sp>
+        <p:nvSpPr>
+          <p:cNvPr id="9" name="Title 1">
+            <a:extLst>
+              <a:ext uri="{FF2B5EF4-FFF2-40B4-BE49-F238E27FC236}">
+                <a16:creationId xmlns:a16="http://schemas.microsoft.com/office/drawing/2014/main" id="{E6360799-CD5E-20FA-C10A-B218DCCA4EA2}"/>
+              </a:ext>
+            </a:extLst>
+          </p:cNvPr>
+          <p:cNvSpPr>
+            <a:spLocks noGrp="1"/>
+          </p:cNvSpPr>
+          <p:nvPr>
+            <p:ph type="title"/>
+          </p:nvPr>
+        </p:nvSpPr>
+        <p:spPr>
+          <a:xfrm>
+            <a:off x="2409428" y="227924"/>
+            <a:ext cx="7779544" cy="689952"/>
+          </a:xfrm>
+        </p:spPr>
+        <p:txBody>
+          <a:bodyPr/>
+          <a:lstStyle/>
+          <a:p>
+            <a:r>
+              <a:rPr lang="en-US" dirty="0" err="1"/>
+              <a:t>Časový</a:t>
+            </a:r>
+            <a:r>
+              <a:rPr lang="en-US" dirty="0"/>
+              <a:t> </a:t>
+            </a:r>
+            <a:r>
+              <a:rPr lang="en-US" dirty="0" err="1"/>
+              <a:t>vývoj</a:t>
+            </a:r>
+            <a:endParaRPr lang="en-US" dirty="0"/>
+          </a:p>
+        </p:txBody>
+      </p:sp>
+      <p:sp>
+        <p:nvSpPr>
+          <p:cNvPr id="5" name="TextBox 4">
+            <a:extLst>
+              <a:ext uri="{FF2B5EF4-FFF2-40B4-BE49-F238E27FC236}">
+                <a16:creationId xmlns:a16="http://schemas.microsoft.com/office/drawing/2014/main" id="{6450B92B-045A-5360-0501-6943C1D7A713}"/>
+              </a:ext>
+            </a:extLst>
+          </p:cNvPr>
+          <p:cNvSpPr txBox="1"/>
+          <p:nvPr/>
+        </p:nvSpPr>
+        <p:spPr>
+          <a:xfrm>
+            <a:off x="522772" y="998331"/>
+            <a:ext cx="7543077" cy="923330"/>
+          </a:xfrm>
+          <a:prstGeom prst="rect">
+            <a:avLst/>
+          </a:prstGeom>
+          <a:noFill/>
+        </p:spPr>
+        <p:txBody>
+          <a:bodyPr wrap="square" rtlCol="0">
+            <a:spAutoFit/>
+          </a:bodyPr>
+          <a:lstStyle/>
+          <a:p>
+            <a:pPr marL="285750" indent="-285750">
+              <a:buFont typeface="Arial" panose="020B0604020202020204" pitchFamily="34" charset="0"/>
+              <a:buChar char="•"/>
+            </a:pPr>
+            <a:r>
+              <a:rPr lang="cs-CZ" dirty="0"/>
+              <a:t>V malých okresech se středními příjmy došlo k absolutně nejhoršímu vývoji.</a:t>
+            </a:r>
+          </a:p>
+          <a:p>
+            <a:pPr marL="285750" indent="-285750">
+              <a:buFont typeface="Arial" panose="020B0604020202020204" pitchFamily="34" charset="0"/>
+              <a:buChar char="•"/>
+            </a:pPr>
+            <a:r>
+              <a:rPr lang="cs-CZ" dirty="0"/>
+              <a:t>V bohatších okresech je trend úmrtnosti strmě klesající.</a:t>
+            </a:r>
+          </a:p>
+          <a:p>
+            <a:pPr marL="285750" indent="-285750">
+              <a:buFont typeface="Arial" panose="020B0604020202020204" pitchFamily="34" charset="0"/>
+              <a:buChar char="•"/>
+            </a:pPr>
+            <a:endParaRPr lang="en-CZ" dirty="0"/>
+          </a:p>
+        </p:txBody>
+      </p:sp>
+      <p:pic>
+        <p:nvPicPr>
+          <p:cNvPr id="6" name="Picture 5">
+            <a:extLst>
+              <a:ext uri="{FF2B5EF4-FFF2-40B4-BE49-F238E27FC236}">
+                <a16:creationId xmlns:a16="http://schemas.microsoft.com/office/drawing/2014/main" id="{FC8AF39E-62C9-AF53-FBEB-57820D9A1189}"/>
+              </a:ext>
+            </a:extLst>
+          </p:cNvPr>
+          <p:cNvPicPr>
+            <a:picLocks noChangeAspect="1"/>
+          </p:cNvPicPr>
+          <p:nvPr/>
+        </p:nvPicPr>
+        <p:blipFill>
+          <a:blip r:embed="rId2"/>
+          <a:stretch>
+            <a:fillRect/>
+          </a:stretch>
+        </p:blipFill>
+        <p:spPr>
+          <a:xfrm>
+            <a:off x="5439024" y="3534768"/>
+            <a:ext cx="3704976" cy="2324899"/>
+          </a:xfrm>
+          <a:prstGeom prst="rect">
+            <a:avLst/>
+          </a:prstGeom>
+        </p:spPr>
+      </p:pic>
+      <p:sp>
+        <p:nvSpPr>
+          <p:cNvPr id="7" name="TextovéPole 3">
+            <a:extLst>
+              <a:ext uri="{FF2B5EF4-FFF2-40B4-BE49-F238E27FC236}">
+                <a16:creationId xmlns:a16="http://schemas.microsoft.com/office/drawing/2014/main" id="{86F85E0D-18DB-CE51-F996-E3324D862E5E}"/>
+              </a:ext>
+            </a:extLst>
+          </p:cNvPr>
+          <p:cNvSpPr txBox="1"/>
+          <p:nvPr/>
+        </p:nvSpPr>
+        <p:spPr>
+          <a:xfrm>
+            <a:off x="6897482" y="6422257"/>
+            <a:ext cx="2743200" cy="365760"/>
+          </a:xfrm>
+          <a:prstGeom prst="rect">
+            <a:avLst/>
+          </a:prstGeom>
+          <a:noFill/>
+        </p:spPr>
+        <p:txBody>
+          <a:bodyPr rot="0" spcFirstLastPara="0" vertOverflow="overflow" horzOverflow="overflow" vert="horz" wrap="square" lIns="91440" tIns="45720" rIns="91440" bIns="45720" numCol="1" spcCol="0" rtlCol="0" fromWordArt="0" anchor="t" anchorCtr="0" forceAA="0" compatLnSpc="1">
+            <a:prstTxWarp prst="textNoShape">
+              <a:avLst/>
+            </a:prstTxWarp>
+            <a:spAutoFit/>
+          </a:bodyPr>
+          <a:lstStyle/>
+          <a:p>
+            <a:r>
+              <a:rPr lang="cs-CZ" dirty="0">
+                <a:ea typeface="Calibri"/>
+                <a:cs typeface="Calibri"/>
+              </a:rPr>
+              <a:t>Zdroj: Autor, 2026</a:t>
+            </a:r>
+            <a:endParaRPr lang="cs-CZ" dirty="0"/>
+          </a:p>
+        </p:txBody>
+      </p:sp>
+      <p:pic>
+        <p:nvPicPr>
+          <p:cNvPr id="8" name="Picture 7">
+            <a:extLst>
+              <a:ext uri="{FF2B5EF4-FFF2-40B4-BE49-F238E27FC236}">
+                <a16:creationId xmlns:a16="http://schemas.microsoft.com/office/drawing/2014/main" id="{69327A8F-015F-76A6-B89F-AA732FB212D4}"/>
+              </a:ext>
+            </a:extLst>
+          </p:cNvPr>
+          <p:cNvPicPr>
+            <a:picLocks noChangeAspect="1"/>
+          </p:cNvPicPr>
+          <p:nvPr/>
+        </p:nvPicPr>
+        <p:blipFill>
+          <a:blip r:embed="rId3"/>
+          <a:stretch>
+            <a:fillRect/>
+          </a:stretch>
+        </p:blipFill>
+        <p:spPr>
+          <a:xfrm>
+            <a:off x="249865" y="1743692"/>
+            <a:ext cx="5249150" cy="2477434"/>
+          </a:xfrm>
+          <a:prstGeom prst="rect">
+            <a:avLst/>
+          </a:prstGeom>
+        </p:spPr>
+      </p:pic>
+    </p:spTree>
+    <p:extLst>
+      <p:ext uri="{BB962C8B-B14F-4D97-AF65-F5344CB8AC3E}">
+        <p14:creationId xmlns:p14="http://schemas.microsoft.com/office/powerpoint/2010/main" val="3359379582"/>
+      </p:ext>
+    </p:extLst>
+  </p:cSld>
+  <p:clrMapOvr>
+    <a:masterClrMapping/>
+  </p:clrMapOvr>
+  <mc:AlternateContent xmlns:mc="http://schemas.openxmlformats.org/markup-compatibility/2006" xmlns:p14="http://schemas.microsoft.com/office/powerpoint/2010/main">
+    <mc:Choice Requires="p14">
+      <p:transition spd="med" p14:dur="700">
+        <p:fade/>
+      </p:transition>
+    </mc:Choice>
+    <mc:Fallback xmlns="">
+      <p:transition spd="med">
+        <p:fade/>
+      </p:transition>
+    </mc:Fallback>
+  </mc:AlternateContent>
+</p:sld>
+</file>
+
+<file path=ppt/slides/slide12.xml><?xml version="1.0" encoding="utf-8"?>
+<p:sld xmlns:a="http://schemas.openxmlformats.org/drawingml/2006/main" xmlns:r="http://schemas.openxmlformats.org/officeDocument/2006/relationships" xmlns:p="http://schemas.openxmlformats.org/presentationml/2006/main">
+  <p:cSld>
+    <p:spTree>
+      <p:nvGrpSpPr>
+        <p:cNvPr id="1" name="">
+          <a:extLst>
+            <a:ext uri="{FF2B5EF4-FFF2-40B4-BE49-F238E27FC236}">
+              <a16:creationId xmlns:a16="http://schemas.microsoft.com/office/drawing/2014/main" id="{1E700A31-EB01-0F23-098A-BE6E33523615}"/>
+            </a:ext>
+          </a:extLst>
+        </p:cNvPr>
+        <p:cNvGrpSpPr/>
+        <p:nvPr/>
+      </p:nvGrpSpPr>
+      <p:grpSpPr>
+        <a:xfrm>
+          <a:off x="0" y="0"/>
+          <a:ext cx="0" cy="0"/>
+          <a:chOff x="0" y="0"/>
+          <a:chExt cx="0" cy="0"/>
+        </a:xfrm>
+      </p:grpSpPr>
+      <p:sp>
+        <p:nvSpPr>
+          <p:cNvPr id="18" name="Title 1">
+            <a:extLst>
+              <a:ext uri="{FF2B5EF4-FFF2-40B4-BE49-F238E27FC236}">
+                <a16:creationId xmlns:a16="http://schemas.microsoft.com/office/drawing/2014/main" id="{EF8B8642-CB55-2260-B32F-10DBF8B1B117}"/>
+              </a:ext>
+            </a:extLst>
+          </p:cNvPr>
+          <p:cNvSpPr>
+            <a:spLocks noGrp="1"/>
+          </p:cNvSpPr>
+          <p:nvPr>
+            <p:ph type="title"/>
+          </p:nvPr>
+        </p:nvSpPr>
+        <p:spPr>
+          <a:xfrm>
+            <a:off x="628650" y="1100016"/>
+            <a:ext cx="7779544" cy="689952"/>
+          </a:xfrm>
+        </p:spPr>
+        <p:txBody>
+          <a:bodyPr vert="horz" lIns="91440" tIns="45720" rIns="91440" bIns="45720" rtlCol="0" anchor="t">
+            <a:normAutofit/>
+          </a:bodyPr>
+          <a:lstStyle/>
+          <a:p>
+            <a:r>
+              <a:rPr lang="cs-CZ" kern="1200" dirty="0">
+                <a:latin typeface="Arial" panose="020B0604020202020204" pitchFamily="34" charset="0"/>
+                <a:ea typeface="+mj-ea"/>
+                <a:cs typeface="Arial" panose="020B0604020202020204" pitchFamily="34" charset="0"/>
+              </a:rPr>
+              <a:t>Vliv věku na COVID</a:t>
+            </a:r>
+          </a:p>
+        </p:txBody>
+      </p:sp>
+      <p:sp>
+        <p:nvSpPr>
+          <p:cNvPr id="5" name="TextBox 4">
+            <a:extLst>
+              <a:ext uri="{FF2B5EF4-FFF2-40B4-BE49-F238E27FC236}">
+                <a16:creationId xmlns:a16="http://schemas.microsoft.com/office/drawing/2014/main" id="{5944372B-903C-A9D8-9176-B50537350913}"/>
+              </a:ext>
+            </a:extLst>
+          </p:cNvPr>
+          <p:cNvSpPr txBox="1"/>
+          <p:nvPr/>
+        </p:nvSpPr>
+        <p:spPr>
+          <a:xfrm>
+            <a:off x="628649" y="1825625"/>
+            <a:ext cx="8024031" cy="1009012"/>
+          </a:xfrm>
+          <a:prstGeom prst="rect">
+            <a:avLst/>
+          </a:prstGeom>
+        </p:spPr>
+        <p:txBody>
+          <a:bodyPr vert="horz" lIns="91440" tIns="45720" rIns="91440" bIns="45720" rtlCol="0">
+            <a:normAutofit/>
+          </a:bodyPr>
+          <a:lstStyle/>
+          <a:p>
+            <a:pPr marL="171446" indent="-171446" defTabSz="685783">
+              <a:lnSpc>
+                <a:spcPct val="90000"/>
+              </a:lnSpc>
+              <a:spcBef>
+                <a:spcPts val="750"/>
+              </a:spcBef>
+              <a:buClr>
+                <a:srgbClr val="009881"/>
+              </a:buClr>
+              <a:buFont typeface="Arial" panose="020B0604020202020204" pitchFamily="34" charset="0"/>
+              <a:buChar char="•"/>
+            </a:pPr>
+            <a:r>
+              <a:rPr lang="cs-CZ" sz="1900" dirty="0">
+                <a:latin typeface="Arial" panose="020B0604020202020204" pitchFamily="34" charset="0"/>
+                <a:cs typeface="Arial" panose="020B0604020202020204" pitchFamily="34" charset="0"/>
+              </a:rPr>
+              <a:t>Ačkoliv se říkalo, že virus ohrožuje hlavně seniory, data ukazují, že podíl seniorů v populaci státu nekoreloval s úmrtností tak silně jako rasové složení.</a:t>
+            </a:r>
+          </a:p>
+        </p:txBody>
+      </p:sp>
+      <p:pic>
+        <p:nvPicPr>
+          <p:cNvPr id="7" name="Picture 6">
+            <a:extLst>
+              <a:ext uri="{FF2B5EF4-FFF2-40B4-BE49-F238E27FC236}">
+                <a16:creationId xmlns:a16="http://schemas.microsoft.com/office/drawing/2014/main" id="{9DE4AFDC-1EB3-10FC-D539-A26E5C8A5685}"/>
+              </a:ext>
+            </a:extLst>
+          </p:cNvPr>
+          <p:cNvPicPr>
+            <a:picLocks noChangeAspect="1"/>
+          </p:cNvPicPr>
+          <p:nvPr/>
+        </p:nvPicPr>
+        <p:blipFill>
+          <a:blip r:embed="rId2"/>
+          <a:stretch>
+            <a:fillRect/>
+          </a:stretch>
+        </p:blipFill>
+        <p:spPr>
+          <a:xfrm>
+            <a:off x="685800" y="2834637"/>
+            <a:ext cx="7772400" cy="3475560"/>
+          </a:xfrm>
+          <a:prstGeom prst="rect">
+            <a:avLst/>
+          </a:prstGeom>
+        </p:spPr>
+      </p:pic>
+      <p:sp>
+        <p:nvSpPr>
+          <p:cNvPr id="8" name="TextovéPole 3">
+            <a:extLst>
+              <a:ext uri="{FF2B5EF4-FFF2-40B4-BE49-F238E27FC236}">
+                <a16:creationId xmlns:a16="http://schemas.microsoft.com/office/drawing/2014/main" id="{B743A6C2-EF13-17A6-BA5E-5E162C89ACB9}"/>
+              </a:ext>
+            </a:extLst>
+          </p:cNvPr>
+          <p:cNvSpPr txBox="1"/>
+          <p:nvPr/>
+        </p:nvSpPr>
+        <p:spPr>
+          <a:xfrm>
+            <a:off x="6897482" y="6422257"/>
+            <a:ext cx="2743200" cy="365760"/>
+          </a:xfrm>
+          <a:prstGeom prst="rect">
+            <a:avLst/>
+          </a:prstGeom>
+          <a:noFill/>
+        </p:spPr>
+        <p:txBody>
+          <a:bodyPr rot="0" spcFirstLastPara="0" vertOverflow="overflow" horzOverflow="overflow" vert="horz" wrap="square" lIns="91440" tIns="45720" rIns="91440" bIns="45720" numCol="1" spcCol="0" rtlCol="0" fromWordArt="0" anchor="t" anchorCtr="0" forceAA="0" compatLnSpc="1">
+            <a:prstTxWarp prst="textNoShape">
+              <a:avLst/>
+            </a:prstTxWarp>
+            <a:spAutoFit/>
+          </a:bodyPr>
+          <a:lstStyle/>
+          <a:p>
+            <a:r>
+              <a:rPr lang="cs-CZ" dirty="0">
+                <a:ea typeface="Calibri"/>
+                <a:cs typeface="Calibri"/>
+              </a:rPr>
+              <a:t>Zdroj: Autor, 2026</a:t>
+            </a:r>
+            <a:endParaRPr lang="cs-CZ" dirty="0"/>
+          </a:p>
+        </p:txBody>
+      </p:sp>
+    </p:spTree>
+    <p:extLst>
+      <p:ext uri="{BB962C8B-B14F-4D97-AF65-F5344CB8AC3E}">
+        <p14:creationId xmlns:p14="http://schemas.microsoft.com/office/powerpoint/2010/main" val="3401549541"/>
+      </p:ext>
+    </p:extLst>
+  </p:cSld>
+  <p:clrMapOvr>
+    <a:masterClrMapping/>
+  </p:clrMapOvr>
+  <mc:AlternateContent xmlns:mc="http://schemas.openxmlformats.org/markup-compatibility/2006">
+    <mc:Choice xmlns:p14="http://schemas.microsoft.com/office/powerpoint/2010/main" Requires="p14">
+      <p:transition spd="med" p14:dur="700">
+        <p:fade/>
+      </p:transition>
+    </mc:Choice>
+    <mc:Fallback>
+      <p:transition spd="med">
+        <p:fade/>
+      </p:transition>
+    </mc:Fallback>
+  </mc:AlternateContent>
+</p:sld>
+</file>
+
+<file path=ppt/slides/slide13.xml><?xml version="1.0" encoding="utf-8"?>
+<p:sld xmlns:a="http://schemas.openxmlformats.org/drawingml/2006/main" xmlns:r="http://schemas.openxmlformats.org/officeDocument/2006/relationships" xmlns:p="http://schemas.openxmlformats.org/presentationml/2006/main">
+  <p:cSld>
+    <p:spTree>
+      <p:nvGrpSpPr>
+        <p:cNvPr id="1" name=""/>
+        <p:cNvGrpSpPr/>
+        <p:nvPr/>
+      </p:nvGrpSpPr>
+      <p:grpSpPr>
+        <a:xfrm>
+          <a:off x="0" y="0"/>
+          <a:ext cx="0" cy="0"/>
+          <a:chOff x="0" y="0"/>
+          <a:chExt cx="0" cy="0"/>
+        </a:xfrm>
+      </p:grpSpPr>
+      <p:sp>
+        <p:nvSpPr>
+          <p:cNvPr id="9" name="Title 1">
+            <a:extLst>
+              <a:ext uri="{FF2B5EF4-FFF2-40B4-BE49-F238E27FC236}">
+                <a16:creationId xmlns:a16="http://schemas.microsoft.com/office/drawing/2014/main" id="{DD60128F-61CD-9A87-6334-E67DD64282E2}"/>
+              </a:ext>
+            </a:extLst>
+          </p:cNvPr>
+          <p:cNvSpPr>
+            <a:spLocks noGrp="1"/>
+          </p:cNvSpPr>
+          <p:nvPr>
+            <p:ph type="title"/>
+          </p:nvPr>
+        </p:nvSpPr>
+        <p:spPr>
+          <a:xfrm>
+            <a:off x="2457450" y="226524"/>
+            <a:ext cx="7779544" cy="689952"/>
+          </a:xfrm>
+        </p:spPr>
+        <p:txBody>
+          <a:bodyPr/>
+          <a:lstStyle/>
+          <a:p>
+            <a:r>
+              <a:rPr lang="en-US" dirty="0" err="1"/>
+              <a:t>Rizikové</a:t>
+            </a:r>
+            <a:r>
+              <a:rPr lang="en-US" dirty="0"/>
+              <a:t> </a:t>
+            </a:r>
+            <a:r>
+              <a:rPr lang="en-US" dirty="0" err="1"/>
+              <a:t>faktory</a:t>
+            </a:r>
+            <a:endParaRPr lang="en-US" dirty="0"/>
+          </a:p>
+        </p:txBody>
+      </p:sp>
+      <p:pic>
+        <p:nvPicPr>
+          <p:cNvPr id="5" name="Picture 4">
+            <a:extLst>
+              <a:ext uri="{FF2B5EF4-FFF2-40B4-BE49-F238E27FC236}">
+                <a16:creationId xmlns:a16="http://schemas.microsoft.com/office/drawing/2014/main" id="{46835DF8-6BC2-32DC-FF3B-894B09754246}"/>
+              </a:ext>
+            </a:extLst>
+          </p:cNvPr>
+          <p:cNvPicPr>
+            <a:picLocks noChangeAspect="1"/>
+          </p:cNvPicPr>
+          <p:nvPr/>
+        </p:nvPicPr>
+        <p:blipFill>
+          <a:blip r:embed="rId3"/>
+          <a:stretch>
+            <a:fillRect/>
+          </a:stretch>
+        </p:blipFill>
+        <p:spPr>
+          <a:xfrm>
+            <a:off x="167421" y="1705970"/>
+            <a:ext cx="8852754" cy="4580530"/>
+          </a:xfrm>
+          <a:prstGeom prst="rect">
+            <a:avLst/>
+          </a:prstGeom>
+        </p:spPr>
+      </p:pic>
+      <p:sp>
+        <p:nvSpPr>
+          <p:cNvPr id="6" name="TextovéPole 3">
+            <a:extLst>
+              <a:ext uri="{FF2B5EF4-FFF2-40B4-BE49-F238E27FC236}">
+                <a16:creationId xmlns:a16="http://schemas.microsoft.com/office/drawing/2014/main" id="{6104A677-77A7-D511-91F8-B5F2870925B7}"/>
+              </a:ext>
+            </a:extLst>
+          </p:cNvPr>
+          <p:cNvSpPr txBox="1"/>
+          <p:nvPr/>
+        </p:nvSpPr>
+        <p:spPr>
+          <a:xfrm>
+            <a:off x="6897482" y="6422257"/>
+            <a:ext cx="2743200" cy="365760"/>
+          </a:xfrm>
+          <a:prstGeom prst="rect">
+            <a:avLst/>
+          </a:prstGeom>
+          <a:noFill/>
+        </p:spPr>
+        <p:txBody>
+          <a:bodyPr rot="0" spcFirstLastPara="0" vertOverflow="overflow" horzOverflow="overflow" vert="horz" wrap="square" lIns="91440" tIns="45720" rIns="91440" bIns="45720" numCol="1" spcCol="0" rtlCol="0" fromWordArt="0" anchor="t" anchorCtr="0" forceAA="0" compatLnSpc="1">
+            <a:prstTxWarp prst="textNoShape">
+              <a:avLst/>
+            </a:prstTxWarp>
+            <a:spAutoFit/>
+          </a:bodyPr>
+          <a:lstStyle/>
+          <a:p>
+            <a:r>
+              <a:rPr lang="cs-CZ" dirty="0">
+                <a:ea typeface="Calibri"/>
+                <a:cs typeface="Calibri"/>
+              </a:rPr>
+              <a:t>Zdroj: Autor, 2026</a:t>
+            </a:r>
+            <a:endParaRPr lang="cs-CZ" dirty="0"/>
+          </a:p>
+        </p:txBody>
+      </p:sp>
+    </p:spTree>
+    <p:extLst>
+      <p:ext uri="{BB962C8B-B14F-4D97-AF65-F5344CB8AC3E}">
+        <p14:creationId xmlns:p14="http://schemas.microsoft.com/office/powerpoint/2010/main" val="1814741000"/>
+      </p:ext>
+    </p:extLst>
+  </p:cSld>
+  <p:clrMapOvr>
+    <a:masterClrMapping/>
+  </p:clrMapOvr>
+  <mc:AlternateContent xmlns:mc="http://schemas.openxmlformats.org/markup-compatibility/2006" xmlns:p14="http://schemas.microsoft.com/office/powerpoint/2010/main">
+    <mc:Choice Requires="p14">
+      <p:transition spd="med" p14:dur="700">
+        <p:fade/>
+      </p:transition>
+    </mc:Choice>
+    <mc:Fallback xmlns="">
+      <p:transition spd="med">
+        <p:fade/>
+      </p:transition>
+    </mc:Fallback>
+  </mc:AlternateContent>
+</p:sld>
+</file>
+
+<file path=ppt/slides/slide14.xml><?xml version="1.0" encoding="utf-8"?>
+<p:sld xmlns:a="http://schemas.openxmlformats.org/drawingml/2006/main" xmlns:r="http://schemas.openxmlformats.org/officeDocument/2006/relationships" xmlns:p="http://schemas.openxmlformats.org/presentationml/2006/main">
+  <p:cSld>
+    <p:spTree>
+      <p:nvGrpSpPr>
+        <p:cNvPr id="1" name=""/>
+        <p:cNvGrpSpPr/>
+        <p:nvPr/>
+      </p:nvGrpSpPr>
+      <p:grpSpPr>
+        <a:xfrm>
+          <a:off x="0" y="0"/>
+          <a:ext cx="0" cy="0"/>
+          <a:chOff x="0" y="0"/>
+          <a:chExt cx="0" cy="0"/>
+        </a:xfrm>
+      </p:grpSpPr>
+      <p:sp>
+        <p:nvSpPr>
+          <p:cNvPr id="2" name="Title 1">
+            <a:extLst>
+              <a:ext uri="{FF2B5EF4-FFF2-40B4-BE49-F238E27FC236}">
+                <a16:creationId xmlns:a16="http://schemas.microsoft.com/office/drawing/2014/main" id="{636D60BB-A5D6-111B-A475-AEF37D03DCB4}"/>
+              </a:ext>
+            </a:extLst>
+          </p:cNvPr>
+          <p:cNvSpPr>
+            <a:spLocks noGrp="1"/>
+          </p:cNvSpPr>
+          <p:nvPr>
+            <p:ph type="ctrTitle"/>
+          </p:nvPr>
+        </p:nvSpPr>
+        <p:spPr>
+          <a:xfrm>
+            <a:off x="-537519" y="916589"/>
+            <a:ext cx="6379098" cy="442149"/>
+          </a:xfrm>
+        </p:spPr>
+        <p:txBody>
+          <a:bodyPr>
+            <a:noAutofit/>
+          </a:bodyPr>
+          <a:lstStyle/>
+          <a:p>
+            <a:r>
+              <a:rPr lang="en-CZ" sz="2800" dirty="0"/>
+              <a:t>Sociodemografické příčiny</a:t>
+            </a:r>
+          </a:p>
+        </p:txBody>
+      </p:sp>
+      <p:sp>
+        <p:nvSpPr>
+          <p:cNvPr id="3" name="Subtitle 2">
+            <a:extLst>
+              <a:ext uri="{FF2B5EF4-FFF2-40B4-BE49-F238E27FC236}">
+                <a16:creationId xmlns:a16="http://schemas.microsoft.com/office/drawing/2014/main" id="{B5B106FE-5ED1-2878-CB0B-1849928FD04C}"/>
+              </a:ext>
+            </a:extLst>
+          </p:cNvPr>
+          <p:cNvSpPr>
+            <a:spLocks noGrp="1"/>
+          </p:cNvSpPr>
+          <p:nvPr>
+            <p:ph type="subTitle" idx="1"/>
+          </p:nvPr>
+        </p:nvSpPr>
+        <p:spPr>
+          <a:xfrm>
+            <a:off x="263324" y="1469402"/>
+            <a:ext cx="8429263" cy="5388598"/>
+          </a:xfrm>
+        </p:spPr>
+        <p:txBody>
+          <a:bodyPr>
+            <a:normAutofit/>
+          </a:bodyPr>
+          <a:lstStyle/>
+          <a:p>
+            <a:pPr marL="285750" indent="-285750" algn="l">
+              <a:buFont typeface="Arial" panose="020B0604020202020204" pitchFamily="34" charset="0"/>
+              <a:buChar char="•"/>
+            </a:pPr>
+            <a:r>
+              <a:rPr lang="en-US" sz="2000" b="1" dirty="0" err="1"/>
+              <a:t>income_category</a:t>
+            </a:r>
+            <a:r>
+              <a:rPr lang="en-US" sz="2000" b="1" dirty="0"/>
+              <a:t>(High 60-80k) </a:t>
+            </a:r>
+            <a:r>
+              <a:rPr lang="cs-CZ" sz="2000" b="1" dirty="0">
+                <a:sym typeface="Wingdings" panose="05000000000000000000" pitchFamily="2" charset="2"/>
+              </a:rPr>
+              <a:t></a:t>
+            </a:r>
+            <a:r>
+              <a:rPr lang="en-US" sz="2000" b="1" dirty="0"/>
+              <a:t> S_DOWN = 4</a:t>
+            </a:r>
+            <a:endParaRPr lang="cs-CZ" sz="2000" b="1" dirty="0"/>
+          </a:p>
+          <a:p>
+            <a:pPr marL="628642" lvl="1" indent="-285750" algn="l">
+              <a:buFont typeface="Arial" panose="020B0604020202020204" pitchFamily="34" charset="0"/>
+              <a:buChar char="•"/>
+            </a:pPr>
+            <a:r>
+              <a:rPr lang="cs-CZ" sz="1800" b="1" dirty="0"/>
+              <a:t>Base: 874 okresů</a:t>
+            </a:r>
+          </a:p>
+          <a:p>
+            <a:pPr marL="628642" lvl="1" indent="-285750" algn="l">
+              <a:buFont typeface="Arial" panose="020B0604020202020204" pitchFamily="34" charset="0"/>
+              <a:buChar char="•"/>
+            </a:pPr>
+            <a:r>
+              <a:rPr lang="en-GB" sz="1800" dirty="0"/>
+              <a:t>U </a:t>
+            </a:r>
+            <a:r>
+              <a:rPr lang="en-GB" sz="1800" dirty="0" err="1"/>
+              <a:t>okresů</a:t>
+            </a:r>
+            <a:r>
+              <a:rPr lang="en-GB" sz="1800" dirty="0"/>
+              <a:t> </a:t>
+            </a:r>
+            <a:r>
+              <a:rPr lang="en-GB" sz="1800" dirty="0" err="1"/>
+              <a:t>spadajících</a:t>
+            </a:r>
+            <a:r>
+              <a:rPr lang="en-GB" sz="1800" dirty="0"/>
+              <a:t> do </a:t>
+            </a:r>
+            <a:r>
+              <a:rPr lang="en-GB" sz="1800" dirty="0" err="1"/>
+              <a:t>vyšší</a:t>
+            </a:r>
+            <a:r>
+              <a:rPr lang="en-GB" sz="1800" dirty="0"/>
+              <a:t> </a:t>
+            </a:r>
+            <a:r>
+              <a:rPr lang="en-GB" sz="1800" dirty="0" err="1"/>
+              <a:t>příjmové</a:t>
+            </a:r>
+            <a:r>
+              <a:rPr lang="en-GB" sz="1800" dirty="0"/>
+              <a:t> </a:t>
+            </a:r>
+            <a:r>
+              <a:rPr lang="en-GB" sz="1800" dirty="0" err="1"/>
+              <a:t>kategorie</a:t>
+            </a:r>
+            <a:r>
+              <a:rPr lang="en-GB" sz="1800" dirty="0"/>
+              <a:t> (median income 60–80k USD) </a:t>
+            </a:r>
+            <a:r>
+              <a:rPr lang="en-GB" sz="1800" dirty="0" err="1"/>
+              <a:t>byl</a:t>
+            </a:r>
+            <a:r>
+              <a:rPr lang="en-GB" sz="1800" dirty="0"/>
+              <a:t> </a:t>
+            </a:r>
+            <a:r>
+              <a:rPr lang="en-GB" sz="1800" dirty="0" err="1"/>
+              <a:t>identifikován</a:t>
+            </a:r>
+            <a:r>
+              <a:rPr lang="en-GB" sz="1800" dirty="0"/>
+              <a:t> </a:t>
+            </a:r>
+            <a:r>
+              <a:rPr lang="en-GB" sz="1800" dirty="0" err="1"/>
+              <a:t>signifikantní</a:t>
+            </a:r>
+            <a:r>
+              <a:rPr lang="en-GB" sz="1800" dirty="0"/>
+              <a:t> </a:t>
+            </a:r>
+            <a:r>
+              <a:rPr lang="en-GB" sz="1800" dirty="0" err="1"/>
+              <a:t>klesající</a:t>
+            </a:r>
+            <a:r>
+              <a:rPr lang="en-GB" sz="1800" dirty="0"/>
+              <a:t> trend </a:t>
+            </a:r>
+            <a:r>
+              <a:rPr lang="en-GB" sz="1800" dirty="0" err="1"/>
+              <a:t>úmrtnosti</a:t>
+            </a:r>
+            <a:r>
+              <a:rPr lang="en-GB" sz="1800" dirty="0"/>
+              <a:t>.</a:t>
+            </a:r>
+          </a:p>
+          <a:p>
+            <a:pPr marL="628642" lvl="1" indent="-285750" algn="l">
+              <a:buFont typeface="Arial" panose="020B0604020202020204" pitchFamily="34" charset="0"/>
+              <a:buChar char="•"/>
+            </a:pPr>
+            <a:r>
+              <a:rPr lang="en-GB" sz="1800" dirty="0"/>
+              <a:t>To </a:t>
+            </a:r>
+            <a:r>
+              <a:rPr lang="en-GB" sz="1800" dirty="0" err="1"/>
+              <a:t>indikuje</a:t>
+            </a:r>
+            <a:r>
+              <a:rPr lang="en-GB" sz="1800" dirty="0"/>
+              <a:t>, </a:t>
+            </a:r>
+            <a:r>
+              <a:rPr lang="en-GB" sz="1800" dirty="0" err="1"/>
+              <a:t>že</a:t>
+            </a:r>
+            <a:r>
+              <a:rPr lang="en-GB" sz="1800" dirty="0"/>
+              <a:t> </a:t>
+            </a:r>
+            <a:r>
+              <a:rPr lang="en-GB" sz="1800" dirty="0" err="1"/>
+              <a:t>bohatší</a:t>
+            </a:r>
+            <a:r>
+              <a:rPr lang="en-GB" sz="1800" dirty="0"/>
+              <a:t> </a:t>
+            </a:r>
+            <a:r>
+              <a:rPr lang="en-GB" sz="1800" dirty="0" err="1"/>
+              <a:t>regiony</a:t>
+            </a:r>
+            <a:r>
+              <a:rPr lang="en-GB" sz="1800" dirty="0"/>
+              <a:t> </a:t>
+            </a:r>
+            <a:r>
+              <a:rPr lang="en-GB" sz="1800" dirty="0" err="1"/>
+              <a:t>disponovaly</a:t>
+            </a:r>
+            <a:r>
+              <a:rPr lang="en-GB" sz="1800" dirty="0"/>
+              <a:t> </a:t>
+            </a:r>
+            <a:r>
+              <a:rPr lang="en-GB" sz="1800" dirty="0" err="1"/>
+              <a:t>kapacitami</a:t>
+            </a:r>
+            <a:r>
+              <a:rPr lang="en-GB" sz="1800" dirty="0"/>
+              <a:t> pro </a:t>
+            </a:r>
+            <a:r>
+              <a:rPr lang="en-GB" sz="1800" dirty="0" err="1"/>
+              <a:t>efektivnější</a:t>
+            </a:r>
+            <a:r>
+              <a:rPr lang="en-GB" sz="1800" dirty="0"/>
+              <a:t> </a:t>
+            </a:r>
+            <a:r>
+              <a:rPr lang="en-GB" sz="1800" dirty="0" err="1"/>
+              <a:t>zvládnutí</a:t>
+            </a:r>
+            <a:r>
+              <a:rPr lang="en-GB" sz="1800" dirty="0"/>
+              <a:t> </a:t>
+            </a:r>
+            <a:r>
+              <a:rPr lang="en-GB" sz="1800" dirty="0" err="1"/>
+              <a:t>průběhu</a:t>
+            </a:r>
+            <a:r>
+              <a:rPr lang="en-GB" sz="1800" dirty="0"/>
+              <a:t> </a:t>
+            </a:r>
+            <a:r>
+              <a:rPr lang="en-GB" sz="1800" dirty="0" err="1"/>
+              <a:t>pandemie</a:t>
+            </a:r>
+            <a:r>
+              <a:rPr lang="en-GB" sz="1800" dirty="0"/>
+              <a:t> a </a:t>
+            </a:r>
+            <a:r>
+              <a:rPr lang="en-GB" sz="1800" dirty="0" err="1"/>
+              <a:t>rychlejší</a:t>
+            </a:r>
+            <a:r>
+              <a:rPr lang="en-GB" sz="1800" dirty="0"/>
+              <a:t> </a:t>
+            </a:r>
+            <a:r>
+              <a:rPr lang="en-GB" sz="1800" dirty="0" err="1"/>
+              <a:t>stabilizaci</a:t>
+            </a:r>
+            <a:r>
+              <a:rPr lang="en-GB" sz="1800" dirty="0"/>
+              <a:t> </a:t>
+            </a:r>
+            <a:r>
+              <a:rPr lang="en-GB" sz="1800" dirty="0" err="1"/>
+              <a:t>situace</a:t>
+            </a:r>
+            <a:r>
+              <a:rPr lang="en-GB" sz="1800" dirty="0"/>
+              <a:t>.</a:t>
+            </a:r>
+          </a:p>
+          <a:p>
+            <a:pPr marL="285750" indent="-285750" algn="l">
+              <a:buFont typeface="Arial" panose="020B0604020202020204" pitchFamily="34" charset="0"/>
+              <a:buChar char="•"/>
+            </a:pPr>
+            <a:r>
+              <a:rPr lang="cs-CZ" sz="2000" b="1" dirty="0" err="1"/>
+              <a:t>county_size</a:t>
+            </a:r>
+            <a:r>
+              <a:rPr lang="cs-CZ" sz="2000" b="1" dirty="0"/>
+              <a:t>(</a:t>
+            </a:r>
+            <a:r>
+              <a:rPr lang="cs-CZ" sz="2000" b="1" dirty="0" err="1"/>
+              <a:t>Large</a:t>
+            </a:r>
+            <a:r>
+              <a:rPr lang="cs-CZ" sz="2000" b="1" dirty="0"/>
+              <a:t>) </a:t>
+            </a:r>
+            <a:r>
+              <a:rPr lang="cs-CZ" sz="2000" b="1" dirty="0">
+                <a:sym typeface="Wingdings" pitchFamily="2" charset="2"/>
+              </a:rPr>
+              <a:t></a:t>
+            </a:r>
+            <a:r>
+              <a:rPr lang="cs-CZ" sz="2000" b="1" dirty="0"/>
+              <a:t> </a:t>
+            </a:r>
+            <a:r>
+              <a:rPr lang="cs-CZ" sz="2000" b="1" dirty="0" err="1"/>
+              <a:t>CFR_level</a:t>
+            </a:r>
+            <a:r>
+              <a:rPr lang="cs-CZ" sz="2000" b="1" dirty="0"/>
+              <a:t>(</a:t>
+            </a:r>
+            <a:r>
+              <a:rPr lang="cs-CZ" sz="2000" b="1" dirty="0" err="1"/>
+              <a:t>High</a:t>
+            </a:r>
+            <a:r>
+              <a:rPr lang="cs-CZ" sz="2000" b="1" dirty="0"/>
+              <a:t> CFR)</a:t>
+            </a:r>
+          </a:p>
+          <a:p>
+            <a:pPr marL="628642" lvl="1" indent="-285750" algn="l">
+              <a:buFont typeface="Arial" panose="020B0604020202020204" pitchFamily="34" charset="0"/>
+              <a:buChar char="•"/>
+            </a:pPr>
+            <a:r>
+              <a:rPr lang="cs-CZ" sz="2000" dirty="0"/>
+              <a:t>Rozdíl mezi skupinami:</a:t>
+            </a:r>
+          </a:p>
+          <a:p>
+            <a:pPr marL="971533" lvl="2" indent="-285750" algn="l">
+              <a:buFont typeface="Arial" panose="020B0604020202020204" pitchFamily="34" charset="0"/>
+              <a:buChar char="•"/>
+            </a:pPr>
+            <a:r>
+              <a:rPr lang="cs-CZ" sz="1800" dirty="0"/>
+              <a:t>Ve skupině "</a:t>
+            </a:r>
+            <a:r>
+              <a:rPr lang="cs-CZ" sz="1800" dirty="0" err="1"/>
+              <a:t>Higher</a:t>
+            </a:r>
+            <a:r>
+              <a:rPr lang="cs-CZ" sz="1800" dirty="0"/>
+              <a:t> </a:t>
+            </a:r>
+            <a:r>
+              <a:rPr lang="cs-CZ" sz="1800" dirty="0" err="1"/>
+              <a:t>Female</a:t>
+            </a:r>
+            <a:r>
+              <a:rPr lang="cs-CZ" sz="1800" dirty="0"/>
+              <a:t> %": Spolehlivost 50,5 %.</a:t>
+            </a:r>
+          </a:p>
+          <a:p>
+            <a:pPr marL="971533" lvl="2" indent="-285750" algn="l">
+              <a:buFont typeface="Arial" panose="020B0604020202020204" pitchFamily="34" charset="0"/>
+              <a:buChar char="•"/>
+            </a:pPr>
+            <a:r>
+              <a:rPr lang="cs-CZ" sz="1800" dirty="0"/>
+              <a:t>Ve skupině "</a:t>
+            </a:r>
+            <a:r>
+              <a:rPr lang="cs-CZ" sz="1800" dirty="0" err="1"/>
+              <a:t>Lower</a:t>
+            </a:r>
+            <a:r>
+              <a:rPr lang="cs-CZ" sz="1800" dirty="0"/>
+              <a:t> </a:t>
+            </a:r>
+            <a:r>
+              <a:rPr lang="cs-CZ" sz="1800" dirty="0" err="1"/>
+              <a:t>Female</a:t>
+            </a:r>
+            <a:r>
+              <a:rPr lang="cs-CZ" sz="1800" dirty="0"/>
+              <a:t> %": Spolehlivost 37,6 %.</a:t>
+            </a:r>
+          </a:p>
+          <a:p>
+            <a:pPr marL="285750" indent="-285750" algn="l">
+              <a:buFont typeface="Arial" panose="020B0604020202020204" pitchFamily="34" charset="0"/>
+              <a:buChar char="•"/>
+            </a:pPr>
+            <a:endParaRPr lang="en-CZ" dirty="0"/>
+          </a:p>
+        </p:txBody>
+      </p:sp>
+    </p:spTree>
+    <p:extLst>
+      <p:ext uri="{BB962C8B-B14F-4D97-AF65-F5344CB8AC3E}">
+        <p14:creationId xmlns:p14="http://schemas.microsoft.com/office/powerpoint/2010/main" val="1683314401"/>
+      </p:ext>
+    </p:extLst>
+  </p:cSld>
+  <p:clrMapOvr>
+    <a:masterClrMapping/>
+  </p:clrMapOvr>
+  <mc:AlternateContent xmlns:mc="http://schemas.openxmlformats.org/markup-compatibility/2006" xmlns:p14="http://schemas.microsoft.com/office/powerpoint/2010/main">
+    <mc:Choice Requires="p14">
+      <p:transition spd="med" p14:dur="700">
+        <p:fade/>
+      </p:transition>
+    </mc:Choice>
+    <mc:Fallback xmlns="">
+      <p:transition spd="med">
+        <p:fade/>
+      </p:transition>
+    </mc:Fallback>
+  </mc:AlternateContent>
+</p:sld>
+</file>
+
+<file path=ppt/slides/slide15.xml><?xml version="1.0" encoding="utf-8"?>
+<p:sld xmlns:a="http://schemas.openxmlformats.org/drawingml/2006/main" xmlns:r="http://schemas.openxmlformats.org/officeDocument/2006/relationships" xmlns:p="http://schemas.openxmlformats.org/presentationml/2006/main">
+  <p:cSld>
+    <p:spTree>
+      <p:nvGrpSpPr>
+        <p:cNvPr id="1" name=""/>
+        <p:cNvGrpSpPr/>
+        <p:nvPr/>
+      </p:nvGrpSpPr>
+      <p:grpSpPr>
+        <a:xfrm>
+          <a:off x="0" y="0"/>
+          <a:ext cx="0" cy="0"/>
+          <a:chOff x="0" y="0"/>
+          <a:chExt cx="0" cy="0"/>
+        </a:xfrm>
+      </p:grpSpPr>
+      <p:sp>
+        <p:nvSpPr>
+          <p:cNvPr id="8" name="Title 1">
+            <a:extLst>
+              <a:ext uri="{FF2B5EF4-FFF2-40B4-BE49-F238E27FC236}">
+                <a16:creationId xmlns:a16="http://schemas.microsoft.com/office/drawing/2014/main" id="{25AD9FF0-A687-4031-00D4-72EE3225A86D}"/>
+              </a:ext>
+            </a:extLst>
+          </p:cNvPr>
+          <p:cNvSpPr>
+            <a:spLocks noGrp="1"/>
+          </p:cNvSpPr>
+          <p:nvPr>
+            <p:ph type="title"/>
+          </p:nvPr>
+        </p:nvSpPr>
+        <p:spPr>
+          <a:xfrm>
+            <a:off x="628650" y="1100016"/>
+            <a:ext cx="7779544" cy="689952"/>
+          </a:xfrm>
+        </p:spPr>
+        <p:txBody>
+          <a:bodyPr/>
+          <a:lstStyle/>
+          <a:p>
+            <a:r>
+              <a:rPr lang="en-US" dirty="0" err="1"/>
+              <a:t>Závěr</a:t>
+            </a:r>
+            <a:r>
+              <a:rPr lang="en-US" dirty="0"/>
+              <a:t> a </a:t>
+            </a:r>
+            <a:r>
+              <a:rPr lang="en-US" dirty="0" err="1"/>
+              <a:t>doporučení</a:t>
+            </a:r>
+            <a:endParaRPr lang="en-US" dirty="0"/>
+          </a:p>
+        </p:txBody>
+      </p:sp>
+      <p:sp>
+        <p:nvSpPr>
+          <p:cNvPr id="10" name="Content Placeholder 2">
+            <a:extLst>
+              <a:ext uri="{FF2B5EF4-FFF2-40B4-BE49-F238E27FC236}">
+                <a16:creationId xmlns:a16="http://schemas.microsoft.com/office/drawing/2014/main" id="{A9EA6865-1C84-628A-746B-DF37BD3DC3A7}"/>
+              </a:ext>
+            </a:extLst>
+          </p:cNvPr>
+          <p:cNvSpPr>
+            <a:spLocks noGrp="1"/>
+          </p:cNvSpPr>
+          <p:nvPr>
+            <p:ph idx="1"/>
+          </p:nvPr>
+        </p:nvSpPr>
+        <p:spPr>
+          <a:xfrm>
+            <a:off x="628650" y="1924055"/>
+            <a:ext cx="7779544" cy="4493370"/>
+          </a:xfrm>
+        </p:spPr>
+        <p:txBody>
+          <a:bodyPr/>
+          <a:lstStyle/>
+          <a:p>
+            <a:r>
+              <a:rPr lang="cs-CZ" sz="2400" dirty="0"/>
+              <a:t>Okresy s vyšším podílem černošském obyvatelstva + středním příjmem potřebují extra podporu zdravotnictví.</a:t>
+            </a:r>
+          </a:p>
+          <a:p>
+            <a:r>
+              <a:rPr lang="cs-CZ" sz="2400" dirty="0"/>
+              <a:t>Při podobné situaci je nutné soustředit se na nižší vrstvy a zajištění zdravotní péče v chudších a menších okresech.</a:t>
+            </a:r>
+          </a:p>
+          <a:p>
+            <a:endParaRPr lang="en-US" dirty="0"/>
+          </a:p>
+        </p:txBody>
+      </p:sp>
+    </p:spTree>
+    <p:extLst>
+      <p:ext uri="{BB962C8B-B14F-4D97-AF65-F5344CB8AC3E}">
+        <p14:creationId xmlns:p14="http://schemas.microsoft.com/office/powerpoint/2010/main" val="3402989241"/>
+      </p:ext>
+    </p:extLst>
+  </p:cSld>
+  <p:clrMapOvr>
+    <a:masterClrMapping/>
+  </p:clrMapOvr>
+  <mc:AlternateContent xmlns:mc="http://schemas.openxmlformats.org/markup-compatibility/2006" xmlns:p14="http://schemas.microsoft.com/office/powerpoint/2010/main">
+    <mc:Choice Requires="p14">
+      <p:transition spd="med" p14:dur="700">
+        <p:fade/>
+      </p:transition>
+    </mc:Choice>
+    <mc:Fallback xmlns="">
+      <p:transition spd="med">
+        <p:fade/>
+      </p:transition>
+    </mc:Fallback>
+  </mc:AlternateContent>
+</p:sld>
+</file>
+
+<file path=ppt/slides/slide16.xml><?xml version="1.0" encoding="utf-8"?>
+<p:sld xmlns:a="http://schemas.openxmlformats.org/drawingml/2006/main" xmlns:r="http://schemas.openxmlformats.org/officeDocument/2006/relationships" xmlns:p="http://schemas.openxmlformats.org/presentationml/2006/main">
+  <p:cSld>
+    <p:spTree>
+      <p:nvGrpSpPr>
+        <p:cNvPr id="1" name=""/>
+        <p:cNvGrpSpPr/>
+        <p:nvPr/>
+      </p:nvGrpSpPr>
+      <p:grpSpPr>
+        <a:xfrm>
+          <a:off x="0" y="0"/>
+          <a:ext cx="0" cy="0"/>
+          <a:chOff x="0" y="0"/>
+          <a:chExt cx="0" cy="0"/>
+        </a:xfrm>
+      </p:grpSpPr>
+      <p:sp>
+        <p:nvSpPr>
+          <p:cNvPr id="4" name="Zástupný text 3">
+            <a:extLst>
+              <a:ext uri="{FF2B5EF4-FFF2-40B4-BE49-F238E27FC236}">
+                <a16:creationId xmlns:a16="http://schemas.microsoft.com/office/drawing/2014/main" id="{0189036C-68F1-2208-6922-3C37B8772AB4}"/>
+              </a:ext>
+            </a:extLst>
+          </p:cNvPr>
+          <p:cNvSpPr>
+            <a:spLocks noGrp="1"/>
+          </p:cNvSpPr>
+          <p:nvPr>
+            <p:ph type="body" idx="15"/>
+          </p:nvPr>
+        </p:nvSpPr>
+        <p:spPr/>
+        <p:txBody>
+          <a:bodyPr vert="horz" lIns="91440" tIns="45720" rIns="91440" bIns="45720" rtlCol="0" anchor="t">
+            <a:normAutofit/>
+          </a:bodyPr>
+          <a:lstStyle/>
+          <a:p>
+            <a:r>
+              <a:rPr lang="cs-CZ" dirty="0">
+                <a:latin typeface="Arial"/>
+                <a:cs typeface="Arial"/>
+              </a:rPr>
+              <a:t>Hana Žahourová zahh00@vse.cz</a:t>
+            </a:r>
+            <a:endParaRPr lang="cs-CZ" dirty="0"/>
+          </a:p>
+        </p:txBody>
+      </p:sp>
+      <p:sp>
+        <p:nvSpPr>
+          <p:cNvPr id="2" name="Nadpis 1">
+            <a:extLst>
+              <a:ext uri="{FF2B5EF4-FFF2-40B4-BE49-F238E27FC236}">
+                <a16:creationId xmlns:a16="http://schemas.microsoft.com/office/drawing/2014/main" id="{80AE53F0-E10B-2153-CF02-4D8F6223EBE5}"/>
+              </a:ext>
+            </a:extLst>
+          </p:cNvPr>
+          <p:cNvSpPr>
+            <a:spLocks noGrp="1"/>
+          </p:cNvSpPr>
+          <p:nvPr>
+            <p:ph type="ctrTitle"/>
+          </p:nvPr>
+        </p:nvSpPr>
+        <p:spPr/>
+        <p:txBody>
+          <a:bodyPr/>
+          <a:lstStyle/>
+          <a:p>
+            <a:r>
+              <a:rPr lang="cs-CZ" dirty="0">
+                <a:latin typeface="Arial"/>
+                <a:cs typeface="Arial"/>
+              </a:rPr>
+              <a:t>Otázky oponentury</a:t>
+            </a:r>
+            <a:endParaRPr lang="cs-CZ" dirty="0"/>
+          </a:p>
+        </p:txBody>
+      </p:sp>
+      <p:sp>
+        <p:nvSpPr>
+          <p:cNvPr id="6" name="Zástupný text 5">
+            <a:extLst>
+              <a:ext uri="{FF2B5EF4-FFF2-40B4-BE49-F238E27FC236}">
+                <a16:creationId xmlns:a16="http://schemas.microsoft.com/office/drawing/2014/main" id="{BB32C666-AF5C-6331-95FF-031498091A4B}"/>
+              </a:ext>
+            </a:extLst>
+          </p:cNvPr>
+          <p:cNvSpPr>
+            <a:spLocks noGrp="1"/>
+          </p:cNvSpPr>
+          <p:nvPr>
+            <p:ph type="body" idx="16"/>
+          </p:nvPr>
+        </p:nvSpPr>
+        <p:spPr/>
+        <p:txBody>
+          <a:bodyPr vert="horz" lIns="91440" tIns="45720" rIns="91440" bIns="45720" rtlCol="0" anchor="t">
+            <a:normAutofit/>
+          </a:bodyPr>
+          <a:lstStyle/>
+          <a:p>
+            <a:r>
+              <a:rPr lang="cs-CZ"/>
+              <a:t>Program studia: Informační management</a:t>
+            </a:r>
+          </a:p>
+        </p:txBody>
+      </p:sp>
+    </p:spTree>
+    <p:extLst>
+      <p:ext uri="{BB962C8B-B14F-4D97-AF65-F5344CB8AC3E}">
+        <p14:creationId xmlns:p14="http://schemas.microsoft.com/office/powerpoint/2010/main" val="3939120032"/>
       </p:ext>
     </p:extLst>
   </p:cSld>
@@ -9539,6 +14930,500 @@
   <p:cSld>
     <p:spTree>
       <p:nvGrpSpPr>
+        <p:cNvPr id="1" name=""/>
+        <p:cNvGrpSpPr/>
+        <p:nvPr/>
+      </p:nvGrpSpPr>
+      <p:grpSpPr>
+        <a:xfrm>
+          <a:off x="0" y="0"/>
+          <a:ext cx="0" cy="0"/>
+          <a:chOff x="0" y="0"/>
+          <a:chExt cx="0" cy="0"/>
+        </a:xfrm>
+      </p:grpSpPr>
+      <p:sp>
+        <p:nvSpPr>
+          <p:cNvPr id="2" name="Nadpis 1">
+            <a:extLst>
+              <a:ext uri="{FF2B5EF4-FFF2-40B4-BE49-F238E27FC236}">
+                <a16:creationId xmlns:a16="http://schemas.microsoft.com/office/drawing/2014/main" id="{D9884874-F762-BBB2-6344-B465A5824DE1}"/>
+              </a:ext>
+            </a:extLst>
+          </p:cNvPr>
+          <p:cNvSpPr>
+            <a:spLocks noGrp="1"/>
+          </p:cNvSpPr>
+          <p:nvPr>
+            <p:ph type="title"/>
+          </p:nvPr>
+        </p:nvSpPr>
+        <p:spPr>
+          <a:xfrm>
+            <a:off x="628650" y="939996"/>
+            <a:ext cx="7779544" cy="689952"/>
+          </a:xfrm>
+        </p:spPr>
+        <p:txBody>
+          <a:bodyPr/>
+          <a:lstStyle/>
+          <a:p>
+            <a:r>
+              <a:rPr lang="cs-CZ" dirty="0"/>
+              <a:t>Popis dat</a:t>
+            </a:r>
+          </a:p>
+        </p:txBody>
+      </p:sp>
+      <p:sp>
+        <p:nvSpPr>
+          <p:cNvPr id="3" name="Zástupný obsah 2">
+            <a:extLst>
+              <a:ext uri="{FF2B5EF4-FFF2-40B4-BE49-F238E27FC236}">
+                <a16:creationId xmlns:a16="http://schemas.microsoft.com/office/drawing/2014/main" id="{EC210CE7-DD47-D932-2B13-1C4EB19804C9}"/>
+              </a:ext>
+            </a:extLst>
+          </p:cNvPr>
+          <p:cNvSpPr>
+            <a:spLocks noGrp="1"/>
+          </p:cNvSpPr>
+          <p:nvPr>
+            <p:ph idx="1"/>
+          </p:nvPr>
+        </p:nvSpPr>
+        <p:spPr>
+          <a:xfrm>
+            <a:off x="445770" y="1394460"/>
+            <a:ext cx="7962424" cy="4885805"/>
+          </a:xfrm>
+        </p:spPr>
+        <p:txBody>
+          <a:bodyPr vert="horz" lIns="91440" tIns="45720" rIns="91440" bIns="45720" rtlCol="0" anchor="t">
+            <a:noAutofit/>
+          </a:bodyPr>
+          <a:lstStyle/>
+          <a:p>
+            <a:pPr marL="170815" indent="-170815"/>
+            <a:r>
+              <a:rPr lang="cs-CZ" sz="2000" dirty="0">
+                <a:latin typeface="Arial"/>
+                <a:cs typeface="Arial"/>
+              </a:rPr>
+              <a:t>V analýze kombinujeme tři datové sady (vše za rok 2020):</a:t>
+            </a:r>
+            <a:endParaRPr lang="cs-CZ" sz="2000" dirty="0"/>
+          </a:p>
+          <a:p>
+            <a:pPr lvl="1">
+              <a:buFont typeface="Wingdings" pitchFamily="2" charset="2"/>
+              <a:buChar char="§"/>
+            </a:pPr>
+            <a:r>
+              <a:rPr lang="cs-CZ" b="1" dirty="0">
+                <a:latin typeface="Arial"/>
+                <a:cs typeface="Arial"/>
+              </a:rPr>
+              <a:t>US </a:t>
+            </a:r>
+            <a:r>
+              <a:rPr lang="cs-CZ" b="1" dirty="0" err="1">
+                <a:latin typeface="Arial"/>
+                <a:cs typeface="Arial"/>
+              </a:rPr>
+              <a:t>Counties</a:t>
+            </a:r>
+            <a:r>
+              <a:rPr lang="cs-CZ" b="1" dirty="0">
+                <a:latin typeface="Arial"/>
+                <a:cs typeface="Arial"/>
+              </a:rPr>
+              <a:t> Covid-19 </a:t>
+            </a:r>
+            <a:r>
+              <a:rPr lang="cs-CZ" b="1" dirty="0" err="1">
+                <a:latin typeface="Arial"/>
+                <a:cs typeface="Arial"/>
+              </a:rPr>
+              <a:t>daily</a:t>
+            </a:r>
+            <a:r>
+              <a:rPr lang="cs-CZ" b="1" dirty="0">
+                <a:latin typeface="Arial"/>
+                <a:cs typeface="Arial"/>
+              </a:rPr>
+              <a:t>, </a:t>
+            </a:r>
+            <a:r>
+              <a:rPr lang="cs-CZ" b="1" dirty="0" err="1">
+                <a:latin typeface="Arial"/>
+                <a:cs typeface="Arial"/>
+              </a:rPr>
+              <a:t>year</a:t>
+            </a:r>
+            <a:r>
+              <a:rPr lang="cs-CZ" b="1" dirty="0">
+                <a:latin typeface="Arial"/>
+                <a:cs typeface="Arial"/>
+              </a:rPr>
+              <a:t> 2020</a:t>
+            </a:r>
+          </a:p>
+          <a:p>
+            <a:pPr marL="1028700" lvl="1" indent="-342900"/>
+            <a:r>
+              <a:rPr lang="cs-CZ" sz="1400" dirty="0">
+                <a:latin typeface="Arial"/>
+                <a:cs typeface="Arial"/>
+              </a:rPr>
+              <a:t>Obsahuje datum (konkrétní den), </a:t>
+            </a:r>
+            <a:r>
+              <a:rPr lang="cs-CZ" sz="1400" dirty="0" err="1">
+                <a:latin typeface="Arial"/>
+                <a:cs typeface="Arial"/>
+              </a:rPr>
+              <a:t>county</a:t>
+            </a:r>
+            <a:r>
+              <a:rPr lang="cs-CZ" sz="1400" dirty="0">
+                <a:latin typeface="Arial"/>
+                <a:cs typeface="Arial"/>
+              </a:rPr>
+              <a:t>, stát, FIPS, počet případ a počet úmrtí</a:t>
+            </a:r>
+          </a:p>
+          <a:p>
+            <a:pPr marL="1028700" lvl="1" indent="-342900"/>
+            <a:r>
+              <a:rPr lang="cs-CZ" sz="1400" b="1" dirty="0">
+                <a:latin typeface="Arial"/>
+                <a:cs typeface="Arial"/>
+              </a:rPr>
+              <a:t>Celkem 6 sloupců a 884 738 řádků</a:t>
+            </a:r>
+          </a:p>
+          <a:p>
+            <a:pPr marL="513724" lvl="1" indent="-170815">
+              <a:buFont typeface="Wingdings" panose="020B0604020202020204" pitchFamily="34" charset="0"/>
+              <a:buChar char="§"/>
+            </a:pPr>
+            <a:r>
+              <a:rPr lang="cs-CZ" b="1" dirty="0" err="1">
+                <a:latin typeface="Arial"/>
+                <a:cs typeface="Arial"/>
+              </a:rPr>
+              <a:t>Population</a:t>
+            </a:r>
+            <a:r>
+              <a:rPr lang="cs-CZ" b="1" dirty="0">
+                <a:latin typeface="Arial"/>
+                <a:cs typeface="Arial"/>
+              </a:rPr>
+              <a:t> per </a:t>
+            </a:r>
+            <a:r>
+              <a:rPr lang="cs-CZ" b="1" dirty="0" err="1">
+                <a:latin typeface="Arial"/>
+                <a:cs typeface="Arial"/>
+              </a:rPr>
+              <a:t>county</a:t>
+            </a:r>
+            <a:endParaRPr lang="cs-CZ" b="1" dirty="0">
+              <a:latin typeface="Arial"/>
+              <a:cs typeface="Arial"/>
+            </a:endParaRPr>
+          </a:p>
+          <a:p>
+            <a:pPr marL="856615" lvl="2" indent="-170815">
+              <a:buFont typeface="Wingdings" panose="020B0604020202020204" pitchFamily="34" charset="0"/>
+              <a:buChar char="§"/>
+            </a:pPr>
+            <a:r>
+              <a:rPr lang="cs-CZ" sz="1400" dirty="0">
+                <a:latin typeface="Arial"/>
+                <a:cs typeface="Arial"/>
+              </a:rPr>
+              <a:t>Obsahuje: stát, </a:t>
+            </a:r>
+            <a:r>
+              <a:rPr lang="cs-CZ" sz="1400" dirty="0" err="1">
+                <a:latin typeface="Arial"/>
+                <a:cs typeface="Arial"/>
+              </a:rPr>
+              <a:t>county</a:t>
+            </a:r>
+            <a:r>
+              <a:rPr lang="cs-CZ" sz="1400" dirty="0">
+                <a:latin typeface="Arial"/>
+                <a:cs typeface="Arial"/>
+              </a:rPr>
+              <a:t>, odhad populace, počet žen, počet mužů, počet dle věku (rozděleno na věkové skupiny), věkový medián, rasové složení atd.</a:t>
+            </a:r>
+          </a:p>
+          <a:p>
+            <a:pPr marL="856615" lvl="2" indent="-170815">
+              <a:buFont typeface="Wingdings" panose="020B0604020202020204" pitchFamily="34" charset="0"/>
+              <a:buChar char="§"/>
+            </a:pPr>
+            <a:r>
+              <a:rPr lang="cs-CZ" sz="1400" b="1" dirty="0">
+                <a:latin typeface="Arial"/>
+                <a:cs typeface="Arial"/>
+              </a:rPr>
+              <a:t>Celkem 80 sloupců </a:t>
+            </a:r>
+            <a:r>
+              <a:rPr lang="cs-CZ" sz="1400" dirty="0">
+                <a:latin typeface="Arial"/>
+                <a:cs typeface="Arial"/>
+              </a:rPr>
+              <a:t>a </a:t>
+            </a:r>
+            <a:r>
+              <a:rPr lang="cs-CZ" sz="1400" b="1" dirty="0">
+                <a:latin typeface="Arial"/>
+                <a:cs typeface="Arial"/>
+              </a:rPr>
+              <a:t>358 417 řádků </a:t>
+            </a:r>
+            <a:r>
+              <a:rPr lang="cs-CZ" sz="1400" dirty="0">
+                <a:latin typeface="Arial"/>
+                <a:cs typeface="Arial"/>
+              </a:rPr>
+              <a:t>(protože je to od roku 2020 do 2024)</a:t>
+            </a:r>
+            <a:endParaRPr lang="cs-CZ" sz="1400" dirty="0"/>
+          </a:p>
+          <a:p>
+            <a:pPr marL="856615" lvl="2" indent="-170815">
+              <a:buFont typeface="Wingdings" panose="020B0604020202020204" pitchFamily="34" charset="0"/>
+              <a:buChar char="§"/>
+            </a:pPr>
+            <a:r>
+              <a:rPr lang="cs-CZ" sz="1400" dirty="0">
+                <a:latin typeface="Arial"/>
+                <a:cs typeface="Arial"/>
+              </a:rPr>
+              <a:t>Vztah k prvnímu </a:t>
+            </a:r>
+            <a:r>
+              <a:rPr lang="cs-CZ" sz="1400" dirty="0" err="1">
+                <a:latin typeface="Arial"/>
+                <a:cs typeface="Arial"/>
+              </a:rPr>
+              <a:t>datasetu</a:t>
+            </a:r>
+            <a:r>
+              <a:rPr lang="cs-CZ" sz="1400" dirty="0">
+                <a:latin typeface="Arial"/>
+                <a:cs typeface="Arial"/>
+              </a:rPr>
+              <a:t> je 1:N (1 </a:t>
+            </a:r>
+            <a:r>
+              <a:rPr lang="cs-CZ" sz="1400" dirty="0" err="1">
+                <a:latin typeface="Arial"/>
+                <a:cs typeface="Arial"/>
+              </a:rPr>
+              <a:t>county</a:t>
+            </a:r>
+            <a:r>
+              <a:rPr lang="cs-CZ" sz="1400" dirty="0">
+                <a:latin typeface="Arial"/>
+                <a:cs typeface="Arial"/>
+              </a:rPr>
+              <a:t> má mnoho záznamů), spojeno se podle hodnoty FIPS</a:t>
+            </a:r>
+          </a:p>
+          <a:p>
+            <a:pPr marL="513724" lvl="1" indent="-170815">
+              <a:buFont typeface="Wingdings" panose="020B0604020202020204" pitchFamily="34" charset="0"/>
+              <a:buChar char="§"/>
+            </a:pPr>
+            <a:r>
+              <a:rPr lang="cs-CZ" b="1" dirty="0" err="1">
+                <a:latin typeface="Arial"/>
+                <a:cs typeface="Arial"/>
+              </a:rPr>
+              <a:t>Poverty</a:t>
+            </a:r>
+            <a:r>
+              <a:rPr lang="cs-CZ" b="1" dirty="0">
+                <a:latin typeface="Arial"/>
+                <a:cs typeface="Arial"/>
+              </a:rPr>
+              <a:t> and </a:t>
+            </a:r>
+            <a:r>
+              <a:rPr lang="cs-CZ" b="1" dirty="0" err="1">
+                <a:latin typeface="Arial"/>
+                <a:cs typeface="Arial"/>
+              </a:rPr>
+              <a:t>Income</a:t>
+            </a:r>
+            <a:r>
+              <a:rPr lang="cs-CZ" b="1" dirty="0">
+                <a:latin typeface="Arial"/>
+                <a:cs typeface="Arial"/>
+              </a:rPr>
+              <a:t> per </a:t>
+            </a:r>
+            <a:r>
+              <a:rPr lang="cs-CZ" b="1" dirty="0" err="1">
+                <a:latin typeface="Arial"/>
+                <a:cs typeface="Arial"/>
+              </a:rPr>
+              <a:t>county</a:t>
+            </a:r>
+            <a:endParaRPr lang="cs-CZ" b="1" dirty="0">
+              <a:latin typeface="Arial"/>
+              <a:cs typeface="Arial"/>
+            </a:endParaRPr>
+          </a:p>
+          <a:p>
+            <a:pPr marL="856615" lvl="2" indent="-170815">
+              <a:buFont typeface="Wingdings" panose="020B0604020202020204" pitchFamily="34" charset="0"/>
+              <a:buChar char="§"/>
+            </a:pPr>
+            <a:r>
+              <a:rPr lang="cs-CZ" sz="1400" dirty="0">
+                <a:latin typeface="Arial"/>
+                <a:cs typeface="Arial"/>
+              </a:rPr>
+              <a:t>Obsahuje informace o chudobě a příjmu domácností per </a:t>
+            </a:r>
+            <a:r>
+              <a:rPr lang="cs-CZ" sz="1400" dirty="0" err="1">
+                <a:latin typeface="Arial"/>
+                <a:cs typeface="Arial"/>
+              </a:rPr>
+              <a:t>county</a:t>
+            </a:r>
+            <a:endParaRPr lang="cs-CZ" sz="1400" dirty="0">
+              <a:latin typeface="Arial"/>
+              <a:cs typeface="Arial"/>
+            </a:endParaRPr>
+          </a:p>
+          <a:p>
+            <a:pPr marL="856615" lvl="2" indent="-170815">
+              <a:buFont typeface="Wingdings" panose="020B0604020202020204" pitchFamily="34" charset="0"/>
+              <a:buChar char="§"/>
+            </a:pPr>
+            <a:r>
+              <a:rPr lang="cs-CZ" sz="1400" b="1" dirty="0">
+                <a:latin typeface="Arial"/>
+                <a:cs typeface="Arial"/>
+              </a:rPr>
+              <a:t>Celkem 31 sloupců </a:t>
+            </a:r>
+            <a:r>
+              <a:rPr lang="cs-CZ" sz="1400" dirty="0">
+                <a:latin typeface="Arial"/>
+                <a:cs typeface="Arial"/>
+              </a:rPr>
+              <a:t>a </a:t>
+            </a:r>
+            <a:r>
+              <a:rPr lang="cs-CZ" sz="1400" b="1" dirty="0">
+                <a:latin typeface="Arial"/>
+                <a:cs typeface="Arial"/>
+              </a:rPr>
+              <a:t>3195 řádků</a:t>
+            </a:r>
+          </a:p>
+          <a:p>
+            <a:pPr marL="856615" lvl="2" indent="-170815">
+              <a:buFont typeface="Wingdings" panose="020B0604020202020204" pitchFamily="34" charset="0"/>
+              <a:buChar char="§"/>
+            </a:pPr>
+            <a:r>
+              <a:rPr lang="cs-CZ" sz="1400" dirty="0">
+                <a:latin typeface="Arial"/>
+                <a:cs typeface="Arial"/>
+              </a:rPr>
+              <a:t>Vztah k prvnímu </a:t>
+            </a:r>
+            <a:r>
+              <a:rPr lang="cs-CZ" sz="1400" dirty="0" err="1">
+                <a:latin typeface="Arial"/>
+                <a:cs typeface="Arial"/>
+              </a:rPr>
+              <a:t>datasetu</a:t>
+            </a:r>
+            <a:r>
+              <a:rPr lang="cs-CZ" sz="1400" dirty="0">
+                <a:latin typeface="Arial"/>
+                <a:cs typeface="Arial"/>
+              </a:rPr>
+              <a:t> je 1:N (1 </a:t>
+            </a:r>
+            <a:r>
+              <a:rPr lang="cs-CZ" sz="1400" dirty="0" err="1">
+                <a:latin typeface="Arial"/>
+                <a:cs typeface="Arial"/>
+              </a:rPr>
+              <a:t>county</a:t>
+            </a:r>
+            <a:r>
+              <a:rPr lang="cs-CZ" sz="1400" dirty="0">
+                <a:latin typeface="Arial"/>
+                <a:cs typeface="Arial"/>
+              </a:rPr>
+              <a:t> má mnoho záznamů), spojeno se podle hodnoty FIPS</a:t>
+            </a:r>
+          </a:p>
+          <a:p>
+            <a:pPr marL="856615" lvl="2" indent="-170815">
+              <a:buFont typeface="Wingdings" panose="020B0604020202020204" pitchFamily="34" charset="0"/>
+              <a:buChar char="§"/>
+            </a:pPr>
+            <a:endParaRPr lang="cs-CZ" sz="1400" dirty="0">
+              <a:latin typeface="Arial"/>
+              <a:cs typeface="Arial"/>
+            </a:endParaRPr>
+          </a:p>
+          <a:p>
+            <a:pPr marL="685800" lvl="2" indent="0">
+              <a:buNone/>
+            </a:pPr>
+            <a:endParaRPr lang="cs-CZ" sz="1400" dirty="0">
+              <a:latin typeface="Arial"/>
+              <a:cs typeface="Arial"/>
+            </a:endParaRPr>
+          </a:p>
+        </p:txBody>
+      </p:sp>
+    </p:spTree>
+    <p:extLst>
+      <p:ext uri="{BB962C8B-B14F-4D97-AF65-F5344CB8AC3E}">
+        <p14:creationId xmlns:p14="http://schemas.microsoft.com/office/powerpoint/2010/main" val="2819717697"/>
+      </p:ext>
+    </p:extLst>
+  </p:cSld>
+  <p:clrMapOvr>
+    <a:masterClrMapping/>
+  </p:clrMapOvr>
+  <mc:AlternateContent xmlns:mc="http://schemas.openxmlformats.org/markup-compatibility/2006" xmlns:p14="http://schemas.microsoft.com/office/powerpoint/2010/main">
+    <mc:Choice Requires="p14">
+      <p:transition spd="med" p14:dur="700">
+        <p:fade/>
+      </p:transition>
+    </mc:Choice>
+    <mc:Fallback xmlns="">
+      <p:transition spd="med">
+        <p:fade/>
+      </p:transition>
+    </mc:Fallback>
+  </mc:AlternateContent>
+</p:sld>
+</file>
+
+<file path=ppt/slides/slide4.xml><?xml version="1.0" encoding="utf-8"?>
+<p:sld xmlns:a="http://schemas.openxmlformats.org/drawingml/2006/main" xmlns:r="http://schemas.openxmlformats.org/officeDocument/2006/relationships" xmlns:p="http://schemas.openxmlformats.org/presentationml/2006/main">
+  <p:cSld>
+    <p:spTree>
+      <p:nvGrpSpPr>
         <p:cNvPr id="1" name="">
           <a:extLst>
             <a:ext uri="{FF2B5EF4-FFF2-40B4-BE49-F238E27FC236}">
@@ -9792,7 +15677,7 @@
     </p:spTree>
     <p:extLst>
       <p:ext uri="{BB962C8B-B14F-4D97-AF65-F5344CB8AC3E}">
-        <p14:creationId xmlns:p14="http://schemas.microsoft.com/office/powerpoint/2010/main" val="2088849679"/>
+        <p14:creationId xmlns:p14="http://schemas.microsoft.com/office/powerpoint/2010/main" val="838937498"/>
       </p:ext>
     </p:extLst>
   </p:cSld>
@@ -9814,7 +15699,7 @@
 </p:sld>
 </file>
 
-<file path=ppt/slides/slide4.xml><?xml version="1.0" encoding="utf-8"?>
+<file path=ppt/slides/slide5.xml><?xml version="1.0" encoding="utf-8"?>
 <p:sld xmlns:a="http://schemas.openxmlformats.org/drawingml/2006/main" xmlns:r="http://schemas.openxmlformats.org/officeDocument/2006/relationships" xmlns:p="http://schemas.openxmlformats.org/presentationml/2006/main">
   <p:cSld>
     <p:spTree>
@@ -9836,7 +15721,7 @@
           <p:cNvPr id="8" name="Title 1">
             <a:extLst>
               <a:ext uri="{FF2B5EF4-FFF2-40B4-BE49-F238E27FC236}">
-                <a16:creationId xmlns:a16="http://schemas.microsoft.com/office/drawing/2014/main" id="{FD0270CA-D725-1436-A689-0431B927442A}"/>
+                <a16:creationId xmlns:a16="http://schemas.microsoft.com/office/drawing/2014/main" id="{3F0ACB25-D531-3F80-0648-04855C262F19}"/>
               </a:ext>
             </a:extLst>
           </p:cNvPr>
@@ -9861,7 +15746,7 @@
           <a:p>
             <a:r>
               <a:rPr lang="en-US" dirty="0" err="1"/>
-              <a:t>Klíčová</a:t>
+              <a:t>Způsoby</a:t>
             </a:r>
             <a:r>
               <a:rPr lang="en-US" dirty="0"/>
@@ -9869,38 +15754,240 @@
             </a:r>
             <a:r>
               <a:rPr lang="en-US" dirty="0" err="1"/>
-              <a:t>zjištění</a:t>
+              <a:t>analýzy</a:t>
             </a:r>
             <a:endParaRPr lang="en-US" dirty="0"/>
+          </a:p>
+        </p:txBody>
+      </p:sp>
+      <p:sp>
+        <p:nvSpPr>
+          <p:cNvPr id="10" name="Content Placeholder 2">
+            <a:extLst>
+              <a:ext uri="{FF2B5EF4-FFF2-40B4-BE49-F238E27FC236}">
+                <a16:creationId xmlns:a16="http://schemas.microsoft.com/office/drawing/2014/main" id="{9BE418EB-0D8A-B156-C654-0496AE0830B3}"/>
+              </a:ext>
+            </a:extLst>
+          </p:cNvPr>
+          <p:cNvSpPr>
+            <a:spLocks noGrp="1"/>
+          </p:cNvSpPr>
+          <p:nvPr>
+            <p:ph sz="half" idx="1"/>
+          </p:nvPr>
+        </p:nvSpPr>
+        <p:spPr>
+          <a:xfrm>
+            <a:off x="628650" y="1825625"/>
+            <a:ext cx="3886200" cy="4530730"/>
+          </a:xfrm>
+        </p:spPr>
+        <p:txBody>
+          <a:bodyPr>
+            <a:normAutofit/>
+          </a:bodyPr>
+          <a:lstStyle/>
+          <a:p>
+            <a:r>
+              <a:rPr lang="en-US" dirty="0"/>
+              <a:t>Pro </a:t>
+            </a:r>
+            <a:r>
+              <a:rPr lang="en-US" dirty="0" err="1"/>
+              <a:t>uložení</a:t>
+            </a:r>
+            <a:r>
+              <a:rPr lang="en-US" dirty="0"/>
+              <a:t> </a:t>
+            </a:r>
+            <a:r>
+              <a:rPr lang="en-US" dirty="0" err="1"/>
+              <a:t>dat</a:t>
+            </a:r>
+            <a:r>
+              <a:rPr lang="en-US" dirty="0"/>
+              <a:t> a </a:t>
+            </a:r>
+            <a:r>
+              <a:rPr lang="en-US" dirty="0" err="1"/>
+              <a:t>jejich</a:t>
+            </a:r>
+            <a:r>
+              <a:rPr lang="en-US" dirty="0"/>
+              <a:t> </a:t>
+            </a:r>
+            <a:r>
+              <a:rPr lang="en-US" dirty="0" err="1"/>
+              <a:t>vyčištění</a:t>
+            </a:r>
+            <a:r>
+              <a:rPr lang="en-US" dirty="0"/>
+              <a:t> </a:t>
+            </a:r>
+            <a:r>
+              <a:rPr lang="en-US" dirty="0" err="1"/>
+              <a:t>bylo</a:t>
+            </a:r>
+            <a:r>
+              <a:rPr lang="en-US" dirty="0"/>
+              <a:t> </a:t>
+            </a:r>
+            <a:r>
+              <a:rPr lang="en-US" dirty="0" err="1"/>
+              <a:t>použito</a:t>
+            </a:r>
+            <a:r>
+              <a:rPr lang="en-US" dirty="0"/>
+              <a:t> </a:t>
+            </a:r>
+            <a:r>
+              <a:rPr lang="en-US" dirty="0" err="1"/>
+              <a:t>BigQuery</a:t>
+            </a:r>
+            <a:endParaRPr lang="en-US" dirty="0"/>
+          </a:p>
+          <a:p>
+            <a:r>
+              <a:rPr lang="en-US" dirty="0"/>
+              <a:t>Data se </a:t>
+            </a:r>
+            <a:r>
+              <a:rPr lang="en-US" dirty="0" err="1"/>
+              <a:t>pomocí</a:t>
+            </a:r>
+            <a:r>
+              <a:rPr lang="en-US" dirty="0"/>
+              <a:t> </a:t>
+            </a:r>
+            <a:r>
+              <a:rPr lang="en-US" dirty="0" err="1"/>
+              <a:t>nativního</a:t>
+            </a:r>
+            <a:r>
+              <a:rPr lang="en-US" dirty="0"/>
+              <a:t> </a:t>
+            </a:r>
+            <a:r>
+              <a:rPr lang="en-US" dirty="0" err="1"/>
+              <a:t>powerquery</a:t>
+            </a:r>
+            <a:r>
+              <a:rPr lang="en-US" dirty="0"/>
+              <a:t> </a:t>
+            </a:r>
+            <a:r>
+              <a:rPr lang="en-US" dirty="0" err="1"/>
+              <a:t>konektoru</a:t>
+            </a:r>
+            <a:r>
+              <a:rPr lang="en-US" dirty="0"/>
+              <a:t> </a:t>
+            </a:r>
+            <a:r>
+              <a:rPr lang="en-US" dirty="0" err="1"/>
+              <a:t>napojila</a:t>
+            </a:r>
+            <a:r>
+              <a:rPr lang="en-US" dirty="0"/>
+              <a:t> </a:t>
+            </a:r>
+            <a:r>
+              <a:rPr lang="en-US" dirty="0" err="1"/>
+              <a:t>na</a:t>
+            </a:r>
+            <a:r>
+              <a:rPr lang="en-US" dirty="0"/>
+              <a:t> </a:t>
+            </a:r>
+            <a:r>
+              <a:rPr lang="en-US" dirty="0" err="1"/>
+              <a:t>PowerBI</a:t>
+            </a:r>
+            <a:endParaRPr lang="en-US" dirty="0"/>
+          </a:p>
+          <a:p>
+            <a:r>
+              <a:rPr lang="en-US" dirty="0" err="1"/>
+              <a:t>Pravidla</a:t>
+            </a:r>
+            <a:r>
+              <a:rPr lang="en-US" dirty="0"/>
+              <a:t> </a:t>
+            </a:r>
+            <a:r>
+              <a:rPr lang="en-US" dirty="0" err="1"/>
+              <a:t>byla</a:t>
+            </a:r>
+            <a:r>
+              <a:rPr lang="en-US" dirty="0"/>
+              <a:t> </a:t>
+            </a:r>
+            <a:r>
+              <a:rPr lang="en-US" dirty="0" err="1"/>
+              <a:t>vytvořena</a:t>
+            </a:r>
+            <a:r>
+              <a:rPr lang="en-US" dirty="0"/>
+              <a:t> </a:t>
+            </a:r>
+            <a:r>
+              <a:rPr lang="en-US" dirty="0" err="1"/>
+              <a:t>pomocí</a:t>
+            </a:r>
+            <a:r>
+              <a:rPr lang="en-US" dirty="0"/>
+              <a:t> </a:t>
+            </a:r>
+            <a:r>
+              <a:rPr lang="en-US" dirty="0" err="1"/>
+              <a:t>knihovny</a:t>
+            </a:r>
+            <a:r>
+              <a:rPr lang="en-US" dirty="0"/>
+              <a:t> CleverMiner – </a:t>
+            </a:r>
+            <a:r>
+              <a:rPr lang="en-US" dirty="0" err="1"/>
+              <a:t>CFMiner</a:t>
+            </a:r>
+            <a:r>
+              <a:rPr lang="en-US" dirty="0"/>
+              <a:t>, 4ftMiner, SD4ftMiner</a:t>
+            </a:r>
           </a:p>
         </p:txBody>
       </p:sp>
       <p:pic>
         <p:nvPicPr>
-          <p:cNvPr id="4" name="Content Placeholder 3">
+          <p:cNvPr id="2" name="Picture 1" descr="A diagram of a company&#10;&#10;AI-generated content may be incorrect.">
             <a:extLst>
               <a:ext uri="{FF2B5EF4-FFF2-40B4-BE49-F238E27FC236}">
-                <a16:creationId xmlns:a16="http://schemas.microsoft.com/office/drawing/2014/main" id="{282C7369-8420-9A7F-D76A-9104497F7DF7}"/>
+                <a16:creationId xmlns:a16="http://schemas.microsoft.com/office/drawing/2014/main" id="{D93B4B9C-CC4E-8FEF-C38F-E4A8A04FA5D4}"/>
               </a:ext>
             </a:extLst>
           </p:cNvPr>
           <p:cNvPicPr>
-            <a:picLocks noGrp="1" noChangeAspect="1"/>
+            <a:picLocks noChangeAspect="1"/>
           </p:cNvPicPr>
-          <p:nvPr>
-            <p:ph idx="1"/>
-          </p:nvPr>
+          <p:nvPr/>
         </p:nvPicPr>
         <p:blipFill>
-          <a:blip r:embed="rId2"/>
+          <a:blip r:embed="rId2">
+            <a:extLst>
+              <a:ext uri="{28A0092B-C50C-407E-A947-70E740481C1C}">
+                <a14:useLocalDpi xmlns:a14="http://schemas.microsoft.com/office/drawing/2010/main" val="0"/>
+              </a:ext>
+            </a:extLst>
+          </a:blip>
+          <a:srcRect l="28605" r="26577" b="-1"/>
           <a:stretch>
             <a:fillRect/>
           </a:stretch>
         </p:blipFill>
         <p:spPr>
           <a:xfrm>
-            <a:off x="628650" y="2264752"/>
-            <a:ext cx="4967245" cy="2433949"/>
+            <a:off x="4629150" y="1825624"/>
+            <a:ext cx="3886200" cy="4530729"/>
           </a:xfrm>
           <a:prstGeom prst="rect">
             <a:avLst/>
@@ -9910,10 +15997,10 @@
       </p:pic>
       <p:sp>
         <p:nvSpPr>
-          <p:cNvPr id="5" name="TextBox 4">
+          <p:cNvPr id="3" name="TextovéPole 3">
             <a:extLst>
               <a:ext uri="{FF2B5EF4-FFF2-40B4-BE49-F238E27FC236}">
-                <a16:creationId xmlns:a16="http://schemas.microsoft.com/office/drawing/2014/main" id="{0F899852-8817-5F99-832D-703B42547DD0}"/>
+                <a16:creationId xmlns:a16="http://schemas.microsoft.com/office/drawing/2014/main" id="{33A809F0-F3AA-3249-AB45-A1D0249C945B}"/>
               </a:ext>
             </a:extLst>
           </p:cNvPr>
@@ -9922,8 +16009,8 @@
         </p:nvSpPr>
         <p:spPr>
           <a:xfrm>
-            <a:off x="520860" y="1789968"/>
-            <a:ext cx="7755038" cy="646331"/>
+            <a:off x="6897482" y="6422257"/>
+            <a:ext cx="2743200" cy="365760"/>
           </a:xfrm>
           <a:prstGeom prst="rect">
             <a:avLst/>
@@ -9931,131 +16018,29 @@
           <a:noFill/>
         </p:spPr>
         <p:txBody>
-          <a:bodyPr wrap="square" rtlCol="0">
+          <a:bodyPr rot="0" spcFirstLastPara="0" vertOverflow="overflow" horzOverflow="overflow" vert="horz" wrap="square" lIns="91440" tIns="45720" rIns="91440" bIns="45720" numCol="1" spcCol="0" rtlCol="0" fromWordArt="0" anchor="t" anchorCtr="0" forceAA="0" compatLnSpc="1">
+            <a:prstTxWarp prst="textNoShape">
+              <a:avLst/>
+            </a:prstTxWarp>
             <a:spAutoFit/>
           </a:bodyPr>
           <a:lstStyle/>
           <a:p>
-            <a:pPr marL="285750" indent="-285750">
-              <a:buFont typeface="Arial" panose="020B0604020202020204" pitchFamily="34" charset="0"/>
-              <a:buChar char="•"/>
-            </a:pPr>
-            <a:r>
-              <a:rPr lang="en-GB" dirty="0"/>
-              <a:t>N</a:t>
-            </a:r>
-            <a:r>
-              <a:rPr lang="en-CZ" dirty="0"/>
-              <a:t>ejvyšší závažnost COVID případů je ve státě New Jersey</a:t>
-            </a:r>
-          </a:p>
-          <a:p>
-            <a:pPr marL="285750" indent="-285750">
-              <a:buFont typeface="Arial" panose="020B0604020202020204" pitchFamily="34" charset="0"/>
-              <a:buChar char="•"/>
-            </a:pPr>
-            <a:r>
-              <a:rPr lang="en-CZ" dirty="0"/>
-              <a:t>Je vidět, že </a:t>
-            </a:r>
-            <a:r>
-              <a:rPr lang="en-GB" dirty="0" err="1"/>
-              <a:t>i</a:t>
-            </a:r>
-            <a:r>
-              <a:rPr lang="en-GB" dirty="0"/>
-              <a:t> </a:t>
-            </a:r>
-            <a:r>
-              <a:rPr lang="en-GB" dirty="0" err="1"/>
-              <a:t>když</a:t>
-            </a:r>
-            <a:r>
-              <a:rPr lang="en-GB" dirty="0"/>
-              <a:t> </a:t>
-            </a:r>
-            <a:r>
-              <a:rPr lang="en-GB" dirty="0" err="1"/>
-              <a:t>má</a:t>
-            </a:r>
-            <a:r>
-              <a:rPr lang="en-GB" dirty="0"/>
-              <a:t> California </a:t>
-            </a:r>
-            <a:r>
-              <a:rPr lang="en-GB" dirty="0" err="1"/>
-              <a:t>nejvíce</a:t>
-            </a:r>
-            <a:r>
-              <a:rPr lang="en-GB" dirty="0"/>
-              <a:t> </a:t>
-            </a:r>
-            <a:r>
-              <a:rPr lang="en-GB" dirty="0" err="1"/>
-              <a:t>obyvatel</a:t>
-            </a:r>
-            <a:r>
-              <a:rPr lang="en-GB" dirty="0"/>
-              <a:t>, </a:t>
-            </a:r>
-            <a:r>
-              <a:rPr lang="en-GB" dirty="0" err="1"/>
-              <a:t>nemá</a:t>
-            </a:r>
-            <a:r>
-              <a:rPr lang="en-GB" dirty="0"/>
-              <a:t> </a:t>
-            </a:r>
-            <a:r>
-              <a:rPr lang="en-GB" dirty="0" err="1"/>
-              <a:t>nejvyšší</a:t>
-            </a:r>
-            <a:r>
-              <a:rPr lang="en-GB" dirty="0"/>
-              <a:t> </a:t>
-            </a:r>
-            <a:r>
-              <a:rPr lang="en-GB"/>
-              <a:t>úmrtnost</a:t>
-            </a:r>
-            <a:endParaRPr lang="en-CZ" dirty="0"/>
+            <a:r>
+              <a:rPr lang="cs-CZ" dirty="0">
+                <a:ea typeface="Calibri"/>
+                <a:cs typeface="Calibri"/>
+              </a:rPr>
+              <a:t>Zdroj: Autor, 2026</a:t>
+            </a:r>
+            <a:endParaRPr lang="cs-CZ" dirty="0"/>
           </a:p>
         </p:txBody>
       </p:sp>
-      <p:pic>
-        <p:nvPicPr>
-          <p:cNvPr id="6" name="Picture 5">
-            <a:extLst>
-              <a:ext uri="{FF2B5EF4-FFF2-40B4-BE49-F238E27FC236}">
-                <a16:creationId xmlns:a16="http://schemas.microsoft.com/office/drawing/2014/main" id="{84EA584B-AF16-FDC8-9A29-9F1C82A17BAA}"/>
-              </a:ext>
-            </a:extLst>
-          </p:cNvPr>
-          <p:cNvPicPr>
-            <a:picLocks noChangeAspect="1"/>
-          </p:cNvPicPr>
-          <p:nvPr/>
-        </p:nvPicPr>
-        <p:blipFill>
-          <a:blip r:embed="rId3"/>
-          <a:stretch>
-            <a:fillRect/>
-          </a:stretch>
-        </p:blipFill>
-        <p:spPr>
-          <a:xfrm>
-            <a:off x="4834038" y="2317750"/>
-            <a:ext cx="4013200" cy="2222500"/>
-          </a:xfrm>
-          <a:prstGeom prst="rect">
-            <a:avLst/>
-          </a:prstGeom>
-        </p:spPr>
-      </p:pic>
     </p:spTree>
     <p:extLst>
       <p:ext uri="{BB962C8B-B14F-4D97-AF65-F5344CB8AC3E}">
-        <p14:creationId xmlns:p14="http://schemas.microsoft.com/office/powerpoint/2010/main" val="2916071846"/>
+        <p14:creationId xmlns:p14="http://schemas.microsoft.com/office/powerpoint/2010/main" val="866728670"/>
       </p:ext>
     </p:extLst>
   </p:cSld>
@@ -10069,6 +16054,1111 @@
       </p:transition>
     </mc:Choice>
     <mc:Fallback xmlns="">
+      <p:transition spd="med">
+        <p:fade/>
+      </p:transition>
+    </mc:Fallback>
+  </mc:AlternateContent>
+</p:sld>
+</file>
+
+<file path=ppt/slides/slide6.xml><?xml version="1.0" encoding="utf-8"?>
+<p:sld xmlns:a="http://schemas.openxmlformats.org/drawingml/2006/main" xmlns:r="http://schemas.openxmlformats.org/officeDocument/2006/relationships" xmlns:p="http://schemas.openxmlformats.org/presentationml/2006/main">
+  <p:cSld>
+    <p:spTree>
+      <p:nvGrpSpPr>
+        <p:cNvPr id="1" name="">
+          <a:extLst>
+            <a:ext uri="{FF2B5EF4-FFF2-40B4-BE49-F238E27FC236}">
+              <a16:creationId xmlns:a16="http://schemas.microsoft.com/office/drawing/2014/main" id="{5DA3CA9E-E2EC-3E60-F643-39E20915B4A8}"/>
+            </a:ext>
+          </a:extLst>
+        </p:cNvPr>
+        <p:cNvGrpSpPr/>
+        <p:nvPr/>
+      </p:nvGrpSpPr>
+      <p:grpSpPr>
+        <a:xfrm>
+          <a:off x="0" y="0"/>
+          <a:ext cx="0" cy="0"/>
+          <a:chOff x="0" y="0"/>
+          <a:chExt cx="0" cy="0"/>
+        </a:xfrm>
+      </p:grpSpPr>
+      <p:sp>
+        <p:nvSpPr>
+          <p:cNvPr id="2" name="Nadpis 1">
+            <a:extLst>
+              <a:ext uri="{FF2B5EF4-FFF2-40B4-BE49-F238E27FC236}">
+                <a16:creationId xmlns:a16="http://schemas.microsoft.com/office/drawing/2014/main" id="{EF05E228-022B-98D6-AEDC-169019558917}"/>
+              </a:ext>
+            </a:extLst>
+          </p:cNvPr>
+          <p:cNvSpPr>
+            <a:spLocks noGrp="1"/>
+          </p:cNvSpPr>
+          <p:nvPr>
+            <p:ph type="title"/>
+          </p:nvPr>
+        </p:nvSpPr>
+        <p:spPr>
+          <a:xfrm>
+            <a:off x="628650" y="835520"/>
+            <a:ext cx="7779544" cy="689952"/>
+          </a:xfrm>
+        </p:spPr>
+        <p:txBody>
+          <a:bodyPr>
+            <a:normAutofit fontScale="90000"/>
+          </a:bodyPr>
+          <a:lstStyle/>
+          <a:p>
+            <a:r>
+              <a:rPr lang="cs-CZ" dirty="0">
+                <a:latin typeface="Arial"/>
+                <a:cs typeface="Arial"/>
+              </a:rPr>
+              <a:t>Návrh datového modelu v </a:t>
+            </a:r>
+            <a:r>
+              <a:rPr lang="cs-CZ" dirty="0" err="1">
+                <a:latin typeface="Arial"/>
+                <a:cs typeface="Arial"/>
+              </a:rPr>
+              <a:t>PowerBI</a:t>
+            </a:r>
+            <a:r>
+              <a:rPr lang="cs-CZ" dirty="0">
+                <a:latin typeface="Arial"/>
+                <a:cs typeface="Arial"/>
+              </a:rPr>
+              <a:t> - Entity </a:t>
+            </a:r>
+            <a:r>
+              <a:rPr lang="cs-CZ" dirty="0" err="1">
+                <a:latin typeface="Arial"/>
+                <a:cs typeface="Arial"/>
+              </a:rPr>
+              <a:t>Relationship</a:t>
+            </a:r>
+            <a:r>
+              <a:rPr lang="cs-CZ" dirty="0">
+                <a:latin typeface="Arial"/>
+                <a:cs typeface="Arial"/>
+              </a:rPr>
+              <a:t> Diagram (ERD)</a:t>
+            </a:r>
+            <a:endParaRPr lang="cs-CZ" dirty="0"/>
+          </a:p>
+        </p:txBody>
+      </p:sp>
+      <p:sp>
+        <p:nvSpPr>
+          <p:cNvPr id="4" name="TextovéPole 3">
+            <a:extLst>
+              <a:ext uri="{FF2B5EF4-FFF2-40B4-BE49-F238E27FC236}">
+                <a16:creationId xmlns:a16="http://schemas.microsoft.com/office/drawing/2014/main" id="{3186B88E-2C99-06E6-F2F5-22E47A67B329}"/>
+              </a:ext>
+            </a:extLst>
+          </p:cNvPr>
+          <p:cNvSpPr txBox="1"/>
+          <p:nvPr/>
+        </p:nvSpPr>
+        <p:spPr>
+          <a:xfrm>
+            <a:off x="6897482" y="6422257"/>
+            <a:ext cx="2743200" cy="365760"/>
+          </a:xfrm>
+          <a:prstGeom prst="rect">
+            <a:avLst/>
+          </a:prstGeom>
+          <a:noFill/>
+        </p:spPr>
+        <p:txBody>
+          <a:bodyPr rot="0" spcFirstLastPara="0" vertOverflow="overflow" horzOverflow="overflow" vert="horz" wrap="square" lIns="91440" tIns="45720" rIns="91440" bIns="45720" numCol="1" spcCol="0" rtlCol="0" fromWordArt="0" anchor="t" anchorCtr="0" forceAA="0" compatLnSpc="1">
+            <a:prstTxWarp prst="textNoShape">
+              <a:avLst/>
+            </a:prstTxWarp>
+            <a:spAutoFit/>
+          </a:bodyPr>
+          <a:lstStyle/>
+          <a:p>
+            <a:r>
+              <a:rPr lang="cs-CZ" dirty="0">
+                <a:ea typeface="Calibri"/>
+                <a:cs typeface="Calibri"/>
+              </a:rPr>
+              <a:t>Zdroj: Autor, 2026</a:t>
+            </a:r>
+            <a:endParaRPr lang="cs-CZ" dirty="0"/>
+          </a:p>
+        </p:txBody>
+      </p:sp>
+      <p:pic>
+        <p:nvPicPr>
+          <p:cNvPr id="6" name="Obrázek 5">
+            <a:extLst>
+              <a:ext uri="{FF2B5EF4-FFF2-40B4-BE49-F238E27FC236}">
+                <a16:creationId xmlns:a16="http://schemas.microsoft.com/office/drawing/2014/main" id="{22839676-ED09-A4B4-EE2D-664FD25FB421}"/>
+              </a:ext>
+            </a:extLst>
+          </p:cNvPr>
+          <p:cNvPicPr>
+            <a:picLocks noChangeAspect="1"/>
+          </p:cNvPicPr>
+          <p:nvPr/>
+        </p:nvPicPr>
+        <p:blipFill>
+          <a:blip r:embed="rId2"/>
+          <a:stretch>
+            <a:fillRect/>
+          </a:stretch>
+        </p:blipFill>
+        <p:spPr>
+          <a:xfrm>
+            <a:off x="1240971" y="1600267"/>
+            <a:ext cx="6662057" cy="4821990"/>
+          </a:xfrm>
+          <a:prstGeom prst="rect">
+            <a:avLst/>
+          </a:prstGeom>
+        </p:spPr>
+      </p:pic>
+    </p:spTree>
+    <p:extLst>
+      <p:ext uri="{BB962C8B-B14F-4D97-AF65-F5344CB8AC3E}">
+        <p14:creationId xmlns:p14="http://schemas.microsoft.com/office/powerpoint/2010/main" val="2670353907"/>
+      </p:ext>
+    </p:extLst>
+  </p:cSld>
+  <p:clrMapOvr>
+    <a:masterClrMapping/>
+  </p:clrMapOvr>
+  <mc:AlternateContent xmlns:mc="http://schemas.openxmlformats.org/markup-compatibility/2006" xmlns:p14="http://schemas.microsoft.com/office/powerpoint/2010/main">
+    <mc:Choice Requires="p14">
+      <p:transition spd="med" p14:dur="700">
+        <p:fade/>
+      </p:transition>
+    </mc:Choice>
+    <mc:Fallback xmlns="">
+      <p:transition spd="med">
+        <p:fade/>
+      </p:transition>
+    </mc:Fallback>
+  </mc:AlternateContent>
+</p:sld>
+</file>
+
+<file path=ppt/slides/slide7.xml><?xml version="1.0" encoding="utf-8"?>
+<p:sld xmlns:a="http://schemas.openxmlformats.org/drawingml/2006/main" xmlns:r="http://schemas.openxmlformats.org/officeDocument/2006/relationships" xmlns:p="http://schemas.openxmlformats.org/presentationml/2006/main">
+  <p:cSld>
+    <p:spTree>
+      <p:nvGrpSpPr>
+        <p:cNvPr id="1" name="">
+          <a:extLst>
+            <a:ext uri="{FF2B5EF4-FFF2-40B4-BE49-F238E27FC236}">
+              <a16:creationId xmlns:a16="http://schemas.microsoft.com/office/drawing/2014/main" id="{27E64DF9-FC15-F1D4-6E46-3AA0267C5E68}"/>
+            </a:ext>
+          </a:extLst>
+        </p:cNvPr>
+        <p:cNvGrpSpPr/>
+        <p:nvPr/>
+      </p:nvGrpSpPr>
+      <p:grpSpPr>
+        <a:xfrm>
+          <a:off x="0" y="0"/>
+          <a:ext cx="0" cy="0"/>
+          <a:chOff x="0" y="0"/>
+          <a:chExt cx="0" cy="0"/>
+        </a:xfrm>
+      </p:grpSpPr>
+      <p:sp>
+        <p:nvSpPr>
+          <p:cNvPr id="2" name="Nadpis 1">
+            <a:extLst>
+              <a:ext uri="{FF2B5EF4-FFF2-40B4-BE49-F238E27FC236}">
+                <a16:creationId xmlns:a16="http://schemas.microsoft.com/office/drawing/2014/main" id="{457C71D1-316F-D7FD-10C1-8BEA70F3763E}"/>
+              </a:ext>
+            </a:extLst>
+          </p:cNvPr>
+          <p:cNvSpPr>
+            <a:spLocks noGrp="1"/>
+          </p:cNvSpPr>
+          <p:nvPr>
+            <p:ph type="title"/>
+          </p:nvPr>
+        </p:nvSpPr>
+        <p:spPr/>
+        <p:txBody>
+          <a:bodyPr>
+            <a:normAutofit fontScale="90000"/>
+          </a:bodyPr>
+          <a:lstStyle/>
+          <a:p>
+            <a:r>
+              <a:rPr lang="cs-CZ" dirty="0">
+                <a:latin typeface="Arial"/>
+                <a:cs typeface="Arial"/>
+              </a:rPr>
+              <a:t>Problémy při návrhu procesu zpracování dat 1/2</a:t>
+            </a:r>
+            <a:endParaRPr lang="cs-CZ" dirty="0"/>
+          </a:p>
+        </p:txBody>
+      </p:sp>
+      <p:sp>
+        <p:nvSpPr>
+          <p:cNvPr id="5" name="Zástupný obsah 2">
+            <a:extLst>
+              <a:ext uri="{FF2B5EF4-FFF2-40B4-BE49-F238E27FC236}">
+                <a16:creationId xmlns:a16="http://schemas.microsoft.com/office/drawing/2014/main" id="{17563395-3332-0B03-CDA8-8995C28B598B}"/>
+              </a:ext>
+            </a:extLst>
+          </p:cNvPr>
+          <p:cNvSpPr>
+            <a:spLocks noGrp="1"/>
+          </p:cNvSpPr>
+          <p:nvPr>
+            <p:ph idx="1"/>
+          </p:nvPr>
+        </p:nvSpPr>
+        <p:spPr>
+          <a:xfrm>
+            <a:off x="525780" y="1789968"/>
+            <a:ext cx="7882414" cy="4627457"/>
+          </a:xfrm>
+        </p:spPr>
+        <p:txBody>
+          <a:bodyPr vert="horz" lIns="91440" tIns="45720" rIns="91440" bIns="45720" rtlCol="0" anchor="t">
+            <a:noAutofit/>
+          </a:bodyPr>
+          <a:lstStyle/>
+          <a:p>
+            <a:pPr marL="170815" indent="-170815"/>
+            <a:r>
+              <a:rPr lang="cs-CZ" sz="2400" b="1" dirty="0">
+                <a:latin typeface="Arial"/>
+                <a:cs typeface="Arial"/>
+              </a:rPr>
+              <a:t>Nekonzistentní formáty názvů FIPS</a:t>
+            </a:r>
+          </a:p>
+          <a:p>
+            <a:r>
+              <a:rPr lang="cs-CZ" b="1" dirty="0"/>
+              <a:t>Problém:</a:t>
+            </a:r>
+            <a:r>
+              <a:rPr lang="cs-CZ" dirty="0"/>
+              <a:t> Zdrojové CSV soubory obsahovaly FIPS kódy v různých datových typech. V některých případech šlo o textové řetězce s vodícími nulami (např. "01001"), zatímco v jiných o celá čísla (1001). To znemožňovalo přímé spojení tabulek (JOIN).</a:t>
+            </a:r>
+          </a:p>
+          <a:p>
+            <a:r>
+              <a:rPr lang="cs-CZ" b="1" dirty="0"/>
+              <a:t>Řešení:</a:t>
+            </a:r>
+            <a:r>
+              <a:rPr lang="cs-CZ" dirty="0"/>
+              <a:t> Byla provedena standardizace v SQL vrstvě (přetypování na </a:t>
+            </a:r>
+            <a:r>
+              <a:rPr lang="cs-CZ" dirty="0" err="1"/>
+              <a:t>string</a:t>
+            </a:r>
+            <a:r>
+              <a:rPr lang="cs-CZ" dirty="0"/>
+              <a:t>), čímž se sjednotil formát klíčů napříč všemi </a:t>
+            </a:r>
+            <a:r>
+              <a:rPr lang="cs-CZ" dirty="0" err="1"/>
+              <a:t>datasety</a:t>
+            </a:r>
+            <a:r>
+              <a:rPr lang="cs-CZ" dirty="0"/>
+              <a:t> + formát byl vždy pětičíselný</a:t>
+            </a:r>
+          </a:p>
+          <a:p>
+            <a:pPr marL="513715" lvl="1" indent="-170815">
+              <a:buFont typeface="Courier New" panose="020B0604020202020204" pitchFamily="34" charset="0"/>
+              <a:buChar char="o"/>
+            </a:pPr>
+            <a:endParaRPr lang="cs-CZ" sz="1600" dirty="0"/>
+          </a:p>
+          <a:p>
+            <a:pPr marL="513715" lvl="1" indent="-170815">
+              <a:buFont typeface="Courier New" panose="020B0604020202020204" pitchFamily="34" charset="0"/>
+              <a:buChar char="o"/>
+            </a:pPr>
+            <a:endParaRPr lang="cs-CZ" sz="1600" dirty="0"/>
+          </a:p>
+          <a:p>
+            <a:pPr marL="513715" lvl="1" indent="-170815">
+              <a:buFont typeface="Courier New" panose="020B0604020202020204" pitchFamily="34" charset="0"/>
+              <a:buChar char="o"/>
+            </a:pPr>
+            <a:endParaRPr lang="cs-CZ" sz="1600" dirty="0"/>
+          </a:p>
+          <a:p>
+            <a:pPr marL="513715" lvl="1" indent="-170815">
+              <a:buFont typeface="Courier New" panose="020B0604020202020204" pitchFamily="34" charset="0"/>
+              <a:buChar char="o"/>
+            </a:pPr>
+            <a:endParaRPr lang="cs-CZ" sz="1600" dirty="0"/>
+          </a:p>
+          <a:p>
+            <a:pPr marL="856615" lvl="2" indent="-170815">
+              <a:buFont typeface="Wingdings" panose="020B0604020202020204" pitchFamily="34" charset="0"/>
+              <a:buChar char="§"/>
+            </a:pPr>
+            <a:endParaRPr lang="cs-CZ" sz="1300" dirty="0"/>
+          </a:p>
+          <a:p>
+            <a:pPr marL="513715" lvl="1" indent="-170815">
+              <a:buFont typeface="Courier New" panose="020B0604020202020204" pitchFamily="34" charset="0"/>
+              <a:buChar char="o"/>
+            </a:pPr>
+            <a:endParaRPr lang="cs-CZ" sz="2100" dirty="0"/>
+          </a:p>
+          <a:p>
+            <a:pPr marL="170815" indent="-170815"/>
+            <a:endParaRPr lang="cs-CZ" sz="2400" b="1" dirty="0"/>
+          </a:p>
+          <a:p>
+            <a:pPr marL="170815" indent="-170815"/>
+            <a:endParaRPr lang="cs-CZ" sz="2400" b="1" dirty="0"/>
+          </a:p>
+        </p:txBody>
+      </p:sp>
+    </p:spTree>
+    <p:extLst>
+      <p:ext uri="{BB962C8B-B14F-4D97-AF65-F5344CB8AC3E}">
+        <p14:creationId xmlns:p14="http://schemas.microsoft.com/office/powerpoint/2010/main" val="1127815583"/>
+      </p:ext>
+    </p:extLst>
+  </p:cSld>
+  <p:clrMapOvr>
+    <a:masterClrMapping/>
+  </p:clrMapOvr>
+  <mc:AlternateContent xmlns:mc="http://schemas.openxmlformats.org/markup-compatibility/2006" xmlns:p14="http://schemas.microsoft.com/office/powerpoint/2010/main">
+    <mc:Choice Requires="p14">
+      <p:transition spd="med" p14:dur="700">
+        <p:fade/>
+      </p:transition>
+    </mc:Choice>
+    <mc:Fallback xmlns="">
+      <p:transition spd="med">
+        <p:fade/>
+      </p:transition>
+    </mc:Fallback>
+  </mc:AlternateContent>
+</p:sld>
+</file>
+
+<file path=ppt/slides/slide8.xml><?xml version="1.0" encoding="utf-8"?>
+<p:sld xmlns:a="http://schemas.openxmlformats.org/drawingml/2006/main" xmlns:r="http://schemas.openxmlformats.org/officeDocument/2006/relationships" xmlns:p="http://schemas.openxmlformats.org/presentationml/2006/main">
+  <p:cSld>
+    <p:spTree>
+      <p:nvGrpSpPr>
+        <p:cNvPr id="1" name="">
+          <a:extLst>
+            <a:ext uri="{FF2B5EF4-FFF2-40B4-BE49-F238E27FC236}">
+              <a16:creationId xmlns:a16="http://schemas.microsoft.com/office/drawing/2014/main" id="{416793D0-993C-7B40-3908-BE5C0050BAB4}"/>
+            </a:ext>
+          </a:extLst>
+        </p:cNvPr>
+        <p:cNvGrpSpPr/>
+        <p:nvPr/>
+      </p:nvGrpSpPr>
+      <p:grpSpPr>
+        <a:xfrm>
+          <a:off x="0" y="0"/>
+          <a:ext cx="0" cy="0"/>
+          <a:chOff x="0" y="0"/>
+          <a:chExt cx="0" cy="0"/>
+        </a:xfrm>
+      </p:grpSpPr>
+      <p:sp>
+        <p:nvSpPr>
+          <p:cNvPr id="2" name="Nadpis 1">
+            <a:extLst>
+              <a:ext uri="{FF2B5EF4-FFF2-40B4-BE49-F238E27FC236}">
+                <a16:creationId xmlns:a16="http://schemas.microsoft.com/office/drawing/2014/main" id="{212C3FA9-8E4C-F117-F754-7F8D0A70F0CD}"/>
+              </a:ext>
+            </a:extLst>
+          </p:cNvPr>
+          <p:cNvSpPr>
+            <a:spLocks noGrp="1"/>
+          </p:cNvSpPr>
+          <p:nvPr>
+            <p:ph type="title"/>
+          </p:nvPr>
+        </p:nvSpPr>
+        <p:spPr/>
+        <p:txBody>
+          <a:bodyPr>
+            <a:normAutofit fontScale="90000"/>
+          </a:bodyPr>
+          <a:lstStyle/>
+          <a:p>
+            <a:r>
+              <a:rPr lang="cs-CZ" dirty="0">
+                <a:latin typeface="Arial"/>
+                <a:cs typeface="Arial"/>
+              </a:rPr>
+              <a:t>Problémy při návrhu procesu zpracování dat 2/2</a:t>
+            </a:r>
+            <a:endParaRPr lang="cs-CZ" dirty="0"/>
+          </a:p>
+        </p:txBody>
+      </p:sp>
+      <p:sp>
+        <p:nvSpPr>
+          <p:cNvPr id="5" name="Zástupný obsah 2">
+            <a:extLst>
+              <a:ext uri="{FF2B5EF4-FFF2-40B4-BE49-F238E27FC236}">
+                <a16:creationId xmlns:a16="http://schemas.microsoft.com/office/drawing/2014/main" id="{A7A7414C-9949-5028-D2B2-3B45DB49DC06}"/>
+              </a:ext>
+            </a:extLst>
+          </p:cNvPr>
+          <p:cNvSpPr>
+            <a:spLocks noGrp="1"/>
+          </p:cNvSpPr>
+          <p:nvPr>
+            <p:ph idx="1"/>
+          </p:nvPr>
+        </p:nvSpPr>
+        <p:spPr>
+          <a:xfrm>
+            <a:off x="525780" y="1789968"/>
+            <a:ext cx="7882414" cy="4627457"/>
+          </a:xfrm>
+        </p:spPr>
+        <p:txBody>
+          <a:bodyPr vert="horz" lIns="91440" tIns="45720" rIns="91440" bIns="45720" rtlCol="0" anchor="t">
+            <a:noAutofit/>
+          </a:bodyPr>
+          <a:lstStyle/>
+          <a:p>
+            <a:r>
+              <a:rPr lang="cs-CZ" sz="2400" b="1" dirty="0"/>
+              <a:t>Kumulativní povaha časových řad</a:t>
+            </a:r>
+          </a:p>
+          <a:p>
+            <a:r>
+              <a:rPr lang="cs-CZ" sz="2400" b="1"/>
+              <a:t>Problém</a:t>
+            </a:r>
+            <a:r>
+              <a:rPr lang="cs-CZ" sz="2400" b="1" dirty="0"/>
+              <a:t>:</a:t>
+            </a:r>
+            <a:r>
+              <a:rPr lang="cs-CZ" sz="2400" dirty="0"/>
+              <a:t> Standardní funkce </a:t>
+            </a:r>
+            <a:r>
+              <a:rPr lang="cs-CZ" dirty="0"/>
+              <a:t>SUM</a:t>
+            </a:r>
+            <a:r>
+              <a:rPr lang="cs-CZ" sz="2400" dirty="0"/>
+              <a:t> v </a:t>
+            </a:r>
+            <a:r>
+              <a:rPr lang="cs-CZ" sz="2400" dirty="0" err="1"/>
+              <a:t>Power</a:t>
+            </a:r>
+            <a:r>
+              <a:rPr lang="cs-CZ" sz="2400" dirty="0"/>
+              <a:t> BI by při agregaci přes časové období (např. měsíc) sečetla již kumulované hodnoty, což by vedlo k extrémnímu nadhodnocení výsledků (násobení chyb).</a:t>
+            </a:r>
+          </a:p>
+          <a:p>
+            <a:r>
+              <a:rPr lang="cs-CZ" sz="2400" b="1" dirty="0"/>
+              <a:t>Řešení:</a:t>
+            </a:r>
+            <a:r>
+              <a:rPr lang="cs-CZ" sz="2400" dirty="0"/>
+              <a:t> Vytvoření pokročilé logiky v jazyce DAX, která pro výpočet stavu využívá funkci </a:t>
+            </a:r>
+            <a:r>
+              <a:rPr lang="cs-CZ" dirty="0"/>
+              <a:t>MAX</a:t>
+            </a:r>
+            <a:r>
+              <a:rPr lang="cs-CZ" sz="2400" dirty="0"/>
+              <a:t> (hledání konečné hodnoty) a pro výpočet přírůstků logiku </a:t>
+            </a:r>
+            <a:r>
+              <a:rPr lang="cs-CZ" dirty="0"/>
+              <a:t>MAX - MIN</a:t>
+            </a:r>
+            <a:r>
+              <a:rPr lang="cs-CZ" sz="2400" dirty="0"/>
+              <a:t> v rámci vybraného období.</a:t>
+            </a:r>
+          </a:p>
+          <a:p>
+            <a:pPr marL="513715" lvl="1" indent="-170815">
+              <a:buFont typeface="Courier New" panose="020B0604020202020204" pitchFamily="34" charset="0"/>
+              <a:buChar char="o"/>
+            </a:pPr>
+            <a:endParaRPr lang="cs-CZ" sz="1600" dirty="0"/>
+          </a:p>
+          <a:p>
+            <a:pPr marL="513715" lvl="1" indent="-170815">
+              <a:buFont typeface="Courier New" panose="020B0604020202020204" pitchFamily="34" charset="0"/>
+              <a:buChar char="o"/>
+            </a:pPr>
+            <a:endParaRPr lang="cs-CZ" sz="1600" dirty="0"/>
+          </a:p>
+          <a:p>
+            <a:pPr marL="513715" lvl="1" indent="-170815">
+              <a:buFont typeface="Courier New" panose="020B0604020202020204" pitchFamily="34" charset="0"/>
+              <a:buChar char="o"/>
+            </a:pPr>
+            <a:endParaRPr lang="cs-CZ" sz="1600" dirty="0"/>
+          </a:p>
+          <a:p>
+            <a:pPr marL="513715" lvl="1" indent="-170815">
+              <a:buFont typeface="Courier New" panose="020B0604020202020204" pitchFamily="34" charset="0"/>
+              <a:buChar char="o"/>
+            </a:pPr>
+            <a:endParaRPr lang="cs-CZ" sz="1600" dirty="0"/>
+          </a:p>
+          <a:p>
+            <a:pPr marL="856615" lvl="2" indent="-170815">
+              <a:buFont typeface="Wingdings" panose="020B0604020202020204" pitchFamily="34" charset="0"/>
+              <a:buChar char="§"/>
+            </a:pPr>
+            <a:endParaRPr lang="cs-CZ" sz="1300" dirty="0"/>
+          </a:p>
+          <a:p>
+            <a:pPr marL="513715" lvl="1" indent="-170815">
+              <a:buFont typeface="Courier New" panose="020B0604020202020204" pitchFamily="34" charset="0"/>
+              <a:buChar char="o"/>
+            </a:pPr>
+            <a:endParaRPr lang="cs-CZ" sz="2100" dirty="0"/>
+          </a:p>
+          <a:p>
+            <a:pPr marL="170815" indent="-170815"/>
+            <a:endParaRPr lang="cs-CZ" sz="2400" b="1" dirty="0"/>
+          </a:p>
+          <a:p>
+            <a:pPr marL="170815" indent="-170815"/>
+            <a:endParaRPr lang="cs-CZ" sz="2400" b="1" dirty="0"/>
+          </a:p>
+        </p:txBody>
+      </p:sp>
+    </p:spTree>
+    <p:extLst>
+      <p:ext uri="{BB962C8B-B14F-4D97-AF65-F5344CB8AC3E}">
+        <p14:creationId xmlns:p14="http://schemas.microsoft.com/office/powerpoint/2010/main" val="1704218147"/>
+      </p:ext>
+    </p:extLst>
+  </p:cSld>
+  <p:clrMapOvr>
+    <a:masterClrMapping/>
+  </p:clrMapOvr>
+  <mc:AlternateContent xmlns:mc="http://schemas.openxmlformats.org/markup-compatibility/2006" xmlns:p14="http://schemas.microsoft.com/office/powerpoint/2010/main">
+    <mc:Choice Requires="p14">
+      <p:transition spd="med" p14:dur="700">
+        <p:fade/>
+      </p:transition>
+    </mc:Choice>
+    <mc:Fallback xmlns="">
+      <p:transition spd="med">
+        <p:fade/>
+      </p:transition>
+    </mc:Fallback>
+  </mc:AlternateContent>
+</p:sld>
+</file>
+
+<file path=ppt/slides/slide9.xml><?xml version="1.0" encoding="utf-8"?>
+<p:sld xmlns:a="http://schemas.openxmlformats.org/drawingml/2006/main" xmlns:r="http://schemas.openxmlformats.org/officeDocument/2006/relationships" xmlns:p="http://schemas.openxmlformats.org/presentationml/2006/main">
+  <p:cSld>
+    <p:spTree>
+      <p:nvGrpSpPr>
+        <p:cNvPr id="1" name="">
+          <a:extLst>
+            <a:ext uri="{FF2B5EF4-FFF2-40B4-BE49-F238E27FC236}">
+              <a16:creationId xmlns:a16="http://schemas.microsoft.com/office/drawing/2014/main" id="{06D12BB9-1A2F-49A6-8628-165523C80E3C}"/>
+            </a:ext>
+          </a:extLst>
+        </p:cNvPr>
+        <p:cNvGrpSpPr/>
+        <p:nvPr/>
+      </p:nvGrpSpPr>
+      <p:grpSpPr>
+        <a:xfrm>
+          <a:off x="0" y="0"/>
+          <a:ext cx="0" cy="0"/>
+          <a:chOff x="0" y="0"/>
+          <a:chExt cx="0" cy="0"/>
+        </a:xfrm>
+      </p:grpSpPr>
+      <p:sp>
+        <p:nvSpPr>
+          <p:cNvPr id="8" name="Title 1">
+            <a:extLst>
+              <a:ext uri="{FF2B5EF4-FFF2-40B4-BE49-F238E27FC236}">
+                <a16:creationId xmlns:a16="http://schemas.microsoft.com/office/drawing/2014/main" id="{341F95D9-E669-BCED-AD7B-65325E0A26C0}"/>
+              </a:ext>
+            </a:extLst>
+          </p:cNvPr>
+          <p:cNvSpPr>
+            <a:spLocks noGrp="1"/>
+          </p:cNvSpPr>
+          <p:nvPr>
+            <p:ph type="title"/>
+          </p:nvPr>
+        </p:nvSpPr>
+        <p:spPr>
+          <a:xfrm>
+            <a:off x="520860" y="961517"/>
+            <a:ext cx="7779544" cy="689952"/>
+          </a:xfrm>
+        </p:spPr>
+        <p:txBody>
+          <a:bodyPr anchor="t">
+            <a:normAutofit/>
+          </a:bodyPr>
+          <a:lstStyle/>
+          <a:p>
+            <a:r>
+              <a:rPr lang="en-US" dirty="0" err="1"/>
+              <a:t>Regionální</a:t>
+            </a:r>
+            <a:r>
+              <a:rPr lang="en-US" dirty="0"/>
+              <a:t> </a:t>
+            </a:r>
+            <a:r>
+              <a:rPr lang="en-US" dirty="0" err="1"/>
+              <a:t>rozdíly</a:t>
+            </a:r>
+            <a:r>
+              <a:rPr lang="en-US" dirty="0"/>
+              <a:t> - </a:t>
+            </a:r>
+            <a:r>
+              <a:rPr lang="en-US" dirty="0" err="1"/>
+              <a:t>závažnost</a:t>
+            </a:r>
+            <a:endParaRPr lang="en-US" dirty="0"/>
+          </a:p>
+        </p:txBody>
+      </p:sp>
+      <p:pic>
+        <p:nvPicPr>
+          <p:cNvPr id="4" name="Content Placeholder 3">
+            <a:extLst>
+              <a:ext uri="{FF2B5EF4-FFF2-40B4-BE49-F238E27FC236}">
+                <a16:creationId xmlns:a16="http://schemas.microsoft.com/office/drawing/2014/main" id="{A1439470-FF19-1166-4D20-BAAC870676DE}"/>
+              </a:ext>
+            </a:extLst>
+          </p:cNvPr>
+          <p:cNvPicPr>
+            <a:picLocks noGrp="1" noChangeAspect="1"/>
+          </p:cNvPicPr>
+          <p:nvPr>
+            <p:ph idx="1"/>
+          </p:nvPr>
+        </p:nvPicPr>
+        <p:blipFill>
+          <a:blip r:embed="rId3"/>
+          <a:stretch>
+            <a:fillRect/>
+          </a:stretch>
+        </p:blipFill>
+        <p:spPr>
+          <a:xfrm>
+            <a:off x="2250564" y="4098292"/>
+            <a:ext cx="4535716" cy="2222500"/>
+          </a:xfrm>
+          <a:prstGeom prst="rect">
+            <a:avLst/>
+          </a:prstGeom>
+          <a:noFill/>
+        </p:spPr>
+      </p:pic>
+      <p:sp>
+        <p:nvSpPr>
+          <p:cNvPr id="5" name="TextBox 4">
+            <a:extLst>
+              <a:ext uri="{FF2B5EF4-FFF2-40B4-BE49-F238E27FC236}">
+                <a16:creationId xmlns:a16="http://schemas.microsoft.com/office/drawing/2014/main" id="{9C5377BA-454B-492C-EA5A-1B8AE748EC4C}"/>
+              </a:ext>
+            </a:extLst>
+          </p:cNvPr>
+          <p:cNvSpPr txBox="1"/>
+          <p:nvPr/>
+        </p:nvSpPr>
+        <p:spPr>
+          <a:xfrm>
+            <a:off x="520860" y="1789968"/>
+            <a:ext cx="7755038" cy="2031325"/>
+          </a:xfrm>
+          <a:prstGeom prst="rect">
+            <a:avLst/>
+          </a:prstGeom>
+          <a:noFill/>
+        </p:spPr>
+        <p:txBody>
+          <a:bodyPr wrap="square" rtlCol="0">
+            <a:spAutoFit/>
+          </a:bodyPr>
+          <a:lstStyle/>
+          <a:p>
+            <a:pPr marL="285750" indent="-285750">
+              <a:buFont typeface="Arial" panose="020B0604020202020204" pitchFamily="34" charset="0"/>
+              <a:buChar char="•"/>
+            </a:pPr>
+            <a:r>
+              <a:rPr lang="en-GB" b="1" dirty="0" err="1"/>
+              <a:t>Severovýchod</a:t>
+            </a:r>
+            <a:r>
+              <a:rPr lang="en-GB" b="1" dirty="0"/>
+              <a:t> (New Jersey, NY):</a:t>
+            </a:r>
+            <a:r>
+              <a:rPr lang="en-GB" dirty="0"/>
+              <a:t> </a:t>
+            </a:r>
+            <a:r>
+              <a:rPr lang="en-GB" dirty="0" err="1"/>
+              <a:t>Vysoká</a:t>
+            </a:r>
+            <a:r>
+              <a:rPr lang="en-GB" dirty="0"/>
+              <a:t> </a:t>
+            </a:r>
+            <a:r>
+              <a:rPr lang="en-GB" dirty="0" err="1"/>
+              <a:t>závažnost</a:t>
+            </a:r>
+            <a:r>
+              <a:rPr lang="en-GB" dirty="0"/>
+              <a:t> </a:t>
+            </a:r>
+            <a:r>
+              <a:rPr lang="en-GB" dirty="0" err="1"/>
+              <a:t>případů</a:t>
+            </a:r>
+            <a:r>
+              <a:rPr lang="en-GB" dirty="0"/>
+              <a:t> (CFR </a:t>
+            </a:r>
+            <a:r>
+              <a:rPr lang="en-GB" dirty="0" err="1"/>
+              <a:t>cca</a:t>
+            </a:r>
+            <a:r>
+              <a:rPr lang="en-GB" dirty="0"/>
+              <a:t> 4 %).</a:t>
+            </a:r>
+          </a:p>
+          <a:p>
+            <a:pPr marL="285750" indent="-285750">
+              <a:buFont typeface="Arial" panose="020B0604020202020204" pitchFamily="34" charset="0"/>
+              <a:buChar char="•"/>
+            </a:pPr>
+            <a:r>
+              <a:rPr lang="en-GB" dirty="0" err="1"/>
+              <a:t>Důvodem</a:t>
+            </a:r>
+            <a:r>
+              <a:rPr lang="en-GB" dirty="0"/>
+              <a:t> </a:t>
+            </a:r>
+            <a:r>
+              <a:rPr lang="en-GB" dirty="0" err="1"/>
+              <a:t>byla</a:t>
+            </a:r>
+            <a:r>
+              <a:rPr lang="en-GB" dirty="0"/>
+              <a:t> </a:t>
+            </a:r>
+            <a:r>
+              <a:rPr lang="en-GB" dirty="0" err="1"/>
+              <a:t>vysoká</a:t>
+            </a:r>
+            <a:r>
+              <a:rPr lang="en-GB" dirty="0"/>
+              <a:t> </a:t>
+            </a:r>
+            <a:r>
+              <a:rPr lang="en-GB" dirty="0" err="1"/>
+              <a:t>mobilita</a:t>
+            </a:r>
+            <a:r>
+              <a:rPr lang="en-GB" dirty="0"/>
+              <a:t> (</a:t>
+            </a:r>
+            <a:r>
+              <a:rPr lang="en-GB" dirty="0" err="1"/>
+              <a:t>cestování</a:t>
+            </a:r>
+            <a:r>
+              <a:rPr lang="en-GB" dirty="0"/>
+              <a:t>), </a:t>
+            </a:r>
+            <a:r>
+              <a:rPr lang="en-GB" dirty="0" err="1"/>
+              <a:t>hustota</a:t>
+            </a:r>
+            <a:r>
+              <a:rPr lang="en-GB" dirty="0"/>
+              <a:t> </a:t>
+            </a:r>
+            <a:r>
+              <a:rPr lang="en-GB" dirty="0" err="1"/>
+              <a:t>zalidnění</a:t>
+            </a:r>
+            <a:r>
+              <a:rPr lang="en-GB" dirty="0"/>
+              <a:t> a </a:t>
+            </a:r>
+            <a:r>
+              <a:rPr lang="en-GB" dirty="0" err="1"/>
+              <a:t>zasažení</a:t>
+            </a:r>
+            <a:r>
+              <a:rPr lang="en-GB" dirty="0"/>
+              <a:t> v </a:t>
+            </a:r>
+            <a:r>
+              <a:rPr lang="en-GB" dirty="0" err="1"/>
+              <a:t>první</a:t>
+            </a:r>
+            <a:r>
+              <a:rPr lang="en-GB" dirty="0"/>
+              <a:t> </a:t>
+            </a:r>
+            <a:r>
+              <a:rPr lang="en-GB" dirty="0" err="1"/>
+              <a:t>vlně</a:t>
+            </a:r>
+            <a:r>
+              <a:rPr lang="en-GB" dirty="0"/>
+              <a:t> bez </a:t>
+            </a:r>
+            <a:r>
+              <a:rPr lang="en-GB" dirty="0" err="1"/>
+              <a:t>přípravy</a:t>
+            </a:r>
+            <a:r>
+              <a:rPr lang="en-GB" dirty="0"/>
+              <a:t>.</a:t>
+            </a:r>
+          </a:p>
+          <a:p>
+            <a:pPr marL="285750" indent="-285750">
+              <a:buFont typeface="Arial" panose="020B0604020202020204" pitchFamily="34" charset="0"/>
+              <a:buChar char="•"/>
+            </a:pPr>
+            <a:r>
+              <a:rPr lang="en-GB" b="1" dirty="0"/>
+              <a:t>Jih:</a:t>
+            </a:r>
+            <a:r>
+              <a:rPr lang="en-GB" dirty="0"/>
+              <a:t> </a:t>
+            </a:r>
+            <a:r>
+              <a:rPr lang="en-GB" dirty="0" err="1"/>
+              <a:t>Vysoká</a:t>
+            </a:r>
+            <a:r>
+              <a:rPr lang="en-GB" dirty="0"/>
+              <a:t> </a:t>
+            </a:r>
+            <a:r>
+              <a:rPr lang="en-GB" dirty="0" err="1"/>
+              <a:t>závažnost</a:t>
+            </a:r>
+            <a:r>
+              <a:rPr lang="en-GB" dirty="0"/>
+              <a:t> </a:t>
+            </a:r>
+            <a:r>
+              <a:rPr lang="en-GB" dirty="0" err="1"/>
+              <a:t>způsobená</a:t>
+            </a:r>
+            <a:r>
+              <a:rPr lang="en-GB" dirty="0"/>
+              <a:t> </a:t>
+            </a:r>
+            <a:r>
+              <a:rPr lang="en-GB" dirty="0" err="1"/>
+              <a:t>chudobou</a:t>
+            </a:r>
+            <a:r>
+              <a:rPr lang="en-GB" dirty="0"/>
+              <a:t> a </a:t>
+            </a:r>
+            <a:r>
+              <a:rPr lang="en-GB" dirty="0" err="1"/>
+              <a:t>horším</a:t>
+            </a:r>
+            <a:r>
+              <a:rPr lang="en-GB" dirty="0"/>
+              <a:t> </a:t>
+            </a:r>
+            <a:r>
+              <a:rPr lang="en-GB" dirty="0" err="1"/>
+              <a:t>zdravotním</a:t>
+            </a:r>
+            <a:r>
+              <a:rPr lang="en-GB" dirty="0"/>
+              <a:t> </a:t>
+            </a:r>
+            <a:r>
+              <a:rPr lang="en-GB" dirty="0" err="1"/>
+              <a:t>stavem</a:t>
+            </a:r>
+            <a:r>
+              <a:rPr lang="en-GB" dirty="0"/>
+              <a:t> populace.</a:t>
+            </a:r>
+          </a:p>
+          <a:p>
+            <a:pPr marL="285750" indent="-285750">
+              <a:buFont typeface="Arial" panose="020B0604020202020204" pitchFamily="34" charset="0"/>
+              <a:buChar char="•"/>
+            </a:pPr>
+            <a:r>
+              <a:rPr lang="en-GB" dirty="0" err="1"/>
+              <a:t>Průměrná</a:t>
+            </a:r>
+            <a:r>
+              <a:rPr lang="en-GB" dirty="0"/>
+              <a:t> </a:t>
+            </a:r>
+            <a:r>
+              <a:rPr lang="en-GB" dirty="0" err="1"/>
+              <a:t>smrtnost</a:t>
+            </a:r>
+            <a:r>
+              <a:rPr lang="en-GB" dirty="0"/>
+              <a:t> (CFR) v USA </a:t>
+            </a:r>
+            <a:r>
+              <a:rPr lang="en-GB" dirty="0" err="1"/>
+              <a:t>byla</a:t>
+            </a:r>
+            <a:r>
+              <a:rPr lang="en-GB" dirty="0"/>
+              <a:t> </a:t>
+            </a:r>
+            <a:r>
+              <a:rPr lang="en-GB" b="1" dirty="0"/>
+              <a:t>1,74 %</a:t>
+            </a:r>
+            <a:r>
+              <a:rPr lang="en-GB" dirty="0"/>
+              <a:t>. New Jersey </a:t>
+            </a:r>
+            <a:r>
+              <a:rPr lang="en-GB" dirty="0" err="1"/>
+              <a:t>mělo</a:t>
+            </a:r>
+            <a:r>
+              <a:rPr lang="en-GB" dirty="0"/>
+              <a:t> </a:t>
+            </a:r>
+            <a:r>
+              <a:rPr lang="en-GB" dirty="0" err="1"/>
+              <a:t>více</a:t>
+            </a:r>
+            <a:r>
+              <a:rPr lang="en-GB" dirty="0"/>
+              <a:t> </a:t>
+            </a:r>
+            <a:r>
+              <a:rPr lang="en-GB" dirty="0" err="1"/>
+              <a:t>než</a:t>
+            </a:r>
+            <a:r>
+              <a:rPr lang="en-GB" dirty="0"/>
+              <a:t> </a:t>
+            </a:r>
+            <a:r>
+              <a:rPr lang="en-GB" dirty="0" err="1"/>
+              <a:t>dvojnásobek</a:t>
+            </a:r>
+            <a:r>
+              <a:rPr lang="en-GB" dirty="0"/>
+              <a:t>.</a:t>
+            </a:r>
+          </a:p>
+        </p:txBody>
+      </p:sp>
+      <p:sp>
+        <p:nvSpPr>
+          <p:cNvPr id="3" name="TextovéPole 3">
+            <a:extLst>
+              <a:ext uri="{FF2B5EF4-FFF2-40B4-BE49-F238E27FC236}">
+                <a16:creationId xmlns:a16="http://schemas.microsoft.com/office/drawing/2014/main" id="{9257BCD5-2C7F-CA14-9759-80E5C79D58B1}"/>
+              </a:ext>
+            </a:extLst>
+          </p:cNvPr>
+          <p:cNvSpPr txBox="1"/>
+          <p:nvPr/>
+        </p:nvSpPr>
+        <p:spPr>
+          <a:xfrm>
+            <a:off x="6897482" y="6422257"/>
+            <a:ext cx="2743200" cy="365760"/>
+          </a:xfrm>
+          <a:prstGeom prst="rect">
+            <a:avLst/>
+          </a:prstGeom>
+          <a:noFill/>
+        </p:spPr>
+        <p:txBody>
+          <a:bodyPr rot="0" spcFirstLastPara="0" vertOverflow="overflow" horzOverflow="overflow" vert="horz" wrap="square" lIns="91440" tIns="45720" rIns="91440" bIns="45720" numCol="1" spcCol="0" rtlCol="0" fromWordArt="0" anchor="t" anchorCtr="0" forceAA="0" compatLnSpc="1">
+            <a:prstTxWarp prst="textNoShape">
+              <a:avLst/>
+            </a:prstTxWarp>
+            <a:spAutoFit/>
+          </a:bodyPr>
+          <a:lstStyle/>
+          <a:p>
+            <a:r>
+              <a:rPr lang="cs-CZ" dirty="0">
+                <a:ea typeface="Calibri"/>
+                <a:cs typeface="Calibri"/>
+              </a:rPr>
+              <a:t>Zdroj: Autor, 2026</a:t>
+            </a:r>
+            <a:endParaRPr lang="cs-CZ" dirty="0"/>
+          </a:p>
+        </p:txBody>
+      </p:sp>
+    </p:spTree>
+    <p:extLst>
+      <p:ext uri="{BB962C8B-B14F-4D97-AF65-F5344CB8AC3E}">
+        <p14:creationId xmlns:p14="http://schemas.microsoft.com/office/powerpoint/2010/main" val="3507140480"/>
+      </p:ext>
+    </p:extLst>
+  </p:cSld>
+  <p:clrMapOvr>
+    <a:masterClrMapping/>
+  </p:clrMapOvr>
+  <mc:AlternateContent xmlns:mc="http://schemas.openxmlformats.org/markup-compatibility/2006">
+    <mc:Choice xmlns:p14="http://schemas.microsoft.com/office/powerpoint/2010/main" Requires="p14">
+      <p:transition spd="med" p14:dur="700">
+        <p:fade/>
+      </p:transition>
+    </mc:Choice>
+    <mc:Fallback>
       <p:transition spd="med">
         <p:fade/>
       </p:transition>
@@ -10962,6 +18052,616 @@
 </a:theme>
 </file>
 
+<file path=ppt/theme/theme4.xml><?xml version="1.0" encoding="utf-8"?>
+<a:theme xmlns:a="http://schemas.openxmlformats.org/drawingml/2006/main" name="1_Mezititulek / Závěr">
+  <a:themeElements>
+    <a:clrScheme name="Office">
+      <a:dk1>
+        <a:sysClr val="windowText" lastClr="000000"/>
+      </a:dk1>
+      <a:lt1>
+        <a:sysClr val="window" lastClr="FFFFFF"/>
+      </a:lt1>
+      <a:dk2>
+        <a:srgbClr val="44546A"/>
+      </a:dk2>
+      <a:lt2>
+        <a:srgbClr val="E7E6E6"/>
+      </a:lt2>
+      <a:accent1>
+        <a:srgbClr val="4472C4"/>
+      </a:accent1>
+      <a:accent2>
+        <a:srgbClr val="ED7D31"/>
+      </a:accent2>
+      <a:accent3>
+        <a:srgbClr val="A5A5A5"/>
+      </a:accent3>
+      <a:accent4>
+        <a:srgbClr val="FFC000"/>
+      </a:accent4>
+      <a:accent5>
+        <a:srgbClr val="5B9BD5"/>
+      </a:accent5>
+      <a:accent6>
+        <a:srgbClr val="70AD47"/>
+      </a:accent6>
+      <a:hlink>
+        <a:srgbClr val="0563C1"/>
+      </a:hlink>
+      <a:folHlink>
+        <a:srgbClr val="954F72"/>
+      </a:folHlink>
+    </a:clrScheme>
+    <a:fontScheme name="Office">
+      <a:majorFont>
+        <a:latin typeface="Calibri Light" panose="020F0302020204030204"/>
+        <a:ea typeface=""/>
+        <a:cs typeface=""/>
+        <a:font script="Jpan" typeface="游ゴシック Light"/>
+        <a:font script="Hang" typeface="맑은 고딕"/>
+        <a:font script="Hans" typeface="等线 Light"/>
+        <a:font script="Hant" typeface="新細明體"/>
+        <a:font script="Arab" typeface="Times New Roman"/>
+        <a:font script="Hebr" typeface="Times New Roman"/>
+        <a:font script="Thai" typeface="Angsana New"/>
+        <a:font script="Ethi" typeface="Nyala"/>
+        <a:font script="Beng" typeface="Vrinda"/>
+        <a:font script="Gujr" typeface="Shruti"/>
+        <a:font script="Khmr" typeface="MoolBoran"/>
+        <a:font script="Knda" typeface="Tunga"/>
+        <a:font script="Guru" typeface="Raavi"/>
+        <a:font script="Cans" typeface="Euphemia"/>
+        <a:font script="Cher" typeface="Plantagenet Cherokee"/>
+        <a:font script="Yiii" typeface="Microsoft Yi Baiti"/>
+        <a:font script="Tibt" typeface="Microsoft Himalaya"/>
+        <a:font script="Thaa" typeface="MV Boli"/>
+        <a:font script="Deva" typeface="Mangal"/>
+        <a:font script="Telu" typeface="Gautami"/>
+        <a:font script="Taml" typeface="Latha"/>
+        <a:font script="Syrc" typeface="Estrangelo Edessa"/>
+        <a:font script="Orya" typeface="Kalinga"/>
+        <a:font script="Mlym" typeface="Kartika"/>
+        <a:font script="Laoo" typeface="DokChampa"/>
+        <a:font script="Sinh" typeface="Iskoola Pota"/>
+        <a:font script="Mong" typeface="Mongolian Baiti"/>
+        <a:font script="Viet" typeface="Times New Roman"/>
+        <a:font script="Uigh" typeface="Microsoft Uighur"/>
+        <a:font script="Geor" typeface="Sylfaen"/>
+        <a:font script="Armn" typeface="Arial"/>
+        <a:font script="Bugi" typeface="Leelawadee UI"/>
+        <a:font script="Bopo" typeface="Microsoft JhengHei"/>
+        <a:font script="Java" typeface="Javanese Text"/>
+        <a:font script="Lisu" typeface="Segoe UI"/>
+        <a:font script="Mymr" typeface="Myanmar Text"/>
+        <a:font script="Nkoo" typeface="Ebrima"/>
+        <a:font script="Olck" typeface="Nirmala UI"/>
+        <a:font script="Osma" typeface="Ebrima"/>
+        <a:font script="Phag" typeface="Phagspa"/>
+        <a:font script="Syrn" typeface="Estrangelo Edessa"/>
+        <a:font script="Syrj" typeface="Estrangelo Edessa"/>
+        <a:font script="Syre" typeface="Estrangelo Edessa"/>
+        <a:font script="Sora" typeface="Nirmala UI"/>
+        <a:font script="Tale" typeface="Microsoft Tai Le"/>
+        <a:font script="Talu" typeface="Microsoft New Tai Lue"/>
+        <a:font script="Tfng" typeface="Ebrima"/>
+      </a:majorFont>
+      <a:minorFont>
+        <a:latin typeface="Calibri" panose="020F0502020204030204"/>
+        <a:ea typeface=""/>
+        <a:cs typeface=""/>
+        <a:font script="Jpan" typeface="游ゴシック"/>
+        <a:font script="Hang" typeface="맑은 고딕"/>
+        <a:font script="Hans" typeface="等线"/>
+        <a:font script="Hant" typeface="新細明體"/>
+        <a:font script="Arab" typeface="Arial"/>
+        <a:font script="Hebr" typeface="Arial"/>
+        <a:font script="Thai" typeface="Cordia New"/>
+        <a:font script="Ethi" typeface="Nyala"/>
+        <a:font script="Beng" typeface="Vrinda"/>
+        <a:font script="Gujr" typeface="Shruti"/>
+        <a:font script="Khmr" typeface="DaunPenh"/>
+        <a:font script="Knda" typeface="Tunga"/>
+        <a:font script="Guru" typeface="Raavi"/>
+        <a:font script="Cans" typeface="Euphemia"/>
+        <a:font script="Cher" typeface="Plantagenet Cherokee"/>
+        <a:font script="Yiii" typeface="Microsoft Yi Baiti"/>
+        <a:font script="Tibt" typeface="Microsoft Himalaya"/>
+        <a:font script="Thaa" typeface="MV Boli"/>
+        <a:font script="Deva" typeface="Mangal"/>
+        <a:font script="Telu" typeface="Gautami"/>
+        <a:font script="Taml" typeface="Latha"/>
+        <a:font script="Syrc" typeface="Estrangelo Edessa"/>
+        <a:font script="Orya" typeface="Kalinga"/>
+        <a:font script="Mlym" typeface="Kartika"/>
+        <a:font script="Laoo" typeface="DokChampa"/>
+        <a:font script="Sinh" typeface="Iskoola Pota"/>
+        <a:font script="Mong" typeface="Mongolian Baiti"/>
+        <a:font script="Viet" typeface="Arial"/>
+        <a:font script="Uigh" typeface="Microsoft Uighur"/>
+        <a:font script="Geor" typeface="Sylfaen"/>
+        <a:font script="Armn" typeface="Arial"/>
+        <a:font script="Bugi" typeface="Leelawadee UI"/>
+        <a:font script="Bopo" typeface="Microsoft JhengHei"/>
+        <a:font script="Java" typeface="Javanese Text"/>
+        <a:font script="Lisu" typeface="Segoe UI"/>
+        <a:font script="Mymr" typeface="Myanmar Text"/>
+        <a:font script="Nkoo" typeface="Ebrima"/>
+        <a:font script="Olck" typeface="Nirmala UI"/>
+        <a:font script="Osma" typeface="Ebrima"/>
+        <a:font script="Phag" typeface="Phagspa"/>
+        <a:font script="Syrn" typeface="Estrangelo Edessa"/>
+        <a:font script="Syrj" typeface="Estrangelo Edessa"/>
+        <a:font script="Syre" typeface="Estrangelo Edessa"/>
+        <a:font script="Sora" typeface="Nirmala UI"/>
+        <a:font script="Tale" typeface="Microsoft Tai Le"/>
+        <a:font script="Talu" typeface="Microsoft New Tai Lue"/>
+        <a:font script="Tfng" typeface="Ebrima"/>
+      </a:minorFont>
+    </a:fontScheme>
+    <a:fmtScheme name="Office">
+      <a:fillStyleLst>
+        <a:solidFill>
+          <a:schemeClr val="phClr"/>
+        </a:solidFill>
+        <a:gradFill rotWithShape="1">
+          <a:gsLst>
+            <a:gs pos="0">
+              <a:schemeClr val="phClr">
+                <a:lumMod val="110000"/>
+                <a:satMod val="105000"/>
+                <a:tint val="67000"/>
+              </a:schemeClr>
+            </a:gs>
+            <a:gs pos="50000">
+              <a:schemeClr val="phClr">
+                <a:lumMod val="105000"/>
+                <a:satMod val="103000"/>
+                <a:tint val="73000"/>
+              </a:schemeClr>
+            </a:gs>
+            <a:gs pos="100000">
+              <a:schemeClr val="phClr">
+                <a:lumMod val="105000"/>
+                <a:satMod val="109000"/>
+                <a:tint val="81000"/>
+              </a:schemeClr>
+            </a:gs>
+          </a:gsLst>
+          <a:lin ang="5400000" scaled="0"/>
+        </a:gradFill>
+        <a:gradFill rotWithShape="1">
+          <a:gsLst>
+            <a:gs pos="0">
+              <a:schemeClr val="phClr">
+                <a:satMod val="103000"/>
+                <a:lumMod val="102000"/>
+                <a:tint val="94000"/>
+              </a:schemeClr>
+            </a:gs>
+            <a:gs pos="50000">
+              <a:schemeClr val="phClr">
+                <a:satMod val="110000"/>
+                <a:lumMod val="100000"/>
+                <a:shade val="100000"/>
+              </a:schemeClr>
+            </a:gs>
+            <a:gs pos="100000">
+              <a:schemeClr val="phClr">
+                <a:lumMod val="99000"/>
+                <a:satMod val="120000"/>
+                <a:shade val="78000"/>
+              </a:schemeClr>
+            </a:gs>
+          </a:gsLst>
+          <a:lin ang="5400000" scaled="0"/>
+        </a:gradFill>
+      </a:fillStyleLst>
+      <a:lnStyleLst>
+        <a:ln w="6350" cap="flat" cmpd="sng" algn="ctr">
+          <a:solidFill>
+            <a:schemeClr val="phClr"/>
+          </a:solidFill>
+          <a:prstDash val="solid"/>
+          <a:miter lim="800000"/>
+        </a:ln>
+        <a:ln w="12700" cap="flat" cmpd="sng" algn="ctr">
+          <a:solidFill>
+            <a:schemeClr val="phClr"/>
+          </a:solidFill>
+          <a:prstDash val="solid"/>
+          <a:miter lim="800000"/>
+        </a:ln>
+        <a:ln w="19050" cap="flat" cmpd="sng" algn="ctr">
+          <a:solidFill>
+            <a:schemeClr val="phClr"/>
+          </a:solidFill>
+          <a:prstDash val="solid"/>
+          <a:miter lim="800000"/>
+        </a:ln>
+      </a:lnStyleLst>
+      <a:effectStyleLst>
+        <a:effectStyle>
+          <a:effectLst/>
+        </a:effectStyle>
+        <a:effectStyle>
+          <a:effectLst/>
+        </a:effectStyle>
+        <a:effectStyle>
+          <a:effectLst>
+            <a:outerShdw blurRad="57150" dist="19050" dir="5400000" algn="ctr" rotWithShape="0">
+              <a:srgbClr val="000000">
+                <a:alpha val="63000"/>
+              </a:srgbClr>
+            </a:outerShdw>
+          </a:effectLst>
+        </a:effectStyle>
+      </a:effectStyleLst>
+      <a:bgFillStyleLst>
+        <a:solidFill>
+          <a:schemeClr val="phClr"/>
+        </a:solidFill>
+        <a:solidFill>
+          <a:schemeClr val="phClr">
+            <a:tint val="95000"/>
+            <a:satMod val="170000"/>
+          </a:schemeClr>
+        </a:solidFill>
+        <a:gradFill rotWithShape="1">
+          <a:gsLst>
+            <a:gs pos="0">
+              <a:schemeClr val="phClr">
+                <a:tint val="93000"/>
+                <a:satMod val="150000"/>
+                <a:shade val="98000"/>
+                <a:lumMod val="102000"/>
+              </a:schemeClr>
+            </a:gs>
+            <a:gs pos="50000">
+              <a:schemeClr val="phClr">
+                <a:tint val="98000"/>
+                <a:satMod val="130000"/>
+                <a:shade val="90000"/>
+                <a:lumMod val="103000"/>
+              </a:schemeClr>
+            </a:gs>
+            <a:gs pos="100000">
+              <a:schemeClr val="phClr">
+                <a:shade val="63000"/>
+                <a:satMod val="120000"/>
+              </a:schemeClr>
+            </a:gs>
+          </a:gsLst>
+          <a:lin ang="5400000" scaled="0"/>
+        </a:gradFill>
+      </a:bgFillStyleLst>
+    </a:fmtScheme>
+  </a:themeElements>
+  <a:objectDefaults/>
+  <a:extraClrSchemeLst/>
+  <a:extLst>
+    <a:ext uri="{05A4C25C-085E-4340-85A3-A5531E510DB2}">
+      <thm15:themeFamily xmlns:thm15="http://schemas.microsoft.com/office/thememl/2012/main" name="FIS_CZ_4_3.potx" id="{83264117-D02B-4AB3-9535-F55BD4626F0A}" vid="{0719A898-E866-4DE1-A0C7-6673E2DE6ACC}"/>
+    </a:ext>
+  </a:extLst>
+</a:theme>
+</file>
+
+<file path=ppt/theme/theme5.xml><?xml version="1.0" encoding="utf-8"?>
+<a:theme xmlns:a="http://schemas.openxmlformats.org/drawingml/2006/main" name="Office Theme">
+  <a:themeElements>
+    <a:clrScheme name="Office">
+      <a:dk1>
+        <a:sysClr val="windowText" lastClr="000000"/>
+      </a:dk1>
+      <a:lt1>
+        <a:sysClr val="window" lastClr="FFFFFF"/>
+      </a:lt1>
+      <a:dk2>
+        <a:srgbClr val="0E2841"/>
+      </a:dk2>
+      <a:lt2>
+        <a:srgbClr val="E8E8E8"/>
+      </a:lt2>
+      <a:accent1>
+        <a:srgbClr val="156082"/>
+      </a:accent1>
+      <a:accent2>
+        <a:srgbClr val="E97132"/>
+      </a:accent2>
+      <a:accent3>
+        <a:srgbClr val="196B24"/>
+      </a:accent3>
+      <a:accent4>
+        <a:srgbClr val="0F9ED5"/>
+      </a:accent4>
+      <a:accent5>
+        <a:srgbClr val="A02B93"/>
+      </a:accent5>
+      <a:accent6>
+        <a:srgbClr val="4EA72E"/>
+      </a:accent6>
+      <a:hlink>
+        <a:srgbClr val="467886"/>
+      </a:hlink>
+      <a:folHlink>
+        <a:srgbClr val="96607D"/>
+      </a:folHlink>
+    </a:clrScheme>
+    <a:fontScheme name="Office">
+      <a:majorFont>
+        <a:latin typeface="Aptos Display" panose="02110004020202020204"/>
+        <a:ea typeface=""/>
+        <a:cs typeface=""/>
+        <a:font script="Jpan" typeface="游ゴシック Light"/>
+        <a:font script="Hang" typeface="맑은 고딕"/>
+        <a:font script="Hans" typeface="等线 Light"/>
+        <a:font script="Hant" typeface="新細明體"/>
+        <a:font script="Arab" typeface="Times New Roman"/>
+        <a:font script="Hebr" typeface="Times New Roman"/>
+        <a:font script="Thai" typeface="Angsana New"/>
+        <a:font script="Ethi" typeface="Nyala"/>
+        <a:font script="Beng" typeface="Vrinda"/>
+        <a:font script="Gujr" typeface="Shruti"/>
+        <a:font script="Khmr" typeface="MoolBoran"/>
+        <a:font script="Knda" typeface="Tunga"/>
+        <a:font script="Guru" typeface="Raavi"/>
+        <a:font script="Cans" typeface="Euphemia"/>
+        <a:font script="Cher" typeface="Plantagenet Cherokee"/>
+        <a:font script="Yiii" typeface="Microsoft Yi Baiti"/>
+        <a:font script="Tibt" typeface="Microsoft Himalaya"/>
+        <a:font script="Thaa" typeface="MV Boli"/>
+        <a:font script="Deva" typeface="Mangal"/>
+        <a:font script="Telu" typeface="Gautami"/>
+        <a:font script="Taml" typeface="Latha"/>
+        <a:font script="Syrc" typeface="Estrangelo Edessa"/>
+        <a:font script="Orya" typeface="Kalinga"/>
+        <a:font script="Mlym" typeface="Kartika"/>
+        <a:font script="Laoo" typeface="DokChampa"/>
+        <a:font script="Sinh" typeface="Iskoola Pota"/>
+        <a:font script="Mong" typeface="Mongolian Baiti"/>
+        <a:font script="Viet" typeface="Times New Roman"/>
+        <a:font script="Uigh" typeface="Microsoft Uighur"/>
+        <a:font script="Geor" typeface="Sylfaen"/>
+        <a:font script="Armn" typeface="Arial"/>
+        <a:font script="Bugi" typeface="Leelawadee UI"/>
+        <a:font script="Bopo" typeface="Microsoft JhengHei"/>
+        <a:font script="Java" typeface="Javanese Text"/>
+        <a:font script="Lisu" typeface="Segoe UI"/>
+        <a:font script="Mymr" typeface="Myanmar Text"/>
+        <a:font script="Nkoo" typeface="Ebrima"/>
+        <a:font script="Olck" typeface="Nirmala UI"/>
+        <a:font script="Osma" typeface="Ebrima"/>
+        <a:font script="Phag" typeface="Phagspa"/>
+        <a:font script="Syrn" typeface="Estrangelo Edessa"/>
+        <a:font script="Syrj" typeface="Estrangelo Edessa"/>
+        <a:font script="Syre" typeface="Estrangelo Edessa"/>
+        <a:font script="Sora" typeface="Nirmala UI"/>
+        <a:font script="Tale" typeface="Microsoft Tai Le"/>
+        <a:font script="Talu" typeface="Microsoft New Tai Lue"/>
+        <a:font script="Tfng" typeface="Ebrima"/>
+      </a:majorFont>
+      <a:minorFont>
+        <a:latin typeface="Aptos" panose="02110004020202020204"/>
+        <a:ea typeface=""/>
+        <a:cs typeface=""/>
+        <a:font script="Jpan" typeface="游ゴシック"/>
+        <a:font script="Hang" typeface="맑은 고딕"/>
+        <a:font script="Hans" typeface="等线"/>
+        <a:font script="Hant" typeface="新細明體"/>
+        <a:font script="Arab" typeface="Arial"/>
+        <a:font script="Hebr" typeface="Arial"/>
+        <a:font script="Thai" typeface="Cordia New"/>
+        <a:font script="Ethi" typeface="Nyala"/>
+        <a:font script="Beng" typeface="Vrinda"/>
+        <a:font script="Gujr" typeface="Shruti"/>
+        <a:font script="Khmr" typeface="DaunPenh"/>
+        <a:font script="Knda" typeface="Tunga"/>
+        <a:font script="Guru" typeface="Raavi"/>
+        <a:font script="Cans" typeface="Euphemia"/>
+        <a:font script="Cher" typeface="Plantagenet Cherokee"/>
+        <a:font script="Yiii" typeface="Microsoft Yi Baiti"/>
+        <a:font script="Tibt" typeface="Microsoft Himalaya"/>
+        <a:font script="Thaa" typeface="MV Boli"/>
+        <a:font script="Deva" typeface="Mangal"/>
+        <a:font script="Telu" typeface="Gautami"/>
+        <a:font script="Taml" typeface="Latha"/>
+        <a:font script="Syrc" typeface="Estrangelo Edessa"/>
+        <a:font script="Orya" typeface="Kalinga"/>
+        <a:font script="Mlym" typeface="Kartika"/>
+        <a:font script="Laoo" typeface="DokChampa"/>
+        <a:font script="Sinh" typeface="Iskoola Pota"/>
+        <a:font script="Mong" typeface="Mongolian Baiti"/>
+        <a:font script="Viet" typeface="Arial"/>
+        <a:font script="Uigh" typeface="Microsoft Uighur"/>
+        <a:font script="Geor" typeface="Sylfaen"/>
+        <a:font script="Armn" typeface="Arial"/>
+        <a:font script="Bugi" typeface="Leelawadee UI"/>
+        <a:font script="Bopo" typeface="Microsoft JhengHei"/>
+        <a:font script="Java" typeface="Javanese Text"/>
+        <a:font script="Lisu" typeface="Segoe UI"/>
+        <a:font script="Mymr" typeface="Myanmar Text"/>
+        <a:font script="Nkoo" typeface="Ebrima"/>
+        <a:font script="Olck" typeface="Nirmala UI"/>
+        <a:font script="Osma" typeface="Ebrima"/>
+        <a:font script="Phag" typeface="Phagspa"/>
+        <a:font script="Syrn" typeface="Estrangelo Edessa"/>
+        <a:font script="Syrj" typeface="Estrangelo Edessa"/>
+        <a:font script="Syre" typeface="Estrangelo Edessa"/>
+        <a:font script="Sora" typeface="Nirmala UI"/>
+        <a:font script="Tale" typeface="Microsoft Tai Le"/>
+        <a:font script="Talu" typeface="Microsoft New Tai Lue"/>
+        <a:font script="Tfng" typeface="Ebrima"/>
+      </a:minorFont>
+    </a:fontScheme>
+    <a:fmtScheme name="Office">
+      <a:fillStyleLst>
+        <a:solidFill>
+          <a:schemeClr val="phClr"/>
+        </a:solidFill>
+        <a:gradFill rotWithShape="1">
+          <a:gsLst>
+            <a:gs pos="0">
+              <a:schemeClr val="phClr">
+                <a:lumMod val="110000"/>
+                <a:satMod val="105000"/>
+                <a:tint val="67000"/>
+              </a:schemeClr>
+            </a:gs>
+            <a:gs pos="50000">
+              <a:schemeClr val="phClr">
+                <a:lumMod val="105000"/>
+                <a:satMod val="103000"/>
+                <a:tint val="73000"/>
+              </a:schemeClr>
+            </a:gs>
+            <a:gs pos="100000">
+              <a:schemeClr val="phClr">
+                <a:lumMod val="105000"/>
+                <a:satMod val="109000"/>
+                <a:tint val="81000"/>
+              </a:schemeClr>
+            </a:gs>
+          </a:gsLst>
+          <a:lin ang="5400000" scaled="0"/>
+        </a:gradFill>
+        <a:gradFill rotWithShape="1">
+          <a:gsLst>
+            <a:gs pos="0">
+              <a:schemeClr val="phClr">
+                <a:satMod val="103000"/>
+                <a:lumMod val="102000"/>
+                <a:tint val="94000"/>
+              </a:schemeClr>
+            </a:gs>
+            <a:gs pos="50000">
+              <a:schemeClr val="phClr">
+                <a:satMod val="110000"/>
+                <a:lumMod val="100000"/>
+                <a:shade val="100000"/>
+              </a:schemeClr>
+            </a:gs>
+            <a:gs pos="100000">
+              <a:schemeClr val="phClr">
+                <a:lumMod val="99000"/>
+                <a:satMod val="120000"/>
+                <a:shade val="78000"/>
+              </a:schemeClr>
+            </a:gs>
+          </a:gsLst>
+          <a:lin ang="5400000" scaled="0"/>
+        </a:gradFill>
+      </a:fillStyleLst>
+      <a:lnStyleLst>
+        <a:ln w="12700" cap="flat" cmpd="sng" algn="ctr">
+          <a:solidFill>
+            <a:schemeClr val="phClr"/>
+          </a:solidFill>
+          <a:prstDash val="solid"/>
+          <a:miter lim="800000"/>
+        </a:ln>
+        <a:ln w="19050" cap="flat" cmpd="sng" algn="ctr">
+          <a:solidFill>
+            <a:schemeClr val="phClr"/>
+          </a:solidFill>
+          <a:prstDash val="solid"/>
+          <a:miter lim="800000"/>
+        </a:ln>
+        <a:ln w="25400" cap="flat" cmpd="sng" algn="ctr">
+          <a:solidFill>
+            <a:schemeClr val="phClr"/>
+          </a:solidFill>
+          <a:prstDash val="solid"/>
+          <a:miter lim="800000"/>
+        </a:ln>
+      </a:lnStyleLst>
+      <a:effectStyleLst>
+        <a:effectStyle>
+          <a:effectLst/>
+        </a:effectStyle>
+        <a:effectStyle>
+          <a:effectLst/>
+        </a:effectStyle>
+        <a:effectStyle>
+          <a:effectLst>
+            <a:outerShdw blurRad="57150" dist="19050" dir="5400000" algn="ctr" rotWithShape="0">
+              <a:srgbClr val="000000">
+                <a:alpha val="63000"/>
+              </a:srgbClr>
+            </a:outerShdw>
+          </a:effectLst>
+        </a:effectStyle>
+      </a:effectStyleLst>
+      <a:bgFillStyleLst>
+        <a:solidFill>
+          <a:schemeClr val="phClr"/>
+        </a:solidFill>
+        <a:solidFill>
+          <a:schemeClr val="phClr">
+            <a:tint val="95000"/>
+            <a:satMod val="170000"/>
+          </a:schemeClr>
+        </a:solidFill>
+        <a:gradFill rotWithShape="1">
+          <a:gsLst>
+            <a:gs pos="0">
+              <a:schemeClr val="phClr">
+                <a:tint val="93000"/>
+                <a:satMod val="150000"/>
+                <a:shade val="98000"/>
+                <a:lumMod val="102000"/>
+              </a:schemeClr>
+            </a:gs>
+            <a:gs pos="50000">
+              <a:schemeClr val="phClr">
+                <a:tint val="98000"/>
+                <a:satMod val="130000"/>
+                <a:shade val="90000"/>
+                <a:lumMod val="103000"/>
+              </a:schemeClr>
+            </a:gs>
+            <a:gs pos="100000">
+              <a:schemeClr val="phClr">
+                <a:shade val="63000"/>
+                <a:satMod val="120000"/>
+              </a:schemeClr>
+            </a:gs>
+          </a:gsLst>
+          <a:lin ang="5400000" scaled="0"/>
+        </a:gradFill>
+      </a:bgFillStyleLst>
+    </a:fmtScheme>
+  </a:themeElements>
+  <a:objectDefaults>
+    <a:lnDef>
+      <a:spPr/>
+      <a:bodyPr/>
+      <a:lstStyle/>
+      <a:style>
+        <a:lnRef idx="2">
+          <a:schemeClr val="accent1"/>
+        </a:lnRef>
+        <a:fillRef idx="0">
+          <a:schemeClr val="accent1"/>
+        </a:fillRef>
+        <a:effectRef idx="1">
+          <a:schemeClr val="accent1"/>
+        </a:effectRef>
+        <a:fontRef idx="minor">
+          <a:schemeClr val="tx1"/>
+        </a:fontRef>
+      </a:style>
+    </a:lnDef>
+  </a:objectDefaults>
+  <a:extraClrSchemeLst/>
+  <a:extLst>
+    <a:ext uri="{05A4C25C-085E-4340-85A3-A5531E510DB2}">
+      <thm15:themeFamily xmlns:thm15="http://schemas.microsoft.com/office/thememl/2012/main" name="Office Theme" id="{2E142A2C-CD16-42D6-873A-C26D2A0506FA}" vid="{1BDDFF52-6CD6-40A5-AB3C-68EB2F1E4D0A}"/>
+    </a:ext>
+  </a:extLst>
+</a:theme>
+</file>
+
 <file path=customXml/item1.xml><?xml version="1.0" encoding="utf-8"?>
 <?mso-contentType ?>
 <FormTemplates xmlns="http://schemas.microsoft.com/sharepoint/v3/contenttype/forms">
